--- a/Docs/Rushup.pptx
+++ b/Docs/Rushup.pptx
@@ -6,11 +6,13 @@
   </p:sldMasterIdLst>
   <p:sldIdLst>
     <p:sldId id="256" r:id="rId2"/>
-    <p:sldId id="257" r:id="rId3"/>
-    <p:sldId id="258" r:id="rId4"/>
-    <p:sldId id="259" r:id="rId5"/>
-    <p:sldId id="260" r:id="rId6"/>
-    <p:sldId id="261" r:id="rId7"/>
+    <p:sldId id="263" r:id="rId3"/>
+    <p:sldId id="257" r:id="rId4"/>
+    <p:sldId id="264" r:id="rId5"/>
+    <p:sldId id="259" r:id="rId6"/>
+    <p:sldId id="262" r:id="rId7"/>
+    <p:sldId id="260" r:id="rId8"/>
+    <p:sldId id="261" r:id="rId9"/>
   </p:sldIdLst>
   <p:sldSz cx="12192000" cy="6858000"/>
   <p:notesSz cx="6858000" cy="9144000"/>
@@ -12441,6 +12443,152 @@
             </a:r>
             <a:r>
               <a:rPr lang="fr-FR" dirty="0" smtClean="0"/>
+              <a:t> - Game</a:t>
+            </a:r>
+            <a:endParaRPr lang="fr-FR" dirty="0"/>
+          </a:p>
+        </p:txBody>
+      </p:sp>
+      <p:pic>
+        <p:nvPicPr>
+          <p:cNvPr id="8" name="Espace réservé du contenu 7"/>
+          <p:cNvPicPr>
+            <a:picLocks noGrp="1" noChangeAspect="1"/>
+          </p:cNvPicPr>
+          <p:nvPr>
+            <p:ph idx="1"/>
+          </p:nvPr>
+        </p:nvPicPr>
+        <p:blipFill>
+          <a:blip r:embed="rId2">
+            <a:extLst>
+              <a:ext uri="{28A0092B-C50C-407E-A947-70E740481C1C}">
+                <a14:useLocalDpi xmlns:a14="http://schemas.microsoft.com/office/drawing/2010/main" val="0"/>
+              </a:ext>
+            </a:extLst>
+          </a:blip>
+          <a:stretch>
+            <a:fillRect/>
+          </a:stretch>
+        </p:blipFill>
+        <p:spPr>
+          <a:xfrm>
+            <a:off x="1327886" y="2097088"/>
+            <a:ext cx="2369819" cy="3235897"/>
+          </a:xfrm>
+        </p:spPr>
+      </p:pic>
+      <p:pic>
+        <p:nvPicPr>
+          <p:cNvPr id="9" name="Image 8"/>
+          <p:cNvPicPr>
+            <a:picLocks noChangeAspect="1"/>
+          </p:cNvPicPr>
+          <p:nvPr/>
+        </p:nvPicPr>
+        <p:blipFill>
+          <a:blip r:embed="rId3">
+            <a:extLst>
+              <a:ext uri="{28A0092B-C50C-407E-A947-70E740481C1C}">
+                <a14:useLocalDpi xmlns:a14="http://schemas.microsoft.com/office/drawing/2010/main" val="0"/>
+              </a:ext>
+            </a:extLst>
+          </a:blip>
+          <a:stretch>
+            <a:fillRect/>
+          </a:stretch>
+        </p:blipFill>
+        <p:spPr>
+          <a:xfrm>
+            <a:off x="4099760" y="2097088"/>
+            <a:ext cx="3848100" cy="2933700"/>
+          </a:xfrm>
+          <a:prstGeom prst="rect">
+            <a:avLst/>
+          </a:prstGeom>
+        </p:spPr>
+      </p:pic>
+      <p:pic>
+        <p:nvPicPr>
+          <p:cNvPr id="12" name="Image 11"/>
+          <p:cNvPicPr>
+            <a:picLocks noChangeAspect="1"/>
+          </p:cNvPicPr>
+          <p:nvPr/>
+        </p:nvPicPr>
+        <p:blipFill>
+          <a:blip r:embed="rId4">
+            <a:extLst>
+              <a:ext uri="{28A0092B-C50C-407E-A947-70E740481C1C}">
+                <a14:useLocalDpi xmlns:a14="http://schemas.microsoft.com/office/drawing/2010/main" val="0"/>
+              </a:ext>
+            </a:extLst>
+          </a:blip>
+          <a:stretch>
+            <a:fillRect/>
+          </a:stretch>
+        </p:blipFill>
+        <p:spPr>
+          <a:xfrm>
+            <a:off x="8349915" y="2474554"/>
+            <a:ext cx="3708685" cy="2193699"/>
+          </a:xfrm>
+          <a:prstGeom prst="rect">
+            <a:avLst/>
+          </a:prstGeom>
+        </p:spPr>
+      </p:pic>
+    </p:spTree>
+    <p:extLst>
+      <p:ext uri="{BB962C8B-B14F-4D97-AF65-F5344CB8AC3E}">
+        <p14:creationId xmlns:p14="http://schemas.microsoft.com/office/powerpoint/2010/main" val="1888337490"/>
+      </p:ext>
+    </p:extLst>
+  </p:cSld>
+  <p:clrMapOvr>
+    <a:masterClrMapping/>
+  </p:clrMapOvr>
+</p:sld>
+</file>
+
+<file path=ppt/slides/slide3.xml><?xml version="1.0" encoding="utf-8"?>
+<p:sld xmlns:a="http://schemas.openxmlformats.org/drawingml/2006/main" xmlns:r="http://schemas.openxmlformats.org/officeDocument/2006/relationships" xmlns:p="http://schemas.openxmlformats.org/presentationml/2006/main">
+  <p:cSld>
+    <p:spTree>
+      <p:nvGrpSpPr>
+        <p:cNvPr id="1" name=""/>
+        <p:cNvGrpSpPr/>
+        <p:nvPr/>
+      </p:nvGrpSpPr>
+      <p:grpSpPr>
+        <a:xfrm>
+          <a:off x="0" y="0"/>
+          <a:ext cx="0" cy="0"/>
+          <a:chOff x="0" y="0"/>
+          <a:chExt cx="0" cy="0"/>
+        </a:xfrm>
+      </p:grpSpPr>
+      <p:sp>
+        <p:nvSpPr>
+          <p:cNvPr id="2" name="Titre 1"/>
+          <p:cNvSpPr>
+            <a:spLocks noGrp="1"/>
+          </p:cNvSpPr>
+          <p:nvPr>
+            <p:ph type="title"/>
+          </p:nvPr>
+        </p:nvSpPr>
+        <p:spPr/>
+        <p:txBody>
+          <a:bodyPr/>
+          <a:lstStyle/>
+          <a:p>
+            <a:r>
+              <a:rPr lang="fr-FR" dirty="0" err="1" smtClean="0"/>
+              <a:t>Gamedesign</a:t>
+            </a:r>
+            <a:r>
+              <a:rPr lang="fr-FR" dirty="0" smtClean="0"/>
               <a:t> - Mouvement</a:t>
             </a:r>
             <a:endParaRPr lang="fr-FR" dirty="0"/>
@@ -12639,74 +12787,6 @@
 </p:sld>
 </file>
 
-<file path=ppt/slides/slide3.xml><?xml version="1.0" encoding="utf-8"?>
-<p:sld xmlns:a="http://schemas.openxmlformats.org/drawingml/2006/main" xmlns:r="http://schemas.openxmlformats.org/officeDocument/2006/relationships" xmlns:p="http://schemas.openxmlformats.org/presentationml/2006/main">
-  <p:cSld>
-    <p:spTree>
-      <p:nvGrpSpPr>
-        <p:cNvPr id="1" name=""/>
-        <p:cNvGrpSpPr/>
-        <p:nvPr/>
-      </p:nvGrpSpPr>
-      <p:grpSpPr>
-        <a:xfrm>
-          <a:off x="0" y="0"/>
-          <a:ext cx="0" cy="0"/>
-          <a:chOff x="0" y="0"/>
-          <a:chExt cx="0" cy="0"/>
-        </a:xfrm>
-      </p:grpSpPr>
-      <p:sp>
-        <p:nvSpPr>
-          <p:cNvPr id="2" name="Titre 1"/>
-          <p:cNvSpPr>
-            <a:spLocks noGrp="1"/>
-          </p:cNvSpPr>
-          <p:nvPr>
-            <p:ph type="title"/>
-          </p:nvPr>
-        </p:nvSpPr>
-        <p:spPr/>
-        <p:txBody>
-          <a:bodyPr/>
-          <a:lstStyle/>
-          <a:p>
-            <a:endParaRPr lang="fr-FR"/>
-          </a:p>
-        </p:txBody>
-      </p:sp>
-      <p:sp>
-        <p:nvSpPr>
-          <p:cNvPr id="3" name="Espace réservé du contenu 2"/>
-          <p:cNvSpPr>
-            <a:spLocks noGrp="1"/>
-          </p:cNvSpPr>
-          <p:nvPr>
-            <p:ph idx="1"/>
-          </p:nvPr>
-        </p:nvSpPr>
-        <p:spPr/>
-        <p:txBody>
-          <a:bodyPr/>
-          <a:lstStyle/>
-          <a:p>
-            <a:endParaRPr lang="fr-FR"/>
-          </a:p>
-        </p:txBody>
-      </p:sp>
-    </p:spTree>
-    <p:extLst>
-      <p:ext uri="{BB962C8B-B14F-4D97-AF65-F5344CB8AC3E}">
-        <p14:creationId xmlns:p14="http://schemas.microsoft.com/office/powerpoint/2010/main" val="1537605819"/>
-      </p:ext>
-    </p:extLst>
-  </p:cSld>
-  <p:clrMapOvr>
-    <a:masterClrMapping/>
-  </p:clrMapOvr>
-</p:sld>
-</file>
-
 <file path=ppt/slides/slide4.xml><?xml version="1.0" encoding="utf-8"?>
 <p:sld xmlns:a="http://schemas.openxmlformats.org/drawingml/2006/main" xmlns:r="http://schemas.openxmlformats.org/officeDocument/2006/relationships" xmlns:p="http://schemas.openxmlformats.org/presentationml/2006/main">
   <p:cSld>
@@ -12739,33 +12819,85 @@
           <a:bodyPr/>
           <a:lstStyle/>
           <a:p>
-            <a:endParaRPr lang="fr-FR"/>
+            <a:r>
+              <a:rPr lang="fr-FR" dirty="0" err="1" smtClean="0"/>
+              <a:t>Gamedesign</a:t>
+            </a:r>
+            <a:r>
+              <a:rPr lang="fr-FR" dirty="0" smtClean="0"/>
+              <a:t> - </a:t>
+            </a:r>
+            <a:r>
+              <a:rPr lang="fr-FR" dirty="0" err="1" smtClean="0"/>
+              <a:t>Enemy</a:t>
+            </a:r>
+            <a:endParaRPr lang="fr-FR" dirty="0"/>
           </a:p>
         </p:txBody>
       </p:sp>
-      <p:sp>
-        <p:nvSpPr>
-          <p:cNvPr id="3" name="Espace réservé du contenu 2"/>
-          <p:cNvSpPr>
-            <a:spLocks noGrp="1"/>
-          </p:cNvSpPr>
+      <p:pic>
+        <p:nvPicPr>
+          <p:cNvPr id="10" name="Espace réservé du contenu 9"/>
+          <p:cNvPicPr>
+            <a:picLocks noGrp="1" noChangeAspect="1"/>
+          </p:cNvPicPr>
           <p:nvPr>
             <p:ph idx="1"/>
           </p:nvPr>
-        </p:nvSpPr>
-        <p:spPr/>
-        <p:txBody>
-          <a:bodyPr/>
-          <a:lstStyle/>
-          <a:p>
-            <a:endParaRPr lang="fr-FR"/>
-          </a:p>
-        </p:txBody>
-      </p:sp>
+        </p:nvPicPr>
+        <p:blipFill>
+          <a:blip r:embed="rId2">
+            <a:extLst>
+              <a:ext uri="{28A0092B-C50C-407E-A947-70E740481C1C}">
+                <a14:useLocalDpi xmlns:a14="http://schemas.microsoft.com/office/drawing/2010/main" val="0"/>
+              </a:ext>
+            </a:extLst>
+          </a:blip>
+          <a:stretch>
+            <a:fillRect/>
+          </a:stretch>
+        </p:blipFill>
+        <p:spPr>
+          <a:xfrm>
+            <a:off x="545908" y="1872499"/>
+            <a:ext cx="4857058" cy="2908048"/>
+          </a:xfrm>
+        </p:spPr>
+      </p:pic>
+      <p:pic>
+        <p:nvPicPr>
+          <p:cNvPr id="11" name="Image 10"/>
+          <p:cNvPicPr>
+            <a:picLocks noChangeAspect="1"/>
+          </p:cNvPicPr>
+          <p:nvPr/>
+        </p:nvPicPr>
+        <p:blipFill>
+          <a:blip r:embed="rId3">
+            <a:extLst>
+              <a:ext uri="{28A0092B-C50C-407E-A947-70E740481C1C}">
+                <a14:useLocalDpi xmlns:a14="http://schemas.microsoft.com/office/drawing/2010/main" val="0"/>
+              </a:ext>
+            </a:extLst>
+          </a:blip>
+          <a:stretch>
+            <a:fillRect/>
+          </a:stretch>
+        </p:blipFill>
+        <p:spPr>
+          <a:xfrm>
+            <a:off x="5829210" y="2272345"/>
+            <a:ext cx="5650102" cy="2965404"/>
+          </a:xfrm>
+          <a:prstGeom prst="rect">
+            <a:avLst/>
+          </a:prstGeom>
+        </p:spPr>
+      </p:pic>
     </p:spTree>
     <p:extLst>
       <p:ext uri="{BB962C8B-B14F-4D97-AF65-F5344CB8AC3E}">
-        <p14:creationId xmlns:p14="http://schemas.microsoft.com/office/powerpoint/2010/main" val="1145050107"/>
+        <p14:creationId xmlns:p14="http://schemas.microsoft.com/office/powerpoint/2010/main" val="917356590"/>
       </p:ext>
     </p:extLst>
   </p:cSld>
@@ -12807,6 +12939,207 @@
           <a:bodyPr/>
           <a:lstStyle/>
           <a:p>
+            <a:r>
+              <a:rPr lang="fr-FR" dirty="0" err="1" smtClean="0"/>
+              <a:t>Level</a:t>
+            </a:r>
+            <a:r>
+              <a:rPr lang="fr-FR" dirty="0" smtClean="0"/>
+              <a:t> Design</a:t>
+            </a:r>
+            <a:endParaRPr lang="fr-FR" dirty="0"/>
+          </a:p>
+        </p:txBody>
+      </p:sp>
+      <p:pic>
+        <p:nvPicPr>
+          <p:cNvPr id="4" name="Espace réservé du contenu 3"/>
+          <p:cNvPicPr>
+            <a:picLocks noGrp="1"/>
+          </p:cNvPicPr>
+          <p:nvPr>
+            <p:ph idx="1"/>
+          </p:nvPr>
+        </p:nvPicPr>
+        <p:blipFill>
+          <a:blip r:embed="rId2">
+            <a:extLst>
+              <a:ext uri="{28A0092B-C50C-407E-A947-70E740481C1C}">
+                <a14:useLocalDpi xmlns:a14="http://schemas.microsoft.com/office/drawing/2010/main" val="0"/>
+              </a:ext>
+            </a:extLst>
+          </a:blip>
+          <a:stretch>
+            <a:fillRect/>
+          </a:stretch>
+        </p:blipFill>
+        <p:spPr>
+          <a:xfrm>
+            <a:off x="1678777" y="2097088"/>
+            <a:ext cx="8013123" cy="3541712"/>
+          </a:xfrm>
+          <a:prstGeom prst="rect">
+            <a:avLst/>
+          </a:prstGeom>
+        </p:spPr>
+      </p:pic>
+    </p:spTree>
+    <p:extLst>
+      <p:ext uri="{BB962C8B-B14F-4D97-AF65-F5344CB8AC3E}">
+        <p14:creationId xmlns:p14="http://schemas.microsoft.com/office/powerpoint/2010/main" val="1145050107"/>
+      </p:ext>
+    </p:extLst>
+  </p:cSld>
+  <p:clrMapOvr>
+    <a:masterClrMapping/>
+  </p:clrMapOvr>
+</p:sld>
+</file>
+
+<file path=ppt/slides/slide6.xml><?xml version="1.0" encoding="utf-8"?>
+<p:sld xmlns:a="http://schemas.openxmlformats.org/drawingml/2006/main" xmlns:r="http://schemas.openxmlformats.org/officeDocument/2006/relationships" xmlns:p="http://schemas.openxmlformats.org/presentationml/2006/main">
+  <p:cSld>
+    <p:spTree>
+      <p:nvGrpSpPr>
+        <p:cNvPr id="1" name=""/>
+        <p:cNvGrpSpPr/>
+        <p:nvPr/>
+      </p:nvGrpSpPr>
+      <p:grpSpPr>
+        <a:xfrm>
+          <a:off x="0" y="0"/>
+          <a:ext cx="0" cy="0"/>
+          <a:chOff x="0" y="0"/>
+          <a:chExt cx="0" cy="0"/>
+        </a:xfrm>
+      </p:grpSpPr>
+      <p:sp>
+        <p:nvSpPr>
+          <p:cNvPr id="2" name="Titre 1"/>
+          <p:cNvSpPr>
+            <a:spLocks noGrp="1"/>
+          </p:cNvSpPr>
+          <p:nvPr>
+            <p:ph type="title"/>
+          </p:nvPr>
+        </p:nvSpPr>
+        <p:spPr/>
+        <p:txBody>
+          <a:bodyPr/>
+          <a:lstStyle/>
+          <a:p>
+            <a:r>
+              <a:rPr lang="fr-FR" dirty="0" err="1" smtClean="0"/>
+              <a:t>Screenshots</a:t>
+            </a:r>
+            <a:endParaRPr lang="fr-FR" dirty="0"/>
+          </a:p>
+        </p:txBody>
+      </p:sp>
+      <p:pic>
+        <p:nvPicPr>
+          <p:cNvPr id="4" name="Espace réservé du contenu 3"/>
+          <p:cNvPicPr>
+            <a:picLocks noGrp="1" noChangeAspect="1"/>
+          </p:cNvPicPr>
+          <p:nvPr>
+            <p:ph idx="1"/>
+          </p:nvPr>
+        </p:nvPicPr>
+        <p:blipFill>
+          <a:blip r:embed="rId2">
+            <a:extLst>
+              <a:ext uri="{28A0092B-C50C-407E-A947-70E740481C1C}">
+                <a14:useLocalDpi xmlns:a14="http://schemas.microsoft.com/office/drawing/2010/main" val="0"/>
+              </a:ext>
+            </a:extLst>
+          </a:blip>
+          <a:stretch>
+            <a:fillRect/>
+          </a:stretch>
+        </p:blipFill>
+        <p:spPr>
+          <a:xfrm>
+            <a:off x="8459249" y="1874300"/>
+            <a:ext cx="3419715" cy="3541712"/>
+          </a:xfrm>
+        </p:spPr>
+      </p:pic>
+      <p:pic>
+        <p:nvPicPr>
+          <p:cNvPr id="5" name="Image 4"/>
+          <p:cNvPicPr>
+            <a:picLocks noChangeAspect="1"/>
+          </p:cNvPicPr>
+          <p:nvPr/>
+        </p:nvPicPr>
+        <p:blipFill>
+          <a:blip r:embed="rId3">
+            <a:extLst>
+              <a:ext uri="{28A0092B-C50C-407E-A947-70E740481C1C}">
+                <a14:useLocalDpi xmlns:a14="http://schemas.microsoft.com/office/drawing/2010/main" val="0"/>
+              </a:ext>
+            </a:extLst>
+          </a:blip>
+          <a:stretch>
+            <a:fillRect/>
+          </a:stretch>
+        </p:blipFill>
+        <p:spPr>
+          <a:xfrm>
+            <a:off x="309860" y="1874300"/>
+            <a:ext cx="7708232" cy="3916900"/>
+          </a:xfrm>
+          <a:prstGeom prst="rect">
+            <a:avLst/>
+          </a:prstGeom>
+        </p:spPr>
+      </p:pic>
+    </p:spTree>
+    <p:extLst>
+      <p:ext uri="{BB962C8B-B14F-4D97-AF65-F5344CB8AC3E}">
+        <p14:creationId xmlns:p14="http://schemas.microsoft.com/office/powerpoint/2010/main" val="1187740335"/>
+      </p:ext>
+    </p:extLst>
+  </p:cSld>
+  <p:clrMapOvr>
+    <a:masterClrMapping/>
+  </p:clrMapOvr>
+</p:sld>
+</file>
+
+<file path=ppt/slides/slide7.xml><?xml version="1.0" encoding="utf-8"?>
+<p:sld xmlns:a="http://schemas.openxmlformats.org/drawingml/2006/main" xmlns:r="http://schemas.openxmlformats.org/officeDocument/2006/relationships" xmlns:p="http://schemas.openxmlformats.org/presentationml/2006/main">
+  <p:cSld>
+    <p:spTree>
+      <p:nvGrpSpPr>
+        <p:cNvPr id="1" name=""/>
+        <p:cNvGrpSpPr/>
+        <p:nvPr/>
+      </p:nvGrpSpPr>
+      <p:grpSpPr>
+        <a:xfrm>
+          <a:off x="0" y="0"/>
+          <a:ext cx="0" cy="0"/>
+          <a:chOff x="0" y="0"/>
+          <a:chExt cx="0" cy="0"/>
+        </a:xfrm>
+      </p:grpSpPr>
+      <p:sp>
+        <p:nvSpPr>
+          <p:cNvPr id="2" name="Titre 1"/>
+          <p:cNvSpPr>
+            <a:spLocks noGrp="1"/>
+          </p:cNvSpPr>
+          <p:nvPr>
+            <p:ph type="title"/>
+          </p:nvPr>
+        </p:nvSpPr>
+        <p:spPr/>
+        <p:txBody>
+          <a:bodyPr/>
+          <a:lstStyle/>
+          <a:p>
             <a:endParaRPr lang="fr-FR"/>
           </a:p>
         </p:txBody>
@@ -12843,7 +13176,7 @@
 </p:sld>
 </file>
 
-<file path=ppt/slides/slide6.xml><?xml version="1.0" encoding="utf-8"?>
+<file path=ppt/slides/slide8.xml><?xml version="1.0" encoding="utf-8"?>
 <p:sld xmlns:a="http://schemas.openxmlformats.org/drawingml/2006/main" xmlns:r="http://schemas.openxmlformats.org/officeDocument/2006/relationships" xmlns:p="http://schemas.openxmlformats.org/presentationml/2006/main">
   <p:cSld>
     <p:spTree>

--- a/Docs/Rushup.pptx
+++ b/Docs/Rushup.pptx
@@ -10,9 +10,13 @@
     <p:sldId id="257" r:id="rId4"/>
     <p:sldId id="264" r:id="rId5"/>
     <p:sldId id="259" r:id="rId6"/>
-    <p:sldId id="262" r:id="rId7"/>
-    <p:sldId id="260" r:id="rId8"/>
-    <p:sldId id="261" r:id="rId9"/>
+    <p:sldId id="265" r:id="rId7"/>
+    <p:sldId id="266" r:id="rId8"/>
+    <p:sldId id="267" r:id="rId9"/>
+    <p:sldId id="268" r:id="rId10"/>
+    <p:sldId id="262" r:id="rId11"/>
+    <p:sldId id="260" r:id="rId12"/>
+    <p:sldId id="261" r:id="rId13"/>
   </p:sldIdLst>
   <p:sldSz cx="12192000" cy="6858000"/>
   <p:notesSz cx="6858000" cy="9144000"/>
@@ -111,7 +115,6963 @@
       </a:defRPr>
     </a:lvl9pPr>
   </p:defaultTextStyle>
+  <p:extLst>
+    <p:ext uri="{EFAFB233-063F-42B5-8137-9DF3F51BA10A}">
+      <p15:sldGuideLst xmlns:p15="http://schemas.microsoft.com/office/powerpoint/2012/main"/>
+    </p:ext>
+  </p:extLst>
 </p:presentation>
+</file>
+
+<file path=ppt/diagrams/colors1.xml><?xml version="1.0" encoding="utf-8"?>
+<dgm:colorsDef xmlns:dgm="http://schemas.openxmlformats.org/drawingml/2006/diagram" xmlns:a="http://schemas.openxmlformats.org/drawingml/2006/main" uniqueId="urn:microsoft.com/office/officeart/2005/8/colors/accent1_2">
+  <dgm:title val=""/>
+  <dgm:desc val=""/>
+  <dgm:catLst>
+    <dgm:cat type="accent1" pri="11200"/>
+  </dgm:catLst>
+  <dgm:styleLbl name="node0">
+    <dgm:fillClrLst meth="repeat">
+      <a:schemeClr val="accent1"/>
+    </dgm:fillClrLst>
+    <dgm:linClrLst meth="repeat">
+      <a:schemeClr val="lt1"/>
+    </dgm:linClrLst>
+    <dgm:effectClrLst/>
+    <dgm:txLinClrLst/>
+    <dgm:txFillClrLst/>
+    <dgm:txEffectClrLst/>
+  </dgm:styleLbl>
+  <dgm:styleLbl name="alignNode1">
+    <dgm:fillClrLst meth="repeat">
+      <a:schemeClr val="accent1"/>
+    </dgm:fillClrLst>
+    <dgm:linClrLst meth="repeat">
+      <a:schemeClr val="accent1"/>
+    </dgm:linClrLst>
+    <dgm:effectClrLst/>
+    <dgm:txLinClrLst/>
+    <dgm:txFillClrLst/>
+    <dgm:txEffectClrLst/>
+  </dgm:styleLbl>
+  <dgm:styleLbl name="node1">
+    <dgm:fillClrLst meth="repeat">
+      <a:schemeClr val="accent1"/>
+    </dgm:fillClrLst>
+    <dgm:linClrLst meth="repeat">
+      <a:schemeClr val="lt1"/>
+    </dgm:linClrLst>
+    <dgm:effectClrLst/>
+    <dgm:txLinClrLst/>
+    <dgm:txFillClrLst/>
+    <dgm:txEffectClrLst/>
+  </dgm:styleLbl>
+  <dgm:styleLbl name="lnNode1">
+    <dgm:fillClrLst meth="repeat">
+      <a:schemeClr val="accent1"/>
+    </dgm:fillClrLst>
+    <dgm:linClrLst meth="repeat">
+      <a:schemeClr val="lt1"/>
+    </dgm:linClrLst>
+    <dgm:effectClrLst/>
+    <dgm:txLinClrLst/>
+    <dgm:txFillClrLst/>
+    <dgm:txEffectClrLst/>
+  </dgm:styleLbl>
+  <dgm:styleLbl name="vennNode1">
+    <dgm:fillClrLst meth="repeat">
+      <a:schemeClr val="accent1">
+        <a:alpha val="50000"/>
+      </a:schemeClr>
+    </dgm:fillClrLst>
+    <dgm:linClrLst meth="repeat">
+      <a:schemeClr val="lt1"/>
+    </dgm:linClrLst>
+    <dgm:effectClrLst/>
+    <dgm:txLinClrLst/>
+    <dgm:txFillClrLst/>
+    <dgm:txEffectClrLst/>
+  </dgm:styleLbl>
+  <dgm:styleLbl name="node2">
+    <dgm:fillClrLst meth="repeat">
+      <a:schemeClr val="accent1"/>
+    </dgm:fillClrLst>
+    <dgm:linClrLst meth="repeat">
+      <a:schemeClr val="lt1"/>
+    </dgm:linClrLst>
+    <dgm:effectClrLst/>
+    <dgm:txLinClrLst/>
+    <dgm:txFillClrLst/>
+    <dgm:txEffectClrLst/>
+  </dgm:styleLbl>
+  <dgm:styleLbl name="node3">
+    <dgm:fillClrLst meth="repeat">
+      <a:schemeClr val="accent1"/>
+    </dgm:fillClrLst>
+    <dgm:linClrLst meth="repeat">
+      <a:schemeClr val="lt1"/>
+    </dgm:linClrLst>
+    <dgm:effectClrLst/>
+    <dgm:txLinClrLst/>
+    <dgm:txFillClrLst/>
+    <dgm:txEffectClrLst/>
+  </dgm:styleLbl>
+  <dgm:styleLbl name="node4">
+    <dgm:fillClrLst meth="repeat">
+      <a:schemeClr val="accent1"/>
+    </dgm:fillClrLst>
+    <dgm:linClrLst meth="repeat">
+      <a:schemeClr val="lt1"/>
+    </dgm:linClrLst>
+    <dgm:effectClrLst/>
+    <dgm:txLinClrLst/>
+    <dgm:txFillClrLst/>
+    <dgm:txEffectClrLst/>
+  </dgm:styleLbl>
+  <dgm:styleLbl name="fgImgPlace1">
+    <dgm:fillClrLst meth="repeat">
+      <a:schemeClr val="accent1">
+        <a:tint val="50000"/>
+      </a:schemeClr>
+    </dgm:fillClrLst>
+    <dgm:linClrLst meth="repeat">
+      <a:schemeClr val="lt1"/>
+    </dgm:linClrLst>
+    <dgm:effectClrLst/>
+    <dgm:txLinClrLst/>
+    <dgm:txFillClrLst meth="repeat">
+      <a:schemeClr val="lt1"/>
+    </dgm:txFillClrLst>
+    <dgm:txEffectClrLst/>
+  </dgm:styleLbl>
+  <dgm:styleLbl name="alignImgPlace1">
+    <dgm:fillClrLst meth="repeat">
+      <a:schemeClr val="accent1">
+        <a:tint val="50000"/>
+      </a:schemeClr>
+    </dgm:fillClrLst>
+    <dgm:linClrLst meth="repeat">
+      <a:schemeClr val="lt1"/>
+    </dgm:linClrLst>
+    <dgm:effectClrLst/>
+    <dgm:txLinClrLst/>
+    <dgm:txFillClrLst meth="repeat">
+      <a:schemeClr val="lt1"/>
+    </dgm:txFillClrLst>
+    <dgm:txEffectClrLst/>
+  </dgm:styleLbl>
+  <dgm:styleLbl name="bgImgPlace1">
+    <dgm:fillClrLst meth="repeat">
+      <a:schemeClr val="accent1">
+        <a:tint val="50000"/>
+      </a:schemeClr>
+    </dgm:fillClrLst>
+    <dgm:linClrLst meth="repeat">
+      <a:schemeClr val="lt1"/>
+    </dgm:linClrLst>
+    <dgm:effectClrLst/>
+    <dgm:txLinClrLst/>
+    <dgm:txFillClrLst meth="repeat">
+      <a:schemeClr val="lt1"/>
+    </dgm:txFillClrLst>
+    <dgm:txEffectClrLst/>
+  </dgm:styleLbl>
+  <dgm:styleLbl name="sibTrans2D1">
+    <dgm:fillClrLst meth="repeat">
+      <a:schemeClr val="accent1">
+        <a:tint val="60000"/>
+      </a:schemeClr>
+    </dgm:fillClrLst>
+    <dgm:linClrLst meth="repeat">
+      <a:schemeClr val="accent1">
+        <a:tint val="60000"/>
+      </a:schemeClr>
+    </dgm:linClrLst>
+    <dgm:effectClrLst/>
+    <dgm:txLinClrLst/>
+    <dgm:txFillClrLst/>
+    <dgm:txEffectClrLst/>
+  </dgm:styleLbl>
+  <dgm:styleLbl name="fgSibTrans2D1">
+    <dgm:fillClrLst meth="repeat">
+      <a:schemeClr val="accent1">
+        <a:tint val="60000"/>
+      </a:schemeClr>
+    </dgm:fillClrLst>
+    <dgm:linClrLst meth="repeat">
+      <a:schemeClr val="accent1">
+        <a:tint val="60000"/>
+      </a:schemeClr>
+    </dgm:linClrLst>
+    <dgm:effectClrLst/>
+    <dgm:txLinClrLst/>
+    <dgm:txFillClrLst/>
+    <dgm:txEffectClrLst/>
+  </dgm:styleLbl>
+  <dgm:styleLbl name="bgSibTrans2D1">
+    <dgm:fillClrLst meth="repeat">
+      <a:schemeClr val="accent1">
+        <a:tint val="60000"/>
+      </a:schemeClr>
+    </dgm:fillClrLst>
+    <dgm:linClrLst meth="repeat">
+      <a:schemeClr val="accent1">
+        <a:tint val="60000"/>
+      </a:schemeClr>
+    </dgm:linClrLst>
+    <dgm:effectClrLst/>
+    <dgm:txLinClrLst/>
+    <dgm:txFillClrLst/>
+    <dgm:txEffectClrLst/>
+  </dgm:styleLbl>
+  <dgm:styleLbl name="sibTrans1D1">
+    <dgm:fillClrLst meth="repeat">
+      <a:schemeClr val="accent1"/>
+    </dgm:fillClrLst>
+    <dgm:linClrLst meth="repeat">
+      <a:schemeClr val="accent1"/>
+    </dgm:linClrLst>
+    <dgm:effectClrLst/>
+    <dgm:txLinClrLst/>
+    <dgm:txFillClrLst meth="repeat">
+      <a:schemeClr val="tx1"/>
+    </dgm:txFillClrLst>
+    <dgm:txEffectClrLst/>
+  </dgm:styleLbl>
+  <dgm:styleLbl name="callout">
+    <dgm:fillClrLst meth="repeat">
+      <a:schemeClr val="accent1"/>
+    </dgm:fillClrLst>
+    <dgm:linClrLst meth="repeat">
+      <a:schemeClr val="accent1">
+        <a:tint val="50000"/>
+      </a:schemeClr>
+    </dgm:linClrLst>
+    <dgm:effectClrLst/>
+    <dgm:txLinClrLst/>
+    <dgm:txFillClrLst meth="repeat">
+      <a:schemeClr val="tx1"/>
+    </dgm:txFillClrLst>
+    <dgm:txEffectClrLst/>
+  </dgm:styleLbl>
+  <dgm:styleLbl name="asst0">
+    <dgm:fillClrLst meth="repeat">
+      <a:schemeClr val="accent1"/>
+    </dgm:fillClrLst>
+    <dgm:linClrLst meth="repeat">
+      <a:schemeClr val="lt1"/>
+    </dgm:linClrLst>
+    <dgm:effectClrLst/>
+    <dgm:txLinClrLst/>
+    <dgm:txFillClrLst/>
+    <dgm:txEffectClrLst/>
+  </dgm:styleLbl>
+  <dgm:styleLbl name="asst1">
+    <dgm:fillClrLst meth="repeat">
+      <a:schemeClr val="accent1"/>
+    </dgm:fillClrLst>
+    <dgm:linClrLst meth="repeat">
+      <a:schemeClr val="lt1"/>
+    </dgm:linClrLst>
+    <dgm:effectClrLst/>
+    <dgm:txLinClrLst/>
+    <dgm:txFillClrLst/>
+    <dgm:txEffectClrLst/>
+  </dgm:styleLbl>
+  <dgm:styleLbl name="asst2">
+    <dgm:fillClrLst meth="repeat">
+      <a:schemeClr val="accent1"/>
+    </dgm:fillClrLst>
+    <dgm:linClrLst meth="repeat">
+      <a:schemeClr val="lt1"/>
+    </dgm:linClrLst>
+    <dgm:effectClrLst/>
+    <dgm:txLinClrLst/>
+    <dgm:txFillClrLst/>
+    <dgm:txEffectClrLst/>
+  </dgm:styleLbl>
+  <dgm:styleLbl name="asst3">
+    <dgm:fillClrLst meth="repeat">
+      <a:schemeClr val="accent1"/>
+    </dgm:fillClrLst>
+    <dgm:linClrLst meth="repeat">
+      <a:schemeClr val="lt1"/>
+    </dgm:linClrLst>
+    <dgm:effectClrLst/>
+    <dgm:txLinClrLst/>
+    <dgm:txFillClrLst/>
+    <dgm:txEffectClrLst/>
+  </dgm:styleLbl>
+  <dgm:styleLbl name="asst4">
+    <dgm:fillClrLst meth="repeat">
+      <a:schemeClr val="accent1"/>
+    </dgm:fillClrLst>
+    <dgm:linClrLst meth="repeat">
+      <a:schemeClr val="lt1"/>
+    </dgm:linClrLst>
+    <dgm:effectClrLst/>
+    <dgm:txLinClrLst/>
+    <dgm:txFillClrLst/>
+    <dgm:txEffectClrLst/>
+  </dgm:styleLbl>
+  <dgm:styleLbl name="parChTrans2D1">
+    <dgm:fillClrLst meth="repeat">
+      <a:schemeClr val="accent1">
+        <a:tint val="60000"/>
+      </a:schemeClr>
+    </dgm:fillClrLst>
+    <dgm:linClrLst meth="repeat">
+      <a:schemeClr val="accent1">
+        <a:tint val="60000"/>
+      </a:schemeClr>
+    </dgm:linClrLst>
+    <dgm:effectClrLst/>
+    <dgm:txLinClrLst/>
+    <dgm:txFillClrLst meth="repeat">
+      <a:schemeClr val="lt1"/>
+    </dgm:txFillClrLst>
+    <dgm:txEffectClrLst/>
+  </dgm:styleLbl>
+  <dgm:styleLbl name="parChTrans2D2">
+    <dgm:fillClrLst meth="repeat">
+      <a:schemeClr val="accent1"/>
+    </dgm:fillClrLst>
+    <dgm:linClrLst meth="repeat">
+      <a:schemeClr val="accent1"/>
+    </dgm:linClrLst>
+    <dgm:effectClrLst/>
+    <dgm:txLinClrLst/>
+    <dgm:txFillClrLst meth="repeat">
+      <a:schemeClr val="lt1"/>
+    </dgm:txFillClrLst>
+    <dgm:txEffectClrLst/>
+  </dgm:styleLbl>
+  <dgm:styleLbl name="parChTrans2D3">
+    <dgm:fillClrLst meth="repeat">
+      <a:schemeClr val="accent1"/>
+    </dgm:fillClrLst>
+    <dgm:linClrLst meth="repeat">
+      <a:schemeClr val="accent1"/>
+    </dgm:linClrLst>
+    <dgm:effectClrLst/>
+    <dgm:txLinClrLst/>
+    <dgm:txFillClrLst meth="repeat">
+      <a:schemeClr val="lt1"/>
+    </dgm:txFillClrLst>
+    <dgm:txEffectClrLst/>
+  </dgm:styleLbl>
+  <dgm:styleLbl name="parChTrans2D4">
+    <dgm:fillClrLst meth="repeat">
+      <a:schemeClr val="accent1"/>
+    </dgm:fillClrLst>
+    <dgm:linClrLst meth="repeat">
+      <a:schemeClr val="accent1"/>
+    </dgm:linClrLst>
+    <dgm:effectClrLst/>
+    <dgm:txLinClrLst/>
+    <dgm:txFillClrLst meth="repeat">
+      <a:schemeClr val="lt1"/>
+    </dgm:txFillClrLst>
+    <dgm:txEffectClrLst/>
+  </dgm:styleLbl>
+  <dgm:styleLbl name="parChTrans1D1">
+    <dgm:fillClrLst meth="repeat">
+      <a:schemeClr val="accent1"/>
+    </dgm:fillClrLst>
+    <dgm:linClrLst meth="repeat">
+      <a:schemeClr val="accent1">
+        <a:shade val="60000"/>
+      </a:schemeClr>
+    </dgm:linClrLst>
+    <dgm:effectClrLst/>
+    <dgm:txLinClrLst/>
+    <dgm:txFillClrLst meth="repeat">
+      <a:schemeClr val="tx1"/>
+    </dgm:txFillClrLst>
+    <dgm:txEffectClrLst/>
+  </dgm:styleLbl>
+  <dgm:styleLbl name="parChTrans1D2">
+    <dgm:fillClrLst meth="repeat">
+      <a:schemeClr val="accent1"/>
+    </dgm:fillClrLst>
+    <dgm:linClrLst meth="repeat">
+      <a:schemeClr val="accent1">
+        <a:shade val="60000"/>
+      </a:schemeClr>
+    </dgm:linClrLst>
+    <dgm:effectClrLst/>
+    <dgm:txLinClrLst/>
+    <dgm:txFillClrLst meth="repeat">
+      <a:schemeClr val="tx1"/>
+    </dgm:txFillClrLst>
+    <dgm:txEffectClrLst/>
+  </dgm:styleLbl>
+  <dgm:styleLbl name="parChTrans1D3">
+    <dgm:fillClrLst meth="repeat">
+      <a:schemeClr val="accent1"/>
+    </dgm:fillClrLst>
+    <dgm:linClrLst meth="repeat">
+      <a:schemeClr val="accent1">
+        <a:shade val="80000"/>
+      </a:schemeClr>
+    </dgm:linClrLst>
+    <dgm:effectClrLst/>
+    <dgm:txLinClrLst/>
+    <dgm:txFillClrLst meth="repeat">
+      <a:schemeClr val="tx1"/>
+    </dgm:txFillClrLst>
+    <dgm:txEffectClrLst/>
+  </dgm:styleLbl>
+  <dgm:styleLbl name="parChTrans1D4">
+    <dgm:fillClrLst meth="repeat">
+      <a:schemeClr val="accent1"/>
+    </dgm:fillClrLst>
+    <dgm:linClrLst meth="repeat">
+      <a:schemeClr val="accent1">
+        <a:shade val="80000"/>
+      </a:schemeClr>
+    </dgm:linClrLst>
+    <dgm:effectClrLst/>
+    <dgm:txLinClrLst/>
+    <dgm:txFillClrLst meth="repeat">
+      <a:schemeClr val="tx1"/>
+    </dgm:txFillClrLst>
+    <dgm:txEffectClrLst/>
+  </dgm:styleLbl>
+  <dgm:styleLbl name="fgAcc1">
+    <dgm:fillClrLst meth="repeat">
+      <a:schemeClr val="lt1">
+        <a:alpha val="90000"/>
+      </a:schemeClr>
+    </dgm:fillClrLst>
+    <dgm:linClrLst meth="repeat">
+      <a:schemeClr val="accent1"/>
+    </dgm:linClrLst>
+    <dgm:effectClrLst/>
+    <dgm:txLinClrLst/>
+    <dgm:txFillClrLst meth="repeat">
+      <a:schemeClr val="dk1"/>
+    </dgm:txFillClrLst>
+    <dgm:txEffectClrLst/>
+  </dgm:styleLbl>
+  <dgm:styleLbl name="conFgAcc1">
+    <dgm:fillClrLst meth="repeat">
+      <a:schemeClr val="lt1">
+        <a:alpha val="90000"/>
+      </a:schemeClr>
+    </dgm:fillClrLst>
+    <dgm:linClrLst meth="repeat">
+      <a:schemeClr val="accent1"/>
+    </dgm:linClrLst>
+    <dgm:effectClrLst/>
+    <dgm:txLinClrLst/>
+    <dgm:txFillClrLst meth="repeat">
+      <a:schemeClr val="dk1"/>
+    </dgm:txFillClrLst>
+    <dgm:txEffectClrLst/>
+  </dgm:styleLbl>
+  <dgm:styleLbl name="alignAcc1">
+    <dgm:fillClrLst meth="repeat">
+      <a:schemeClr val="lt1">
+        <a:alpha val="90000"/>
+      </a:schemeClr>
+    </dgm:fillClrLst>
+    <dgm:linClrLst meth="repeat">
+      <a:schemeClr val="accent1"/>
+    </dgm:linClrLst>
+    <dgm:effectClrLst/>
+    <dgm:txLinClrLst/>
+    <dgm:txFillClrLst meth="repeat">
+      <a:schemeClr val="dk1"/>
+    </dgm:txFillClrLst>
+    <dgm:txEffectClrLst/>
+  </dgm:styleLbl>
+  <dgm:styleLbl name="trAlignAcc1">
+    <dgm:fillClrLst meth="repeat">
+      <a:schemeClr val="lt1">
+        <a:alpha val="40000"/>
+      </a:schemeClr>
+    </dgm:fillClrLst>
+    <dgm:linClrLst meth="repeat">
+      <a:schemeClr val="accent1"/>
+    </dgm:linClrLst>
+    <dgm:effectClrLst/>
+    <dgm:txLinClrLst/>
+    <dgm:txFillClrLst meth="repeat">
+      <a:schemeClr val="dk1"/>
+    </dgm:txFillClrLst>
+    <dgm:txEffectClrLst/>
+  </dgm:styleLbl>
+  <dgm:styleLbl name="bgAcc1">
+    <dgm:fillClrLst meth="repeat">
+      <a:schemeClr val="lt1">
+        <a:alpha val="90000"/>
+      </a:schemeClr>
+    </dgm:fillClrLst>
+    <dgm:linClrLst meth="repeat">
+      <a:schemeClr val="accent1"/>
+    </dgm:linClrLst>
+    <dgm:effectClrLst/>
+    <dgm:txLinClrLst/>
+    <dgm:txFillClrLst meth="repeat">
+      <a:schemeClr val="dk1"/>
+    </dgm:txFillClrLst>
+    <dgm:txEffectClrLst/>
+  </dgm:styleLbl>
+  <dgm:styleLbl name="solidFgAcc1">
+    <dgm:fillClrLst meth="repeat">
+      <a:schemeClr val="lt1"/>
+    </dgm:fillClrLst>
+    <dgm:linClrLst meth="repeat">
+      <a:schemeClr val="accent1"/>
+    </dgm:linClrLst>
+    <dgm:effectClrLst/>
+    <dgm:txLinClrLst/>
+    <dgm:txFillClrLst meth="repeat">
+      <a:schemeClr val="dk1"/>
+    </dgm:txFillClrLst>
+    <dgm:txEffectClrLst/>
+  </dgm:styleLbl>
+  <dgm:styleLbl name="solidAlignAcc1">
+    <dgm:fillClrLst meth="repeat">
+      <a:schemeClr val="lt1"/>
+    </dgm:fillClrLst>
+    <dgm:linClrLst meth="repeat">
+      <a:schemeClr val="accent1"/>
+    </dgm:linClrLst>
+    <dgm:effectClrLst/>
+    <dgm:txLinClrLst/>
+    <dgm:txFillClrLst meth="repeat">
+      <a:schemeClr val="dk1"/>
+    </dgm:txFillClrLst>
+    <dgm:txEffectClrLst/>
+  </dgm:styleLbl>
+  <dgm:styleLbl name="solidBgAcc1">
+    <dgm:fillClrLst meth="repeat">
+      <a:schemeClr val="lt1"/>
+    </dgm:fillClrLst>
+    <dgm:linClrLst meth="repeat">
+      <a:schemeClr val="accent1"/>
+    </dgm:linClrLst>
+    <dgm:effectClrLst/>
+    <dgm:txLinClrLst/>
+    <dgm:txFillClrLst meth="repeat">
+      <a:schemeClr val="dk1"/>
+    </dgm:txFillClrLst>
+    <dgm:txEffectClrLst/>
+  </dgm:styleLbl>
+  <dgm:styleLbl name="fgAccFollowNode1">
+    <dgm:fillClrLst meth="repeat">
+      <a:schemeClr val="accent1">
+        <a:alpha val="90000"/>
+        <a:tint val="40000"/>
+      </a:schemeClr>
+    </dgm:fillClrLst>
+    <dgm:linClrLst meth="repeat">
+      <a:schemeClr val="accent1">
+        <a:alpha val="90000"/>
+        <a:tint val="40000"/>
+      </a:schemeClr>
+    </dgm:linClrLst>
+    <dgm:effectClrLst/>
+    <dgm:txLinClrLst/>
+    <dgm:txFillClrLst meth="repeat">
+      <a:schemeClr val="dk1"/>
+    </dgm:txFillClrLst>
+    <dgm:txEffectClrLst/>
+  </dgm:styleLbl>
+  <dgm:styleLbl name="alignAccFollowNode1">
+    <dgm:fillClrLst meth="repeat">
+      <a:schemeClr val="accent1">
+        <a:alpha val="90000"/>
+        <a:tint val="40000"/>
+      </a:schemeClr>
+    </dgm:fillClrLst>
+    <dgm:linClrLst meth="repeat">
+      <a:schemeClr val="accent1">
+        <a:alpha val="90000"/>
+        <a:tint val="40000"/>
+      </a:schemeClr>
+    </dgm:linClrLst>
+    <dgm:effectClrLst/>
+    <dgm:txLinClrLst/>
+    <dgm:txFillClrLst meth="repeat">
+      <a:schemeClr val="dk1"/>
+    </dgm:txFillClrLst>
+    <dgm:txEffectClrLst/>
+  </dgm:styleLbl>
+  <dgm:styleLbl name="bgAccFollowNode1">
+    <dgm:fillClrLst meth="repeat">
+      <a:schemeClr val="accent1">
+        <a:alpha val="90000"/>
+        <a:tint val="40000"/>
+      </a:schemeClr>
+    </dgm:fillClrLst>
+    <dgm:linClrLst meth="repeat">
+      <a:schemeClr val="accent1">
+        <a:alpha val="90000"/>
+        <a:tint val="40000"/>
+      </a:schemeClr>
+    </dgm:linClrLst>
+    <dgm:effectClrLst/>
+    <dgm:txLinClrLst/>
+    <dgm:txFillClrLst meth="repeat">
+      <a:schemeClr val="dk1"/>
+    </dgm:txFillClrLst>
+    <dgm:txEffectClrLst/>
+  </dgm:styleLbl>
+  <dgm:styleLbl name="fgAcc0">
+    <dgm:fillClrLst meth="repeat">
+      <a:schemeClr val="lt1">
+        <a:alpha val="90000"/>
+      </a:schemeClr>
+    </dgm:fillClrLst>
+    <dgm:linClrLst meth="repeat">
+      <a:schemeClr val="accent1"/>
+    </dgm:linClrLst>
+    <dgm:effectClrLst/>
+    <dgm:txLinClrLst/>
+    <dgm:txFillClrLst meth="repeat">
+      <a:schemeClr val="dk1"/>
+    </dgm:txFillClrLst>
+    <dgm:txEffectClrLst/>
+  </dgm:styleLbl>
+  <dgm:styleLbl name="fgAcc2">
+    <dgm:fillClrLst meth="repeat">
+      <a:schemeClr val="lt1">
+        <a:alpha val="90000"/>
+      </a:schemeClr>
+    </dgm:fillClrLst>
+    <dgm:linClrLst meth="repeat">
+      <a:schemeClr val="accent1"/>
+    </dgm:linClrLst>
+    <dgm:effectClrLst/>
+    <dgm:txLinClrLst/>
+    <dgm:txFillClrLst meth="repeat">
+      <a:schemeClr val="dk1"/>
+    </dgm:txFillClrLst>
+    <dgm:txEffectClrLst/>
+  </dgm:styleLbl>
+  <dgm:styleLbl name="fgAcc3">
+    <dgm:fillClrLst meth="repeat">
+      <a:schemeClr val="lt1">
+        <a:alpha val="90000"/>
+      </a:schemeClr>
+    </dgm:fillClrLst>
+    <dgm:linClrLst meth="repeat">
+      <a:schemeClr val="accent1"/>
+    </dgm:linClrLst>
+    <dgm:effectClrLst/>
+    <dgm:txLinClrLst/>
+    <dgm:txFillClrLst meth="repeat">
+      <a:schemeClr val="dk1"/>
+    </dgm:txFillClrLst>
+    <dgm:txEffectClrLst/>
+  </dgm:styleLbl>
+  <dgm:styleLbl name="fgAcc4">
+    <dgm:fillClrLst meth="repeat">
+      <a:schemeClr val="lt1">
+        <a:alpha val="90000"/>
+      </a:schemeClr>
+    </dgm:fillClrLst>
+    <dgm:linClrLst meth="repeat">
+      <a:schemeClr val="accent1"/>
+    </dgm:linClrLst>
+    <dgm:effectClrLst/>
+    <dgm:txLinClrLst/>
+    <dgm:txFillClrLst meth="repeat">
+      <a:schemeClr val="dk1"/>
+    </dgm:txFillClrLst>
+    <dgm:txEffectClrLst/>
+  </dgm:styleLbl>
+  <dgm:styleLbl name="bgShp">
+    <dgm:fillClrLst meth="repeat">
+      <a:schemeClr val="accent1">
+        <a:tint val="40000"/>
+      </a:schemeClr>
+    </dgm:fillClrLst>
+    <dgm:linClrLst meth="repeat">
+      <a:schemeClr val="accent1"/>
+    </dgm:linClrLst>
+    <dgm:effectClrLst/>
+    <dgm:txLinClrLst/>
+    <dgm:txFillClrLst meth="repeat">
+      <a:schemeClr val="dk1"/>
+    </dgm:txFillClrLst>
+    <dgm:txEffectClrLst/>
+  </dgm:styleLbl>
+  <dgm:styleLbl name="dkBgShp">
+    <dgm:fillClrLst meth="repeat">
+      <a:schemeClr val="accent1">
+        <a:shade val="80000"/>
+      </a:schemeClr>
+    </dgm:fillClrLst>
+    <dgm:linClrLst meth="repeat">
+      <a:schemeClr val="accent1"/>
+    </dgm:linClrLst>
+    <dgm:effectClrLst/>
+    <dgm:txLinClrLst/>
+    <dgm:txFillClrLst meth="repeat">
+      <a:schemeClr val="lt1"/>
+    </dgm:txFillClrLst>
+    <dgm:txEffectClrLst/>
+  </dgm:styleLbl>
+  <dgm:styleLbl name="trBgShp">
+    <dgm:fillClrLst meth="repeat">
+      <a:schemeClr val="accent1">
+        <a:tint val="50000"/>
+        <a:alpha val="40000"/>
+      </a:schemeClr>
+    </dgm:fillClrLst>
+    <dgm:linClrLst meth="repeat">
+      <a:schemeClr val="accent1"/>
+    </dgm:linClrLst>
+    <dgm:effectClrLst/>
+    <dgm:txLinClrLst/>
+    <dgm:txFillClrLst meth="repeat">
+      <a:schemeClr val="lt1"/>
+    </dgm:txFillClrLst>
+    <dgm:txEffectClrLst/>
+  </dgm:styleLbl>
+  <dgm:styleLbl name="fgShp">
+    <dgm:fillClrLst meth="repeat">
+      <a:schemeClr val="accent1">
+        <a:tint val="60000"/>
+      </a:schemeClr>
+    </dgm:fillClrLst>
+    <dgm:linClrLst meth="repeat">
+      <a:schemeClr val="lt1"/>
+    </dgm:linClrLst>
+    <dgm:effectClrLst/>
+    <dgm:txLinClrLst/>
+    <dgm:txFillClrLst meth="repeat">
+      <a:schemeClr val="dk1"/>
+    </dgm:txFillClrLst>
+    <dgm:txEffectClrLst/>
+  </dgm:styleLbl>
+  <dgm:styleLbl name="revTx">
+    <dgm:fillClrLst meth="repeat">
+      <a:schemeClr val="lt1">
+        <a:alpha val="0"/>
+      </a:schemeClr>
+    </dgm:fillClrLst>
+    <dgm:linClrLst meth="repeat">
+      <a:schemeClr val="dk1">
+        <a:alpha val="0"/>
+      </a:schemeClr>
+    </dgm:linClrLst>
+    <dgm:effectClrLst/>
+    <dgm:txLinClrLst/>
+    <dgm:txFillClrLst meth="repeat">
+      <a:schemeClr val="tx1"/>
+    </dgm:txFillClrLst>
+    <dgm:txEffectClrLst/>
+  </dgm:styleLbl>
+</dgm:colorsDef>
+</file>
+
+<file path=ppt/diagrams/colors2.xml><?xml version="1.0" encoding="utf-8"?>
+<dgm:colorsDef xmlns:dgm="http://schemas.openxmlformats.org/drawingml/2006/diagram" xmlns:a="http://schemas.openxmlformats.org/drawingml/2006/main" uniqueId="urn:microsoft.com/office/officeart/2005/8/colors/accent1_2">
+  <dgm:title val=""/>
+  <dgm:desc val=""/>
+  <dgm:catLst>
+    <dgm:cat type="accent1" pri="11200"/>
+  </dgm:catLst>
+  <dgm:styleLbl name="node0">
+    <dgm:fillClrLst meth="repeat">
+      <a:schemeClr val="accent1"/>
+    </dgm:fillClrLst>
+    <dgm:linClrLst meth="repeat">
+      <a:schemeClr val="lt1"/>
+    </dgm:linClrLst>
+    <dgm:effectClrLst/>
+    <dgm:txLinClrLst/>
+    <dgm:txFillClrLst/>
+    <dgm:txEffectClrLst/>
+  </dgm:styleLbl>
+  <dgm:styleLbl name="alignNode1">
+    <dgm:fillClrLst meth="repeat">
+      <a:schemeClr val="accent1"/>
+    </dgm:fillClrLst>
+    <dgm:linClrLst meth="repeat">
+      <a:schemeClr val="accent1"/>
+    </dgm:linClrLst>
+    <dgm:effectClrLst/>
+    <dgm:txLinClrLst/>
+    <dgm:txFillClrLst/>
+    <dgm:txEffectClrLst/>
+  </dgm:styleLbl>
+  <dgm:styleLbl name="node1">
+    <dgm:fillClrLst meth="repeat">
+      <a:schemeClr val="accent1"/>
+    </dgm:fillClrLst>
+    <dgm:linClrLst meth="repeat">
+      <a:schemeClr val="lt1"/>
+    </dgm:linClrLst>
+    <dgm:effectClrLst/>
+    <dgm:txLinClrLst/>
+    <dgm:txFillClrLst/>
+    <dgm:txEffectClrLst/>
+  </dgm:styleLbl>
+  <dgm:styleLbl name="lnNode1">
+    <dgm:fillClrLst meth="repeat">
+      <a:schemeClr val="accent1"/>
+    </dgm:fillClrLst>
+    <dgm:linClrLst meth="repeat">
+      <a:schemeClr val="lt1"/>
+    </dgm:linClrLst>
+    <dgm:effectClrLst/>
+    <dgm:txLinClrLst/>
+    <dgm:txFillClrLst/>
+    <dgm:txEffectClrLst/>
+  </dgm:styleLbl>
+  <dgm:styleLbl name="vennNode1">
+    <dgm:fillClrLst meth="repeat">
+      <a:schemeClr val="accent1">
+        <a:alpha val="50000"/>
+      </a:schemeClr>
+    </dgm:fillClrLst>
+    <dgm:linClrLst meth="repeat">
+      <a:schemeClr val="lt1"/>
+    </dgm:linClrLst>
+    <dgm:effectClrLst/>
+    <dgm:txLinClrLst/>
+    <dgm:txFillClrLst/>
+    <dgm:txEffectClrLst/>
+  </dgm:styleLbl>
+  <dgm:styleLbl name="node2">
+    <dgm:fillClrLst meth="repeat">
+      <a:schemeClr val="accent1"/>
+    </dgm:fillClrLst>
+    <dgm:linClrLst meth="repeat">
+      <a:schemeClr val="lt1"/>
+    </dgm:linClrLst>
+    <dgm:effectClrLst/>
+    <dgm:txLinClrLst/>
+    <dgm:txFillClrLst/>
+    <dgm:txEffectClrLst/>
+  </dgm:styleLbl>
+  <dgm:styleLbl name="node3">
+    <dgm:fillClrLst meth="repeat">
+      <a:schemeClr val="accent1"/>
+    </dgm:fillClrLst>
+    <dgm:linClrLst meth="repeat">
+      <a:schemeClr val="lt1"/>
+    </dgm:linClrLst>
+    <dgm:effectClrLst/>
+    <dgm:txLinClrLst/>
+    <dgm:txFillClrLst/>
+    <dgm:txEffectClrLst/>
+  </dgm:styleLbl>
+  <dgm:styleLbl name="node4">
+    <dgm:fillClrLst meth="repeat">
+      <a:schemeClr val="accent1"/>
+    </dgm:fillClrLst>
+    <dgm:linClrLst meth="repeat">
+      <a:schemeClr val="lt1"/>
+    </dgm:linClrLst>
+    <dgm:effectClrLst/>
+    <dgm:txLinClrLst/>
+    <dgm:txFillClrLst/>
+    <dgm:txEffectClrLst/>
+  </dgm:styleLbl>
+  <dgm:styleLbl name="fgImgPlace1">
+    <dgm:fillClrLst meth="repeat">
+      <a:schemeClr val="accent1">
+        <a:tint val="50000"/>
+      </a:schemeClr>
+    </dgm:fillClrLst>
+    <dgm:linClrLst meth="repeat">
+      <a:schemeClr val="lt1"/>
+    </dgm:linClrLst>
+    <dgm:effectClrLst/>
+    <dgm:txLinClrLst/>
+    <dgm:txFillClrLst meth="repeat">
+      <a:schemeClr val="lt1"/>
+    </dgm:txFillClrLst>
+    <dgm:txEffectClrLst/>
+  </dgm:styleLbl>
+  <dgm:styleLbl name="alignImgPlace1">
+    <dgm:fillClrLst meth="repeat">
+      <a:schemeClr val="accent1">
+        <a:tint val="50000"/>
+      </a:schemeClr>
+    </dgm:fillClrLst>
+    <dgm:linClrLst meth="repeat">
+      <a:schemeClr val="lt1"/>
+    </dgm:linClrLst>
+    <dgm:effectClrLst/>
+    <dgm:txLinClrLst/>
+    <dgm:txFillClrLst meth="repeat">
+      <a:schemeClr val="lt1"/>
+    </dgm:txFillClrLst>
+    <dgm:txEffectClrLst/>
+  </dgm:styleLbl>
+  <dgm:styleLbl name="bgImgPlace1">
+    <dgm:fillClrLst meth="repeat">
+      <a:schemeClr val="accent1">
+        <a:tint val="50000"/>
+      </a:schemeClr>
+    </dgm:fillClrLst>
+    <dgm:linClrLst meth="repeat">
+      <a:schemeClr val="lt1"/>
+    </dgm:linClrLst>
+    <dgm:effectClrLst/>
+    <dgm:txLinClrLst/>
+    <dgm:txFillClrLst meth="repeat">
+      <a:schemeClr val="lt1"/>
+    </dgm:txFillClrLst>
+    <dgm:txEffectClrLst/>
+  </dgm:styleLbl>
+  <dgm:styleLbl name="sibTrans2D1">
+    <dgm:fillClrLst meth="repeat">
+      <a:schemeClr val="accent1">
+        <a:tint val="60000"/>
+      </a:schemeClr>
+    </dgm:fillClrLst>
+    <dgm:linClrLst meth="repeat">
+      <a:schemeClr val="accent1">
+        <a:tint val="60000"/>
+      </a:schemeClr>
+    </dgm:linClrLst>
+    <dgm:effectClrLst/>
+    <dgm:txLinClrLst/>
+    <dgm:txFillClrLst/>
+    <dgm:txEffectClrLst/>
+  </dgm:styleLbl>
+  <dgm:styleLbl name="fgSibTrans2D1">
+    <dgm:fillClrLst meth="repeat">
+      <a:schemeClr val="accent1">
+        <a:tint val="60000"/>
+      </a:schemeClr>
+    </dgm:fillClrLst>
+    <dgm:linClrLst meth="repeat">
+      <a:schemeClr val="accent1">
+        <a:tint val="60000"/>
+      </a:schemeClr>
+    </dgm:linClrLst>
+    <dgm:effectClrLst/>
+    <dgm:txLinClrLst/>
+    <dgm:txFillClrLst/>
+    <dgm:txEffectClrLst/>
+  </dgm:styleLbl>
+  <dgm:styleLbl name="bgSibTrans2D1">
+    <dgm:fillClrLst meth="repeat">
+      <a:schemeClr val="accent1">
+        <a:tint val="60000"/>
+      </a:schemeClr>
+    </dgm:fillClrLst>
+    <dgm:linClrLst meth="repeat">
+      <a:schemeClr val="accent1">
+        <a:tint val="60000"/>
+      </a:schemeClr>
+    </dgm:linClrLst>
+    <dgm:effectClrLst/>
+    <dgm:txLinClrLst/>
+    <dgm:txFillClrLst/>
+    <dgm:txEffectClrLst/>
+  </dgm:styleLbl>
+  <dgm:styleLbl name="sibTrans1D1">
+    <dgm:fillClrLst meth="repeat">
+      <a:schemeClr val="accent1"/>
+    </dgm:fillClrLst>
+    <dgm:linClrLst meth="repeat">
+      <a:schemeClr val="accent1"/>
+    </dgm:linClrLst>
+    <dgm:effectClrLst/>
+    <dgm:txLinClrLst/>
+    <dgm:txFillClrLst meth="repeat">
+      <a:schemeClr val="tx1"/>
+    </dgm:txFillClrLst>
+    <dgm:txEffectClrLst/>
+  </dgm:styleLbl>
+  <dgm:styleLbl name="callout">
+    <dgm:fillClrLst meth="repeat">
+      <a:schemeClr val="accent1"/>
+    </dgm:fillClrLst>
+    <dgm:linClrLst meth="repeat">
+      <a:schemeClr val="accent1">
+        <a:tint val="50000"/>
+      </a:schemeClr>
+    </dgm:linClrLst>
+    <dgm:effectClrLst/>
+    <dgm:txLinClrLst/>
+    <dgm:txFillClrLst meth="repeat">
+      <a:schemeClr val="tx1"/>
+    </dgm:txFillClrLst>
+    <dgm:txEffectClrLst/>
+  </dgm:styleLbl>
+  <dgm:styleLbl name="asst0">
+    <dgm:fillClrLst meth="repeat">
+      <a:schemeClr val="accent1"/>
+    </dgm:fillClrLst>
+    <dgm:linClrLst meth="repeat">
+      <a:schemeClr val="lt1"/>
+    </dgm:linClrLst>
+    <dgm:effectClrLst/>
+    <dgm:txLinClrLst/>
+    <dgm:txFillClrLst/>
+    <dgm:txEffectClrLst/>
+  </dgm:styleLbl>
+  <dgm:styleLbl name="asst1">
+    <dgm:fillClrLst meth="repeat">
+      <a:schemeClr val="accent1"/>
+    </dgm:fillClrLst>
+    <dgm:linClrLst meth="repeat">
+      <a:schemeClr val="lt1"/>
+    </dgm:linClrLst>
+    <dgm:effectClrLst/>
+    <dgm:txLinClrLst/>
+    <dgm:txFillClrLst/>
+    <dgm:txEffectClrLst/>
+  </dgm:styleLbl>
+  <dgm:styleLbl name="asst2">
+    <dgm:fillClrLst meth="repeat">
+      <a:schemeClr val="accent1"/>
+    </dgm:fillClrLst>
+    <dgm:linClrLst meth="repeat">
+      <a:schemeClr val="lt1"/>
+    </dgm:linClrLst>
+    <dgm:effectClrLst/>
+    <dgm:txLinClrLst/>
+    <dgm:txFillClrLst/>
+    <dgm:txEffectClrLst/>
+  </dgm:styleLbl>
+  <dgm:styleLbl name="asst3">
+    <dgm:fillClrLst meth="repeat">
+      <a:schemeClr val="accent1"/>
+    </dgm:fillClrLst>
+    <dgm:linClrLst meth="repeat">
+      <a:schemeClr val="lt1"/>
+    </dgm:linClrLst>
+    <dgm:effectClrLst/>
+    <dgm:txLinClrLst/>
+    <dgm:txFillClrLst/>
+    <dgm:txEffectClrLst/>
+  </dgm:styleLbl>
+  <dgm:styleLbl name="asst4">
+    <dgm:fillClrLst meth="repeat">
+      <a:schemeClr val="accent1"/>
+    </dgm:fillClrLst>
+    <dgm:linClrLst meth="repeat">
+      <a:schemeClr val="lt1"/>
+    </dgm:linClrLst>
+    <dgm:effectClrLst/>
+    <dgm:txLinClrLst/>
+    <dgm:txFillClrLst/>
+    <dgm:txEffectClrLst/>
+  </dgm:styleLbl>
+  <dgm:styleLbl name="parChTrans2D1">
+    <dgm:fillClrLst meth="repeat">
+      <a:schemeClr val="accent1">
+        <a:tint val="60000"/>
+      </a:schemeClr>
+    </dgm:fillClrLst>
+    <dgm:linClrLst meth="repeat">
+      <a:schemeClr val="accent1">
+        <a:tint val="60000"/>
+      </a:schemeClr>
+    </dgm:linClrLst>
+    <dgm:effectClrLst/>
+    <dgm:txLinClrLst/>
+    <dgm:txFillClrLst meth="repeat">
+      <a:schemeClr val="lt1"/>
+    </dgm:txFillClrLst>
+    <dgm:txEffectClrLst/>
+  </dgm:styleLbl>
+  <dgm:styleLbl name="parChTrans2D2">
+    <dgm:fillClrLst meth="repeat">
+      <a:schemeClr val="accent1"/>
+    </dgm:fillClrLst>
+    <dgm:linClrLst meth="repeat">
+      <a:schemeClr val="accent1"/>
+    </dgm:linClrLst>
+    <dgm:effectClrLst/>
+    <dgm:txLinClrLst/>
+    <dgm:txFillClrLst meth="repeat">
+      <a:schemeClr val="lt1"/>
+    </dgm:txFillClrLst>
+    <dgm:txEffectClrLst/>
+  </dgm:styleLbl>
+  <dgm:styleLbl name="parChTrans2D3">
+    <dgm:fillClrLst meth="repeat">
+      <a:schemeClr val="accent1"/>
+    </dgm:fillClrLst>
+    <dgm:linClrLst meth="repeat">
+      <a:schemeClr val="accent1"/>
+    </dgm:linClrLst>
+    <dgm:effectClrLst/>
+    <dgm:txLinClrLst/>
+    <dgm:txFillClrLst meth="repeat">
+      <a:schemeClr val="lt1"/>
+    </dgm:txFillClrLst>
+    <dgm:txEffectClrLst/>
+  </dgm:styleLbl>
+  <dgm:styleLbl name="parChTrans2D4">
+    <dgm:fillClrLst meth="repeat">
+      <a:schemeClr val="accent1"/>
+    </dgm:fillClrLst>
+    <dgm:linClrLst meth="repeat">
+      <a:schemeClr val="accent1"/>
+    </dgm:linClrLst>
+    <dgm:effectClrLst/>
+    <dgm:txLinClrLst/>
+    <dgm:txFillClrLst meth="repeat">
+      <a:schemeClr val="lt1"/>
+    </dgm:txFillClrLst>
+    <dgm:txEffectClrLst/>
+  </dgm:styleLbl>
+  <dgm:styleLbl name="parChTrans1D1">
+    <dgm:fillClrLst meth="repeat">
+      <a:schemeClr val="accent1"/>
+    </dgm:fillClrLst>
+    <dgm:linClrLst meth="repeat">
+      <a:schemeClr val="accent1">
+        <a:shade val="60000"/>
+      </a:schemeClr>
+    </dgm:linClrLst>
+    <dgm:effectClrLst/>
+    <dgm:txLinClrLst/>
+    <dgm:txFillClrLst meth="repeat">
+      <a:schemeClr val="tx1"/>
+    </dgm:txFillClrLst>
+    <dgm:txEffectClrLst/>
+  </dgm:styleLbl>
+  <dgm:styleLbl name="parChTrans1D2">
+    <dgm:fillClrLst meth="repeat">
+      <a:schemeClr val="accent1"/>
+    </dgm:fillClrLst>
+    <dgm:linClrLst meth="repeat">
+      <a:schemeClr val="accent1">
+        <a:shade val="60000"/>
+      </a:schemeClr>
+    </dgm:linClrLst>
+    <dgm:effectClrLst/>
+    <dgm:txLinClrLst/>
+    <dgm:txFillClrLst meth="repeat">
+      <a:schemeClr val="tx1"/>
+    </dgm:txFillClrLst>
+    <dgm:txEffectClrLst/>
+  </dgm:styleLbl>
+  <dgm:styleLbl name="parChTrans1D3">
+    <dgm:fillClrLst meth="repeat">
+      <a:schemeClr val="accent1"/>
+    </dgm:fillClrLst>
+    <dgm:linClrLst meth="repeat">
+      <a:schemeClr val="accent1">
+        <a:shade val="80000"/>
+      </a:schemeClr>
+    </dgm:linClrLst>
+    <dgm:effectClrLst/>
+    <dgm:txLinClrLst/>
+    <dgm:txFillClrLst meth="repeat">
+      <a:schemeClr val="tx1"/>
+    </dgm:txFillClrLst>
+    <dgm:txEffectClrLst/>
+  </dgm:styleLbl>
+  <dgm:styleLbl name="parChTrans1D4">
+    <dgm:fillClrLst meth="repeat">
+      <a:schemeClr val="accent1"/>
+    </dgm:fillClrLst>
+    <dgm:linClrLst meth="repeat">
+      <a:schemeClr val="accent1">
+        <a:shade val="80000"/>
+      </a:schemeClr>
+    </dgm:linClrLst>
+    <dgm:effectClrLst/>
+    <dgm:txLinClrLst/>
+    <dgm:txFillClrLst meth="repeat">
+      <a:schemeClr val="tx1"/>
+    </dgm:txFillClrLst>
+    <dgm:txEffectClrLst/>
+  </dgm:styleLbl>
+  <dgm:styleLbl name="fgAcc1">
+    <dgm:fillClrLst meth="repeat">
+      <a:schemeClr val="lt1">
+        <a:alpha val="90000"/>
+      </a:schemeClr>
+    </dgm:fillClrLst>
+    <dgm:linClrLst meth="repeat">
+      <a:schemeClr val="accent1"/>
+    </dgm:linClrLst>
+    <dgm:effectClrLst/>
+    <dgm:txLinClrLst/>
+    <dgm:txFillClrLst meth="repeat">
+      <a:schemeClr val="dk1"/>
+    </dgm:txFillClrLst>
+    <dgm:txEffectClrLst/>
+  </dgm:styleLbl>
+  <dgm:styleLbl name="conFgAcc1">
+    <dgm:fillClrLst meth="repeat">
+      <a:schemeClr val="lt1">
+        <a:alpha val="90000"/>
+      </a:schemeClr>
+    </dgm:fillClrLst>
+    <dgm:linClrLst meth="repeat">
+      <a:schemeClr val="accent1"/>
+    </dgm:linClrLst>
+    <dgm:effectClrLst/>
+    <dgm:txLinClrLst/>
+    <dgm:txFillClrLst meth="repeat">
+      <a:schemeClr val="dk1"/>
+    </dgm:txFillClrLst>
+    <dgm:txEffectClrLst/>
+  </dgm:styleLbl>
+  <dgm:styleLbl name="alignAcc1">
+    <dgm:fillClrLst meth="repeat">
+      <a:schemeClr val="lt1">
+        <a:alpha val="90000"/>
+      </a:schemeClr>
+    </dgm:fillClrLst>
+    <dgm:linClrLst meth="repeat">
+      <a:schemeClr val="accent1"/>
+    </dgm:linClrLst>
+    <dgm:effectClrLst/>
+    <dgm:txLinClrLst/>
+    <dgm:txFillClrLst meth="repeat">
+      <a:schemeClr val="dk1"/>
+    </dgm:txFillClrLst>
+    <dgm:txEffectClrLst/>
+  </dgm:styleLbl>
+  <dgm:styleLbl name="trAlignAcc1">
+    <dgm:fillClrLst meth="repeat">
+      <a:schemeClr val="lt1">
+        <a:alpha val="40000"/>
+      </a:schemeClr>
+    </dgm:fillClrLst>
+    <dgm:linClrLst meth="repeat">
+      <a:schemeClr val="accent1"/>
+    </dgm:linClrLst>
+    <dgm:effectClrLst/>
+    <dgm:txLinClrLst/>
+    <dgm:txFillClrLst meth="repeat">
+      <a:schemeClr val="dk1"/>
+    </dgm:txFillClrLst>
+    <dgm:txEffectClrLst/>
+  </dgm:styleLbl>
+  <dgm:styleLbl name="bgAcc1">
+    <dgm:fillClrLst meth="repeat">
+      <a:schemeClr val="lt1">
+        <a:alpha val="90000"/>
+      </a:schemeClr>
+    </dgm:fillClrLst>
+    <dgm:linClrLst meth="repeat">
+      <a:schemeClr val="accent1"/>
+    </dgm:linClrLst>
+    <dgm:effectClrLst/>
+    <dgm:txLinClrLst/>
+    <dgm:txFillClrLst meth="repeat">
+      <a:schemeClr val="dk1"/>
+    </dgm:txFillClrLst>
+    <dgm:txEffectClrLst/>
+  </dgm:styleLbl>
+  <dgm:styleLbl name="solidFgAcc1">
+    <dgm:fillClrLst meth="repeat">
+      <a:schemeClr val="lt1"/>
+    </dgm:fillClrLst>
+    <dgm:linClrLst meth="repeat">
+      <a:schemeClr val="accent1"/>
+    </dgm:linClrLst>
+    <dgm:effectClrLst/>
+    <dgm:txLinClrLst/>
+    <dgm:txFillClrLst meth="repeat">
+      <a:schemeClr val="dk1"/>
+    </dgm:txFillClrLst>
+    <dgm:txEffectClrLst/>
+  </dgm:styleLbl>
+  <dgm:styleLbl name="solidAlignAcc1">
+    <dgm:fillClrLst meth="repeat">
+      <a:schemeClr val="lt1"/>
+    </dgm:fillClrLst>
+    <dgm:linClrLst meth="repeat">
+      <a:schemeClr val="accent1"/>
+    </dgm:linClrLst>
+    <dgm:effectClrLst/>
+    <dgm:txLinClrLst/>
+    <dgm:txFillClrLst meth="repeat">
+      <a:schemeClr val="dk1"/>
+    </dgm:txFillClrLst>
+    <dgm:txEffectClrLst/>
+  </dgm:styleLbl>
+  <dgm:styleLbl name="solidBgAcc1">
+    <dgm:fillClrLst meth="repeat">
+      <a:schemeClr val="lt1"/>
+    </dgm:fillClrLst>
+    <dgm:linClrLst meth="repeat">
+      <a:schemeClr val="accent1"/>
+    </dgm:linClrLst>
+    <dgm:effectClrLst/>
+    <dgm:txLinClrLst/>
+    <dgm:txFillClrLst meth="repeat">
+      <a:schemeClr val="dk1"/>
+    </dgm:txFillClrLst>
+    <dgm:txEffectClrLst/>
+  </dgm:styleLbl>
+  <dgm:styleLbl name="fgAccFollowNode1">
+    <dgm:fillClrLst meth="repeat">
+      <a:schemeClr val="accent1">
+        <a:alpha val="90000"/>
+        <a:tint val="40000"/>
+      </a:schemeClr>
+    </dgm:fillClrLst>
+    <dgm:linClrLst meth="repeat">
+      <a:schemeClr val="accent1">
+        <a:alpha val="90000"/>
+        <a:tint val="40000"/>
+      </a:schemeClr>
+    </dgm:linClrLst>
+    <dgm:effectClrLst/>
+    <dgm:txLinClrLst/>
+    <dgm:txFillClrLst meth="repeat">
+      <a:schemeClr val="dk1"/>
+    </dgm:txFillClrLst>
+    <dgm:txEffectClrLst/>
+  </dgm:styleLbl>
+  <dgm:styleLbl name="alignAccFollowNode1">
+    <dgm:fillClrLst meth="repeat">
+      <a:schemeClr val="accent1">
+        <a:alpha val="90000"/>
+        <a:tint val="40000"/>
+      </a:schemeClr>
+    </dgm:fillClrLst>
+    <dgm:linClrLst meth="repeat">
+      <a:schemeClr val="accent1">
+        <a:alpha val="90000"/>
+        <a:tint val="40000"/>
+      </a:schemeClr>
+    </dgm:linClrLst>
+    <dgm:effectClrLst/>
+    <dgm:txLinClrLst/>
+    <dgm:txFillClrLst meth="repeat">
+      <a:schemeClr val="dk1"/>
+    </dgm:txFillClrLst>
+    <dgm:txEffectClrLst/>
+  </dgm:styleLbl>
+  <dgm:styleLbl name="bgAccFollowNode1">
+    <dgm:fillClrLst meth="repeat">
+      <a:schemeClr val="accent1">
+        <a:alpha val="90000"/>
+        <a:tint val="40000"/>
+      </a:schemeClr>
+    </dgm:fillClrLst>
+    <dgm:linClrLst meth="repeat">
+      <a:schemeClr val="accent1">
+        <a:alpha val="90000"/>
+        <a:tint val="40000"/>
+      </a:schemeClr>
+    </dgm:linClrLst>
+    <dgm:effectClrLst/>
+    <dgm:txLinClrLst/>
+    <dgm:txFillClrLst meth="repeat">
+      <a:schemeClr val="dk1"/>
+    </dgm:txFillClrLst>
+    <dgm:txEffectClrLst/>
+  </dgm:styleLbl>
+  <dgm:styleLbl name="fgAcc0">
+    <dgm:fillClrLst meth="repeat">
+      <a:schemeClr val="lt1">
+        <a:alpha val="90000"/>
+      </a:schemeClr>
+    </dgm:fillClrLst>
+    <dgm:linClrLst meth="repeat">
+      <a:schemeClr val="accent1"/>
+    </dgm:linClrLst>
+    <dgm:effectClrLst/>
+    <dgm:txLinClrLst/>
+    <dgm:txFillClrLst meth="repeat">
+      <a:schemeClr val="dk1"/>
+    </dgm:txFillClrLst>
+    <dgm:txEffectClrLst/>
+  </dgm:styleLbl>
+  <dgm:styleLbl name="fgAcc2">
+    <dgm:fillClrLst meth="repeat">
+      <a:schemeClr val="lt1">
+        <a:alpha val="90000"/>
+      </a:schemeClr>
+    </dgm:fillClrLst>
+    <dgm:linClrLst meth="repeat">
+      <a:schemeClr val="accent1"/>
+    </dgm:linClrLst>
+    <dgm:effectClrLst/>
+    <dgm:txLinClrLst/>
+    <dgm:txFillClrLst meth="repeat">
+      <a:schemeClr val="dk1"/>
+    </dgm:txFillClrLst>
+    <dgm:txEffectClrLst/>
+  </dgm:styleLbl>
+  <dgm:styleLbl name="fgAcc3">
+    <dgm:fillClrLst meth="repeat">
+      <a:schemeClr val="lt1">
+        <a:alpha val="90000"/>
+      </a:schemeClr>
+    </dgm:fillClrLst>
+    <dgm:linClrLst meth="repeat">
+      <a:schemeClr val="accent1"/>
+    </dgm:linClrLst>
+    <dgm:effectClrLst/>
+    <dgm:txLinClrLst/>
+    <dgm:txFillClrLst meth="repeat">
+      <a:schemeClr val="dk1"/>
+    </dgm:txFillClrLst>
+    <dgm:txEffectClrLst/>
+  </dgm:styleLbl>
+  <dgm:styleLbl name="fgAcc4">
+    <dgm:fillClrLst meth="repeat">
+      <a:schemeClr val="lt1">
+        <a:alpha val="90000"/>
+      </a:schemeClr>
+    </dgm:fillClrLst>
+    <dgm:linClrLst meth="repeat">
+      <a:schemeClr val="accent1"/>
+    </dgm:linClrLst>
+    <dgm:effectClrLst/>
+    <dgm:txLinClrLst/>
+    <dgm:txFillClrLst meth="repeat">
+      <a:schemeClr val="dk1"/>
+    </dgm:txFillClrLst>
+    <dgm:txEffectClrLst/>
+  </dgm:styleLbl>
+  <dgm:styleLbl name="bgShp">
+    <dgm:fillClrLst meth="repeat">
+      <a:schemeClr val="accent1">
+        <a:tint val="40000"/>
+      </a:schemeClr>
+    </dgm:fillClrLst>
+    <dgm:linClrLst meth="repeat">
+      <a:schemeClr val="accent1"/>
+    </dgm:linClrLst>
+    <dgm:effectClrLst/>
+    <dgm:txLinClrLst/>
+    <dgm:txFillClrLst meth="repeat">
+      <a:schemeClr val="dk1"/>
+    </dgm:txFillClrLst>
+    <dgm:txEffectClrLst/>
+  </dgm:styleLbl>
+  <dgm:styleLbl name="dkBgShp">
+    <dgm:fillClrLst meth="repeat">
+      <a:schemeClr val="accent1">
+        <a:shade val="80000"/>
+      </a:schemeClr>
+    </dgm:fillClrLst>
+    <dgm:linClrLst meth="repeat">
+      <a:schemeClr val="accent1"/>
+    </dgm:linClrLst>
+    <dgm:effectClrLst/>
+    <dgm:txLinClrLst/>
+    <dgm:txFillClrLst meth="repeat">
+      <a:schemeClr val="lt1"/>
+    </dgm:txFillClrLst>
+    <dgm:txEffectClrLst/>
+  </dgm:styleLbl>
+  <dgm:styleLbl name="trBgShp">
+    <dgm:fillClrLst meth="repeat">
+      <a:schemeClr val="accent1">
+        <a:tint val="50000"/>
+        <a:alpha val="40000"/>
+      </a:schemeClr>
+    </dgm:fillClrLst>
+    <dgm:linClrLst meth="repeat">
+      <a:schemeClr val="accent1"/>
+    </dgm:linClrLst>
+    <dgm:effectClrLst/>
+    <dgm:txLinClrLst/>
+    <dgm:txFillClrLst meth="repeat">
+      <a:schemeClr val="lt1"/>
+    </dgm:txFillClrLst>
+    <dgm:txEffectClrLst/>
+  </dgm:styleLbl>
+  <dgm:styleLbl name="fgShp">
+    <dgm:fillClrLst meth="repeat">
+      <a:schemeClr val="accent1">
+        <a:tint val="60000"/>
+      </a:schemeClr>
+    </dgm:fillClrLst>
+    <dgm:linClrLst meth="repeat">
+      <a:schemeClr val="lt1"/>
+    </dgm:linClrLst>
+    <dgm:effectClrLst/>
+    <dgm:txLinClrLst/>
+    <dgm:txFillClrLst meth="repeat">
+      <a:schemeClr val="dk1"/>
+    </dgm:txFillClrLst>
+    <dgm:txEffectClrLst/>
+  </dgm:styleLbl>
+  <dgm:styleLbl name="revTx">
+    <dgm:fillClrLst meth="repeat">
+      <a:schemeClr val="lt1">
+        <a:alpha val="0"/>
+      </a:schemeClr>
+    </dgm:fillClrLst>
+    <dgm:linClrLst meth="repeat">
+      <a:schemeClr val="dk1">
+        <a:alpha val="0"/>
+      </a:schemeClr>
+    </dgm:linClrLst>
+    <dgm:effectClrLst/>
+    <dgm:txLinClrLst/>
+    <dgm:txFillClrLst meth="repeat">
+      <a:schemeClr val="tx1"/>
+    </dgm:txFillClrLst>
+    <dgm:txEffectClrLst/>
+  </dgm:styleLbl>
+</dgm:colorsDef>
+</file>
+
+<file path=ppt/diagrams/data1.xml><?xml version="1.0" encoding="utf-8"?>
+<dgm:dataModel xmlns:dgm="http://schemas.openxmlformats.org/drawingml/2006/diagram" xmlns:a="http://schemas.openxmlformats.org/drawingml/2006/main">
+  <dgm:ptLst>
+    <dgm:pt modelId="{483BAF39-DB4C-4215-B009-D7A463917049}" type="doc">
+      <dgm:prSet loTypeId="urn:microsoft.com/office/officeart/2008/layout/VerticalCurvedList" loCatId="list" qsTypeId="urn:microsoft.com/office/officeart/2005/8/quickstyle/simple1" qsCatId="simple" csTypeId="urn:microsoft.com/office/officeart/2005/8/colors/accent1_2" csCatId="accent1" phldr="1"/>
+      <dgm:spPr/>
+      <dgm:t>
+        <a:bodyPr/>
+        <a:lstStyle/>
+        <a:p>
+          <a:endParaRPr lang="fr-FR"/>
+        </a:p>
+      </dgm:t>
+    </dgm:pt>
+    <dgm:pt modelId="{9EE681F6-D34F-4C51-99DC-AEB893E082E2}">
+      <dgm:prSet phldrT="[Texte]"/>
+      <dgm:spPr/>
+      <dgm:t>
+        <a:bodyPr/>
+        <a:lstStyle/>
+        <a:p>
+          <a:r>
+            <a:rPr lang="fr-FR" dirty="0" err="1" smtClean="0"/>
+            <a:t>Feature</a:t>
+          </a:r>
+          <a:endParaRPr lang="fr-FR" dirty="0"/>
+        </a:p>
+      </dgm:t>
+    </dgm:pt>
+    <dgm:pt modelId="{7832B94E-F956-4BDC-9334-22C7ADB88D1A}" type="parTrans" cxnId="{65533654-3767-401F-B81A-8C923628C423}">
+      <dgm:prSet/>
+      <dgm:spPr/>
+      <dgm:t>
+        <a:bodyPr/>
+        <a:lstStyle/>
+        <a:p>
+          <a:endParaRPr lang="fr-FR"/>
+        </a:p>
+      </dgm:t>
+    </dgm:pt>
+    <dgm:pt modelId="{DB5DCF33-C654-4F79-9A59-C6BC70892BF2}" type="sibTrans" cxnId="{65533654-3767-401F-B81A-8C923628C423}">
+      <dgm:prSet/>
+      <dgm:spPr/>
+      <dgm:t>
+        <a:bodyPr/>
+        <a:lstStyle/>
+        <a:p>
+          <a:endParaRPr lang="fr-FR"/>
+        </a:p>
+      </dgm:t>
+    </dgm:pt>
+    <dgm:pt modelId="{8040EE0C-A9FE-44DA-B46B-DE52D5FE4EE4}">
+      <dgm:prSet phldrT="[Texte]"/>
+      <dgm:spPr/>
+      <dgm:t>
+        <a:bodyPr/>
+        <a:lstStyle/>
+        <a:p>
+          <a:r>
+            <a:rPr lang="fr-FR" dirty="0" smtClean="0"/>
+            <a:t>Branch</a:t>
+          </a:r>
+          <a:endParaRPr lang="fr-FR" dirty="0"/>
+        </a:p>
+      </dgm:t>
+    </dgm:pt>
+    <dgm:pt modelId="{23860EA1-C53C-44FE-831A-F66EBB89BE6D}" type="parTrans" cxnId="{EEAEB0AC-E942-4FC4-B465-AAC58277EA2C}">
+      <dgm:prSet/>
+      <dgm:spPr/>
+      <dgm:t>
+        <a:bodyPr/>
+        <a:lstStyle/>
+        <a:p>
+          <a:endParaRPr lang="fr-FR"/>
+        </a:p>
+      </dgm:t>
+    </dgm:pt>
+    <dgm:pt modelId="{C5713383-C821-484B-AE7E-DDC1C854D98D}" type="sibTrans" cxnId="{EEAEB0AC-E942-4FC4-B465-AAC58277EA2C}">
+      <dgm:prSet/>
+      <dgm:spPr/>
+      <dgm:t>
+        <a:bodyPr/>
+        <a:lstStyle/>
+        <a:p>
+          <a:endParaRPr lang="fr-FR"/>
+        </a:p>
+      </dgm:t>
+    </dgm:pt>
+    <dgm:pt modelId="{A953C87B-4B95-41A3-A8A3-F74066B687FB}">
+      <dgm:prSet phldrT="[Texte]"/>
+      <dgm:spPr/>
+      <dgm:t>
+        <a:bodyPr/>
+        <a:lstStyle/>
+        <a:p>
+          <a:r>
+            <a:rPr lang="fr-FR" dirty="0" smtClean="0"/>
+            <a:t>Master</a:t>
+          </a:r>
+          <a:endParaRPr lang="fr-FR" dirty="0"/>
+        </a:p>
+      </dgm:t>
+    </dgm:pt>
+    <dgm:pt modelId="{A01B0638-2422-4C33-9D91-3D380FDC51EC}" type="parTrans" cxnId="{7E385F92-2040-42EA-9F55-294564FD453E}">
+      <dgm:prSet/>
+      <dgm:spPr/>
+      <dgm:t>
+        <a:bodyPr/>
+        <a:lstStyle/>
+        <a:p>
+          <a:endParaRPr lang="fr-FR"/>
+        </a:p>
+      </dgm:t>
+    </dgm:pt>
+    <dgm:pt modelId="{B5CAF926-AA39-46EE-BB4D-86E8F5B84BB1}" type="sibTrans" cxnId="{7E385F92-2040-42EA-9F55-294564FD453E}">
+      <dgm:prSet/>
+      <dgm:spPr/>
+      <dgm:t>
+        <a:bodyPr/>
+        <a:lstStyle/>
+        <a:p>
+          <a:endParaRPr lang="fr-FR"/>
+        </a:p>
+      </dgm:t>
+    </dgm:pt>
+    <dgm:pt modelId="{899539FF-4E0A-4EB8-BC7D-485DFB71615D}" type="pres">
+      <dgm:prSet presAssocID="{483BAF39-DB4C-4215-B009-D7A463917049}" presName="Name0" presStyleCnt="0">
+        <dgm:presLayoutVars>
+          <dgm:chMax val="7"/>
+          <dgm:chPref val="7"/>
+          <dgm:dir/>
+        </dgm:presLayoutVars>
+      </dgm:prSet>
+      <dgm:spPr/>
+      <dgm:t>
+        <a:bodyPr/>
+        <a:lstStyle/>
+        <a:p>
+          <a:endParaRPr lang="fr-FR"/>
+        </a:p>
+      </dgm:t>
+    </dgm:pt>
+    <dgm:pt modelId="{5440D716-FE15-4992-8365-4305AAEE283D}" type="pres">
+      <dgm:prSet presAssocID="{483BAF39-DB4C-4215-B009-D7A463917049}" presName="Name1" presStyleCnt="0"/>
+      <dgm:spPr/>
+    </dgm:pt>
+    <dgm:pt modelId="{AFA3F251-4E3B-4D45-8349-61295EB295E7}" type="pres">
+      <dgm:prSet presAssocID="{483BAF39-DB4C-4215-B009-D7A463917049}" presName="cycle" presStyleCnt="0"/>
+      <dgm:spPr/>
+    </dgm:pt>
+    <dgm:pt modelId="{547C6561-6A9F-431B-933E-F004BC9CBFD8}" type="pres">
+      <dgm:prSet presAssocID="{483BAF39-DB4C-4215-B009-D7A463917049}" presName="srcNode" presStyleLbl="node1" presStyleIdx="0" presStyleCnt="3"/>
+      <dgm:spPr/>
+    </dgm:pt>
+    <dgm:pt modelId="{38D7097B-E3BF-4E75-B3F8-30441BC76571}" type="pres">
+      <dgm:prSet presAssocID="{483BAF39-DB4C-4215-B009-D7A463917049}" presName="conn" presStyleLbl="parChTrans1D2" presStyleIdx="0" presStyleCnt="1"/>
+      <dgm:spPr/>
+      <dgm:t>
+        <a:bodyPr/>
+        <a:lstStyle/>
+        <a:p>
+          <a:endParaRPr lang="fr-FR"/>
+        </a:p>
+      </dgm:t>
+    </dgm:pt>
+    <dgm:pt modelId="{FB02D3DF-51B3-4880-824D-B13D47F597A5}" type="pres">
+      <dgm:prSet presAssocID="{483BAF39-DB4C-4215-B009-D7A463917049}" presName="extraNode" presStyleLbl="node1" presStyleIdx="0" presStyleCnt="3"/>
+      <dgm:spPr/>
+    </dgm:pt>
+    <dgm:pt modelId="{8E2AB20E-2BB1-4D8F-882C-742A1BF8F7E1}" type="pres">
+      <dgm:prSet presAssocID="{483BAF39-DB4C-4215-B009-D7A463917049}" presName="dstNode" presStyleLbl="node1" presStyleIdx="0" presStyleCnt="3"/>
+      <dgm:spPr/>
+    </dgm:pt>
+    <dgm:pt modelId="{58BCEC67-4411-4ED3-916F-4805CF94175C}" type="pres">
+      <dgm:prSet presAssocID="{9EE681F6-D34F-4C51-99DC-AEB893E082E2}" presName="text_1" presStyleLbl="node1" presStyleIdx="0" presStyleCnt="3">
+        <dgm:presLayoutVars>
+          <dgm:bulletEnabled val="1"/>
+        </dgm:presLayoutVars>
+      </dgm:prSet>
+      <dgm:spPr/>
+      <dgm:t>
+        <a:bodyPr/>
+        <a:lstStyle/>
+        <a:p>
+          <a:endParaRPr lang="fr-FR"/>
+        </a:p>
+      </dgm:t>
+    </dgm:pt>
+    <dgm:pt modelId="{D3CD469A-FEC1-4EB3-A8E3-2401ECB6DF7B}" type="pres">
+      <dgm:prSet presAssocID="{9EE681F6-D34F-4C51-99DC-AEB893E082E2}" presName="accent_1" presStyleCnt="0"/>
+      <dgm:spPr/>
+    </dgm:pt>
+    <dgm:pt modelId="{BEC47173-B43D-440A-B071-F5E713476F86}" type="pres">
+      <dgm:prSet presAssocID="{9EE681F6-D34F-4C51-99DC-AEB893E082E2}" presName="accentRepeatNode" presStyleLbl="solidFgAcc1" presStyleIdx="0" presStyleCnt="3"/>
+      <dgm:spPr/>
+    </dgm:pt>
+    <dgm:pt modelId="{AC72BA76-548A-4DBB-8925-4225F3E0BFD8}" type="pres">
+      <dgm:prSet presAssocID="{8040EE0C-A9FE-44DA-B46B-DE52D5FE4EE4}" presName="text_2" presStyleLbl="node1" presStyleIdx="1" presStyleCnt="3">
+        <dgm:presLayoutVars>
+          <dgm:bulletEnabled val="1"/>
+        </dgm:presLayoutVars>
+      </dgm:prSet>
+      <dgm:spPr/>
+      <dgm:t>
+        <a:bodyPr/>
+        <a:lstStyle/>
+        <a:p>
+          <a:endParaRPr lang="fr-FR"/>
+        </a:p>
+      </dgm:t>
+    </dgm:pt>
+    <dgm:pt modelId="{835D3A06-7042-4D30-880C-CB503120EF35}" type="pres">
+      <dgm:prSet presAssocID="{8040EE0C-A9FE-44DA-B46B-DE52D5FE4EE4}" presName="accent_2" presStyleCnt="0"/>
+      <dgm:spPr/>
+    </dgm:pt>
+    <dgm:pt modelId="{0A47A22E-595E-4C1F-B7C6-0EF1B4F19368}" type="pres">
+      <dgm:prSet presAssocID="{8040EE0C-A9FE-44DA-B46B-DE52D5FE4EE4}" presName="accentRepeatNode" presStyleLbl="solidFgAcc1" presStyleIdx="1" presStyleCnt="3"/>
+      <dgm:spPr/>
+    </dgm:pt>
+    <dgm:pt modelId="{A18F5808-8715-4B58-8E6F-C9CA03098757}" type="pres">
+      <dgm:prSet presAssocID="{A953C87B-4B95-41A3-A8A3-F74066B687FB}" presName="text_3" presStyleLbl="node1" presStyleIdx="2" presStyleCnt="3">
+        <dgm:presLayoutVars>
+          <dgm:bulletEnabled val="1"/>
+        </dgm:presLayoutVars>
+      </dgm:prSet>
+      <dgm:spPr/>
+      <dgm:t>
+        <a:bodyPr/>
+        <a:lstStyle/>
+        <a:p>
+          <a:endParaRPr lang="fr-FR"/>
+        </a:p>
+      </dgm:t>
+    </dgm:pt>
+    <dgm:pt modelId="{94D514C7-E05D-4860-89A9-0092C6DD8759}" type="pres">
+      <dgm:prSet presAssocID="{A953C87B-4B95-41A3-A8A3-F74066B687FB}" presName="accent_3" presStyleCnt="0"/>
+      <dgm:spPr/>
+    </dgm:pt>
+    <dgm:pt modelId="{A7036FD2-AF1B-4FDC-94DA-3E29AEDA80E6}" type="pres">
+      <dgm:prSet presAssocID="{A953C87B-4B95-41A3-A8A3-F74066B687FB}" presName="accentRepeatNode" presStyleLbl="solidFgAcc1" presStyleIdx="2" presStyleCnt="3"/>
+      <dgm:spPr/>
+    </dgm:pt>
+  </dgm:ptLst>
+  <dgm:cxnLst>
+    <dgm:cxn modelId="{38D0190A-ACF4-4540-A92C-B1C2AF0E1D16}" type="presOf" srcId="{483BAF39-DB4C-4215-B009-D7A463917049}" destId="{899539FF-4E0A-4EB8-BC7D-485DFB71615D}" srcOrd="0" destOrd="0" presId="urn:microsoft.com/office/officeart/2008/layout/VerticalCurvedList"/>
+    <dgm:cxn modelId="{4DF16C58-47E3-461B-A9C4-9CBAD1DA955F}" type="presOf" srcId="{8040EE0C-A9FE-44DA-B46B-DE52D5FE4EE4}" destId="{AC72BA76-548A-4DBB-8925-4225F3E0BFD8}" srcOrd="0" destOrd="0" presId="urn:microsoft.com/office/officeart/2008/layout/VerticalCurvedList"/>
+    <dgm:cxn modelId="{78303112-1236-42AC-854A-326B8C8337B9}" type="presOf" srcId="{DB5DCF33-C654-4F79-9A59-C6BC70892BF2}" destId="{38D7097B-E3BF-4E75-B3F8-30441BC76571}" srcOrd="0" destOrd="0" presId="urn:microsoft.com/office/officeart/2008/layout/VerticalCurvedList"/>
+    <dgm:cxn modelId="{65533654-3767-401F-B81A-8C923628C423}" srcId="{483BAF39-DB4C-4215-B009-D7A463917049}" destId="{9EE681F6-D34F-4C51-99DC-AEB893E082E2}" srcOrd="0" destOrd="0" parTransId="{7832B94E-F956-4BDC-9334-22C7ADB88D1A}" sibTransId="{DB5DCF33-C654-4F79-9A59-C6BC70892BF2}"/>
+    <dgm:cxn modelId="{7F3C3C36-FE38-4A81-B629-9ED51B4896A2}" type="presOf" srcId="{A953C87B-4B95-41A3-A8A3-F74066B687FB}" destId="{A18F5808-8715-4B58-8E6F-C9CA03098757}" srcOrd="0" destOrd="0" presId="urn:microsoft.com/office/officeart/2008/layout/VerticalCurvedList"/>
+    <dgm:cxn modelId="{B05885E6-1B28-4917-93EC-A8E7C22981AC}" type="presOf" srcId="{9EE681F6-D34F-4C51-99DC-AEB893E082E2}" destId="{58BCEC67-4411-4ED3-916F-4805CF94175C}" srcOrd="0" destOrd="0" presId="urn:microsoft.com/office/officeart/2008/layout/VerticalCurvedList"/>
+    <dgm:cxn modelId="{EEAEB0AC-E942-4FC4-B465-AAC58277EA2C}" srcId="{483BAF39-DB4C-4215-B009-D7A463917049}" destId="{8040EE0C-A9FE-44DA-B46B-DE52D5FE4EE4}" srcOrd="1" destOrd="0" parTransId="{23860EA1-C53C-44FE-831A-F66EBB89BE6D}" sibTransId="{C5713383-C821-484B-AE7E-DDC1C854D98D}"/>
+    <dgm:cxn modelId="{7E385F92-2040-42EA-9F55-294564FD453E}" srcId="{483BAF39-DB4C-4215-B009-D7A463917049}" destId="{A953C87B-4B95-41A3-A8A3-F74066B687FB}" srcOrd="2" destOrd="0" parTransId="{A01B0638-2422-4C33-9D91-3D380FDC51EC}" sibTransId="{B5CAF926-AA39-46EE-BB4D-86E8F5B84BB1}"/>
+    <dgm:cxn modelId="{CA34A4E9-D96D-422B-81EA-529B0EFB081D}" type="presParOf" srcId="{899539FF-4E0A-4EB8-BC7D-485DFB71615D}" destId="{5440D716-FE15-4992-8365-4305AAEE283D}" srcOrd="0" destOrd="0" presId="urn:microsoft.com/office/officeart/2008/layout/VerticalCurvedList"/>
+    <dgm:cxn modelId="{4F26B823-E7F3-41F2-B0BE-AD1D748F121D}" type="presParOf" srcId="{5440D716-FE15-4992-8365-4305AAEE283D}" destId="{AFA3F251-4E3B-4D45-8349-61295EB295E7}" srcOrd="0" destOrd="0" presId="urn:microsoft.com/office/officeart/2008/layout/VerticalCurvedList"/>
+    <dgm:cxn modelId="{0E9BCD24-FE60-47A7-8221-AED7B852CA33}" type="presParOf" srcId="{AFA3F251-4E3B-4D45-8349-61295EB295E7}" destId="{547C6561-6A9F-431B-933E-F004BC9CBFD8}" srcOrd="0" destOrd="0" presId="urn:microsoft.com/office/officeart/2008/layout/VerticalCurvedList"/>
+    <dgm:cxn modelId="{8FD0E21E-A5AF-486B-8FA1-7280A30FFEED}" type="presParOf" srcId="{AFA3F251-4E3B-4D45-8349-61295EB295E7}" destId="{38D7097B-E3BF-4E75-B3F8-30441BC76571}" srcOrd="1" destOrd="0" presId="urn:microsoft.com/office/officeart/2008/layout/VerticalCurvedList"/>
+    <dgm:cxn modelId="{061ADF2B-C1C6-430E-8031-C822179D811B}" type="presParOf" srcId="{AFA3F251-4E3B-4D45-8349-61295EB295E7}" destId="{FB02D3DF-51B3-4880-824D-B13D47F597A5}" srcOrd="2" destOrd="0" presId="urn:microsoft.com/office/officeart/2008/layout/VerticalCurvedList"/>
+    <dgm:cxn modelId="{11EBE4AA-3B8E-4F6C-A4F9-0D624E35CCC0}" type="presParOf" srcId="{AFA3F251-4E3B-4D45-8349-61295EB295E7}" destId="{8E2AB20E-2BB1-4D8F-882C-742A1BF8F7E1}" srcOrd="3" destOrd="0" presId="urn:microsoft.com/office/officeart/2008/layout/VerticalCurvedList"/>
+    <dgm:cxn modelId="{5155ABD5-9997-420A-8B79-B2B6AD7EF8CE}" type="presParOf" srcId="{5440D716-FE15-4992-8365-4305AAEE283D}" destId="{58BCEC67-4411-4ED3-916F-4805CF94175C}" srcOrd="1" destOrd="0" presId="urn:microsoft.com/office/officeart/2008/layout/VerticalCurvedList"/>
+    <dgm:cxn modelId="{751BE110-2C25-441D-BF14-FBE04A416AFE}" type="presParOf" srcId="{5440D716-FE15-4992-8365-4305AAEE283D}" destId="{D3CD469A-FEC1-4EB3-A8E3-2401ECB6DF7B}" srcOrd="2" destOrd="0" presId="urn:microsoft.com/office/officeart/2008/layout/VerticalCurvedList"/>
+    <dgm:cxn modelId="{F6A0A95C-B9BB-43B7-9DAD-CA7BBA0A653F}" type="presParOf" srcId="{D3CD469A-FEC1-4EB3-A8E3-2401ECB6DF7B}" destId="{BEC47173-B43D-440A-B071-F5E713476F86}" srcOrd="0" destOrd="0" presId="urn:microsoft.com/office/officeart/2008/layout/VerticalCurvedList"/>
+    <dgm:cxn modelId="{F4DE20CA-CEFF-4212-A64E-7C7C037D49BD}" type="presParOf" srcId="{5440D716-FE15-4992-8365-4305AAEE283D}" destId="{AC72BA76-548A-4DBB-8925-4225F3E0BFD8}" srcOrd="3" destOrd="0" presId="urn:microsoft.com/office/officeart/2008/layout/VerticalCurvedList"/>
+    <dgm:cxn modelId="{C94CBFCD-A52A-4F49-B261-67631DCB18DC}" type="presParOf" srcId="{5440D716-FE15-4992-8365-4305AAEE283D}" destId="{835D3A06-7042-4D30-880C-CB503120EF35}" srcOrd="4" destOrd="0" presId="urn:microsoft.com/office/officeart/2008/layout/VerticalCurvedList"/>
+    <dgm:cxn modelId="{80AEF92D-685F-4553-907E-D11C0F4A8399}" type="presParOf" srcId="{835D3A06-7042-4D30-880C-CB503120EF35}" destId="{0A47A22E-595E-4C1F-B7C6-0EF1B4F19368}" srcOrd="0" destOrd="0" presId="urn:microsoft.com/office/officeart/2008/layout/VerticalCurvedList"/>
+    <dgm:cxn modelId="{2109B146-6269-46F2-85D6-2FEDBE036759}" type="presParOf" srcId="{5440D716-FE15-4992-8365-4305AAEE283D}" destId="{A18F5808-8715-4B58-8E6F-C9CA03098757}" srcOrd="5" destOrd="0" presId="urn:microsoft.com/office/officeart/2008/layout/VerticalCurvedList"/>
+    <dgm:cxn modelId="{60C7F645-CDFE-4D68-8159-0E17D639A81B}" type="presParOf" srcId="{5440D716-FE15-4992-8365-4305AAEE283D}" destId="{94D514C7-E05D-4860-89A9-0092C6DD8759}" srcOrd="6" destOrd="0" presId="urn:microsoft.com/office/officeart/2008/layout/VerticalCurvedList"/>
+    <dgm:cxn modelId="{3DB67E99-4749-414E-9235-C5E5DD38F85A}" type="presParOf" srcId="{94D514C7-E05D-4860-89A9-0092C6DD8759}" destId="{A7036FD2-AF1B-4FDC-94DA-3E29AEDA80E6}" srcOrd="0" destOrd="0" presId="urn:microsoft.com/office/officeart/2008/layout/VerticalCurvedList"/>
+  </dgm:cxnLst>
+  <dgm:bg/>
+  <dgm:whole/>
+  <dgm:extLst>
+    <a:ext uri="http://schemas.microsoft.com/office/drawing/2008/diagram">
+      <dsp:dataModelExt xmlns:dsp="http://schemas.microsoft.com/office/drawing/2008/diagram" relId="rId7" minVer="http://schemas.openxmlformats.org/drawingml/2006/diagram"/>
+    </a:ext>
+  </dgm:extLst>
+</dgm:dataModel>
+</file>
+
+<file path=ppt/diagrams/data2.xml><?xml version="1.0" encoding="utf-8"?>
+<dgm:dataModel xmlns:dgm="http://schemas.openxmlformats.org/drawingml/2006/diagram" xmlns:a="http://schemas.openxmlformats.org/drawingml/2006/main">
+  <dgm:ptLst>
+    <dgm:pt modelId="{8021CF3D-D3A7-49BA-B203-A0EED621FA81}" type="doc">
+      <dgm:prSet loTypeId="urn:microsoft.com/office/officeart/2005/8/layout/default" loCatId="list" qsTypeId="urn:microsoft.com/office/officeart/2005/8/quickstyle/simple1" qsCatId="simple" csTypeId="urn:microsoft.com/office/officeart/2005/8/colors/accent1_2" csCatId="accent1" phldr="1"/>
+      <dgm:spPr/>
+      <dgm:t>
+        <a:bodyPr/>
+        <a:lstStyle/>
+        <a:p>
+          <a:endParaRPr lang="fr-FR"/>
+        </a:p>
+      </dgm:t>
+    </dgm:pt>
+    <dgm:pt modelId="{C693805A-7184-4E30-BE4B-4EF11638EEEF}">
+      <dgm:prSet phldrT="[Texte]"/>
+      <dgm:spPr/>
+      <dgm:t>
+        <a:bodyPr/>
+        <a:lstStyle/>
+        <a:p>
+          <a:r>
+            <a:rPr lang="fr-FR" dirty="0" smtClean="0"/>
+            <a:t>Ennemies</a:t>
+          </a:r>
+          <a:endParaRPr lang="fr-FR" dirty="0"/>
+        </a:p>
+      </dgm:t>
+    </dgm:pt>
+    <dgm:pt modelId="{1C874A2E-1095-40B5-96ED-B4092AE657B3}" type="parTrans" cxnId="{1C0E70E1-4018-4202-9BF4-CFCC7C02B103}">
+      <dgm:prSet/>
+      <dgm:spPr/>
+      <dgm:t>
+        <a:bodyPr/>
+        <a:lstStyle/>
+        <a:p>
+          <a:endParaRPr lang="fr-FR"/>
+        </a:p>
+      </dgm:t>
+    </dgm:pt>
+    <dgm:pt modelId="{18B4B1F2-0144-4847-B1E5-07F3C0A8E2F4}" type="sibTrans" cxnId="{1C0E70E1-4018-4202-9BF4-CFCC7C02B103}">
+      <dgm:prSet/>
+      <dgm:spPr/>
+      <dgm:t>
+        <a:bodyPr/>
+        <a:lstStyle/>
+        <a:p>
+          <a:endParaRPr lang="fr-FR"/>
+        </a:p>
+      </dgm:t>
+    </dgm:pt>
+    <dgm:pt modelId="{3421A122-9284-4756-80E7-C2F4EEB3C994}">
+      <dgm:prSet phldrT="[Texte]"/>
+      <dgm:spPr/>
+      <dgm:t>
+        <a:bodyPr/>
+        <a:lstStyle/>
+        <a:p>
+          <a:r>
+            <a:rPr lang="fr-FR" dirty="0" smtClean="0"/>
+            <a:t>Editeur de niveau</a:t>
+          </a:r>
+          <a:endParaRPr lang="fr-FR" dirty="0"/>
+        </a:p>
+      </dgm:t>
+    </dgm:pt>
+    <dgm:pt modelId="{6FA53639-4CA8-4FD7-BB1D-59D49AFCBD7E}" type="parTrans" cxnId="{C3C03959-56D2-4C78-A8FC-448978873BBB}">
+      <dgm:prSet/>
+      <dgm:spPr/>
+      <dgm:t>
+        <a:bodyPr/>
+        <a:lstStyle/>
+        <a:p>
+          <a:endParaRPr lang="fr-FR"/>
+        </a:p>
+      </dgm:t>
+    </dgm:pt>
+    <dgm:pt modelId="{383A4295-E982-413D-8C21-FF6B5FC2A582}" type="sibTrans" cxnId="{C3C03959-56D2-4C78-A8FC-448978873BBB}">
+      <dgm:prSet/>
+      <dgm:spPr/>
+      <dgm:t>
+        <a:bodyPr/>
+        <a:lstStyle/>
+        <a:p>
+          <a:endParaRPr lang="fr-FR"/>
+        </a:p>
+      </dgm:t>
+    </dgm:pt>
+    <dgm:pt modelId="{59FB6444-2263-4A64-8427-A6BB8B0EBEBC}">
+      <dgm:prSet phldrT="[Texte]"/>
+      <dgm:spPr/>
+      <dgm:t>
+        <a:bodyPr/>
+        <a:lstStyle/>
+        <a:p>
+          <a:r>
+            <a:rPr lang="fr-FR" dirty="0" smtClean="0"/>
+            <a:t>Boss</a:t>
+          </a:r>
+          <a:endParaRPr lang="fr-FR" dirty="0"/>
+        </a:p>
+      </dgm:t>
+    </dgm:pt>
+    <dgm:pt modelId="{F5AE699E-46FB-4C04-8CF7-7C220AFE7FAC}" type="parTrans" cxnId="{AF201680-DBFE-455F-941D-2BDEAC19314A}">
+      <dgm:prSet/>
+      <dgm:spPr/>
+      <dgm:t>
+        <a:bodyPr/>
+        <a:lstStyle/>
+        <a:p>
+          <a:endParaRPr lang="fr-FR"/>
+        </a:p>
+      </dgm:t>
+    </dgm:pt>
+    <dgm:pt modelId="{B617FB3C-95C2-4624-8AC6-309F9CC18125}" type="sibTrans" cxnId="{AF201680-DBFE-455F-941D-2BDEAC19314A}">
+      <dgm:prSet/>
+      <dgm:spPr/>
+      <dgm:t>
+        <a:bodyPr/>
+        <a:lstStyle/>
+        <a:p>
+          <a:endParaRPr lang="fr-FR"/>
+        </a:p>
+      </dgm:t>
+    </dgm:pt>
+    <dgm:pt modelId="{7AF7A540-419C-4A9F-8D2A-083F012AF965}">
+      <dgm:prSet/>
+      <dgm:spPr/>
+      <dgm:t>
+        <a:bodyPr/>
+        <a:lstStyle/>
+        <a:p>
+          <a:r>
+            <a:rPr lang="fr-FR" dirty="0" smtClean="0"/>
+            <a:t>Bonus</a:t>
+          </a:r>
+          <a:endParaRPr lang="fr-FR" dirty="0"/>
+        </a:p>
+      </dgm:t>
+    </dgm:pt>
+    <dgm:pt modelId="{6B05A932-C2A8-4C71-8254-C9CD8631AE0E}" type="parTrans" cxnId="{F567194C-4408-40A3-ABCE-A1C6C1B87CB1}">
+      <dgm:prSet/>
+      <dgm:spPr/>
+      <dgm:t>
+        <a:bodyPr/>
+        <a:lstStyle/>
+        <a:p>
+          <a:endParaRPr lang="fr-FR"/>
+        </a:p>
+      </dgm:t>
+    </dgm:pt>
+    <dgm:pt modelId="{4760BDD0-501C-499D-8244-DED41AD77C9E}" type="sibTrans" cxnId="{F567194C-4408-40A3-ABCE-A1C6C1B87CB1}">
+      <dgm:prSet/>
+      <dgm:spPr/>
+      <dgm:t>
+        <a:bodyPr/>
+        <a:lstStyle/>
+        <a:p>
+          <a:endParaRPr lang="fr-FR"/>
+        </a:p>
+      </dgm:t>
+    </dgm:pt>
+    <dgm:pt modelId="{EF52BCC4-F9DC-4ECC-BDCC-AEB51555BECB}">
+      <dgm:prSet/>
+      <dgm:spPr/>
+      <dgm:t>
+        <a:bodyPr/>
+        <a:lstStyle/>
+        <a:p>
+          <a:r>
+            <a:rPr lang="fr-FR" dirty="0" err="1" smtClean="0"/>
+            <a:t>Scoring</a:t>
+          </a:r>
+          <a:endParaRPr lang="fr-FR" dirty="0"/>
+        </a:p>
+      </dgm:t>
+    </dgm:pt>
+    <dgm:pt modelId="{179ED47E-6D5E-4B27-A175-464A6A2DF811}" type="parTrans" cxnId="{AF6C836A-1080-4848-8E38-852CB91ECCFC}">
+      <dgm:prSet/>
+      <dgm:spPr/>
+      <dgm:t>
+        <a:bodyPr/>
+        <a:lstStyle/>
+        <a:p>
+          <a:endParaRPr lang="fr-FR"/>
+        </a:p>
+      </dgm:t>
+    </dgm:pt>
+    <dgm:pt modelId="{7CCACDB3-FBE4-42D9-BD27-B673C16BA333}" type="sibTrans" cxnId="{AF6C836A-1080-4848-8E38-852CB91ECCFC}">
+      <dgm:prSet/>
+      <dgm:spPr/>
+      <dgm:t>
+        <a:bodyPr/>
+        <a:lstStyle/>
+        <a:p>
+          <a:endParaRPr lang="fr-FR"/>
+        </a:p>
+      </dgm:t>
+    </dgm:pt>
+    <dgm:pt modelId="{68768EEC-8423-4011-99D9-4D6F3EDC3809}">
+      <dgm:prSet/>
+      <dgm:spPr/>
+      <dgm:t>
+        <a:bodyPr/>
+        <a:lstStyle/>
+        <a:p>
+          <a:r>
+            <a:rPr lang="fr-FR" dirty="0" smtClean="0"/>
+            <a:t>Stabilisation de l’architecture</a:t>
+          </a:r>
+          <a:endParaRPr lang="fr-FR" dirty="0"/>
+        </a:p>
+      </dgm:t>
+    </dgm:pt>
+    <dgm:pt modelId="{51EC5F16-38B5-4FF9-B4F8-F8388C353651}" type="parTrans" cxnId="{66BD9149-B215-4E24-BA9C-60C1D7E98192}">
+      <dgm:prSet/>
+      <dgm:spPr/>
+      <dgm:t>
+        <a:bodyPr/>
+        <a:lstStyle/>
+        <a:p>
+          <a:endParaRPr lang="fr-FR"/>
+        </a:p>
+      </dgm:t>
+    </dgm:pt>
+    <dgm:pt modelId="{0A31E0F6-894A-494E-AC3D-7010C142E9F2}" type="sibTrans" cxnId="{66BD9149-B215-4E24-BA9C-60C1D7E98192}">
+      <dgm:prSet/>
+      <dgm:spPr/>
+      <dgm:t>
+        <a:bodyPr/>
+        <a:lstStyle/>
+        <a:p>
+          <a:endParaRPr lang="fr-FR"/>
+        </a:p>
+      </dgm:t>
+    </dgm:pt>
+    <dgm:pt modelId="{77E1B305-6CDC-4A48-B9A7-F6AE5F8FFCA4}">
+      <dgm:prSet/>
+      <dgm:spPr/>
+      <dgm:t>
+        <a:bodyPr/>
+        <a:lstStyle/>
+        <a:p>
+          <a:r>
+            <a:rPr lang="fr-FR" dirty="0" smtClean="0"/>
+            <a:t>Meilleure gestion de projet</a:t>
+          </a:r>
+          <a:endParaRPr lang="fr-FR" dirty="0"/>
+        </a:p>
+      </dgm:t>
+    </dgm:pt>
+    <dgm:pt modelId="{BD06AE17-A24C-40BC-908B-DD51771AEA4D}" type="parTrans" cxnId="{989FDC23-1712-42C2-A754-DB5256B13EDA}">
+      <dgm:prSet/>
+      <dgm:spPr/>
+      <dgm:t>
+        <a:bodyPr/>
+        <a:lstStyle/>
+        <a:p>
+          <a:endParaRPr lang="fr-FR"/>
+        </a:p>
+      </dgm:t>
+    </dgm:pt>
+    <dgm:pt modelId="{0C577876-7E03-4373-8036-FCE0F06EBF3F}" type="sibTrans" cxnId="{989FDC23-1712-42C2-A754-DB5256B13EDA}">
+      <dgm:prSet/>
+      <dgm:spPr/>
+      <dgm:t>
+        <a:bodyPr/>
+        <a:lstStyle/>
+        <a:p>
+          <a:endParaRPr lang="fr-FR"/>
+        </a:p>
+      </dgm:t>
+    </dgm:pt>
+    <dgm:pt modelId="{4D3CB479-614D-48CB-ADA6-6FF5362F0D67}">
+      <dgm:prSet/>
+      <dgm:spPr/>
+      <dgm:t>
+        <a:bodyPr/>
+        <a:lstStyle/>
+        <a:p>
+          <a:r>
+            <a:rPr lang="fr-FR" dirty="0" err="1" smtClean="0"/>
+            <a:t>Refactorisation</a:t>
+          </a:r>
+          <a:r>
+            <a:rPr lang="fr-FR" dirty="0" smtClean="0"/>
+            <a:t> du code</a:t>
+          </a:r>
+          <a:endParaRPr lang="fr-FR" dirty="0"/>
+        </a:p>
+      </dgm:t>
+    </dgm:pt>
+    <dgm:pt modelId="{255D6CAA-5E49-4BB5-A265-C3D50D399321}" type="parTrans" cxnId="{59E901D9-8A57-405C-8D67-7134C28B9FEE}">
+      <dgm:prSet/>
+      <dgm:spPr/>
+      <dgm:t>
+        <a:bodyPr/>
+        <a:lstStyle/>
+        <a:p>
+          <a:endParaRPr lang="fr-FR"/>
+        </a:p>
+      </dgm:t>
+    </dgm:pt>
+    <dgm:pt modelId="{F2A46996-ECE9-4087-8CE2-8EC802D7B0BA}" type="sibTrans" cxnId="{59E901D9-8A57-405C-8D67-7134C28B9FEE}">
+      <dgm:prSet/>
+      <dgm:spPr/>
+      <dgm:t>
+        <a:bodyPr/>
+        <a:lstStyle/>
+        <a:p>
+          <a:endParaRPr lang="fr-FR"/>
+        </a:p>
+      </dgm:t>
+    </dgm:pt>
+    <dgm:pt modelId="{573614D4-8D5D-4224-8843-2A282A3CE896}">
+      <dgm:prSet/>
+      <dgm:spPr/>
+      <dgm:t>
+        <a:bodyPr/>
+        <a:lstStyle/>
+        <a:p>
+          <a:r>
+            <a:rPr lang="fr-FR" dirty="0" smtClean="0"/>
+            <a:t>Multi</a:t>
+          </a:r>
+          <a:endParaRPr lang="fr-FR" dirty="0"/>
+        </a:p>
+      </dgm:t>
+    </dgm:pt>
+    <dgm:pt modelId="{95A140CD-E41C-45FA-88ED-9AD67E7225C1}" type="parTrans" cxnId="{584DBF03-0FC0-4A15-BF58-56B605C77FD6}">
+      <dgm:prSet/>
+      <dgm:spPr/>
+      <dgm:t>
+        <a:bodyPr/>
+        <a:lstStyle/>
+        <a:p>
+          <a:endParaRPr lang="fr-FR"/>
+        </a:p>
+      </dgm:t>
+    </dgm:pt>
+    <dgm:pt modelId="{68D36D25-8FEF-4BD2-804C-715E759C5CAC}" type="sibTrans" cxnId="{584DBF03-0FC0-4A15-BF58-56B605C77FD6}">
+      <dgm:prSet/>
+      <dgm:spPr/>
+      <dgm:t>
+        <a:bodyPr/>
+        <a:lstStyle/>
+        <a:p>
+          <a:endParaRPr lang="fr-FR"/>
+        </a:p>
+      </dgm:t>
+    </dgm:pt>
+    <dgm:pt modelId="{6AAAC370-93BD-47DD-BA4B-48F1C352B774}" type="pres">
+      <dgm:prSet presAssocID="{8021CF3D-D3A7-49BA-B203-A0EED621FA81}" presName="diagram" presStyleCnt="0">
+        <dgm:presLayoutVars>
+          <dgm:dir/>
+          <dgm:resizeHandles val="exact"/>
+        </dgm:presLayoutVars>
+      </dgm:prSet>
+      <dgm:spPr/>
+    </dgm:pt>
+    <dgm:pt modelId="{EF1D8AAE-B5F3-4B4A-8D38-6AE551DA8698}" type="pres">
+      <dgm:prSet presAssocID="{C693805A-7184-4E30-BE4B-4EF11638EEEF}" presName="node" presStyleLbl="node1" presStyleIdx="0" presStyleCnt="9">
+        <dgm:presLayoutVars>
+          <dgm:bulletEnabled val="1"/>
+        </dgm:presLayoutVars>
+      </dgm:prSet>
+      <dgm:spPr/>
+      <dgm:t>
+        <a:bodyPr/>
+        <a:lstStyle/>
+        <a:p>
+          <a:endParaRPr lang="fr-FR"/>
+        </a:p>
+      </dgm:t>
+    </dgm:pt>
+    <dgm:pt modelId="{AFE3AFEF-81C6-4B29-ADD5-BF1DD168D8A6}" type="pres">
+      <dgm:prSet presAssocID="{18B4B1F2-0144-4847-B1E5-07F3C0A8E2F4}" presName="sibTrans" presStyleCnt="0"/>
+      <dgm:spPr/>
+    </dgm:pt>
+    <dgm:pt modelId="{8C89487D-98DE-4128-9BC2-9C0899D30B13}" type="pres">
+      <dgm:prSet presAssocID="{3421A122-9284-4756-80E7-C2F4EEB3C994}" presName="node" presStyleLbl="node1" presStyleIdx="1" presStyleCnt="9">
+        <dgm:presLayoutVars>
+          <dgm:bulletEnabled val="1"/>
+        </dgm:presLayoutVars>
+      </dgm:prSet>
+      <dgm:spPr/>
+      <dgm:t>
+        <a:bodyPr/>
+        <a:lstStyle/>
+        <a:p>
+          <a:endParaRPr lang="fr-FR"/>
+        </a:p>
+      </dgm:t>
+    </dgm:pt>
+    <dgm:pt modelId="{C1174A38-1E0F-4345-BA63-98963C771F36}" type="pres">
+      <dgm:prSet presAssocID="{383A4295-E982-413D-8C21-FF6B5FC2A582}" presName="sibTrans" presStyleCnt="0"/>
+      <dgm:spPr/>
+    </dgm:pt>
+    <dgm:pt modelId="{698152BB-18B9-4B73-AFA7-AE2352CC66E9}" type="pres">
+      <dgm:prSet presAssocID="{59FB6444-2263-4A64-8427-A6BB8B0EBEBC}" presName="node" presStyleLbl="node1" presStyleIdx="2" presStyleCnt="9">
+        <dgm:presLayoutVars>
+          <dgm:bulletEnabled val="1"/>
+        </dgm:presLayoutVars>
+      </dgm:prSet>
+      <dgm:spPr/>
+      <dgm:t>
+        <a:bodyPr/>
+        <a:lstStyle/>
+        <a:p>
+          <a:endParaRPr lang="fr-FR"/>
+        </a:p>
+      </dgm:t>
+    </dgm:pt>
+    <dgm:pt modelId="{3C6E1AE6-B476-43FC-9A85-D334F878E21D}" type="pres">
+      <dgm:prSet presAssocID="{B617FB3C-95C2-4624-8AC6-309F9CC18125}" presName="sibTrans" presStyleCnt="0"/>
+      <dgm:spPr/>
+    </dgm:pt>
+    <dgm:pt modelId="{C6B2301E-6D07-4379-8020-4F7B58A4C07A}" type="pres">
+      <dgm:prSet presAssocID="{7AF7A540-419C-4A9F-8D2A-083F012AF965}" presName="node" presStyleLbl="node1" presStyleIdx="3" presStyleCnt="9">
+        <dgm:presLayoutVars>
+          <dgm:bulletEnabled val="1"/>
+        </dgm:presLayoutVars>
+      </dgm:prSet>
+      <dgm:spPr/>
+    </dgm:pt>
+    <dgm:pt modelId="{BCADE1D0-2B7F-470F-B000-80B31675CEC9}" type="pres">
+      <dgm:prSet presAssocID="{4760BDD0-501C-499D-8244-DED41AD77C9E}" presName="sibTrans" presStyleCnt="0"/>
+      <dgm:spPr/>
+    </dgm:pt>
+    <dgm:pt modelId="{A5675E25-9C65-4DDD-BBFE-44983E5E3EC7}" type="pres">
+      <dgm:prSet presAssocID="{EF52BCC4-F9DC-4ECC-BDCC-AEB51555BECB}" presName="node" presStyleLbl="node1" presStyleIdx="4" presStyleCnt="9">
+        <dgm:presLayoutVars>
+          <dgm:bulletEnabled val="1"/>
+        </dgm:presLayoutVars>
+      </dgm:prSet>
+      <dgm:spPr/>
+      <dgm:t>
+        <a:bodyPr/>
+        <a:lstStyle/>
+        <a:p>
+          <a:endParaRPr lang="fr-FR"/>
+        </a:p>
+      </dgm:t>
+    </dgm:pt>
+    <dgm:pt modelId="{AC6A3005-762D-4C96-8DAF-D52C3EF3F902}" type="pres">
+      <dgm:prSet presAssocID="{7CCACDB3-FBE4-42D9-BD27-B673C16BA333}" presName="sibTrans" presStyleCnt="0"/>
+      <dgm:spPr/>
+    </dgm:pt>
+    <dgm:pt modelId="{51804ECA-ACC2-4095-B790-EEAE36591A45}" type="pres">
+      <dgm:prSet presAssocID="{573614D4-8D5D-4224-8843-2A282A3CE896}" presName="node" presStyleLbl="node1" presStyleIdx="5" presStyleCnt="9">
+        <dgm:presLayoutVars>
+          <dgm:bulletEnabled val="1"/>
+        </dgm:presLayoutVars>
+      </dgm:prSet>
+      <dgm:spPr/>
+    </dgm:pt>
+    <dgm:pt modelId="{04A65343-F8AE-4A42-979C-1351B527D121}" type="pres">
+      <dgm:prSet presAssocID="{68D36D25-8FEF-4BD2-804C-715E759C5CAC}" presName="sibTrans" presStyleCnt="0"/>
+      <dgm:spPr/>
+    </dgm:pt>
+    <dgm:pt modelId="{CE620F5E-049F-46C8-97AA-AF803BD145E5}" type="pres">
+      <dgm:prSet presAssocID="{68768EEC-8423-4011-99D9-4D6F3EDC3809}" presName="node" presStyleLbl="node1" presStyleIdx="6" presStyleCnt="9">
+        <dgm:presLayoutVars>
+          <dgm:bulletEnabled val="1"/>
+        </dgm:presLayoutVars>
+      </dgm:prSet>
+      <dgm:spPr/>
+    </dgm:pt>
+    <dgm:pt modelId="{ACA1897C-D02F-4DCF-B269-4815E86F032D}" type="pres">
+      <dgm:prSet presAssocID="{0A31E0F6-894A-494E-AC3D-7010C142E9F2}" presName="sibTrans" presStyleCnt="0"/>
+      <dgm:spPr/>
+    </dgm:pt>
+    <dgm:pt modelId="{8612C22A-6962-45E2-8C79-7510BE0D4DFB}" type="pres">
+      <dgm:prSet presAssocID="{77E1B305-6CDC-4A48-B9A7-F6AE5F8FFCA4}" presName="node" presStyleLbl="node1" presStyleIdx="7" presStyleCnt="9">
+        <dgm:presLayoutVars>
+          <dgm:bulletEnabled val="1"/>
+        </dgm:presLayoutVars>
+      </dgm:prSet>
+      <dgm:spPr/>
+      <dgm:t>
+        <a:bodyPr/>
+        <a:lstStyle/>
+        <a:p>
+          <a:endParaRPr lang="fr-FR"/>
+        </a:p>
+      </dgm:t>
+    </dgm:pt>
+    <dgm:pt modelId="{C5CC1326-1C97-4C0D-94C6-CF3F99F60DD3}" type="pres">
+      <dgm:prSet presAssocID="{0C577876-7E03-4373-8036-FCE0F06EBF3F}" presName="sibTrans" presStyleCnt="0"/>
+      <dgm:spPr/>
+    </dgm:pt>
+    <dgm:pt modelId="{17207947-1894-4E7B-BA79-B97A867C4E95}" type="pres">
+      <dgm:prSet presAssocID="{4D3CB479-614D-48CB-ADA6-6FF5362F0D67}" presName="node" presStyleLbl="node1" presStyleIdx="8" presStyleCnt="9">
+        <dgm:presLayoutVars>
+          <dgm:bulletEnabled val="1"/>
+        </dgm:presLayoutVars>
+      </dgm:prSet>
+      <dgm:spPr/>
+    </dgm:pt>
+  </dgm:ptLst>
+  <dgm:cxnLst>
+    <dgm:cxn modelId="{3CD38D66-FFEC-4D29-9131-7EE2D6D52D51}" type="presOf" srcId="{8021CF3D-D3A7-49BA-B203-A0EED621FA81}" destId="{6AAAC370-93BD-47DD-BA4B-48F1C352B774}" srcOrd="0" destOrd="0" presId="urn:microsoft.com/office/officeart/2005/8/layout/default"/>
+    <dgm:cxn modelId="{C3C03959-56D2-4C78-A8FC-448978873BBB}" srcId="{8021CF3D-D3A7-49BA-B203-A0EED621FA81}" destId="{3421A122-9284-4756-80E7-C2F4EEB3C994}" srcOrd="1" destOrd="0" parTransId="{6FA53639-4CA8-4FD7-BB1D-59D49AFCBD7E}" sibTransId="{383A4295-E982-413D-8C21-FF6B5FC2A582}"/>
+    <dgm:cxn modelId="{DD9782E9-C94C-40A1-B1E2-D76723FE57F9}" type="presOf" srcId="{7AF7A540-419C-4A9F-8D2A-083F012AF965}" destId="{C6B2301E-6D07-4379-8020-4F7B58A4C07A}" srcOrd="0" destOrd="0" presId="urn:microsoft.com/office/officeart/2005/8/layout/default"/>
+    <dgm:cxn modelId="{F295C58E-8B9E-4472-93B3-B4C35B7E479F}" type="presOf" srcId="{573614D4-8D5D-4224-8843-2A282A3CE896}" destId="{51804ECA-ACC2-4095-B790-EEAE36591A45}" srcOrd="0" destOrd="0" presId="urn:microsoft.com/office/officeart/2005/8/layout/default"/>
+    <dgm:cxn modelId="{5D73E912-C1B0-4CC8-9F05-6FB538610D35}" type="presOf" srcId="{68768EEC-8423-4011-99D9-4D6F3EDC3809}" destId="{CE620F5E-049F-46C8-97AA-AF803BD145E5}" srcOrd="0" destOrd="0" presId="urn:microsoft.com/office/officeart/2005/8/layout/default"/>
+    <dgm:cxn modelId="{C09C1831-9500-42CC-9BFF-B454E516EF20}" type="presOf" srcId="{77E1B305-6CDC-4A48-B9A7-F6AE5F8FFCA4}" destId="{8612C22A-6962-45E2-8C79-7510BE0D4DFB}" srcOrd="0" destOrd="0" presId="urn:microsoft.com/office/officeart/2005/8/layout/default"/>
+    <dgm:cxn modelId="{19CC2067-E8E9-4F64-A82F-1BEDE14DA62C}" type="presOf" srcId="{EF52BCC4-F9DC-4ECC-BDCC-AEB51555BECB}" destId="{A5675E25-9C65-4DDD-BBFE-44983E5E3EC7}" srcOrd="0" destOrd="0" presId="urn:microsoft.com/office/officeart/2005/8/layout/default"/>
+    <dgm:cxn modelId="{1C0E70E1-4018-4202-9BF4-CFCC7C02B103}" srcId="{8021CF3D-D3A7-49BA-B203-A0EED621FA81}" destId="{C693805A-7184-4E30-BE4B-4EF11638EEEF}" srcOrd="0" destOrd="0" parTransId="{1C874A2E-1095-40B5-96ED-B4092AE657B3}" sibTransId="{18B4B1F2-0144-4847-B1E5-07F3C0A8E2F4}"/>
+    <dgm:cxn modelId="{AF201680-DBFE-455F-941D-2BDEAC19314A}" srcId="{8021CF3D-D3A7-49BA-B203-A0EED621FA81}" destId="{59FB6444-2263-4A64-8427-A6BB8B0EBEBC}" srcOrd="2" destOrd="0" parTransId="{F5AE699E-46FB-4C04-8CF7-7C220AFE7FAC}" sibTransId="{B617FB3C-95C2-4624-8AC6-309F9CC18125}"/>
+    <dgm:cxn modelId="{989FDC23-1712-42C2-A754-DB5256B13EDA}" srcId="{8021CF3D-D3A7-49BA-B203-A0EED621FA81}" destId="{77E1B305-6CDC-4A48-B9A7-F6AE5F8FFCA4}" srcOrd="7" destOrd="0" parTransId="{BD06AE17-A24C-40BC-908B-DD51771AEA4D}" sibTransId="{0C577876-7E03-4373-8036-FCE0F06EBF3F}"/>
+    <dgm:cxn modelId="{66BD9149-B215-4E24-BA9C-60C1D7E98192}" srcId="{8021CF3D-D3A7-49BA-B203-A0EED621FA81}" destId="{68768EEC-8423-4011-99D9-4D6F3EDC3809}" srcOrd="6" destOrd="0" parTransId="{51EC5F16-38B5-4FF9-B4F8-F8388C353651}" sibTransId="{0A31E0F6-894A-494E-AC3D-7010C142E9F2}"/>
+    <dgm:cxn modelId="{F567194C-4408-40A3-ABCE-A1C6C1B87CB1}" srcId="{8021CF3D-D3A7-49BA-B203-A0EED621FA81}" destId="{7AF7A540-419C-4A9F-8D2A-083F012AF965}" srcOrd="3" destOrd="0" parTransId="{6B05A932-C2A8-4C71-8254-C9CD8631AE0E}" sibTransId="{4760BDD0-501C-499D-8244-DED41AD77C9E}"/>
+    <dgm:cxn modelId="{AF6C836A-1080-4848-8E38-852CB91ECCFC}" srcId="{8021CF3D-D3A7-49BA-B203-A0EED621FA81}" destId="{EF52BCC4-F9DC-4ECC-BDCC-AEB51555BECB}" srcOrd="4" destOrd="0" parTransId="{179ED47E-6D5E-4B27-A175-464A6A2DF811}" sibTransId="{7CCACDB3-FBE4-42D9-BD27-B673C16BA333}"/>
+    <dgm:cxn modelId="{1A7142D3-1047-4C0D-BFDE-D724BEB8A663}" type="presOf" srcId="{59FB6444-2263-4A64-8427-A6BB8B0EBEBC}" destId="{698152BB-18B9-4B73-AFA7-AE2352CC66E9}" srcOrd="0" destOrd="0" presId="urn:microsoft.com/office/officeart/2005/8/layout/default"/>
+    <dgm:cxn modelId="{59E901D9-8A57-405C-8D67-7134C28B9FEE}" srcId="{8021CF3D-D3A7-49BA-B203-A0EED621FA81}" destId="{4D3CB479-614D-48CB-ADA6-6FF5362F0D67}" srcOrd="8" destOrd="0" parTransId="{255D6CAA-5E49-4BB5-A265-C3D50D399321}" sibTransId="{F2A46996-ECE9-4087-8CE2-8EC802D7B0BA}"/>
+    <dgm:cxn modelId="{27BFFB9F-412F-47B1-AE82-E059C7332F90}" type="presOf" srcId="{C693805A-7184-4E30-BE4B-4EF11638EEEF}" destId="{EF1D8AAE-B5F3-4B4A-8D38-6AE551DA8698}" srcOrd="0" destOrd="0" presId="urn:microsoft.com/office/officeart/2005/8/layout/default"/>
+    <dgm:cxn modelId="{905443F1-AF44-4AAF-9546-F555F262A950}" type="presOf" srcId="{4D3CB479-614D-48CB-ADA6-6FF5362F0D67}" destId="{17207947-1894-4E7B-BA79-B97A867C4E95}" srcOrd="0" destOrd="0" presId="urn:microsoft.com/office/officeart/2005/8/layout/default"/>
+    <dgm:cxn modelId="{7903FB77-9A6D-42C7-B1D9-2B13D259D3E0}" type="presOf" srcId="{3421A122-9284-4756-80E7-C2F4EEB3C994}" destId="{8C89487D-98DE-4128-9BC2-9C0899D30B13}" srcOrd="0" destOrd="0" presId="urn:microsoft.com/office/officeart/2005/8/layout/default"/>
+    <dgm:cxn modelId="{584DBF03-0FC0-4A15-BF58-56B605C77FD6}" srcId="{8021CF3D-D3A7-49BA-B203-A0EED621FA81}" destId="{573614D4-8D5D-4224-8843-2A282A3CE896}" srcOrd="5" destOrd="0" parTransId="{95A140CD-E41C-45FA-88ED-9AD67E7225C1}" sibTransId="{68D36D25-8FEF-4BD2-804C-715E759C5CAC}"/>
+    <dgm:cxn modelId="{172B487E-4691-42BE-B495-C63C964A1541}" type="presParOf" srcId="{6AAAC370-93BD-47DD-BA4B-48F1C352B774}" destId="{EF1D8AAE-B5F3-4B4A-8D38-6AE551DA8698}" srcOrd="0" destOrd="0" presId="urn:microsoft.com/office/officeart/2005/8/layout/default"/>
+    <dgm:cxn modelId="{FBA26BFD-775C-43F1-AC23-A029DFBB66CE}" type="presParOf" srcId="{6AAAC370-93BD-47DD-BA4B-48F1C352B774}" destId="{AFE3AFEF-81C6-4B29-ADD5-BF1DD168D8A6}" srcOrd="1" destOrd="0" presId="urn:microsoft.com/office/officeart/2005/8/layout/default"/>
+    <dgm:cxn modelId="{61B3FBA3-999D-446C-BF68-35968A6438D5}" type="presParOf" srcId="{6AAAC370-93BD-47DD-BA4B-48F1C352B774}" destId="{8C89487D-98DE-4128-9BC2-9C0899D30B13}" srcOrd="2" destOrd="0" presId="urn:microsoft.com/office/officeart/2005/8/layout/default"/>
+    <dgm:cxn modelId="{3DBC8AB5-AFD3-4EC0-B15F-E62EAB9BA8EF}" type="presParOf" srcId="{6AAAC370-93BD-47DD-BA4B-48F1C352B774}" destId="{C1174A38-1E0F-4345-BA63-98963C771F36}" srcOrd="3" destOrd="0" presId="urn:microsoft.com/office/officeart/2005/8/layout/default"/>
+    <dgm:cxn modelId="{D670984F-B953-4391-9D19-D268D40B4F6E}" type="presParOf" srcId="{6AAAC370-93BD-47DD-BA4B-48F1C352B774}" destId="{698152BB-18B9-4B73-AFA7-AE2352CC66E9}" srcOrd="4" destOrd="0" presId="urn:microsoft.com/office/officeart/2005/8/layout/default"/>
+    <dgm:cxn modelId="{4C111265-6B92-422B-AE4A-6B8E10A98515}" type="presParOf" srcId="{6AAAC370-93BD-47DD-BA4B-48F1C352B774}" destId="{3C6E1AE6-B476-43FC-9A85-D334F878E21D}" srcOrd="5" destOrd="0" presId="urn:microsoft.com/office/officeart/2005/8/layout/default"/>
+    <dgm:cxn modelId="{CD2E338D-179C-4469-B8D5-AB1714E66575}" type="presParOf" srcId="{6AAAC370-93BD-47DD-BA4B-48F1C352B774}" destId="{C6B2301E-6D07-4379-8020-4F7B58A4C07A}" srcOrd="6" destOrd="0" presId="urn:microsoft.com/office/officeart/2005/8/layout/default"/>
+    <dgm:cxn modelId="{91FD38FC-2066-4FD9-B8CE-30DE14ECD559}" type="presParOf" srcId="{6AAAC370-93BD-47DD-BA4B-48F1C352B774}" destId="{BCADE1D0-2B7F-470F-B000-80B31675CEC9}" srcOrd="7" destOrd="0" presId="urn:microsoft.com/office/officeart/2005/8/layout/default"/>
+    <dgm:cxn modelId="{755AF3D8-F216-4F92-9AE9-088296470B2A}" type="presParOf" srcId="{6AAAC370-93BD-47DD-BA4B-48F1C352B774}" destId="{A5675E25-9C65-4DDD-BBFE-44983E5E3EC7}" srcOrd="8" destOrd="0" presId="urn:microsoft.com/office/officeart/2005/8/layout/default"/>
+    <dgm:cxn modelId="{9A6EEA43-EBB4-4E5C-920E-BD6ECB440B83}" type="presParOf" srcId="{6AAAC370-93BD-47DD-BA4B-48F1C352B774}" destId="{AC6A3005-762D-4C96-8DAF-D52C3EF3F902}" srcOrd="9" destOrd="0" presId="urn:microsoft.com/office/officeart/2005/8/layout/default"/>
+    <dgm:cxn modelId="{AA611A75-1075-459A-A30E-B336AD5D4E29}" type="presParOf" srcId="{6AAAC370-93BD-47DD-BA4B-48F1C352B774}" destId="{51804ECA-ACC2-4095-B790-EEAE36591A45}" srcOrd="10" destOrd="0" presId="urn:microsoft.com/office/officeart/2005/8/layout/default"/>
+    <dgm:cxn modelId="{B63D50DA-2753-49A4-ACA5-EA7782658A42}" type="presParOf" srcId="{6AAAC370-93BD-47DD-BA4B-48F1C352B774}" destId="{04A65343-F8AE-4A42-979C-1351B527D121}" srcOrd="11" destOrd="0" presId="urn:microsoft.com/office/officeart/2005/8/layout/default"/>
+    <dgm:cxn modelId="{54DD09C6-2FDF-48D4-8B04-1E683878AA41}" type="presParOf" srcId="{6AAAC370-93BD-47DD-BA4B-48F1C352B774}" destId="{CE620F5E-049F-46C8-97AA-AF803BD145E5}" srcOrd="12" destOrd="0" presId="urn:microsoft.com/office/officeart/2005/8/layout/default"/>
+    <dgm:cxn modelId="{3593FA9D-ECF8-4034-A0E6-790EB5E4E4F3}" type="presParOf" srcId="{6AAAC370-93BD-47DD-BA4B-48F1C352B774}" destId="{ACA1897C-D02F-4DCF-B269-4815E86F032D}" srcOrd="13" destOrd="0" presId="urn:microsoft.com/office/officeart/2005/8/layout/default"/>
+    <dgm:cxn modelId="{23B726A7-8AFB-4000-933B-2D9D4469DA60}" type="presParOf" srcId="{6AAAC370-93BD-47DD-BA4B-48F1C352B774}" destId="{8612C22A-6962-45E2-8C79-7510BE0D4DFB}" srcOrd="14" destOrd="0" presId="urn:microsoft.com/office/officeart/2005/8/layout/default"/>
+    <dgm:cxn modelId="{F76411EE-09B9-4329-ADF1-C94D170277FB}" type="presParOf" srcId="{6AAAC370-93BD-47DD-BA4B-48F1C352B774}" destId="{C5CC1326-1C97-4C0D-94C6-CF3F99F60DD3}" srcOrd="15" destOrd="0" presId="urn:microsoft.com/office/officeart/2005/8/layout/default"/>
+    <dgm:cxn modelId="{3174991F-9469-4EF3-BB20-EBA5164019C3}" type="presParOf" srcId="{6AAAC370-93BD-47DD-BA4B-48F1C352B774}" destId="{17207947-1894-4E7B-BA79-B97A867C4E95}" srcOrd="16" destOrd="0" presId="urn:microsoft.com/office/officeart/2005/8/layout/default"/>
+  </dgm:cxnLst>
+  <dgm:bg/>
+  <dgm:whole/>
+  <dgm:extLst>
+    <a:ext uri="http://schemas.microsoft.com/office/drawing/2008/diagram">
+      <dsp:dataModelExt xmlns:dsp="http://schemas.microsoft.com/office/drawing/2008/diagram" relId="rId6" minVer="http://schemas.openxmlformats.org/drawingml/2006/diagram"/>
+    </a:ext>
+  </dgm:extLst>
+</dgm:dataModel>
+</file>
+
+<file path=ppt/diagrams/drawing1.xml><?xml version="1.0" encoding="utf-8"?>
+<dsp:drawing xmlns:dgm="http://schemas.openxmlformats.org/drawingml/2006/diagram" xmlns:dsp="http://schemas.microsoft.com/office/drawing/2008/diagram" xmlns:a="http://schemas.openxmlformats.org/drawingml/2006/main">
+  <dsp:spTree>
+    <dsp:nvGrpSpPr>
+      <dsp:cNvPr id="0" name=""/>
+      <dsp:cNvGrpSpPr/>
+    </dsp:nvGrpSpPr>
+    <dsp:grpSpPr/>
+    <dsp:sp modelId="{38D7097B-E3BF-4E75-B3F8-30441BC76571}">
+      <dsp:nvSpPr>
+        <dsp:cNvPr id="0" name=""/>
+        <dsp:cNvSpPr/>
+      </dsp:nvSpPr>
+      <dsp:spPr>
+        <a:xfrm>
+          <a:off x="-3875908" y="-595188"/>
+          <a:ext cx="4619376" cy="4619376"/>
+        </a:xfrm>
+        <a:prstGeom prst="blockArc">
+          <a:avLst>
+            <a:gd name="adj1" fmla="val 18900000"/>
+            <a:gd name="adj2" fmla="val 2700000"/>
+            <a:gd name="adj3" fmla="val 468"/>
+          </a:avLst>
+        </a:prstGeom>
+        <a:noFill/>
+        <a:ln w="15875" cap="flat" cmpd="sng" algn="ctr">
+          <a:solidFill>
+            <a:schemeClr val="accent1">
+              <a:shade val="60000"/>
+              <a:hueOff val="0"/>
+              <a:satOff val="0"/>
+              <a:lumOff val="0"/>
+              <a:alphaOff val="0"/>
+            </a:schemeClr>
+          </a:solidFill>
+          <a:prstDash val="solid"/>
+        </a:ln>
+        <a:effectLst/>
+      </dsp:spPr>
+      <dsp:style>
+        <a:lnRef idx="2">
+          <a:scrgbClr r="0" g="0" b="0"/>
+        </a:lnRef>
+        <a:fillRef idx="0">
+          <a:scrgbClr r="0" g="0" b="0"/>
+        </a:fillRef>
+        <a:effectRef idx="0">
+          <a:scrgbClr r="0" g="0" b="0"/>
+        </a:effectRef>
+        <a:fontRef idx="minor"/>
+      </dsp:style>
+    </dsp:sp>
+    <dsp:sp modelId="{58BCEC67-4411-4ED3-916F-4805CF94175C}">
+      <dsp:nvSpPr>
+        <dsp:cNvPr id="0" name=""/>
+        <dsp:cNvSpPr/>
+      </dsp:nvSpPr>
+      <dsp:spPr>
+        <a:xfrm>
+          <a:off x="478107" y="342900"/>
+          <a:ext cx="6410934" cy="685800"/>
+        </a:xfrm>
+        <a:prstGeom prst="rect">
+          <a:avLst/>
+        </a:prstGeom>
+        <a:solidFill>
+          <a:schemeClr val="accent1">
+            <a:hueOff val="0"/>
+            <a:satOff val="0"/>
+            <a:lumOff val="0"/>
+            <a:alphaOff val="0"/>
+          </a:schemeClr>
+        </a:solidFill>
+        <a:ln w="15875" cap="flat" cmpd="sng" algn="ctr">
+          <a:solidFill>
+            <a:schemeClr val="lt1">
+              <a:hueOff val="0"/>
+              <a:satOff val="0"/>
+              <a:lumOff val="0"/>
+              <a:alphaOff val="0"/>
+            </a:schemeClr>
+          </a:solidFill>
+          <a:prstDash val="solid"/>
+        </a:ln>
+        <a:effectLst/>
+      </dsp:spPr>
+      <dsp:style>
+        <a:lnRef idx="2">
+          <a:scrgbClr r="0" g="0" b="0"/>
+        </a:lnRef>
+        <a:fillRef idx="1">
+          <a:scrgbClr r="0" g="0" b="0"/>
+        </a:fillRef>
+        <a:effectRef idx="0">
+          <a:scrgbClr r="0" g="0" b="0"/>
+        </a:effectRef>
+        <a:fontRef idx="minor">
+          <a:schemeClr val="lt1"/>
+        </a:fontRef>
+      </dsp:style>
+      <dsp:txBody>
+        <a:bodyPr spcFirstLastPara="0" vert="horz" wrap="square" lIns="544354" tIns="99060" rIns="99060" bIns="99060" numCol="1" spcCol="1270" anchor="ctr" anchorCtr="0">
+          <a:noAutofit/>
+        </a:bodyPr>
+        <a:lstStyle/>
+        <a:p>
+          <a:pPr lvl="0" algn="l" defTabSz="1733550">
+            <a:lnSpc>
+              <a:spcPct val="90000"/>
+            </a:lnSpc>
+            <a:spcBef>
+              <a:spcPct val="0"/>
+            </a:spcBef>
+            <a:spcAft>
+              <a:spcPct val="35000"/>
+            </a:spcAft>
+          </a:pPr>
+          <a:r>
+            <a:rPr lang="fr-FR" sz="3900" kern="1200" dirty="0" err="1" smtClean="0"/>
+            <a:t>Feature</a:t>
+          </a:r>
+          <a:endParaRPr lang="fr-FR" sz="3900" kern="1200" dirty="0"/>
+        </a:p>
+      </dsp:txBody>
+      <dsp:txXfrm>
+        <a:off x="478107" y="342900"/>
+        <a:ext cx="6410934" cy="685800"/>
+      </dsp:txXfrm>
+    </dsp:sp>
+    <dsp:sp modelId="{BEC47173-B43D-440A-B071-F5E713476F86}">
+      <dsp:nvSpPr>
+        <dsp:cNvPr id="0" name=""/>
+        <dsp:cNvSpPr/>
+      </dsp:nvSpPr>
+      <dsp:spPr>
+        <a:xfrm>
+          <a:off x="49482" y="257175"/>
+          <a:ext cx="857250" cy="857250"/>
+        </a:xfrm>
+        <a:prstGeom prst="ellipse">
+          <a:avLst/>
+        </a:prstGeom>
+        <a:solidFill>
+          <a:schemeClr val="lt1">
+            <a:hueOff val="0"/>
+            <a:satOff val="0"/>
+            <a:lumOff val="0"/>
+            <a:alphaOff val="0"/>
+          </a:schemeClr>
+        </a:solidFill>
+        <a:ln w="15875" cap="flat" cmpd="sng" algn="ctr">
+          <a:solidFill>
+            <a:schemeClr val="accent1">
+              <a:hueOff val="0"/>
+              <a:satOff val="0"/>
+              <a:lumOff val="0"/>
+              <a:alphaOff val="0"/>
+            </a:schemeClr>
+          </a:solidFill>
+          <a:prstDash val="solid"/>
+        </a:ln>
+        <a:effectLst/>
+      </dsp:spPr>
+      <dsp:style>
+        <a:lnRef idx="2">
+          <a:scrgbClr r="0" g="0" b="0"/>
+        </a:lnRef>
+        <a:fillRef idx="1">
+          <a:scrgbClr r="0" g="0" b="0"/>
+        </a:fillRef>
+        <a:effectRef idx="0">
+          <a:scrgbClr r="0" g="0" b="0"/>
+        </a:effectRef>
+        <a:fontRef idx="minor"/>
+      </dsp:style>
+    </dsp:sp>
+    <dsp:sp modelId="{AC72BA76-548A-4DBB-8925-4225F3E0BFD8}">
+      <dsp:nvSpPr>
+        <dsp:cNvPr id="0" name=""/>
+        <dsp:cNvSpPr/>
+      </dsp:nvSpPr>
+      <dsp:spPr>
+        <a:xfrm>
+          <a:off x="727396" y="1371600"/>
+          <a:ext cx="6161646" cy="685800"/>
+        </a:xfrm>
+        <a:prstGeom prst="rect">
+          <a:avLst/>
+        </a:prstGeom>
+        <a:solidFill>
+          <a:schemeClr val="accent1">
+            <a:hueOff val="0"/>
+            <a:satOff val="0"/>
+            <a:lumOff val="0"/>
+            <a:alphaOff val="0"/>
+          </a:schemeClr>
+        </a:solidFill>
+        <a:ln w="15875" cap="flat" cmpd="sng" algn="ctr">
+          <a:solidFill>
+            <a:schemeClr val="lt1">
+              <a:hueOff val="0"/>
+              <a:satOff val="0"/>
+              <a:lumOff val="0"/>
+              <a:alphaOff val="0"/>
+            </a:schemeClr>
+          </a:solidFill>
+          <a:prstDash val="solid"/>
+        </a:ln>
+        <a:effectLst/>
+      </dsp:spPr>
+      <dsp:style>
+        <a:lnRef idx="2">
+          <a:scrgbClr r="0" g="0" b="0"/>
+        </a:lnRef>
+        <a:fillRef idx="1">
+          <a:scrgbClr r="0" g="0" b="0"/>
+        </a:fillRef>
+        <a:effectRef idx="0">
+          <a:scrgbClr r="0" g="0" b="0"/>
+        </a:effectRef>
+        <a:fontRef idx="minor">
+          <a:schemeClr val="lt1"/>
+        </a:fontRef>
+      </dsp:style>
+      <dsp:txBody>
+        <a:bodyPr spcFirstLastPara="0" vert="horz" wrap="square" lIns="544354" tIns="99060" rIns="99060" bIns="99060" numCol="1" spcCol="1270" anchor="ctr" anchorCtr="0">
+          <a:noAutofit/>
+        </a:bodyPr>
+        <a:lstStyle/>
+        <a:p>
+          <a:pPr lvl="0" algn="l" defTabSz="1733550">
+            <a:lnSpc>
+              <a:spcPct val="90000"/>
+            </a:lnSpc>
+            <a:spcBef>
+              <a:spcPct val="0"/>
+            </a:spcBef>
+            <a:spcAft>
+              <a:spcPct val="35000"/>
+            </a:spcAft>
+          </a:pPr>
+          <a:r>
+            <a:rPr lang="fr-FR" sz="3900" kern="1200" dirty="0" smtClean="0"/>
+            <a:t>Branch</a:t>
+          </a:r>
+          <a:endParaRPr lang="fr-FR" sz="3900" kern="1200" dirty="0"/>
+        </a:p>
+      </dsp:txBody>
+      <dsp:txXfrm>
+        <a:off x="727396" y="1371600"/>
+        <a:ext cx="6161646" cy="685800"/>
+      </dsp:txXfrm>
+    </dsp:sp>
+    <dsp:sp modelId="{0A47A22E-595E-4C1F-B7C6-0EF1B4F19368}">
+      <dsp:nvSpPr>
+        <dsp:cNvPr id="0" name=""/>
+        <dsp:cNvSpPr/>
+      </dsp:nvSpPr>
+      <dsp:spPr>
+        <a:xfrm>
+          <a:off x="298771" y="1285875"/>
+          <a:ext cx="857250" cy="857250"/>
+        </a:xfrm>
+        <a:prstGeom prst="ellipse">
+          <a:avLst/>
+        </a:prstGeom>
+        <a:solidFill>
+          <a:schemeClr val="lt1">
+            <a:hueOff val="0"/>
+            <a:satOff val="0"/>
+            <a:lumOff val="0"/>
+            <a:alphaOff val="0"/>
+          </a:schemeClr>
+        </a:solidFill>
+        <a:ln w="15875" cap="flat" cmpd="sng" algn="ctr">
+          <a:solidFill>
+            <a:schemeClr val="accent1">
+              <a:hueOff val="0"/>
+              <a:satOff val="0"/>
+              <a:lumOff val="0"/>
+              <a:alphaOff val="0"/>
+            </a:schemeClr>
+          </a:solidFill>
+          <a:prstDash val="solid"/>
+        </a:ln>
+        <a:effectLst/>
+      </dsp:spPr>
+      <dsp:style>
+        <a:lnRef idx="2">
+          <a:scrgbClr r="0" g="0" b="0"/>
+        </a:lnRef>
+        <a:fillRef idx="1">
+          <a:scrgbClr r="0" g="0" b="0"/>
+        </a:fillRef>
+        <a:effectRef idx="0">
+          <a:scrgbClr r="0" g="0" b="0"/>
+        </a:effectRef>
+        <a:fontRef idx="minor"/>
+      </dsp:style>
+    </dsp:sp>
+    <dsp:sp modelId="{A18F5808-8715-4B58-8E6F-C9CA03098757}">
+      <dsp:nvSpPr>
+        <dsp:cNvPr id="0" name=""/>
+        <dsp:cNvSpPr/>
+      </dsp:nvSpPr>
+      <dsp:spPr>
+        <a:xfrm>
+          <a:off x="478107" y="2400300"/>
+          <a:ext cx="6410934" cy="685800"/>
+        </a:xfrm>
+        <a:prstGeom prst="rect">
+          <a:avLst/>
+        </a:prstGeom>
+        <a:solidFill>
+          <a:schemeClr val="accent1">
+            <a:hueOff val="0"/>
+            <a:satOff val="0"/>
+            <a:lumOff val="0"/>
+            <a:alphaOff val="0"/>
+          </a:schemeClr>
+        </a:solidFill>
+        <a:ln w="15875" cap="flat" cmpd="sng" algn="ctr">
+          <a:solidFill>
+            <a:schemeClr val="lt1">
+              <a:hueOff val="0"/>
+              <a:satOff val="0"/>
+              <a:lumOff val="0"/>
+              <a:alphaOff val="0"/>
+            </a:schemeClr>
+          </a:solidFill>
+          <a:prstDash val="solid"/>
+        </a:ln>
+        <a:effectLst/>
+      </dsp:spPr>
+      <dsp:style>
+        <a:lnRef idx="2">
+          <a:scrgbClr r="0" g="0" b="0"/>
+        </a:lnRef>
+        <a:fillRef idx="1">
+          <a:scrgbClr r="0" g="0" b="0"/>
+        </a:fillRef>
+        <a:effectRef idx="0">
+          <a:scrgbClr r="0" g="0" b="0"/>
+        </a:effectRef>
+        <a:fontRef idx="minor">
+          <a:schemeClr val="lt1"/>
+        </a:fontRef>
+      </dsp:style>
+      <dsp:txBody>
+        <a:bodyPr spcFirstLastPara="0" vert="horz" wrap="square" lIns="544354" tIns="99060" rIns="99060" bIns="99060" numCol="1" spcCol="1270" anchor="ctr" anchorCtr="0">
+          <a:noAutofit/>
+        </a:bodyPr>
+        <a:lstStyle/>
+        <a:p>
+          <a:pPr lvl="0" algn="l" defTabSz="1733550">
+            <a:lnSpc>
+              <a:spcPct val="90000"/>
+            </a:lnSpc>
+            <a:spcBef>
+              <a:spcPct val="0"/>
+            </a:spcBef>
+            <a:spcAft>
+              <a:spcPct val="35000"/>
+            </a:spcAft>
+          </a:pPr>
+          <a:r>
+            <a:rPr lang="fr-FR" sz="3900" kern="1200" dirty="0" smtClean="0"/>
+            <a:t>Master</a:t>
+          </a:r>
+          <a:endParaRPr lang="fr-FR" sz="3900" kern="1200" dirty="0"/>
+        </a:p>
+      </dsp:txBody>
+      <dsp:txXfrm>
+        <a:off x="478107" y="2400300"/>
+        <a:ext cx="6410934" cy="685800"/>
+      </dsp:txXfrm>
+    </dsp:sp>
+    <dsp:sp modelId="{A7036FD2-AF1B-4FDC-94DA-3E29AEDA80E6}">
+      <dsp:nvSpPr>
+        <dsp:cNvPr id="0" name=""/>
+        <dsp:cNvSpPr/>
+      </dsp:nvSpPr>
+      <dsp:spPr>
+        <a:xfrm>
+          <a:off x="49482" y="2314575"/>
+          <a:ext cx="857250" cy="857250"/>
+        </a:xfrm>
+        <a:prstGeom prst="ellipse">
+          <a:avLst/>
+        </a:prstGeom>
+        <a:solidFill>
+          <a:schemeClr val="lt1">
+            <a:hueOff val="0"/>
+            <a:satOff val="0"/>
+            <a:lumOff val="0"/>
+            <a:alphaOff val="0"/>
+          </a:schemeClr>
+        </a:solidFill>
+        <a:ln w="15875" cap="flat" cmpd="sng" algn="ctr">
+          <a:solidFill>
+            <a:schemeClr val="accent1">
+              <a:hueOff val="0"/>
+              <a:satOff val="0"/>
+              <a:lumOff val="0"/>
+              <a:alphaOff val="0"/>
+            </a:schemeClr>
+          </a:solidFill>
+          <a:prstDash val="solid"/>
+        </a:ln>
+        <a:effectLst/>
+      </dsp:spPr>
+      <dsp:style>
+        <a:lnRef idx="2">
+          <a:scrgbClr r="0" g="0" b="0"/>
+        </a:lnRef>
+        <a:fillRef idx="1">
+          <a:scrgbClr r="0" g="0" b="0"/>
+        </a:fillRef>
+        <a:effectRef idx="0">
+          <a:scrgbClr r="0" g="0" b="0"/>
+        </a:effectRef>
+        <a:fontRef idx="minor"/>
+      </dsp:style>
+    </dsp:sp>
+  </dsp:spTree>
+</dsp:drawing>
+</file>
+
+<file path=ppt/diagrams/drawing2.xml><?xml version="1.0" encoding="utf-8"?>
+<dsp:drawing xmlns:dgm="http://schemas.openxmlformats.org/drawingml/2006/diagram" xmlns:dsp="http://schemas.microsoft.com/office/drawing/2008/diagram" xmlns:a="http://schemas.openxmlformats.org/drawingml/2006/main">
+  <dsp:spTree>
+    <dsp:nvGrpSpPr>
+      <dsp:cNvPr id="0" name=""/>
+      <dsp:cNvGrpSpPr/>
+    </dsp:nvGrpSpPr>
+    <dsp:grpSpPr/>
+    <dsp:sp modelId="{EF1D8AAE-B5F3-4B4A-8D38-6AE551DA8698}">
+      <dsp:nvSpPr>
+        <dsp:cNvPr id="0" name=""/>
+        <dsp:cNvSpPr/>
+      </dsp:nvSpPr>
+      <dsp:spPr>
+        <a:xfrm>
+          <a:off x="1327333" y="1502"/>
+          <a:ext cx="2447783" cy="1468670"/>
+        </a:xfrm>
+        <a:prstGeom prst="rect">
+          <a:avLst/>
+        </a:prstGeom>
+        <a:solidFill>
+          <a:schemeClr val="accent1">
+            <a:hueOff val="0"/>
+            <a:satOff val="0"/>
+            <a:lumOff val="0"/>
+            <a:alphaOff val="0"/>
+          </a:schemeClr>
+        </a:solidFill>
+        <a:ln w="15875" cap="flat" cmpd="sng" algn="ctr">
+          <a:solidFill>
+            <a:schemeClr val="lt1">
+              <a:hueOff val="0"/>
+              <a:satOff val="0"/>
+              <a:lumOff val="0"/>
+              <a:alphaOff val="0"/>
+            </a:schemeClr>
+          </a:solidFill>
+          <a:prstDash val="solid"/>
+        </a:ln>
+        <a:effectLst/>
+      </dsp:spPr>
+      <dsp:style>
+        <a:lnRef idx="2">
+          <a:scrgbClr r="0" g="0" b="0"/>
+        </a:lnRef>
+        <a:fillRef idx="1">
+          <a:scrgbClr r="0" g="0" b="0"/>
+        </a:fillRef>
+        <a:effectRef idx="0">
+          <a:scrgbClr r="0" g="0" b="0"/>
+        </a:effectRef>
+        <a:fontRef idx="minor">
+          <a:schemeClr val="lt1"/>
+        </a:fontRef>
+      </dsp:style>
+      <dsp:txBody>
+        <a:bodyPr spcFirstLastPara="0" vert="horz" wrap="square" lIns="110490" tIns="110490" rIns="110490" bIns="110490" numCol="1" spcCol="1270" anchor="ctr" anchorCtr="0">
+          <a:noAutofit/>
+        </a:bodyPr>
+        <a:lstStyle/>
+        <a:p>
+          <a:pPr lvl="0" algn="ctr" defTabSz="1289050">
+            <a:lnSpc>
+              <a:spcPct val="90000"/>
+            </a:lnSpc>
+            <a:spcBef>
+              <a:spcPct val="0"/>
+            </a:spcBef>
+            <a:spcAft>
+              <a:spcPct val="35000"/>
+            </a:spcAft>
+          </a:pPr>
+          <a:r>
+            <a:rPr lang="fr-FR" sz="2900" kern="1200" dirty="0" smtClean="0"/>
+            <a:t>Ennemies</a:t>
+          </a:r>
+          <a:endParaRPr lang="fr-FR" sz="2900" kern="1200" dirty="0"/>
+        </a:p>
+      </dsp:txBody>
+      <dsp:txXfrm>
+        <a:off x="1327333" y="1502"/>
+        <a:ext cx="2447783" cy="1468670"/>
+      </dsp:txXfrm>
+    </dsp:sp>
+    <dsp:sp modelId="{8C89487D-98DE-4128-9BC2-9C0899D30B13}">
+      <dsp:nvSpPr>
+        <dsp:cNvPr id="0" name=""/>
+        <dsp:cNvSpPr/>
+      </dsp:nvSpPr>
+      <dsp:spPr>
+        <a:xfrm>
+          <a:off x="4019895" y="1502"/>
+          <a:ext cx="2447783" cy="1468670"/>
+        </a:xfrm>
+        <a:prstGeom prst="rect">
+          <a:avLst/>
+        </a:prstGeom>
+        <a:solidFill>
+          <a:schemeClr val="accent1">
+            <a:hueOff val="0"/>
+            <a:satOff val="0"/>
+            <a:lumOff val="0"/>
+            <a:alphaOff val="0"/>
+          </a:schemeClr>
+        </a:solidFill>
+        <a:ln w="15875" cap="flat" cmpd="sng" algn="ctr">
+          <a:solidFill>
+            <a:schemeClr val="lt1">
+              <a:hueOff val="0"/>
+              <a:satOff val="0"/>
+              <a:lumOff val="0"/>
+              <a:alphaOff val="0"/>
+            </a:schemeClr>
+          </a:solidFill>
+          <a:prstDash val="solid"/>
+        </a:ln>
+        <a:effectLst/>
+      </dsp:spPr>
+      <dsp:style>
+        <a:lnRef idx="2">
+          <a:scrgbClr r="0" g="0" b="0"/>
+        </a:lnRef>
+        <a:fillRef idx="1">
+          <a:scrgbClr r="0" g="0" b="0"/>
+        </a:fillRef>
+        <a:effectRef idx="0">
+          <a:scrgbClr r="0" g="0" b="0"/>
+        </a:effectRef>
+        <a:fontRef idx="minor">
+          <a:schemeClr val="lt1"/>
+        </a:fontRef>
+      </dsp:style>
+      <dsp:txBody>
+        <a:bodyPr spcFirstLastPara="0" vert="horz" wrap="square" lIns="110490" tIns="110490" rIns="110490" bIns="110490" numCol="1" spcCol="1270" anchor="ctr" anchorCtr="0">
+          <a:noAutofit/>
+        </a:bodyPr>
+        <a:lstStyle/>
+        <a:p>
+          <a:pPr lvl="0" algn="ctr" defTabSz="1289050">
+            <a:lnSpc>
+              <a:spcPct val="90000"/>
+            </a:lnSpc>
+            <a:spcBef>
+              <a:spcPct val="0"/>
+            </a:spcBef>
+            <a:spcAft>
+              <a:spcPct val="35000"/>
+            </a:spcAft>
+          </a:pPr>
+          <a:r>
+            <a:rPr lang="fr-FR" sz="2900" kern="1200" dirty="0" smtClean="0"/>
+            <a:t>Editeur de niveau</a:t>
+          </a:r>
+          <a:endParaRPr lang="fr-FR" sz="2900" kern="1200" dirty="0"/>
+        </a:p>
+      </dsp:txBody>
+      <dsp:txXfrm>
+        <a:off x="4019895" y="1502"/>
+        <a:ext cx="2447783" cy="1468670"/>
+      </dsp:txXfrm>
+    </dsp:sp>
+    <dsp:sp modelId="{698152BB-18B9-4B73-AFA7-AE2352CC66E9}">
+      <dsp:nvSpPr>
+        <dsp:cNvPr id="0" name=""/>
+        <dsp:cNvSpPr/>
+      </dsp:nvSpPr>
+      <dsp:spPr>
+        <a:xfrm>
+          <a:off x="6712457" y="1502"/>
+          <a:ext cx="2447783" cy="1468670"/>
+        </a:xfrm>
+        <a:prstGeom prst="rect">
+          <a:avLst/>
+        </a:prstGeom>
+        <a:solidFill>
+          <a:schemeClr val="accent1">
+            <a:hueOff val="0"/>
+            <a:satOff val="0"/>
+            <a:lumOff val="0"/>
+            <a:alphaOff val="0"/>
+          </a:schemeClr>
+        </a:solidFill>
+        <a:ln w="15875" cap="flat" cmpd="sng" algn="ctr">
+          <a:solidFill>
+            <a:schemeClr val="lt1">
+              <a:hueOff val="0"/>
+              <a:satOff val="0"/>
+              <a:lumOff val="0"/>
+              <a:alphaOff val="0"/>
+            </a:schemeClr>
+          </a:solidFill>
+          <a:prstDash val="solid"/>
+        </a:ln>
+        <a:effectLst/>
+      </dsp:spPr>
+      <dsp:style>
+        <a:lnRef idx="2">
+          <a:scrgbClr r="0" g="0" b="0"/>
+        </a:lnRef>
+        <a:fillRef idx="1">
+          <a:scrgbClr r="0" g="0" b="0"/>
+        </a:fillRef>
+        <a:effectRef idx="0">
+          <a:scrgbClr r="0" g="0" b="0"/>
+        </a:effectRef>
+        <a:fontRef idx="minor">
+          <a:schemeClr val="lt1"/>
+        </a:fontRef>
+      </dsp:style>
+      <dsp:txBody>
+        <a:bodyPr spcFirstLastPara="0" vert="horz" wrap="square" lIns="110490" tIns="110490" rIns="110490" bIns="110490" numCol="1" spcCol="1270" anchor="ctr" anchorCtr="0">
+          <a:noAutofit/>
+        </a:bodyPr>
+        <a:lstStyle/>
+        <a:p>
+          <a:pPr lvl="0" algn="ctr" defTabSz="1289050">
+            <a:lnSpc>
+              <a:spcPct val="90000"/>
+            </a:lnSpc>
+            <a:spcBef>
+              <a:spcPct val="0"/>
+            </a:spcBef>
+            <a:spcAft>
+              <a:spcPct val="35000"/>
+            </a:spcAft>
+          </a:pPr>
+          <a:r>
+            <a:rPr lang="fr-FR" sz="2900" kern="1200" dirty="0" smtClean="0"/>
+            <a:t>Boss</a:t>
+          </a:r>
+          <a:endParaRPr lang="fr-FR" sz="2900" kern="1200" dirty="0"/>
+        </a:p>
+      </dsp:txBody>
+      <dsp:txXfrm>
+        <a:off x="6712457" y="1502"/>
+        <a:ext cx="2447783" cy="1468670"/>
+      </dsp:txXfrm>
+    </dsp:sp>
+    <dsp:sp modelId="{C6B2301E-6D07-4379-8020-4F7B58A4C07A}">
+      <dsp:nvSpPr>
+        <dsp:cNvPr id="0" name=""/>
+        <dsp:cNvSpPr/>
+      </dsp:nvSpPr>
+      <dsp:spPr>
+        <a:xfrm>
+          <a:off x="1327333" y="1714950"/>
+          <a:ext cx="2447783" cy="1468670"/>
+        </a:xfrm>
+        <a:prstGeom prst="rect">
+          <a:avLst/>
+        </a:prstGeom>
+        <a:solidFill>
+          <a:schemeClr val="accent1">
+            <a:hueOff val="0"/>
+            <a:satOff val="0"/>
+            <a:lumOff val="0"/>
+            <a:alphaOff val="0"/>
+          </a:schemeClr>
+        </a:solidFill>
+        <a:ln w="15875" cap="flat" cmpd="sng" algn="ctr">
+          <a:solidFill>
+            <a:schemeClr val="lt1">
+              <a:hueOff val="0"/>
+              <a:satOff val="0"/>
+              <a:lumOff val="0"/>
+              <a:alphaOff val="0"/>
+            </a:schemeClr>
+          </a:solidFill>
+          <a:prstDash val="solid"/>
+        </a:ln>
+        <a:effectLst/>
+      </dsp:spPr>
+      <dsp:style>
+        <a:lnRef idx="2">
+          <a:scrgbClr r="0" g="0" b="0"/>
+        </a:lnRef>
+        <a:fillRef idx="1">
+          <a:scrgbClr r="0" g="0" b="0"/>
+        </a:fillRef>
+        <a:effectRef idx="0">
+          <a:scrgbClr r="0" g="0" b="0"/>
+        </a:effectRef>
+        <a:fontRef idx="minor">
+          <a:schemeClr val="lt1"/>
+        </a:fontRef>
+      </dsp:style>
+      <dsp:txBody>
+        <a:bodyPr spcFirstLastPara="0" vert="horz" wrap="square" lIns="110490" tIns="110490" rIns="110490" bIns="110490" numCol="1" spcCol="1270" anchor="ctr" anchorCtr="0">
+          <a:noAutofit/>
+        </a:bodyPr>
+        <a:lstStyle/>
+        <a:p>
+          <a:pPr lvl="0" algn="ctr" defTabSz="1289050">
+            <a:lnSpc>
+              <a:spcPct val="90000"/>
+            </a:lnSpc>
+            <a:spcBef>
+              <a:spcPct val="0"/>
+            </a:spcBef>
+            <a:spcAft>
+              <a:spcPct val="35000"/>
+            </a:spcAft>
+          </a:pPr>
+          <a:r>
+            <a:rPr lang="fr-FR" sz="2900" kern="1200" dirty="0" smtClean="0"/>
+            <a:t>Bonus</a:t>
+          </a:r>
+          <a:endParaRPr lang="fr-FR" sz="2900" kern="1200" dirty="0"/>
+        </a:p>
+      </dsp:txBody>
+      <dsp:txXfrm>
+        <a:off x="1327333" y="1714950"/>
+        <a:ext cx="2447783" cy="1468670"/>
+      </dsp:txXfrm>
+    </dsp:sp>
+    <dsp:sp modelId="{A5675E25-9C65-4DDD-BBFE-44983E5E3EC7}">
+      <dsp:nvSpPr>
+        <dsp:cNvPr id="0" name=""/>
+        <dsp:cNvSpPr/>
+      </dsp:nvSpPr>
+      <dsp:spPr>
+        <a:xfrm>
+          <a:off x="4019895" y="1714950"/>
+          <a:ext cx="2447783" cy="1468670"/>
+        </a:xfrm>
+        <a:prstGeom prst="rect">
+          <a:avLst/>
+        </a:prstGeom>
+        <a:solidFill>
+          <a:schemeClr val="accent1">
+            <a:hueOff val="0"/>
+            <a:satOff val="0"/>
+            <a:lumOff val="0"/>
+            <a:alphaOff val="0"/>
+          </a:schemeClr>
+        </a:solidFill>
+        <a:ln w="15875" cap="flat" cmpd="sng" algn="ctr">
+          <a:solidFill>
+            <a:schemeClr val="lt1">
+              <a:hueOff val="0"/>
+              <a:satOff val="0"/>
+              <a:lumOff val="0"/>
+              <a:alphaOff val="0"/>
+            </a:schemeClr>
+          </a:solidFill>
+          <a:prstDash val="solid"/>
+        </a:ln>
+        <a:effectLst/>
+      </dsp:spPr>
+      <dsp:style>
+        <a:lnRef idx="2">
+          <a:scrgbClr r="0" g="0" b="0"/>
+        </a:lnRef>
+        <a:fillRef idx="1">
+          <a:scrgbClr r="0" g="0" b="0"/>
+        </a:fillRef>
+        <a:effectRef idx="0">
+          <a:scrgbClr r="0" g="0" b="0"/>
+        </a:effectRef>
+        <a:fontRef idx="minor">
+          <a:schemeClr val="lt1"/>
+        </a:fontRef>
+      </dsp:style>
+      <dsp:txBody>
+        <a:bodyPr spcFirstLastPara="0" vert="horz" wrap="square" lIns="110490" tIns="110490" rIns="110490" bIns="110490" numCol="1" spcCol="1270" anchor="ctr" anchorCtr="0">
+          <a:noAutofit/>
+        </a:bodyPr>
+        <a:lstStyle/>
+        <a:p>
+          <a:pPr lvl="0" algn="ctr" defTabSz="1289050">
+            <a:lnSpc>
+              <a:spcPct val="90000"/>
+            </a:lnSpc>
+            <a:spcBef>
+              <a:spcPct val="0"/>
+            </a:spcBef>
+            <a:spcAft>
+              <a:spcPct val="35000"/>
+            </a:spcAft>
+          </a:pPr>
+          <a:r>
+            <a:rPr lang="fr-FR" sz="2900" kern="1200" dirty="0" err="1" smtClean="0"/>
+            <a:t>Scoring</a:t>
+          </a:r>
+          <a:endParaRPr lang="fr-FR" sz="2900" kern="1200" dirty="0"/>
+        </a:p>
+      </dsp:txBody>
+      <dsp:txXfrm>
+        <a:off x="4019895" y="1714950"/>
+        <a:ext cx="2447783" cy="1468670"/>
+      </dsp:txXfrm>
+    </dsp:sp>
+    <dsp:sp modelId="{51804ECA-ACC2-4095-B790-EEAE36591A45}">
+      <dsp:nvSpPr>
+        <dsp:cNvPr id="0" name=""/>
+        <dsp:cNvSpPr/>
+      </dsp:nvSpPr>
+      <dsp:spPr>
+        <a:xfrm>
+          <a:off x="6712457" y="1714950"/>
+          <a:ext cx="2447783" cy="1468670"/>
+        </a:xfrm>
+        <a:prstGeom prst="rect">
+          <a:avLst/>
+        </a:prstGeom>
+        <a:solidFill>
+          <a:schemeClr val="accent1">
+            <a:hueOff val="0"/>
+            <a:satOff val="0"/>
+            <a:lumOff val="0"/>
+            <a:alphaOff val="0"/>
+          </a:schemeClr>
+        </a:solidFill>
+        <a:ln w="15875" cap="flat" cmpd="sng" algn="ctr">
+          <a:solidFill>
+            <a:schemeClr val="lt1">
+              <a:hueOff val="0"/>
+              <a:satOff val="0"/>
+              <a:lumOff val="0"/>
+              <a:alphaOff val="0"/>
+            </a:schemeClr>
+          </a:solidFill>
+          <a:prstDash val="solid"/>
+        </a:ln>
+        <a:effectLst/>
+      </dsp:spPr>
+      <dsp:style>
+        <a:lnRef idx="2">
+          <a:scrgbClr r="0" g="0" b="0"/>
+        </a:lnRef>
+        <a:fillRef idx="1">
+          <a:scrgbClr r="0" g="0" b="0"/>
+        </a:fillRef>
+        <a:effectRef idx="0">
+          <a:scrgbClr r="0" g="0" b="0"/>
+        </a:effectRef>
+        <a:fontRef idx="minor">
+          <a:schemeClr val="lt1"/>
+        </a:fontRef>
+      </dsp:style>
+      <dsp:txBody>
+        <a:bodyPr spcFirstLastPara="0" vert="horz" wrap="square" lIns="110490" tIns="110490" rIns="110490" bIns="110490" numCol="1" spcCol="1270" anchor="ctr" anchorCtr="0">
+          <a:noAutofit/>
+        </a:bodyPr>
+        <a:lstStyle/>
+        <a:p>
+          <a:pPr lvl="0" algn="ctr" defTabSz="1289050">
+            <a:lnSpc>
+              <a:spcPct val="90000"/>
+            </a:lnSpc>
+            <a:spcBef>
+              <a:spcPct val="0"/>
+            </a:spcBef>
+            <a:spcAft>
+              <a:spcPct val="35000"/>
+            </a:spcAft>
+          </a:pPr>
+          <a:r>
+            <a:rPr lang="fr-FR" sz="2900" kern="1200" dirty="0" smtClean="0"/>
+            <a:t>Multi</a:t>
+          </a:r>
+          <a:endParaRPr lang="fr-FR" sz="2900" kern="1200" dirty="0"/>
+        </a:p>
+      </dsp:txBody>
+      <dsp:txXfrm>
+        <a:off x="6712457" y="1714950"/>
+        <a:ext cx="2447783" cy="1468670"/>
+      </dsp:txXfrm>
+    </dsp:sp>
+    <dsp:sp modelId="{CE620F5E-049F-46C8-97AA-AF803BD145E5}">
+      <dsp:nvSpPr>
+        <dsp:cNvPr id="0" name=""/>
+        <dsp:cNvSpPr/>
+      </dsp:nvSpPr>
+      <dsp:spPr>
+        <a:xfrm>
+          <a:off x="1327333" y="3428398"/>
+          <a:ext cx="2447783" cy="1468670"/>
+        </a:xfrm>
+        <a:prstGeom prst="rect">
+          <a:avLst/>
+        </a:prstGeom>
+        <a:solidFill>
+          <a:schemeClr val="accent1">
+            <a:hueOff val="0"/>
+            <a:satOff val="0"/>
+            <a:lumOff val="0"/>
+            <a:alphaOff val="0"/>
+          </a:schemeClr>
+        </a:solidFill>
+        <a:ln w="15875" cap="flat" cmpd="sng" algn="ctr">
+          <a:solidFill>
+            <a:schemeClr val="lt1">
+              <a:hueOff val="0"/>
+              <a:satOff val="0"/>
+              <a:lumOff val="0"/>
+              <a:alphaOff val="0"/>
+            </a:schemeClr>
+          </a:solidFill>
+          <a:prstDash val="solid"/>
+        </a:ln>
+        <a:effectLst/>
+      </dsp:spPr>
+      <dsp:style>
+        <a:lnRef idx="2">
+          <a:scrgbClr r="0" g="0" b="0"/>
+        </a:lnRef>
+        <a:fillRef idx="1">
+          <a:scrgbClr r="0" g="0" b="0"/>
+        </a:fillRef>
+        <a:effectRef idx="0">
+          <a:scrgbClr r="0" g="0" b="0"/>
+        </a:effectRef>
+        <a:fontRef idx="minor">
+          <a:schemeClr val="lt1"/>
+        </a:fontRef>
+      </dsp:style>
+      <dsp:txBody>
+        <a:bodyPr spcFirstLastPara="0" vert="horz" wrap="square" lIns="110490" tIns="110490" rIns="110490" bIns="110490" numCol="1" spcCol="1270" anchor="ctr" anchorCtr="0">
+          <a:noAutofit/>
+        </a:bodyPr>
+        <a:lstStyle/>
+        <a:p>
+          <a:pPr lvl="0" algn="ctr" defTabSz="1289050">
+            <a:lnSpc>
+              <a:spcPct val="90000"/>
+            </a:lnSpc>
+            <a:spcBef>
+              <a:spcPct val="0"/>
+            </a:spcBef>
+            <a:spcAft>
+              <a:spcPct val="35000"/>
+            </a:spcAft>
+          </a:pPr>
+          <a:r>
+            <a:rPr lang="fr-FR" sz="2900" kern="1200" dirty="0" smtClean="0"/>
+            <a:t>Stabilisation de l’architecture</a:t>
+          </a:r>
+          <a:endParaRPr lang="fr-FR" sz="2900" kern="1200" dirty="0"/>
+        </a:p>
+      </dsp:txBody>
+      <dsp:txXfrm>
+        <a:off x="1327333" y="3428398"/>
+        <a:ext cx="2447783" cy="1468670"/>
+      </dsp:txXfrm>
+    </dsp:sp>
+    <dsp:sp modelId="{8612C22A-6962-45E2-8C79-7510BE0D4DFB}">
+      <dsp:nvSpPr>
+        <dsp:cNvPr id="0" name=""/>
+        <dsp:cNvSpPr/>
+      </dsp:nvSpPr>
+      <dsp:spPr>
+        <a:xfrm>
+          <a:off x="4019895" y="3428398"/>
+          <a:ext cx="2447783" cy="1468670"/>
+        </a:xfrm>
+        <a:prstGeom prst="rect">
+          <a:avLst/>
+        </a:prstGeom>
+        <a:solidFill>
+          <a:schemeClr val="accent1">
+            <a:hueOff val="0"/>
+            <a:satOff val="0"/>
+            <a:lumOff val="0"/>
+            <a:alphaOff val="0"/>
+          </a:schemeClr>
+        </a:solidFill>
+        <a:ln w="15875" cap="flat" cmpd="sng" algn="ctr">
+          <a:solidFill>
+            <a:schemeClr val="lt1">
+              <a:hueOff val="0"/>
+              <a:satOff val="0"/>
+              <a:lumOff val="0"/>
+              <a:alphaOff val="0"/>
+            </a:schemeClr>
+          </a:solidFill>
+          <a:prstDash val="solid"/>
+        </a:ln>
+        <a:effectLst/>
+      </dsp:spPr>
+      <dsp:style>
+        <a:lnRef idx="2">
+          <a:scrgbClr r="0" g="0" b="0"/>
+        </a:lnRef>
+        <a:fillRef idx="1">
+          <a:scrgbClr r="0" g="0" b="0"/>
+        </a:fillRef>
+        <a:effectRef idx="0">
+          <a:scrgbClr r="0" g="0" b="0"/>
+        </a:effectRef>
+        <a:fontRef idx="minor">
+          <a:schemeClr val="lt1"/>
+        </a:fontRef>
+      </dsp:style>
+      <dsp:txBody>
+        <a:bodyPr spcFirstLastPara="0" vert="horz" wrap="square" lIns="110490" tIns="110490" rIns="110490" bIns="110490" numCol="1" spcCol="1270" anchor="ctr" anchorCtr="0">
+          <a:noAutofit/>
+        </a:bodyPr>
+        <a:lstStyle/>
+        <a:p>
+          <a:pPr lvl="0" algn="ctr" defTabSz="1289050">
+            <a:lnSpc>
+              <a:spcPct val="90000"/>
+            </a:lnSpc>
+            <a:spcBef>
+              <a:spcPct val="0"/>
+            </a:spcBef>
+            <a:spcAft>
+              <a:spcPct val="35000"/>
+            </a:spcAft>
+          </a:pPr>
+          <a:r>
+            <a:rPr lang="fr-FR" sz="2900" kern="1200" dirty="0" smtClean="0"/>
+            <a:t>Meilleure gestion de projet</a:t>
+          </a:r>
+          <a:endParaRPr lang="fr-FR" sz="2900" kern="1200" dirty="0"/>
+        </a:p>
+      </dsp:txBody>
+      <dsp:txXfrm>
+        <a:off x="4019895" y="3428398"/>
+        <a:ext cx="2447783" cy="1468670"/>
+      </dsp:txXfrm>
+    </dsp:sp>
+    <dsp:sp modelId="{17207947-1894-4E7B-BA79-B97A867C4E95}">
+      <dsp:nvSpPr>
+        <dsp:cNvPr id="0" name=""/>
+        <dsp:cNvSpPr/>
+      </dsp:nvSpPr>
+      <dsp:spPr>
+        <a:xfrm>
+          <a:off x="6712457" y="3428398"/>
+          <a:ext cx="2447783" cy="1468670"/>
+        </a:xfrm>
+        <a:prstGeom prst="rect">
+          <a:avLst/>
+        </a:prstGeom>
+        <a:solidFill>
+          <a:schemeClr val="accent1">
+            <a:hueOff val="0"/>
+            <a:satOff val="0"/>
+            <a:lumOff val="0"/>
+            <a:alphaOff val="0"/>
+          </a:schemeClr>
+        </a:solidFill>
+        <a:ln w="15875" cap="flat" cmpd="sng" algn="ctr">
+          <a:solidFill>
+            <a:schemeClr val="lt1">
+              <a:hueOff val="0"/>
+              <a:satOff val="0"/>
+              <a:lumOff val="0"/>
+              <a:alphaOff val="0"/>
+            </a:schemeClr>
+          </a:solidFill>
+          <a:prstDash val="solid"/>
+        </a:ln>
+        <a:effectLst/>
+      </dsp:spPr>
+      <dsp:style>
+        <a:lnRef idx="2">
+          <a:scrgbClr r="0" g="0" b="0"/>
+        </a:lnRef>
+        <a:fillRef idx="1">
+          <a:scrgbClr r="0" g="0" b="0"/>
+        </a:fillRef>
+        <a:effectRef idx="0">
+          <a:scrgbClr r="0" g="0" b="0"/>
+        </a:effectRef>
+        <a:fontRef idx="minor">
+          <a:schemeClr val="lt1"/>
+        </a:fontRef>
+      </dsp:style>
+      <dsp:txBody>
+        <a:bodyPr spcFirstLastPara="0" vert="horz" wrap="square" lIns="110490" tIns="110490" rIns="110490" bIns="110490" numCol="1" spcCol="1270" anchor="ctr" anchorCtr="0">
+          <a:noAutofit/>
+        </a:bodyPr>
+        <a:lstStyle/>
+        <a:p>
+          <a:pPr lvl="0" algn="ctr" defTabSz="1289050">
+            <a:lnSpc>
+              <a:spcPct val="90000"/>
+            </a:lnSpc>
+            <a:spcBef>
+              <a:spcPct val="0"/>
+            </a:spcBef>
+            <a:spcAft>
+              <a:spcPct val="35000"/>
+            </a:spcAft>
+          </a:pPr>
+          <a:r>
+            <a:rPr lang="fr-FR" sz="2900" kern="1200" dirty="0" err="1" smtClean="0"/>
+            <a:t>Refactorisation</a:t>
+          </a:r>
+          <a:r>
+            <a:rPr lang="fr-FR" sz="2900" kern="1200" dirty="0" smtClean="0"/>
+            <a:t> du code</a:t>
+          </a:r>
+          <a:endParaRPr lang="fr-FR" sz="2900" kern="1200" dirty="0"/>
+        </a:p>
+      </dsp:txBody>
+      <dsp:txXfrm>
+        <a:off x="6712457" y="3428398"/>
+        <a:ext cx="2447783" cy="1468670"/>
+      </dsp:txXfrm>
+    </dsp:sp>
+  </dsp:spTree>
+</dsp:drawing>
+</file>
+
+<file path=ppt/diagrams/layout1.xml><?xml version="1.0" encoding="utf-8"?>
+<dgm:layoutDef xmlns:dgm="http://schemas.openxmlformats.org/drawingml/2006/diagram" xmlns:a="http://schemas.openxmlformats.org/drawingml/2006/main" uniqueId="urn:microsoft.com/office/officeart/2008/layout/VerticalCurvedList">
+  <dgm:title val=""/>
+  <dgm:desc val=""/>
+  <dgm:catLst>
+    <dgm:cat type="list" pri="20000"/>
+  </dgm:catLst>
+  <dgm:sampData>
+    <dgm:dataModel>
+      <dgm:ptLst>
+        <dgm:pt modelId="0" type="doc"/>
+        <dgm:pt modelId="1">
+          <dgm:prSet phldr="1"/>
+        </dgm:pt>
+        <dgm:pt modelId="2">
+          <dgm:prSet phldr="1"/>
+        </dgm:pt>
+        <dgm:pt modelId="3">
+          <dgm:prSet phldr="1"/>
+        </dgm:pt>
+      </dgm:ptLst>
+      <dgm:cxnLst>
+        <dgm:cxn modelId="4" srcId="0" destId="1" srcOrd="0" destOrd="0"/>
+        <dgm:cxn modelId="5" srcId="0" destId="2" srcOrd="1" destOrd="0"/>
+        <dgm:cxn modelId="6" srcId="0" destId="3" srcOrd="2" destOrd="0"/>
+      </dgm:cxnLst>
+      <dgm:bg/>
+      <dgm:whole/>
+    </dgm:dataModel>
+  </dgm:sampData>
+  <dgm:styleData>
+    <dgm:dataModel>
+      <dgm:ptLst>
+        <dgm:pt modelId="0" type="doc"/>
+        <dgm:pt modelId="1">
+          <dgm:prSet phldr="1"/>
+        </dgm:pt>
+        <dgm:pt modelId="2">
+          <dgm:prSet phldr="1"/>
+        </dgm:pt>
+      </dgm:ptLst>
+      <dgm:cxnLst>
+        <dgm:cxn modelId="3" srcId="0" destId="1" srcOrd="0" destOrd="0"/>
+        <dgm:cxn modelId="4" srcId="0" destId="2" srcOrd="1" destOrd="0"/>
+      </dgm:cxnLst>
+      <dgm:bg/>
+      <dgm:whole/>
+    </dgm:dataModel>
+  </dgm:styleData>
+  <dgm:clrData>
+    <dgm:dataModel>
+      <dgm:ptLst>
+        <dgm:pt modelId="0" type="doc"/>
+        <dgm:pt modelId="1">
+          <dgm:prSet phldr="1"/>
+        </dgm:pt>
+        <dgm:pt modelId="2">
+          <dgm:prSet phldr="1"/>
+        </dgm:pt>
+        <dgm:pt modelId="3">
+          <dgm:prSet phldr="1"/>
+        </dgm:pt>
+        <dgm:pt modelId="4">
+          <dgm:prSet phldr="1"/>
+        </dgm:pt>
+      </dgm:ptLst>
+      <dgm:cxnLst>
+        <dgm:cxn modelId="5" srcId="0" destId="1" srcOrd="0" destOrd="0"/>
+        <dgm:cxn modelId="6" srcId="0" destId="2" srcOrd="1" destOrd="0"/>
+        <dgm:cxn modelId="7" srcId="0" destId="3" srcOrd="2" destOrd="0"/>
+        <dgm:cxn modelId="8" srcId="0" destId="4" srcOrd="3" destOrd="0"/>
+      </dgm:cxnLst>
+      <dgm:bg/>
+      <dgm:whole/>
+    </dgm:dataModel>
+  </dgm:clrData>
+  <dgm:layoutNode name="Name0">
+    <dgm:varLst>
+      <dgm:chMax val="7"/>
+      <dgm:chPref val="7"/>
+      <dgm:dir/>
+    </dgm:varLst>
+    <dgm:alg type="composite"/>
+    <dgm:shape xmlns:r="http://schemas.openxmlformats.org/officeDocument/2006/relationships" r:blip="">
+      <dgm:adjLst/>
+    </dgm:shape>
+    <dgm:constrLst>
+      <dgm:constr type="w" for="ch" refType="h" refFor="ch" op="gte" fact="0.8"/>
+    </dgm:constrLst>
+    <dgm:layoutNode name="Name1">
+      <dgm:alg type="composite"/>
+      <dgm:shape xmlns:r="http://schemas.openxmlformats.org/officeDocument/2006/relationships" r:blip="">
+        <dgm:adjLst/>
+      </dgm:shape>
+      <dgm:choose name="Name2">
+        <dgm:if name="Name3" func="var" arg="dir" op="equ" val="norm">
+          <dgm:choose name="Name4">
+            <dgm:if name="Name5" axis="ch" ptType="node" func="cnt" op="equ" val="1">
+              <dgm:constrLst>
+                <dgm:constr type="h" for="ch" forName="cycle" refType="h"/>
+                <dgm:constr type="w" for="ch" forName="cycle" refType="h" refFor="ch" refForName="cycle" fact="0.26"/>
+                <dgm:constr type="l" for="ch" forName="cycle"/>
+                <dgm:constr type="ctrY" for="ch" forName="cycle" refType="h" fact="0.5"/>
+                <dgm:constr type="diam" for="ch" forName="cycle" refType="h" fact="1.344"/>
+                <dgm:constr type="h" for="ch" forName="accent_1" refType="h" fact="0.625"/>
+                <dgm:constr type="w" for="ch" forName="accent_1" refType="h" refFor="ch" refForName="accent_1" op="equ"/>
+                <dgm:constr type="ctrY" for="ch" forName="accent_1" refType="h" fact="0.5"/>
+                <dgm:constr type="ctrX" for="ch" forName="accent_1" refType="h" fact="0.2253"/>
+                <dgm:constr type="l" for="ch" forName="text_1" refType="ctrX" refFor="ch" refForName="accent_1"/>
+                <dgm:constr type="r" for="ch" forName="text_1" refType="w"/>
+                <dgm:constr type="w" for="ch" forName="text_1" refType="h" refFor="ch" refForName="text_1" op="gte"/>
+                <dgm:constr type="h" for="ch" forName="text_1" refType="h" refFor="ch" refForName="accent_1" fact="0.8"/>
+                <dgm:constr type="ctrY" for="ch" forName="text_1" refType="ctrY" refFor="ch" refForName="accent_1"/>
+                <dgm:constr type="lMarg" for="ch" forName="text_1" refType="w" refFor="ch" refForName="accent_1" fact="1.8"/>
+                <dgm:constr type="primFontSz" for="ch" ptType="node" op="equ" val="65"/>
+              </dgm:constrLst>
+            </dgm:if>
+            <dgm:if name="Name6" axis="ch" ptType="node" func="cnt" op="equ" val="2">
+              <dgm:constrLst>
+                <dgm:constr type="h" for="ch" forName="cycle" refType="h"/>
+                <dgm:constr type="w" for="ch" forName="cycle" refType="h" refFor="ch" refForName="cycle" fact="0.26"/>
+                <dgm:constr type="l" for="ch" forName="cycle"/>
+                <dgm:constr type="ctrY" for="ch" forName="cycle" refType="h" fact="0.5"/>
+                <dgm:constr type="diam" for="ch" forName="cycle" refType="h" fact="1.344"/>
+                <dgm:constr type="h" for="ch" forName="accent_1" refType="h" fact="0.3571"/>
+                <dgm:constr type="w" for="ch" forName="accent_1" refType="h" refFor="ch" refForName="accent_1" op="equ"/>
+                <dgm:constr type="ctrY" for="ch" forName="accent_1" refType="h" fact="0.2857"/>
+                <dgm:constr type="ctrX" for="ch" forName="accent_1" refType="h" fact="0.1891"/>
+                <dgm:constr type="l" for="ch" forName="text_1" refType="ctrX" refFor="ch" refForName="accent_1"/>
+                <dgm:constr type="r" for="ch" forName="text_1" refType="w"/>
+                <dgm:constr type="w" for="ch" forName="text_1" refType="h" refFor="ch" refForName="text_1" op="gte"/>
+                <dgm:constr type="h" for="ch" forName="text_1" refType="h" refFor="ch" refForName="accent_1" fact="0.8"/>
+                <dgm:constr type="ctrY" for="ch" forName="text_1" refType="ctrY" refFor="ch" refForName="accent_1"/>
+                <dgm:constr type="lMarg" for="ch" forName="text_1" refType="w" refFor="ch" refForName="accent_1" fact="1.8"/>
+                <dgm:constr type="h" for="ch" forName="accent_2" refType="h" fact="0.3571"/>
+                <dgm:constr type="w" for="ch" forName="accent_2" refType="h" refFor="ch" refForName="accent_2" op="equ"/>
+                <dgm:constr type="ctrY" for="ch" forName="accent_2" refType="h" fact="0.7143"/>
+                <dgm:constr type="ctrX" for="ch" forName="accent_2" refType="h" fact="0.1891"/>
+                <dgm:constr type="l" for="ch" forName="text_2" refType="ctrX" refFor="ch" refForName="accent_2"/>
+                <dgm:constr type="r" for="ch" forName="text_2" refType="w"/>
+                <dgm:constr type="w" for="ch" forName="text_2" refType="h" refFor="ch" refForName="text_2" op="gte"/>
+                <dgm:constr type="h" for="ch" forName="text_2" refType="h" refFor="ch" refForName="accent_2" fact="0.8"/>
+                <dgm:constr type="ctrY" for="ch" forName="text_2" refType="ctrY" refFor="ch" refForName="accent_2"/>
+                <dgm:constr type="lMarg" for="ch" forName="text_2" refType="w" refFor="ch" refForName="accent_2" fact="1.8"/>
+                <dgm:constr type="primFontSz" for="ch" ptType="node" op="equ" val="65"/>
+              </dgm:constrLst>
+            </dgm:if>
+            <dgm:if name="Name7" axis="ch" ptType="node" func="cnt" op="equ" val="3">
+              <dgm:constrLst>
+                <dgm:constr type="h" for="ch" forName="cycle" refType="h"/>
+                <dgm:constr type="w" for="ch" forName="cycle" refType="h" refFor="ch" refForName="cycle" fact="0.26"/>
+                <dgm:constr type="l" for="ch" forName="cycle"/>
+                <dgm:constr type="ctrY" for="ch" forName="cycle" refType="h" fact="0.5"/>
+                <dgm:constr type="diam" for="ch" forName="cycle" refType="h" fact="1.344"/>
+                <dgm:constr type="h" for="ch" forName="accent_1" refType="h" fact="0.25"/>
+                <dgm:constr type="w" for="ch" forName="accent_1" refType="h" refFor="ch" refForName="accent_1" op="equ"/>
+                <dgm:constr type="ctrY" for="ch" forName="accent_1" refType="h" fact="0.2"/>
+                <dgm:constr type="ctrX" for="ch" forName="accent_1" refType="h" fact="0.1526"/>
+                <dgm:constr type="l" for="ch" forName="text_1" refType="ctrX" refFor="ch" refForName="accent_1"/>
+                <dgm:constr type="r" for="ch" forName="text_1" refType="w"/>
+                <dgm:constr type="w" for="ch" forName="text_1" refType="h" refFor="ch" refForName="text_1" op="gte"/>
+                <dgm:constr type="h" for="ch" forName="text_1" refType="h" refFor="ch" refForName="accent_1" fact="0.8"/>
+                <dgm:constr type="ctrY" for="ch" forName="text_1" refType="ctrY" refFor="ch" refForName="accent_1"/>
+                <dgm:constr type="lMarg" for="ch" forName="text_1" refType="w" refFor="ch" refForName="accent_1" fact="1.8"/>
+                <dgm:constr type="h" for="ch" forName="accent_2" refType="h" fact="0.25"/>
+                <dgm:constr type="w" for="ch" forName="accent_2" refType="h" refFor="ch" refForName="accent_2" op="equ"/>
+                <dgm:constr type="ctrY" for="ch" forName="accent_2" refType="h" fact="0.5"/>
+                <dgm:constr type="ctrX" for="ch" forName="accent_2" refType="h" fact="0.2253"/>
+                <dgm:constr type="l" for="ch" forName="text_2" refType="ctrX" refFor="ch" refForName="accent_2"/>
+                <dgm:constr type="r" for="ch" forName="text_2" refType="w"/>
+                <dgm:constr type="w" for="ch" forName="text_2" refType="h" refFor="ch" refForName="text_2" op="gte"/>
+                <dgm:constr type="h" for="ch" forName="text_2" refType="h" refFor="ch" refForName="accent_2" fact="0.8"/>
+                <dgm:constr type="ctrY" for="ch" forName="text_2" refType="ctrY" refFor="ch" refForName="accent_2"/>
+                <dgm:constr type="lMarg" for="ch" forName="text_2" refType="w" refFor="ch" refForName="accent_2" fact="1.8"/>
+                <dgm:constr type="h" for="ch" forName="accent_3" refType="h" fact="0.25"/>
+                <dgm:constr type="w" for="ch" forName="accent_3" refType="h" refFor="ch" refForName="accent_3" op="equ"/>
+                <dgm:constr type="ctrY" for="ch" forName="accent_3" refType="h" fact="0.8"/>
+                <dgm:constr type="ctrX" for="ch" forName="accent_3" refType="h" fact="0.1526"/>
+                <dgm:constr type="l" for="ch" forName="text_3" refType="ctrX" refFor="ch" refForName="accent_3"/>
+                <dgm:constr type="r" for="ch" forName="text_3" refType="w"/>
+                <dgm:constr type="w" for="ch" forName="text_3" refType="h" refFor="ch" refForName="text_3" op="gte"/>
+                <dgm:constr type="h" for="ch" forName="text_3" refType="h" refFor="ch" refForName="accent_3" fact="0.8"/>
+                <dgm:constr type="ctrY" for="ch" forName="text_3" refType="ctrY" refFor="ch" refForName="accent_3"/>
+                <dgm:constr type="lMarg" for="ch" forName="text_3" refType="w" refFor="ch" refForName="accent_3" fact="1.8"/>
+                <dgm:constr type="primFontSz" for="ch" ptType="node" op="equ" val="65"/>
+              </dgm:constrLst>
+            </dgm:if>
+            <dgm:if name="Name8" axis="ch" ptType="node" func="cnt" op="equ" val="4">
+              <dgm:constrLst>
+                <dgm:constr type="h" for="ch" forName="cycle" refType="h"/>
+                <dgm:constr type="w" for="ch" forName="cycle" refType="h" refFor="ch" refForName="cycle" fact="0.26"/>
+                <dgm:constr type="l" for="ch" forName="cycle"/>
+                <dgm:constr type="ctrY" for="ch" forName="cycle" refType="h" fact="0.5"/>
+                <dgm:constr type="diam" for="ch" forName="cycle" refType="h" fact="1.344"/>
+                <dgm:constr type="h" for="ch" forName="accent_1" refType="h" fact="0.1923"/>
+                <dgm:constr type="w" for="ch" forName="accent_1" refType="h" refFor="ch" refForName="accent_1" op="equ"/>
+                <dgm:constr type="ctrY" for="ch" forName="accent_1" refType="h" fact="0.1538"/>
+                <dgm:constr type="ctrX" for="ch" forName="accent_1" refType="h" fact="0.1268"/>
+                <dgm:constr type="l" for="ch" forName="text_1" refType="ctrX" refFor="ch" refForName="accent_1"/>
+                <dgm:constr type="r" for="ch" forName="text_1" refType="w"/>
+                <dgm:constr type="w" for="ch" forName="text_1" refType="h" refFor="ch" refForName="text_1" op="gte"/>
+                <dgm:constr type="h" for="ch" forName="text_1" refType="h" refFor="ch" refForName="accent_1" fact="0.8"/>
+                <dgm:constr type="ctrY" for="ch" forName="text_1" refType="ctrY" refFor="ch" refForName="accent_1"/>
+                <dgm:constr type="lMarg" for="ch" forName="text_1" refType="w" refFor="ch" refForName="accent_1" fact="1.8"/>
+                <dgm:constr type="h" for="ch" forName="accent_2" refType="h" fact="0.1923"/>
+                <dgm:constr type="w" for="ch" forName="accent_2" refType="h" refFor="ch" refForName="accent_2" op="equ"/>
+                <dgm:constr type="ctrY" for="ch" forName="accent_2" refType="h" fact="0.3846"/>
+                <dgm:constr type="ctrX" for="ch" forName="accent_2" refType="h" fact="0.215"/>
+                <dgm:constr type="l" for="ch" forName="text_2" refType="ctrX" refFor="ch" refForName="accent_2"/>
+                <dgm:constr type="r" for="ch" forName="text_2" refType="w"/>
+                <dgm:constr type="w" for="ch" forName="text_2" refType="h" refFor="ch" refForName="text_2" op="gte"/>
+                <dgm:constr type="h" for="ch" forName="text_2" refType="h" refFor="ch" refForName="accent_2" fact="0.8"/>
+                <dgm:constr type="ctrY" for="ch" forName="text_2" refType="ctrY" refFor="ch" refForName="accent_2"/>
+                <dgm:constr type="lMarg" for="ch" forName="text_2" refType="w" refFor="ch" refForName="accent_2" fact="1.8"/>
+                <dgm:constr type="h" for="ch" forName="accent_3" refType="h" fact="0.1923"/>
+                <dgm:constr type="w" for="ch" forName="accent_3" refType="h" refFor="ch" refForName="accent_3" op="equ"/>
+                <dgm:constr type="ctrY" for="ch" forName="accent_3" refType="h" fact="0.6154"/>
+                <dgm:constr type="ctrX" for="ch" forName="accent_3" refType="h" fact="0.215"/>
+                <dgm:constr type="l" for="ch" forName="text_3" refType="ctrX" refFor="ch" refForName="accent_3"/>
+                <dgm:constr type="r" for="ch" forName="text_3" refType="w"/>
+                <dgm:constr type="w" for="ch" forName="text_3" refType="h" refFor="ch" refForName="text_3" op="gte"/>
+                <dgm:constr type="h" for="ch" forName="text_3" refType="h" refFor="ch" refForName="accent_3" fact="0.8"/>
+                <dgm:constr type="ctrY" for="ch" forName="text_3" refType="ctrY" refFor="ch" refForName="accent_3"/>
+                <dgm:constr type="lMarg" for="ch" forName="text_3" refType="w" refFor="ch" refForName="accent_3" fact="1.8"/>
+                <dgm:constr type="h" for="ch" forName="accent_4" refType="h" fact="0.1923"/>
+                <dgm:constr type="w" for="ch" forName="accent_4" refType="h" refFor="ch" refForName="accent_4" op="equ"/>
+                <dgm:constr type="ctrY" for="ch" forName="accent_4" refType="h" fact="0.8462"/>
+                <dgm:constr type="ctrX" for="ch" forName="accent_4" refType="h" fact="0.1268"/>
+                <dgm:constr type="l" for="ch" forName="text_4" refType="ctrX" refFor="ch" refForName="accent_4"/>
+                <dgm:constr type="r" for="ch" forName="text_4" refType="w"/>
+                <dgm:constr type="w" for="ch" forName="text_4" refType="h" refFor="ch" refForName="text_4" op="gte"/>
+                <dgm:constr type="h" for="ch" forName="text_4" refType="h" refFor="ch" refForName="accent_4" fact="0.8"/>
+                <dgm:constr type="ctrY" for="ch" forName="text_4" refType="ctrY" refFor="ch" refForName="accent_4"/>
+                <dgm:constr type="lMarg" for="ch" forName="text_4" refType="w" refFor="ch" refForName="accent_4" fact="1.8"/>
+                <dgm:constr type="primFontSz" for="ch" ptType="node" op="equ" val="65"/>
+              </dgm:constrLst>
+            </dgm:if>
+            <dgm:if name="Name9" axis="ch" ptType="node" func="cnt" op="equ" val="5">
+              <dgm:constrLst>
+                <dgm:constr type="h" for="ch" forName="cycle" refType="h"/>
+                <dgm:constr type="w" for="ch" forName="cycle" refType="h" refFor="ch" refForName="cycle" fact="0.26"/>
+                <dgm:constr type="l" for="ch" forName="cycle"/>
+                <dgm:constr type="ctrY" for="ch" forName="cycle" refType="h" fact="0.5"/>
+                <dgm:constr type="diam" for="ch" forName="cycle" refType="h" fact="1.344"/>
+                <dgm:constr type="h" for="ch" forName="accent_1" refType="h" fact="0.1563"/>
+                <dgm:constr type="w" for="ch" forName="accent_1" refType="h" refFor="ch" refForName="accent_1" op="equ"/>
+                <dgm:constr type="ctrY" for="ch" forName="accent_1" refType="h" fact="0.125"/>
+                <dgm:constr type="ctrX" for="ch" forName="accent_1" refType="h" fact="0.1082"/>
+                <dgm:constr type="l" for="ch" forName="text_1" refType="ctrX" refFor="ch" refForName="accent_1"/>
+                <dgm:constr type="r" for="ch" forName="text_1" refType="w"/>
+                <dgm:constr type="w" for="ch" forName="text_1" refType="h" refFor="ch" refForName="text_1" op="gte"/>
+                <dgm:constr type="h" for="ch" forName="text_1" refType="h" refFor="ch" refForName="accent_1" fact="0.8"/>
+                <dgm:constr type="ctrY" for="ch" forName="text_1" refType="ctrY" refFor="ch" refForName="accent_1"/>
+                <dgm:constr type="lMarg" for="ch" forName="text_1" refType="w" refFor="ch" refForName="accent_1" fact="1.8"/>
+                <dgm:constr type="h" for="ch" forName="accent_2" refType="h" fact="0.1563"/>
+                <dgm:constr type="w" for="ch" forName="accent_2" refType="h" refFor="ch" refForName="accent_2" op="equ"/>
+                <dgm:constr type="ctrY" for="ch" forName="accent_2" refType="h" fact="0.3125"/>
+                <dgm:constr type="ctrX" for="ch" forName="accent_2" refType="h" fact="0.1978"/>
+                <dgm:constr type="l" for="ch" forName="text_2" refType="ctrX" refFor="ch" refForName="accent_2"/>
+                <dgm:constr type="r" for="ch" forName="text_2" refType="w"/>
+                <dgm:constr type="w" for="ch" forName="text_2" refType="h" refFor="ch" refForName="text_2" op="gte"/>
+                <dgm:constr type="h" for="ch" forName="text_2" refType="h" refFor="ch" refForName="accent_2" fact="0.8"/>
+                <dgm:constr type="ctrY" for="ch" forName="text_2" refType="ctrY" refFor="ch" refForName="accent_2"/>
+                <dgm:constr type="lMarg" for="ch" forName="text_2" refType="w" refFor="ch" refForName="accent_2" fact="1.8"/>
+                <dgm:constr type="h" for="ch" forName="accent_3" refType="h" fact="0.1563"/>
+                <dgm:constr type="w" for="ch" forName="accent_3" refType="h" refFor="ch" refForName="accent_3" op="equ"/>
+                <dgm:constr type="ctrY" for="ch" forName="accent_3" refType="h" fact="0.5"/>
+                <dgm:constr type="ctrX" for="ch" forName="accent_3" refType="h" fact="0.2253"/>
+                <dgm:constr type="l" for="ch" forName="text_3" refType="ctrX" refFor="ch" refForName="accent_3"/>
+                <dgm:constr type="r" for="ch" forName="text_3" refType="w"/>
+                <dgm:constr type="w" for="ch" forName="text_3" refType="h" refFor="ch" refForName="text_3" op="gte"/>
+                <dgm:constr type="h" for="ch" forName="text_3" refType="h" refFor="ch" refForName="accent_3" fact="0.8"/>
+                <dgm:constr type="ctrY" for="ch" forName="text_3" refType="ctrY" refFor="ch" refForName="accent_3"/>
+                <dgm:constr type="lMarg" for="ch" forName="text_3" refType="w" refFor="ch" refForName="accent_3" fact="1.8"/>
+                <dgm:constr type="h" for="ch" forName="accent_4" refType="h" fact="0.1563"/>
+                <dgm:constr type="w" for="ch" forName="accent_4" refType="h" refFor="ch" refForName="accent_4" op="equ"/>
+                <dgm:constr type="ctrY" for="ch" forName="accent_4" refType="h" fact="0.6875"/>
+                <dgm:constr type="ctrX" for="ch" forName="accent_4" refType="h" fact="0.1978"/>
+                <dgm:constr type="l" for="ch" forName="text_4" refType="ctrX" refFor="ch" refForName="accent_4"/>
+                <dgm:constr type="r" for="ch" forName="text_4" refType="w"/>
+                <dgm:constr type="w" for="ch" forName="text_4" refType="h" refFor="ch" refForName="text_4" op="gte"/>
+                <dgm:constr type="h" for="ch" forName="text_4" refType="h" refFor="ch" refForName="accent_4" fact="0.8"/>
+                <dgm:constr type="ctrY" for="ch" forName="text_4" refType="ctrY" refFor="ch" refForName="accent_4"/>
+                <dgm:constr type="lMarg" for="ch" forName="text_4" refType="w" refFor="ch" refForName="accent_4" fact="1.8"/>
+                <dgm:constr type="h" for="ch" forName="accent_5" refType="h" fact="0.1563"/>
+                <dgm:constr type="w" for="ch" forName="accent_5" refType="h" refFor="ch" refForName="accent_5" op="equ"/>
+                <dgm:constr type="ctrY" for="ch" forName="accent_5" refType="h" fact="0.875"/>
+                <dgm:constr type="ctrX" for="ch" forName="accent_5" refType="h" fact="0.1082"/>
+                <dgm:constr type="l" for="ch" forName="text_5" refType="ctrX" refFor="ch" refForName="accent_5"/>
+                <dgm:constr type="r" for="ch" forName="text_5" refType="w"/>
+                <dgm:constr type="w" for="ch" forName="text_5" refType="h" refFor="ch" refForName="text_5" op="gte"/>
+                <dgm:constr type="h" for="ch" forName="text_5" refType="h" refFor="ch" refForName="accent_5" fact="0.8"/>
+                <dgm:constr type="ctrY" for="ch" forName="text_5" refType="ctrY" refFor="ch" refForName="accent_5"/>
+                <dgm:constr type="lMarg" for="ch" forName="text_5" refType="w" refFor="ch" refForName="accent_5" fact="1.8"/>
+                <dgm:constr type="primFontSz" for="ch" ptType="node" op="equ" val="65"/>
+              </dgm:constrLst>
+            </dgm:if>
+            <dgm:if name="Name10" axis="ch" ptType="node" func="cnt" op="equ" val="6">
+              <dgm:constrLst>
+                <dgm:constr type="h" for="ch" forName="cycle" refType="h"/>
+                <dgm:constr type="w" for="ch" forName="cycle" refType="h" refFor="ch" refForName="cycle" fact="0.26"/>
+                <dgm:constr type="l" for="ch" forName="cycle"/>
+                <dgm:constr type="ctrY" for="ch" forName="cycle" refType="h" fact="0.5"/>
+                <dgm:constr type="diam" for="ch" forName="cycle" refType="h" fact="1.344"/>
+                <dgm:constr type="h" for="ch" forName="accent_1" refType="h" fact="0.1316"/>
+                <dgm:constr type="w" for="ch" forName="accent_1" refType="h" refFor="ch" refForName="accent_1" op="equ"/>
+                <dgm:constr type="ctrY" for="ch" forName="accent_1" refType="h" fact="0.1053"/>
+                <dgm:constr type="ctrX" for="ch" forName="accent_1" refType="h" fact="0.0943"/>
+                <dgm:constr type="l" for="ch" forName="text_1" refType="ctrX" refFor="ch" refForName="accent_1"/>
+                <dgm:constr type="r" for="ch" forName="text_1" refType="w"/>
+                <dgm:constr type="w" for="ch" forName="text_1" refType="h" refFor="ch" refForName="text_1" op="gte"/>
+                <dgm:constr type="h" for="ch" forName="text_1" refType="h" refFor="ch" refForName="accent_1" fact="0.8"/>
+                <dgm:constr type="ctrY" for="ch" forName="text_1" refType="ctrY" refFor="ch" refForName="accent_1"/>
+                <dgm:constr type="lMarg" for="ch" forName="text_1" refType="w" refFor="ch" refForName="accent_1" fact="1.8"/>
+                <dgm:constr type="h" for="ch" forName="accent_2" refType="h" fact="0.1316"/>
+                <dgm:constr type="w" for="ch" forName="accent_2" refType="h" refFor="ch" refForName="accent_2" op="equ"/>
+                <dgm:constr type="ctrY" for="ch" forName="accent_2" refType="h" fact="0.2632"/>
+                <dgm:constr type="ctrX" for="ch" forName="accent_2" refType="h" fact="0.1809"/>
+                <dgm:constr type="l" for="ch" forName="text_2" refType="ctrX" refFor="ch" refForName="accent_2"/>
+                <dgm:constr type="r" for="ch" forName="text_2" refType="w"/>
+                <dgm:constr type="w" for="ch" forName="text_2" refType="h" refFor="ch" refForName="text_2" op="gte"/>
+                <dgm:constr type="h" for="ch" forName="text_2" refType="h" refFor="ch" refForName="accent_2" fact="0.8"/>
+                <dgm:constr type="ctrY" for="ch" forName="text_2" refType="ctrY" refFor="ch" refForName="accent_2"/>
+                <dgm:constr type="lMarg" for="ch" forName="text_2" refType="w" refFor="ch" refForName="accent_2" fact="1.8"/>
+                <dgm:constr type="h" for="ch" forName="accent_3" refType="h" fact="0.1316"/>
+                <dgm:constr type="w" for="ch" forName="accent_3" refType="h" refFor="ch" refForName="accent_3" op="equ"/>
+                <dgm:constr type="ctrY" for="ch" forName="accent_3" refType="h" fact="0.4211"/>
+                <dgm:constr type="ctrX" for="ch" forName="accent_3" refType="h" fact="0.2205"/>
+                <dgm:constr type="l" for="ch" forName="text_3" refType="ctrX" refFor="ch" refForName="accent_3"/>
+                <dgm:constr type="r" for="ch" forName="text_3" refType="w"/>
+                <dgm:constr type="w" for="ch" forName="text_3" refType="h" refFor="ch" refForName="text_3" op="gte"/>
+                <dgm:constr type="h" for="ch" forName="text_3" refType="h" refFor="ch" refForName="accent_3" fact="0.8"/>
+                <dgm:constr type="ctrY" for="ch" forName="text_3" refType="ctrY" refFor="ch" refForName="accent_3"/>
+                <dgm:constr type="lMarg" for="ch" forName="text_3" refType="w" refFor="ch" refForName="accent_3" fact="1.8"/>
+                <dgm:constr type="h" for="ch" forName="accent_4" refType="h" fact="0.1316"/>
+                <dgm:constr type="w" for="ch" forName="accent_4" refType="h" refFor="ch" refForName="accent_4" op="equ"/>
+                <dgm:constr type="ctrY" for="ch" forName="accent_4" refType="h" fact="0.5789"/>
+                <dgm:constr type="ctrX" for="ch" forName="accent_4" refType="h" fact="0.2205"/>
+                <dgm:constr type="l" for="ch" forName="text_4" refType="ctrX" refFor="ch" refForName="accent_4"/>
+                <dgm:constr type="r" for="ch" forName="text_4" refType="w"/>
+                <dgm:constr type="w" for="ch" forName="text_4" refType="h" refFor="ch" refForName="text_4" op="gte"/>
+                <dgm:constr type="h" for="ch" forName="text_4" refType="h" refFor="ch" refForName="accent_4" fact="0.8"/>
+                <dgm:constr type="ctrY" for="ch" forName="text_4" refType="ctrY" refFor="ch" refForName="accent_4"/>
+                <dgm:constr type="lMarg" for="ch" forName="text_4" refType="w" refFor="ch" refForName="accent_4" fact="1.8"/>
+                <dgm:constr type="h" for="ch" forName="accent_5" refType="h" fact="0.1316"/>
+                <dgm:constr type="w" for="ch" forName="accent_5" refType="h" refFor="ch" refForName="accent_5" op="equ"/>
+                <dgm:constr type="ctrY" for="ch" forName="accent_5" refType="h" fact="0.7368"/>
+                <dgm:constr type="ctrX" for="ch" forName="accent_5" refType="h" fact="0.1809"/>
+                <dgm:constr type="l" for="ch" forName="text_5" refType="ctrX" refFor="ch" refForName="accent_5"/>
+                <dgm:constr type="r" for="ch" forName="text_5" refType="w"/>
+                <dgm:constr type="w" for="ch" forName="text_5" refType="h" refFor="ch" refForName="text_5" op="gte"/>
+                <dgm:constr type="h" for="ch" forName="text_5" refType="h" refFor="ch" refForName="accent_5" fact="0.8"/>
+                <dgm:constr type="ctrY" for="ch" forName="text_5" refType="ctrY" refFor="ch" refForName="accent_5"/>
+                <dgm:constr type="lMarg" for="ch" forName="text_5" refType="w" refFor="ch" refForName="accent_5" fact="1.8"/>
+                <dgm:constr type="h" for="ch" forName="accent_6" refType="h" fact="0.1316"/>
+                <dgm:constr type="w" for="ch" forName="accent_6" refType="h" refFor="ch" refForName="accent_6" op="equ"/>
+                <dgm:constr type="ctrY" for="ch" forName="accent_6" refType="h" fact="0.8947"/>
+                <dgm:constr type="ctrX" for="ch" forName="accent_6" refType="h" fact="0.0943"/>
+                <dgm:constr type="l" for="ch" forName="text_6" refType="ctrX" refFor="ch" refForName="accent_6"/>
+                <dgm:constr type="r" for="ch" forName="text_6" refType="w"/>
+                <dgm:constr type="w" for="ch" forName="text_6" refType="h" refFor="ch" refForName="text_6" op="gte"/>
+                <dgm:constr type="h" for="ch" forName="text_6" refType="h" refFor="ch" refForName="accent_6" fact="0.8"/>
+                <dgm:constr type="ctrY" for="ch" forName="text_6" refType="ctrY" refFor="ch" refForName="accent_6"/>
+                <dgm:constr type="lMarg" for="ch" forName="text_6" refType="w" refFor="ch" refForName="accent_6" fact="1.8"/>
+                <dgm:constr type="primFontSz" for="ch" ptType="node" op="equ" val="65"/>
+              </dgm:constrLst>
+            </dgm:if>
+            <dgm:else name="Name11">
+              <dgm:constrLst>
+                <dgm:constr type="h" for="ch" forName="cycle" refType="h"/>
+                <dgm:constr type="w" for="ch" forName="cycle" refType="h" refFor="ch" refForName="cycle" fact="0.26"/>
+                <dgm:constr type="l" for="ch" forName="cycle"/>
+                <dgm:constr type="ctrY" for="ch" forName="cycle" refType="h" fact="0.5"/>
+                <dgm:constr type="diam" for="ch" forName="cycle" refType="h" fact="1.344"/>
+                <dgm:constr type="h" for="ch" forName="accent_1" refType="h" fact="0.1136"/>
+                <dgm:constr type="w" for="ch" forName="accent_1" refType="h" refFor="ch" refForName="accent_1" op="equ"/>
+                <dgm:constr type="ctrY" for="ch" forName="accent_1" refType="h" fact="0.0909"/>
+                <dgm:constr type="ctrX" for="ch" forName="accent_1" refType="h" fact="0.0835"/>
+                <dgm:constr type="l" for="ch" forName="text_1" refType="ctrX" refFor="ch" refForName="accent_1"/>
+                <dgm:constr type="r" for="ch" forName="text_1" refType="w"/>
+                <dgm:constr type="w" for="ch" forName="text_1" refType="h" refFor="ch" refForName="text_1" op="gte"/>
+                <dgm:constr type="h" for="ch" forName="text_1" refType="h" refFor="ch" refForName="accent_1" fact="0.8"/>
+                <dgm:constr type="ctrY" for="ch" forName="text_1" refType="ctrY" refFor="ch" refForName="accent_1"/>
+                <dgm:constr type="lMarg" for="ch" forName="text_1" refType="w" refFor="ch" refForName="accent_1" fact="1.8"/>
+                <dgm:constr type="h" for="ch" forName="accent_2" refType="h" fact="0.1136"/>
+                <dgm:constr type="w" for="ch" forName="accent_2" refType="h" refFor="ch" refForName="accent_2" op="equ"/>
+                <dgm:constr type="ctrY" for="ch" forName="accent_2" refType="h" fact="0.2273"/>
+                <dgm:constr type="ctrX" for="ch" forName="accent_2" refType="h" fact="0.1658"/>
+                <dgm:constr type="l" for="ch" forName="text_2" refType="ctrX" refFor="ch" refForName="accent_2"/>
+                <dgm:constr type="r" for="ch" forName="text_2" refType="w"/>
+                <dgm:constr type="w" for="ch" forName="text_2" refType="h" refFor="ch" refForName="text_2" op="gte"/>
+                <dgm:constr type="h" for="ch" forName="text_2" refType="h" refFor="ch" refForName="accent_2" fact="0.8"/>
+                <dgm:constr type="ctrY" for="ch" forName="text_2" refType="ctrY" refFor="ch" refForName="accent_2"/>
+                <dgm:constr type="lMarg" for="ch" forName="text_2" refType="w" refFor="ch" refForName="accent_2" fact="1.8"/>
+                <dgm:constr type="h" for="ch" forName="accent_3" refType="h" fact="0.1136"/>
+                <dgm:constr type="w" for="ch" forName="accent_3" refType="h" refFor="ch" refForName="accent_3" op="equ"/>
+                <dgm:constr type="ctrY" for="ch" forName="accent_3" refType="h" fact="0.3636"/>
+                <dgm:constr type="ctrX" for="ch" forName="accent_3" refType="h" fact="0.2109"/>
+                <dgm:constr type="l" for="ch" forName="text_3" refType="ctrX" refFor="ch" refForName="accent_3"/>
+                <dgm:constr type="r" for="ch" forName="text_3" refType="w"/>
+                <dgm:constr type="w" for="ch" forName="text_3" refType="h" refFor="ch" refForName="text_3" op="gte"/>
+                <dgm:constr type="h" for="ch" forName="text_3" refType="h" refFor="ch" refForName="accent_3" fact="0.8"/>
+                <dgm:constr type="ctrY" for="ch" forName="text_3" refType="ctrY" refFor="ch" refForName="accent_3"/>
+                <dgm:constr type="lMarg" for="ch" forName="text_3" refType="w" refFor="ch" refForName="accent_3" fact="1.8"/>
+                <dgm:constr type="h" for="ch" forName="accent_4" refType="h" fact="0.1136"/>
+                <dgm:constr type="w" for="ch" forName="accent_4" refType="h" refFor="ch" refForName="accent_4" op="equ"/>
+                <dgm:constr type="ctrY" for="ch" forName="accent_4" refType="h" fact="0.5"/>
+                <dgm:constr type="ctrX" for="ch" forName="accent_4" refType="h" fact="0.2253"/>
+                <dgm:constr type="l" for="ch" forName="text_4" refType="ctrX" refFor="ch" refForName="accent_4"/>
+                <dgm:constr type="r" for="ch" forName="text_4" refType="w"/>
+                <dgm:constr type="w" for="ch" forName="text_4" refType="h" refFor="ch" refForName="text_4" op="gte"/>
+                <dgm:constr type="h" for="ch" forName="text_4" refType="h" refFor="ch" refForName="accent_4" fact="0.8"/>
+                <dgm:constr type="ctrY" for="ch" forName="text_4" refType="ctrY" refFor="ch" refForName="accent_4"/>
+                <dgm:constr type="lMarg" for="ch" forName="text_4" refType="w" refFor="ch" refForName="accent_4" fact="1.8"/>
+                <dgm:constr type="h" for="ch" forName="accent_5" refType="h" fact="0.1136"/>
+                <dgm:constr type="w" for="ch" forName="accent_5" refType="h" refFor="ch" refForName="accent_5" op="equ"/>
+                <dgm:constr type="ctrY" for="ch" forName="accent_5" refType="h" fact="0.6364"/>
+                <dgm:constr type="ctrX" for="ch" forName="accent_5" refType="h" fact="0.2109"/>
+                <dgm:constr type="l" for="ch" forName="text_5" refType="ctrX" refFor="ch" refForName="accent_5"/>
+                <dgm:constr type="r" for="ch" forName="text_5" refType="w"/>
+                <dgm:constr type="w" for="ch" forName="text_5" refType="h" refFor="ch" refForName="text_5" op="gte"/>
+                <dgm:constr type="h" for="ch" forName="text_5" refType="h" refFor="ch" refForName="accent_5" fact="0.8"/>
+                <dgm:constr type="ctrY" for="ch" forName="text_5" refType="ctrY" refFor="ch" refForName="accent_5"/>
+                <dgm:constr type="lMarg" for="ch" forName="text_5" refType="w" refFor="ch" refForName="accent_5" fact="1.8"/>
+                <dgm:constr type="h" for="ch" forName="accent_6" refType="h" fact="0.1136"/>
+                <dgm:constr type="w" for="ch" forName="accent_6" refType="h" refFor="ch" refForName="accent_6" op="equ"/>
+                <dgm:constr type="ctrY" for="ch" forName="accent_6" refType="h" fact="0.7727"/>
+                <dgm:constr type="ctrX" for="ch" forName="accent_6" refType="h" fact="0.1658"/>
+                <dgm:constr type="l" for="ch" forName="text_6" refType="ctrX" refFor="ch" refForName="accent_6"/>
+                <dgm:constr type="r" for="ch" forName="text_6" refType="w"/>
+                <dgm:constr type="w" for="ch" forName="text_6" refType="h" refFor="ch" refForName="text_6" op="gte"/>
+                <dgm:constr type="h" for="ch" forName="text_6" refType="h" refFor="ch" refForName="accent_6" fact="0.8"/>
+                <dgm:constr type="ctrY" for="ch" forName="text_6" refType="ctrY" refFor="ch" refForName="accent_6"/>
+                <dgm:constr type="lMarg" for="ch" forName="text_6" refType="w" refFor="ch" refForName="accent_6" fact="1.8"/>
+                <dgm:constr type="h" for="ch" forName="accent_7" refType="h" fact="0.1136"/>
+                <dgm:constr type="w" for="ch" forName="accent_7" refType="h" refFor="ch" refForName="accent_7" op="equ"/>
+                <dgm:constr type="ctrY" for="ch" forName="accent_7" refType="h" fact="0.9091"/>
+                <dgm:constr type="ctrX" for="ch" forName="accent_7" refType="h" fact="0.0835"/>
+                <dgm:constr type="l" for="ch" forName="text_7" refType="ctrX" refFor="ch" refForName="accent_7"/>
+                <dgm:constr type="r" for="ch" forName="text_7" refType="w"/>
+                <dgm:constr type="w" for="ch" forName="text_7" refType="h" refFor="ch" refForName="text_7" op="gte"/>
+                <dgm:constr type="h" for="ch" forName="text_7" refType="h" refFor="ch" refForName="accent_7" fact="0.8"/>
+                <dgm:constr type="ctrY" for="ch" forName="text_7" refType="ctrY" refFor="ch" refForName="accent_7"/>
+                <dgm:constr type="lMarg" for="ch" forName="text_7" refType="w" refFor="ch" refForName="accent_7" fact="1.8"/>
+                <dgm:constr type="primFontSz" for="ch" ptType="node" op="equ" val="65"/>
+              </dgm:constrLst>
+            </dgm:else>
+          </dgm:choose>
+        </dgm:if>
+        <dgm:else name="Name12">
+          <dgm:choose name="Name13">
+            <dgm:if name="Name14" axis="ch" ptType="node" func="cnt" op="equ" val="1">
+              <dgm:constrLst>
+                <dgm:constr type="h" for="ch" forName="cycle" refType="h"/>
+                <dgm:constr type="w" for="ch" forName="cycle" refType="h" refFor="ch" refForName="cycle" fact="0.26"/>
+                <dgm:constr type="r" for="ch" forName="cycle" refType="w"/>
+                <dgm:constr type="ctrY" for="ch" forName="cycle" refType="h" fact="0.5"/>
+                <dgm:constr type="diam" for="ch" forName="cycle" refType="h" fact="1.344"/>
+                <dgm:constr type="h" for="ch" forName="accent_1" refType="h" fact="0.625"/>
+                <dgm:constr type="w" for="ch" forName="accent_1" refType="h" refFor="ch" refForName="accent_1" op="equ"/>
+                <dgm:constr type="ctrY" for="ch" forName="accent_1" refType="h" fact="0.5"/>
+                <dgm:constr type="ctrX" for="ch" forName="accent_1" refType="w"/>
+                <dgm:constr type="ctrXOff" for="ch" forName="accent_1" refType="h" fact="-0.2253"/>
+                <dgm:constr type="r" for="ch" forName="text_1" refType="ctrX" refFor="ch" refForName="accent_1"/>
+                <dgm:constr type="rOff" for="ch" forName="text_1" refType="ctrXOff" refFor="ch" refForName="accent_1"/>
+                <dgm:constr type="l" for="ch" forName="text_1"/>
+                <dgm:constr type="w" for="ch" forName="text_1" refType="h" refFor="ch" refForName="text_1" op="gte"/>
+                <dgm:constr type="h" for="ch" forName="text_1" refType="h" refFor="ch" refForName="accent_1" fact="0.8"/>
+                <dgm:constr type="ctrY" for="ch" forName="text_1" refType="ctrY" refFor="ch" refForName="accent_1"/>
+                <dgm:constr type="rMarg" for="ch" forName="text_1" refType="w" refFor="ch" refForName="accent_1" fact="1.8"/>
+                <dgm:constr type="primFontSz" for="ch" ptType="node" op="equ" val="65"/>
+              </dgm:constrLst>
+            </dgm:if>
+            <dgm:if name="Name15" axis="ch" ptType="node" func="cnt" op="equ" val="2">
+              <dgm:constrLst>
+                <dgm:constr type="h" for="ch" forName="cycle" refType="h"/>
+                <dgm:constr type="w" for="ch" forName="cycle" refType="h" refFor="ch" refForName="cycle" fact="0.26"/>
+                <dgm:constr type="r" for="ch" forName="cycle" refType="w"/>
+                <dgm:constr type="ctrY" for="ch" forName="cycle" refType="h" fact="0.5"/>
+                <dgm:constr type="diam" for="ch" forName="cycle" refType="h" fact="1.344"/>
+                <dgm:constr type="h" for="ch" forName="accent_1" refType="h" fact="0.3571"/>
+                <dgm:constr type="w" for="ch" forName="accent_1" refType="h" refFor="ch" refForName="accent_1" op="equ"/>
+                <dgm:constr type="ctrY" for="ch" forName="accent_1" refType="h" fact="0.2857"/>
+                <dgm:constr type="ctrX" for="ch" forName="accent_1" refType="w"/>
+                <dgm:constr type="ctrXOff" for="ch" forName="accent_1" refType="h" fact="-0.1891"/>
+                <dgm:constr type="r" for="ch" forName="text_1" refType="ctrX" refFor="ch" refForName="accent_1"/>
+                <dgm:constr type="rOff" for="ch" forName="text_1" refType="ctrXOff" refFor="ch" refForName="accent_1"/>
+                <dgm:constr type="l" for="ch" forName="text_1"/>
+                <dgm:constr type="w" for="ch" forName="text_1" refType="h" refFor="ch" refForName="text_1" op="gte"/>
+                <dgm:constr type="h" for="ch" forName="text_1" refType="h" refFor="ch" refForName="accent_1" fact="0.8"/>
+                <dgm:constr type="ctrY" for="ch" forName="text_1" refType="ctrY" refFor="ch" refForName="accent_1"/>
+                <dgm:constr type="rMarg" for="ch" forName="text_1" refType="w" refFor="ch" refForName="accent_1" fact="1.8"/>
+                <dgm:constr type="h" for="ch" forName="accent_2" refType="h" fact="0.3571"/>
+                <dgm:constr type="w" for="ch" forName="accent_2" refType="h" refFor="ch" refForName="accent_2" op="equ"/>
+                <dgm:constr type="ctrY" for="ch" forName="accent_2" refType="h" fact="0.7143"/>
+                <dgm:constr type="ctrX" for="ch" forName="accent_2" refType="w"/>
+                <dgm:constr type="ctrXOff" for="ch" forName="accent_2" refType="h" fact="-0.1891"/>
+                <dgm:constr type="r" for="ch" forName="text_2" refType="ctrX" refFor="ch" refForName="accent_2"/>
+                <dgm:constr type="rOff" for="ch" forName="text_2" refType="ctrXOff" refFor="ch" refForName="accent_2"/>
+                <dgm:constr type="l" for="ch" forName="text_2"/>
+                <dgm:constr type="w" for="ch" forName="text_2" refType="h" refFor="ch" refForName="text_2" op="gte"/>
+                <dgm:constr type="h" for="ch" forName="text_2" refType="h" refFor="ch" refForName="accent_2" fact="0.8"/>
+                <dgm:constr type="ctrY" for="ch" forName="text_2" refType="ctrY" refFor="ch" refForName="accent_2"/>
+                <dgm:constr type="rMarg" for="ch" forName="text_2" refType="w" refFor="ch" refForName="accent_2" fact="1.8"/>
+                <dgm:constr type="primFontSz" for="ch" ptType="node" op="equ" val="65"/>
+              </dgm:constrLst>
+            </dgm:if>
+            <dgm:if name="Name16" axis="ch" ptType="node" func="cnt" op="equ" val="3">
+              <dgm:constrLst>
+                <dgm:constr type="h" for="ch" forName="cycle" refType="h"/>
+                <dgm:constr type="w" for="ch" forName="cycle" refType="h" refFor="ch" refForName="cycle" fact="0.26"/>
+                <dgm:constr type="r" for="ch" forName="cycle" refType="w"/>
+                <dgm:constr type="ctrY" for="ch" forName="cycle" refType="h" fact="0.5"/>
+                <dgm:constr type="diam" for="ch" forName="cycle" refType="h" fact="1.344"/>
+                <dgm:constr type="h" for="ch" forName="accent_1" refType="h" fact="0.25"/>
+                <dgm:constr type="w" for="ch" forName="accent_1" refType="h" refFor="ch" refForName="accent_1" op="equ"/>
+                <dgm:constr type="ctrY" for="ch" forName="accent_1" refType="h" fact="0.2"/>
+                <dgm:constr type="ctrX" for="ch" forName="accent_1" refType="w"/>
+                <dgm:constr type="ctrXOff" for="ch" forName="accent_1" refType="h" fact="-0.1526"/>
+                <dgm:constr type="r" for="ch" forName="text_1" refType="ctrX" refFor="ch" refForName="accent_1"/>
+                <dgm:constr type="rOff" for="ch" forName="text_1" refType="ctrXOff" refFor="ch" refForName="accent_1"/>
+                <dgm:constr type="l" for="ch" forName="text_1"/>
+                <dgm:constr type="w" for="ch" forName="text_1" refType="h" refFor="ch" refForName="text_1" op="gte"/>
+                <dgm:constr type="h" for="ch" forName="text_1" refType="h" refFor="ch" refForName="accent_1" fact="0.8"/>
+                <dgm:constr type="ctrY" for="ch" forName="text_1" refType="ctrY" refFor="ch" refForName="accent_1"/>
+                <dgm:constr type="rMarg" for="ch" forName="text_1" refType="w" refFor="ch" refForName="accent_1" fact="1.8"/>
+                <dgm:constr type="h" for="ch" forName="accent_2" refType="h" fact="0.25"/>
+                <dgm:constr type="w" for="ch" forName="accent_2" refType="h" refFor="ch" refForName="accent_2" op="equ"/>
+                <dgm:constr type="ctrY" for="ch" forName="accent_2" refType="h" fact="0.5"/>
+                <dgm:constr type="ctrX" for="ch" forName="accent_2" refType="w"/>
+                <dgm:constr type="ctrXOff" for="ch" forName="accent_2" refType="h" fact="-0.2253"/>
+                <dgm:constr type="r" for="ch" forName="text_2" refType="ctrX" refFor="ch" refForName="accent_2"/>
+                <dgm:constr type="rOff" for="ch" forName="text_2" refType="ctrXOff" refFor="ch" refForName="accent_2"/>
+                <dgm:constr type="l" for="ch" forName="text_2"/>
+                <dgm:constr type="w" for="ch" forName="text_2" refType="h" refFor="ch" refForName="text_2" op="gte"/>
+                <dgm:constr type="h" for="ch" forName="text_2" refType="h" refFor="ch" refForName="accent_2" fact="0.8"/>
+                <dgm:constr type="ctrY" for="ch" forName="text_2" refType="ctrY" refFor="ch" refForName="accent_2"/>
+                <dgm:constr type="rMarg" for="ch" forName="text_2" refType="w" refFor="ch" refForName="accent_2" fact="1.8"/>
+                <dgm:constr type="h" for="ch" forName="accent_3" refType="h" fact="0.25"/>
+                <dgm:constr type="w" for="ch" forName="accent_3" refType="h" refFor="ch" refForName="accent_3" op="equ"/>
+                <dgm:constr type="ctrY" for="ch" forName="accent_3" refType="h" fact="0.8"/>
+                <dgm:constr type="ctrX" for="ch" forName="accent_3" refType="w"/>
+                <dgm:constr type="ctrXOff" for="ch" forName="accent_3" refType="h" fact="-0.1526"/>
+                <dgm:constr type="r" for="ch" forName="text_3" refType="ctrX" refFor="ch" refForName="accent_3"/>
+                <dgm:constr type="rOff" for="ch" forName="text_3" refType="ctrXOff" refFor="ch" refForName="accent_3"/>
+                <dgm:constr type="l" for="ch" forName="text_3"/>
+                <dgm:constr type="w" for="ch" forName="text_3" refType="h" refFor="ch" refForName="text_3" op="gte"/>
+                <dgm:constr type="h" for="ch" forName="text_3" refType="h" refFor="ch" refForName="accent_3" fact="0.8"/>
+                <dgm:constr type="ctrY" for="ch" forName="text_3" refType="ctrY" refFor="ch" refForName="accent_3"/>
+                <dgm:constr type="rMarg" for="ch" forName="text_3" refType="w" refFor="ch" refForName="accent_3" fact="1.8"/>
+                <dgm:constr type="primFontSz" for="ch" ptType="node" op="equ" val="65"/>
+              </dgm:constrLst>
+            </dgm:if>
+            <dgm:if name="Name17" axis="ch" ptType="node" func="cnt" op="equ" val="4">
+              <dgm:constrLst>
+                <dgm:constr type="h" for="ch" forName="cycle" refType="h"/>
+                <dgm:constr type="w" for="ch" forName="cycle" refType="h" refFor="ch" refForName="cycle" fact="0.26"/>
+                <dgm:constr type="r" for="ch" forName="cycle" refType="w"/>
+                <dgm:constr type="ctrY" for="ch" forName="cycle" refType="h" fact="0.5"/>
+                <dgm:constr type="diam" for="ch" forName="cycle" refType="h" fact="1.344"/>
+                <dgm:constr type="h" for="ch" forName="accent_1" refType="h" fact="0.1923"/>
+                <dgm:constr type="w" for="ch" forName="accent_1" refType="h" refFor="ch" refForName="accent_1" op="equ"/>
+                <dgm:constr type="ctrY" for="ch" forName="accent_1" refType="h" fact="0.1538"/>
+                <dgm:constr type="ctrX" for="ch" forName="accent_1" refType="w"/>
+                <dgm:constr type="ctrXOff" for="ch" forName="accent_1" refType="h" fact="-0.1268"/>
+                <dgm:constr type="r" for="ch" forName="text_1" refType="ctrX" refFor="ch" refForName="accent_1"/>
+                <dgm:constr type="rOff" for="ch" forName="text_1" refType="ctrXOff" refFor="ch" refForName="accent_1"/>
+                <dgm:constr type="l" for="ch" forName="text_1"/>
+                <dgm:constr type="w" for="ch" forName="text_1" refType="h" refFor="ch" refForName="text_1" op="gte"/>
+                <dgm:constr type="h" for="ch" forName="text_1" refType="h" refFor="ch" refForName="accent_1" fact="0.8"/>
+                <dgm:constr type="ctrY" for="ch" forName="text_1" refType="ctrY" refFor="ch" refForName="accent_1"/>
+                <dgm:constr type="rMarg" for="ch" forName="text_1" refType="w" refFor="ch" refForName="accent_1" fact="1.8"/>
+                <dgm:constr type="h" for="ch" forName="accent_2" refType="h" fact="0.1923"/>
+                <dgm:constr type="w" for="ch" forName="accent_2" refType="h" refFor="ch" refForName="accent_2" op="equ"/>
+                <dgm:constr type="ctrY" for="ch" forName="accent_2" refType="h" fact="0.3846"/>
+                <dgm:constr type="ctrX" for="ch" forName="accent_2" refType="w"/>
+                <dgm:constr type="ctrXOff" for="ch" forName="accent_2" refType="h" fact="-0.215"/>
+                <dgm:constr type="r" for="ch" forName="text_2" refType="ctrX" refFor="ch" refForName="accent_2"/>
+                <dgm:constr type="rOff" for="ch" forName="text_2" refType="ctrXOff" refFor="ch" refForName="accent_2"/>
+                <dgm:constr type="l" for="ch" forName="text_2"/>
+                <dgm:constr type="w" for="ch" forName="text_2" refType="h" refFor="ch" refForName="text_2" op="gte"/>
+                <dgm:constr type="h" for="ch" forName="text_2" refType="h" refFor="ch" refForName="accent_2" fact="0.8"/>
+                <dgm:constr type="ctrY" for="ch" forName="text_2" refType="ctrY" refFor="ch" refForName="accent_2"/>
+                <dgm:constr type="rMarg" for="ch" forName="text_2" refType="w" refFor="ch" refForName="accent_2" fact="1.8"/>
+                <dgm:constr type="h" for="ch" forName="accent_3" refType="h" fact="0.1923"/>
+                <dgm:constr type="w" for="ch" forName="accent_3" refType="h" refFor="ch" refForName="accent_3" op="equ"/>
+                <dgm:constr type="ctrY" for="ch" forName="accent_3" refType="h" fact="0.6154"/>
+                <dgm:constr type="ctrX" for="ch" forName="accent_3" refType="w"/>
+                <dgm:constr type="ctrXOff" for="ch" forName="accent_3" refType="h" fact="-0.215"/>
+                <dgm:constr type="r" for="ch" forName="text_3" refType="ctrX" refFor="ch" refForName="accent_3"/>
+                <dgm:constr type="rOff" for="ch" forName="text_3" refType="ctrXOff" refFor="ch" refForName="accent_3"/>
+                <dgm:constr type="l" for="ch" forName="text_3"/>
+                <dgm:constr type="w" for="ch" forName="text_3" refType="h" refFor="ch" refForName="text_3" op="gte"/>
+                <dgm:constr type="h" for="ch" forName="text_3" refType="h" refFor="ch" refForName="accent_3" fact="0.8"/>
+                <dgm:constr type="ctrY" for="ch" forName="text_3" refType="ctrY" refFor="ch" refForName="accent_3"/>
+                <dgm:constr type="rMarg" for="ch" forName="text_3" refType="w" refFor="ch" refForName="accent_3" fact="1.8"/>
+                <dgm:constr type="h" for="ch" forName="accent_4" refType="h" fact="0.1923"/>
+                <dgm:constr type="w" for="ch" forName="accent_4" refType="h" refFor="ch" refForName="accent_4" op="equ"/>
+                <dgm:constr type="ctrY" for="ch" forName="accent_4" refType="h" fact="0.8462"/>
+                <dgm:constr type="ctrX" for="ch" forName="accent_4" refType="w"/>
+                <dgm:constr type="ctrXOff" for="ch" forName="accent_4" refType="h" fact="-0.1268"/>
+                <dgm:constr type="r" for="ch" forName="text_4" refType="ctrX" refFor="ch" refForName="accent_4"/>
+                <dgm:constr type="rOff" for="ch" forName="text_4" refType="ctrXOff" refFor="ch" refForName="accent_4"/>
+                <dgm:constr type="l" for="ch" forName="text_4"/>
+                <dgm:constr type="w" for="ch" forName="text_4" refType="h" refFor="ch" refForName="text_4" op="gte"/>
+                <dgm:constr type="h" for="ch" forName="text_4" refType="h" refFor="ch" refForName="accent_4" fact="0.8"/>
+                <dgm:constr type="ctrY" for="ch" forName="text_4" refType="ctrY" refFor="ch" refForName="accent_4"/>
+                <dgm:constr type="rMarg" for="ch" forName="text_4" refType="w" refFor="ch" refForName="accent_4" fact="1.8"/>
+                <dgm:constr type="primFontSz" for="ch" ptType="node" op="equ" val="65"/>
+              </dgm:constrLst>
+            </dgm:if>
+            <dgm:if name="Name18" axis="ch" ptType="node" func="cnt" op="equ" val="5">
+              <dgm:constrLst>
+                <dgm:constr type="h" for="ch" forName="cycle" refType="h"/>
+                <dgm:constr type="w" for="ch" forName="cycle" refType="h" refFor="ch" refForName="cycle" fact="0.26"/>
+                <dgm:constr type="r" for="ch" forName="cycle" refType="w"/>
+                <dgm:constr type="ctrY" for="ch" forName="cycle" refType="h" fact="0.5"/>
+                <dgm:constr type="diam" for="ch" forName="cycle" refType="h" fact="1.344"/>
+                <dgm:constr type="h" for="ch" forName="accent_1" refType="h" fact="0.1563"/>
+                <dgm:constr type="w" for="ch" forName="accent_1" refType="h" refFor="ch" refForName="accent_1" op="equ"/>
+                <dgm:constr type="ctrY" for="ch" forName="accent_1" refType="h" fact="0.125"/>
+                <dgm:constr type="ctrX" for="ch" forName="accent_1" refType="w"/>
+                <dgm:constr type="ctrXOff" for="ch" forName="accent_1" refType="h" fact="-0.1082"/>
+                <dgm:constr type="r" for="ch" forName="text_1" refType="ctrX" refFor="ch" refForName="accent_1"/>
+                <dgm:constr type="rOff" for="ch" forName="text_1" refType="ctrXOff" refFor="ch" refForName="accent_1"/>
+                <dgm:constr type="l" for="ch" forName="text_1"/>
+                <dgm:constr type="w" for="ch" forName="text_1" refType="h" refFor="ch" refForName="text_1" op="gte"/>
+                <dgm:constr type="h" for="ch" forName="text_1" refType="h" refFor="ch" refForName="accent_1" fact="0.8"/>
+                <dgm:constr type="ctrY" for="ch" forName="text_1" refType="ctrY" refFor="ch" refForName="accent_1"/>
+                <dgm:constr type="rMarg" for="ch" forName="text_1" refType="w" refFor="ch" refForName="accent_1" fact="1.8"/>
+                <dgm:constr type="h" for="ch" forName="accent_2" refType="h" fact="0.1563"/>
+                <dgm:constr type="w" for="ch" forName="accent_2" refType="h" refFor="ch" refForName="accent_2" op="equ"/>
+                <dgm:constr type="ctrY" for="ch" forName="accent_2" refType="h" fact="0.3125"/>
+                <dgm:constr type="ctrX" for="ch" forName="accent_2" refType="w"/>
+                <dgm:constr type="ctrXOff" for="ch" forName="accent_2" refType="h" fact="-0.1978"/>
+                <dgm:constr type="r" for="ch" forName="text_2" refType="ctrX" refFor="ch" refForName="accent_2"/>
+                <dgm:constr type="rOff" for="ch" forName="text_2" refType="ctrXOff" refFor="ch" refForName="accent_2"/>
+                <dgm:constr type="l" for="ch" forName="text_2"/>
+                <dgm:constr type="w" for="ch" forName="text_2" refType="h" refFor="ch" refForName="text_2" op="gte"/>
+                <dgm:constr type="h" for="ch" forName="text_2" refType="h" refFor="ch" refForName="accent_2" fact="0.8"/>
+                <dgm:constr type="ctrY" for="ch" forName="text_2" refType="ctrY" refFor="ch" refForName="accent_2"/>
+                <dgm:constr type="rMarg" for="ch" forName="text_2" refType="w" refFor="ch" refForName="accent_2" fact="1.8"/>
+                <dgm:constr type="h" for="ch" forName="accent_3" refType="h" fact="0.1563"/>
+                <dgm:constr type="w" for="ch" forName="accent_3" refType="h" refFor="ch" refForName="accent_3" op="equ"/>
+                <dgm:constr type="ctrY" for="ch" forName="accent_3" refType="h" fact="0.5"/>
+                <dgm:constr type="ctrX" for="ch" forName="accent_3" refType="w"/>
+                <dgm:constr type="ctrXOff" for="ch" forName="accent_3" refType="h" fact="-0.2253"/>
+                <dgm:constr type="r" for="ch" forName="text_3" refType="ctrX" refFor="ch" refForName="accent_3"/>
+                <dgm:constr type="rOff" for="ch" forName="text_3" refType="ctrXOff" refFor="ch" refForName="accent_3"/>
+                <dgm:constr type="l" for="ch" forName="text_3"/>
+                <dgm:constr type="w" for="ch" forName="text_3" refType="h" refFor="ch" refForName="text_3" op="gte"/>
+                <dgm:constr type="h" for="ch" forName="text_3" refType="h" refFor="ch" refForName="accent_3" fact="0.8"/>
+                <dgm:constr type="ctrY" for="ch" forName="text_3" refType="ctrY" refFor="ch" refForName="accent_3"/>
+                <dgm:constr type="rMarg" for="ch" forName="text_3" refType="w" refFor="ch" refForName="accent_3" fact="1.8"/>
+                <dgm:constr type="h" for="ch" forName="accent_4" refType="h" fact="0.1563"/>
+                <dgm:constr type="w" for="ch" forName="accent_4" refType="h" refFor="ch" refForName="accent_4" op="equ"/>
+                <dgm:constr type="ctrY" for="ch" forName="accent_4" refType="h" fact="0.6875"/>
+                <dgm:constr type="ctrX" for="ch" forName="accent_4" refType="w"/>
+                <dgm:constr type="ctrXOff" for="ch" forName="accent_4" refType="h" fact="-0.1978"/>
+                <dgm:constr type="r" for="ch" forName="text_4" refType="ctrX" refFor="ch" refForName="accent_4"/>
+                <dgm:constr type="rOff" for="ch" forName="text_4" refType="ctrXOff" refFor="ch" refForName="accent_4"/>
+                <dgm:constr type="l" for="ch" forName="text_4"/>
+                <dgm:constr type="w" for="ch" forName="text_4" refType="h" refFor="ch" refForName="text_4" op="gte"/>
+                <dgm:constr type="h" for="ch" forName="text_4" refType="h" refFor="ch" refForName="accent_4" fact="0.8"/>
+                <dgm:constr type="ctrY" for="ch" forName="text_4" refType="ctrY" refFor="ch" refForName="accent_4"/>
+                <dgm:constr type="rMarg" for="ch" forName="text_4" refType="w" refFor="ch" refForName="accent_4" fact="1.8"/>
+                <dgm:constr type="h" for="ch" forName="accent_5" refType="h" fact="0.1563"/>
+                <dgm:constr type="w" for="ch" forName="accent_5" refType="h" refFor="ch" refForName="accent_5" op="equ"/>
+                <dgm:constr type="ctrY" for="ch" forName="accent_5" refType="h" fact="0.875"/>
+                <dgm:constr type="ctrX" for="ch" forName="accent_5" refType="w"/>
+                <dgm:constr type="ctrXOff" for="ch" forName="accent_5" refType="h" fact="-0.1082"/>
+                <dgm:constr type="r" for="ch" forName="text_5" refType="ctrX" refFor="ch" refForName="accent_5"/>
+                <dgm:constr type="rOff" for="ch" forName="text_5" refType="ctrXOff" refFor="ch" refForName="accent_5"/>
+                <dgm:constr type="l" for="ch" forName="text_5"/>
+                <dgm:constr type="w" for="ch" forName="text_5" refType="h" refFor="ch" refForName="text_5" op="gte"/>
+                <dgm:constr type="h" for="ch" forName="text_5" refType="h" refFor="ch" refForName="accent_5" fact="0.8"/>
+                <dgm:constr type="ctrY" for="ch" forName="text_5" refType="ctrY" refFor="ch" refForName="accent_5"/>
+                <dgm:constr type="rMarg" for="ch" forName="text_5" refType="w" refFor="ch" refForName="accent_5" fact="1.8"/>
+                <dgm:constr type="primFontSz" for="ch" ptType="node" op="equ" val="65"/>
+              </dgm:constrLst>
+            </dgm:if>
+            <dgm:if name="Name19" axis="ch" ptType="node" func="cnt" op="equ" val="6">
+              <dgm:constrLst>
+                <dgm:constr type="h" for="ch" forName="cycle" refType="h"/>
+                <dgm:constr type="w" for="ch" forName="cycle" refType="h" refFor="ch" refForName="cycle" fact="0.26"/>
+                <dgm:constr type="r" for="ch" forName="cycle" refType="w"/>
+                <dgm:constr type="ctrY" for="ch" forName="cycle" refType="h" fact="0.5"/>
+                <dgm:constr type="diam" for="ch" forName="cycle" refType="h" fact="1.344"/>
+                <dgm:constr type="h" for="ch" forName="accent_1" refType="h" fact="0.1316"/>
+                <dgm:constr type="w" for="ch" forName="accent_1" refType="h" refFor="ch" refForName="accent_1" op="equ"/>
+                <dgm:constr type="ctrY" for="ch" forName="accent_1" refType="h" fact="0.1053"/>
+                <dgm:constr type="ctrX" for="ch" forName="accent_1" refType="w"/>
+                <dgm:constr type="ctrXOff" for="ch" forName="accent_1" refType="h" fact="-0.0943"/>
+                <dgm:constr type="r" for="ch" forName="text_1" refType="ctrX" refFor="ch" refForName="accent_1"/>
+                <dgm:constr type="rOff" for="ch" forName="text_1" refType="ctrXOff" refFor="ch" refForName="accent_1"/>
+                <dgm:constr type="l" for="ch" forName="text_1"/>
+                <dgm:constr type="w" for="ch" forName="text_1" refType="h" refFor="ch" refForName="text_1" op="gte"/>
+                <dgm:constr type="h" for="ch" forName="text_1" refType="h" refFor="ch" refForName="accent_1" fact="0.8"/>
+                <dgm:constr type="ctrY" for="ch" forName="text_1" refType="ctrY" refFor="ch" refForName="accent_1"/>
+                <dgm:constr type="rMarg" for="ch" forName="text_1" refType="w" refFor="ch" refForName="accent_1" fact="1.8"/>
+                <dgm:constr type="h" for="ch" forName="accent_2" refType="h" fact="0.1316"/>
+                <dgm:constr type="w" for="ch" forName="accent_2" refType="h" refFor="ch" refForName="accent_2" op="equ"/>
+                <dgm:constr type="ctrY" for="ch" forName="accent_2" refType="h" fact="0.2632"/>
+                <dgm:constr type="ctrX" for="ch" forName="accent_2" refType="w"/>
+                <dgm:constr type="ctrXOff" for="ch" forName="accent_2" refType="h" fact="-0.1809"/>
+                <dgm:constr type="r" for="ch" forName="text_2" refType="ctrX" refFor="ch" refForName="accent_2"/>
+                <dgm:constr type="rOff" for="ch" forName="text_2" refType="ctrXOff" refFor="ch" refForName="accent_2"/>
+                <dgm:constr type="l" for="ch" forName="text_2"/>
+                <dgm:constr type="w" for="ch" forName="text_2" refType="h" refFor="ch" refForName="text_2" op="gte"/>
+                <dgm:constr type="h" for="ch" forName="text_2" refType="h" refFor="ch" refForName="accent_2" fact="0.8"/>
+                <dgm:constr type="ctrY" for="ch" forName="text_2" refType="ctrY" refFor="ch" refForName="accent_2"/>
+                <dgm:constr type="rMarg" for="ch" forName="text_2" refType="w" refFor="ch" refForName="accent_2" fact="1.8"/>
+                <dgm:constr type="h" for="ch" forName="accent_3" refType="h" fact="0.1316"/>
+                <dgm:constr type="w" for="ch" forName="accent_3" refType="h" refFor="ch" refForName="accent_3" op="equ"/>
+                <dgm:constr type="ctrY" for="ch" forName="accent_3" refType="h" fact="0.4211"/>
+                <dgm:constr type="ctrX" for="ch" forName="accent_3" refType="w"/>
+                <dgm:constr type="ctrXOff" for="ch" forName="accent_3" refType="h" fact="-0.2205"/>
+                <dgm:constr type="r" for="ch" forName="text_3" refType="ctrX" refFor="ch" refForName="accent_3"/>
+                <dgm:constr type="rOff" for="ch" forName="text_3" refType="ctrXOff" refFor="ch" refForName="accent_3"/>
+                <dgm:constr type="l" for="ch" forName="text_3"/>
+                <dgm:constr type="w" for="ch" forName="text_3" refType="h" refFor="ch" refForName="text_3" op="gte"/>
+                <dgm:constr type="h" for="ch" forName="text_3" refType="h" refFor="ch" refForName="accent_3" fact="0.8"/>
+                <dgm:constr type="ctrY" for="ch" forName="text_3" refType="ctrY" refFor="ch" refForName="accent_3"/>
+                <dgm:constr type="rMarg" for="ch" forName="text_3" refType="w" refFor="ch" refForName="accent_3" fact="1.8"/>
+                <dgm:constr type="h" for="ch" forName="accent_4" refType="h" fact="0.1316"/>
+                <dgm:constr type="w" for="ch" forName="accent_4" refType="h" refFor="ch" refForName="accent_4" op="equ"/>
+                <dgm:constr type="ctrY" for="ch" forName="accent_4" refType="h" fact="0.5789"/>
+                <dgm:constr type="ctrX" for="ch" forName="accent_4" refType="w"/>
+                <dgm:constr type="ctrXOff" for="ch" forName="accent_4" refType="h" fact="-0.2205"/>
+                <dgm:constr type="r" for="ch" forName="text_4" refType="ctrX" refFor="ch" refForName="accent_4"/>
+                <dgm:constr type="rOff" for="ch" forName="text_4" refType="ctrXOff" refFor="ch" refForName="accent_4"/>
+                <dgm:constr type="l" for="ch" forName="text_4"/>
+                <dgm:constr type="w" for="ch" forName="text_4" refType="h" refFor="ch" refForName="text_4" op="gte"/>
+                <dgm:constr type="h" for="ch" forName="text_4" refType="h" refFor="ch" refForName="accent_4" fact="0.8"/>
+                <dgm:constr type="ctrY" for="ch" forName="text_4" refType="ctrY" refFor="ch" refForName="accent_4"/>
+                <dgm:constr type="rMarg" for="ch" forName="text_4" refType="w" refFor="ch" refForName="accent_4" fact="1.8"/>
+                <dgm:constr type="h" for="ch" forName="accent_5" refType="h" fact="0.1316"/>
+                <dgm:constr type="w" for="ch" forName="accent_5" refType="h" refFor="ch" refForName="accent_5" op="equ"/>
+                <dgm:constr type="ctrY" for="ch" forName="accent_5" refType="h" fact="0.7368"/>
+                <dgm:constr type="ctrX" for="ch" forName="accent_5" refType="w"/>
+                <dgm:constr type="ctrXOff" for="ch" forName="accent_5" refType="h" fact="-0.1809"/>
+                <dgm:constr type="r" for="ch" forName="text_5" refType="ctrX" refFor="ch" refForName="accent_5"/>
+                <dgm:constr type="rOff" for="ch" forName="text_5" refType="ctrXOff" refFor="ch" refForName="accent_5"/>
+                <dgm:constr type="l" for="ch" forName="text_5"/>
+                <dgm:constr type="w" for="ch" forName="text_5" refType="h" refFor="ch" refForName="text_5" op="gte"/>
+                <dgm:constr type="h" for="ch" forName="text_5" refType="h" refFor="ch" refForName="accent_5" fact="0.8"/>
+                <dgm:constr type="ctrY" for="ch" forName="text_5" refType="ctrY" refFor="ch" refForName="accent_5"/>
+                <dgm:constr type="rMarg" for="ch" forName="text_5" refType="w" refFor="ch" refForName="accent_5" fact="1.8"/>
+                <dgm:constr type="h" for="ch" forName="accent_6" refType="h" fact="0.1316"/>
+                <dgm:constr type="w" for="ch" forName="accent_6" refType="h" refFor="ch" refForName="accent_6" op="equ"/>
+                <dgm:constr type="ctrY" for="ch" forName="accent_6" refType="h" fact="0.8947"/>
+                <dgm:constr type="ctrX" for="ch" forName="accent_6" refType="w"/>
+                <dgm:constr type="ctrXOff" for="ch" forName="accent_6" refType="h" fact="-0.0943"/>
+                <dgm:constr type="r" for="ch" forName="text_6" refType="ctrX" refFor="ch" refForName="accent_6"/>
+                <dgm:constr type="rOff" for="ch" forName="text_6" refType="ctrXOff" refFor="ch" refForName="accent_6"/>
+                <dgm:constr type="l" for="ch" forName="text_6"/>
+                <dgm:constr type="w" for="ch" forName="text_6" refType="h" refFor="ch" refForName="text_6" op="gte"/>
+                <dgm:constr type="h" for="ch" forName="text_6" refType="h" refFor="ch" refForName="accent_6" fact="0.8"/>
+                <dgm:constr type="ctrY" for="ch" forName="text_6" refType="ctrY" refFor="ch" refForName="accent_6"/>
+                <dgm:constr type="rMarg" for="ch" forName="text_6" refType="w" refFor="ch" refForName="accent_6" fact="1.8"/>
+                <dgm:constr type="primFontSz" for="ch" ptType="node" op="equ" val="65"/>
+              </dgm:constrLst>
+            </dgm:if>
+            <dgm:else name="Name20">
+              <dgm:constrLst>
+                <dgm:constr type="h" for="ch" forName="cycle" refType="h"/>
+                <dgm:constr type="w" for="ch" forName="cycle" refType="h" refFor="ch" refForName="cycle" fact="0.26"/>
+                <dgm:constr type="r" for="ch" forName="cycle" refType="w"/>
+                <dgm:constr type="ctrY" for="ch" forName="cycle" refType="h" fact="0.5"/>
+                <dgm:constr type="diam" for="ch" forName="cycle" refType="h" fact="1.344"/>
+                <dgm:constr type="h" for="ch" forName="accent_1" refType="h" fact="0.1136"/>
+                <dgm:constr type="w" for="ch" forName="accent_1" refType="h" refFor="ch" refForName="accent_1" op="equ"/>
+                <dgm:constr type="ctrY" for="ch" forName="accent_1" refType="h" fact="0.0909"/>
+                <dgm:constr type="ctrX" for="ch" forName="accent_1" refType="w"/>
+                <dgm:constr type="ctrXOff" for="ch" forName="accent_1" refType="h" fact="-0.0835"/>
+                <dgm:constr type="r" for="ch" forName="text_1" refType="ctrX" refFor="ch" refForName="accent_1"/>
+                <dgm:constr type="rOff" for="ch" forName="text_1" refType="ctrXOff" refFor="ch" refForName="accent_1"/>
+                <dgm:constr type="l" for="ch" forName="text_1"/>
+                <dgm:constr type="w" for="ch" forName="text_1" refType="h" refFor="ch" refForName="text_1" op="gte"/>
+                <dgm:constr type="h" for="ch" forName="text_1" refType="h" refFor="ch" refForName="accent_1" fact="0.8"/>
+                <dgm:constr type="ctrY" for="ch" forName="text_1" refType="ctrY" refFor="ch" refForName="accent_1"/>
+                <dgm:constr type="rMarg" for="ch" forName="text_1" refType="w" refFor="ch" refForName="accent_1" fact="1.8"/>
+                <dgm:constr type="h" for="ch" forName="accent_2" refType="h" fact="0.1136"/>
+                <dgm:constr type="w" for="ch" forName="accent_2" refType="h" refFor="ch" refForName="accent_2" op="equ"/>
+                <dgm:constr type="ctrY" for="ch" forName="accent_2" refType="h" fact="0.2273"/>
+                <dgm:constr type="ctrX" for="ch" forName="accent_2" refType="w"/>
+                <dgm:constr type="ctrXOff" for="ch" forName="accent_2" refType="h" fact="-0.1658"/>
+                <dgm:constr type="r" for="ch" forName="text_2" refType="ctrX" refFor="ch" refForName="accent_2"/>
+                <dgm:constr type="rOff" for="ch" forName="text_2" refType="ctrXOff" refFor="ch" refForName="accent_2"/>
+                <dgm:constr type="l" for="ch" forName="text_2"/>
+                <dgm:constr type="w" for="ch" forName="text_2" refType="h" refFor="ch" refForName="text_2" op="gte"/>
+                <dgm:constr type="h" for="ch" forName="text_2" refType="h" refFor="ch" refForName="accent_2" fact="0.8"/>
+                <dgm:constr type="ctrY" for="ch" forName="text_2" refType="ctrY" refFor="ch" refForName="accent_2"/>
+                <dgm:constr type="rMarg" for="ch" forName="text_2" refType="w" refFor="ch" refForName="accent_2" fact="1.8"/>
+                <dgm:constr type="h" for="ch" forName="accent_3" refType="h" fact="0.1136"/>
+                <dgm:constr type="w" for="ch" forName="accent_3" refType="h" refFor="ch" refForName="accent_3" op="equ"/>
+                <dgm:constr type="ctrY" for="ch" forName="accent_3" refType="h" fact="0.3636"/>
+                <dgm:constr type="ctrX" for="ch" forName="accent_3" refType="w"/>
+                <dgm:constr type="ctrXOff" for="ch" forName="accent_3" refType="h" fact="-0.2109"/>
+                <dgm:constr type="r" for="ch" forName="text_3" refType="ctrX" refFor="ch" refForName="accent_3"/>
+                <dgm:constr type="rOff" for="ch" forName="text_3" refType="ctrXOff" refFor="ch" refForName="accent_3"/>
+                <dgm:constr type="l" for="ch" forName="text_3"/>
+                <dgm:constr type="w" for="ch" forName="text_3" refType="h" refFor="ch" refForName="text_3" op="gte"/>
+                <dgm:constr type="h" for="ch" forName="text_3" refType="h" refFor="ch" refForName="accent_3" fact="0.8"/>
+                <dgm:constr type="ctrY" for="ch" forName="text_3" refType="ctrY" refFor="ch" refForName="accent_3"/>
+                <dgm:constr type="rMarg" for="ch" forName="text_3" refType="w" refFor="ch" refForName="accent_3" fact="1.8"/>
+                <dgm:constr type="h" for="ch" forName="accent_4" refType="h" fact="0.1136"/>
+                <dgm:constr type="w" for="ch" forName="accent_4" refType="h" refFor="ch" refForName="accent_4" op="equ"/>
+                <dgm:constr type="ctrY" for="ch" forName="accent_4" refType="h" fact="0.5"/>
+                <dgm:constr type="ctrX" for="ch" forName="accent_4" refType="w"/>
+                <dgm:constr type="ctrXOff" for="ch" forName="accent_4" refType="h" fact="-0.2253"/>
+                <dgm:constr type="r" for="ch" forName="text_4" refType="ctrX" refFor="ch" refForName="accent_4"/>
+                <dgm:constr type="rOff" for="ch" forName="text_4" refType="ctrXOff" refFor="ch" refForName="accent_4"/>
+                <dgm:constr type="l" for="ch" forName="text_4"/>
+                <dgm:constr type="w" for="ch" forName="text_4" refType="h" refFor="ch" refForName="text_4" op="gte"/>
+                <dgm:constr type="h" for="ch" forName="text_4" refType="h" refFor="ch" refForName="accent_4" fact="0.8"/>
+                <dgm:constr type="ctrY" for="ch" forName="text_4" refType="ctrY" refFor="ch" refForName="accent_4"/>
+                <dgm:constr type="rMarg" for="ch" forName="text_4" refType="w" refFor="ch" refForName="accent_4" fact="1.8"/>
+                <dgm:constr type="h" for="ch" forName="accent_5" refType="h" fact="0.1136"/>
+                <dgm:constr type="w" for="ch" forName="accent_5" refType="h" refFor="ch" refForName="accent_5" op="equ"/>
+                <dgm:constr type="ctrY" for="ch" forName="accent_5" refType="h" fact="0.6364"/>
+                <dgm:constr type="ctrX" for="ch" forName="accent_5" refType="w"/>
+                <dgm:constr type="ctrXOff" for="ch" forName="accent_5" refType="h" fact="-0.2109"/>
+                <dgm:constr type="r" for="ch" forName="text_5" refType="ctrX" refFor="ch" refForName="accent_5"/>
+                <dgm:constr type="rOff" for="ch" forName="text_5" refType="ctrXOff" refFor="ch" refForName="accent_5"/>
+                <dgm:constr type="l" for="ch" forName="text_5"/>
+                <dgm:constr type="w" for="ch" forName="text_5" refType="h" refFor="ch" refForName="text_5" op="gte"/>
+                <dgm:constr type="h" for="ch" forName="text_5" refType="h" refFor="ch" refForName="accent_5" fact="0.8"/>
+                <dgm:constr type="ctrY" for="ch" forName="text_5" refType="ctrY" refFor="ch" refForName="accent_5"/>
+                <dgm:constr type="rMarg" for="ch" forName="text_5" refType="w" refFor="ch" refForName="accent_5" fact="1.8"/>
+                <dgm:constr type="h" for="ch" forName="accent_6" refType="h" fact="0.1136"/>
+                <dgm:constr type="w" for="ch" forName="accent_6" refType="h" refFor="ch" refForName="accent_6" op="equ"/>
+                <dgm:constr type="ctrY" for="ch" forName="accent_6" refType="h" fact="0.7727"/>
+                <dgm:constr type="ctrX" for="ch" forName="accent_6" refType="w"/>
+                <dgm:constr type="ctrXOff" for="ch" forName="accent_6" refType="h" fact="-0.1658"/>
+                <dgm:constr type="r" for="ch" forName="text_6" refType="ctrX" refFor="ch" refForName="accent_6"/>
+                <dgm:constr type="rOff" for="ch" forName="text_6" refType="ctrXOff" refFor="ch" refForName="accent_6"/>
+                <dgm:constr type="l" for="ch" forName="text_6"/>
+                <dgm:constr type="w" for="ch" forName="text_6" refType="h" refFor="ch" refForName="text_6" op="gte"/>
+                <dgm:constr type="h" for="ch" forName="text_6" refType="h" refFor="ch" refForName="accent_6" fact="0.8"/>
+                <dgm:constr type="ctrY" for="ch" forName="text_6" refType="ctrY" refFor="ch" refForName="accent_6"/>
+                <dgm:constr type="rMarg" for="ch" forName="text_6" refType="w" refFor="ch" refForName="accent_6" fact="1.8"/>
+                <dgm:constr type="h" for="ch" forName="accent_7" refType="h" fact="0.1136"/>
+                <dgm:constr type="w" for="ch" forName="accent_7" refType="h" refFor="ch" refForName="accent_7" op="equ"/>
+                <dgm:constr type="ctrY" for="ch" forName="accent_7" refType="h" fact="0.9091"/>
+                <dgm:constr type="ctrX" for="ch" forName="accent_7" refType="w"/>
+                <dgm:constr type="ctrXOff" for="ch" forName="accent_7" refType="h" fact="-0.0835"/>
+                <dgm:constr type="r" for="ch" forName="text_7" refType="ctrX" refFor="ch" refForName="accent_7"/>
+                <dgm:constr type="rOff" for="ch" forName="text_7" refType="ctrXOff" refFor="ch" refForName="accent_7"/>
+                <dgm:constr type="l" for="ch" forName="text_7"/>
+                <dgm:constr type="w" for="ch" forName="text_7" refType="h" refFor="ch" refForName="text_7" op="gte"/>
+                <dgm:constr type="h" for="ch" forName="text_7" refType="h" refFor="ch" refForName="accent_7" fact="0.8"/>
+                <dgm:constr type="ctrY" for="ch" forName="text_7" refType="ctrY" refFor="ch" refForName="accent_7"/>
+                <dgm:constr type="rMarg" for="ch" forName="text_7" refType="w" refFor="ch" refForName="accent_7" fact="1.8"/>
+                <dgm:constr type="primFontSz" for="ch" ptType="node" op="equ" val="65"/>
+              </dgm:constrLst>
+            </dgm:else>
+          </dgm:choose>
+        </dgm:else>
+      </dgm:choose>
+      <dgm:layoutNode name="cycle">
+        <dgm:choose name="Name21">
+          <dgm:if name="Name22" func="var" arg="dir" op="equ" val="norm">
+            <dgm:alg type="cycle">
+              <dgm:param type="stAng" val="45"/>
+              <dgm:param type="spanAng" val="90"/>
+            </dgm:alg>
+          </dgm:if>
+          <dgm:else name="Name23">
+            <dgm:alg type="cycle">
+              <dgm:param type="stAng" val="225"/>
+              <dgm:param type="spanAng" val="90"/>
+            </dgm:alg>
+          </dgm:else>
+        </dgm:choose>
+        <dgm:shape xmlns:r="http://schemas.openxmlformats.org/officeDocument/2006/relationships" r:blip="">
+          <dgm:adjLst/>
+        </dgm:shape>
+        <dgm:presOf/>
+        <dgm:constrLst>
+          <dgm:constr type="w" for="ch" val="1"/>
+          <dgm:constr type="h" for="ch" val="1"/>
+          <dgm:constr type="diam" for="ch" forName="conn" refType="diam"/>
+        </dgm:constrLst>
+        <dgm:layoutNode name="srcNode">
+          <dgm:alg type="sp"/>
+          <dgm:shape xmlns:r="http://schemas.openxmlformats.org/officeDocument/2006/relationships" type="rect" r:blip="" hideGeom="1">
+            <dgm:adjLst/>
+          </dgm:shape>
+          <dgm:presOf/>
+        </dgm:layoutNode>
+        <dgm:layoutNode name="conn" styleLbl="parChTrans1D2">
+          <dgm:alg type="conn">
+            <dgm:param type="connRout" val="curve"/>
+            <dgm:param type="srcNode" val="srcNode"/>
+            <dgm:param type="dstNode" val="dstNode"/>
+            <dgm:param type="begPts" val="ctr"/>
+            <dgm:param type="endPts" val="ctr"/>
+            <dgm:param type="endSty" val="noArr"/>
+          </dgm:alg>
+          <dgm:shape xmlns:r="http://schemas.openxmlformats.org/officeDocument/2006/relationships" type="conn" r:blip="">
+            <dgm:adjLst/>
+          </dgm:shape>
+          <dgm:presOf axis="desOrSelf" ptType="sibTrans" hideLastTrans="0" st="0" cnt="1"/>
+          <dgm:constrLst>
+            <dgm:constr type="begPad"/>
+            <dgm:constr type="endPad"/>
+          </dgm:constrLst>
+        </dgm:layoutNode>
+        <dgm:layoutNode name="extraNode">
+          <dgm:alg type="sp"/>
+          <dgm:shape xmlns:r="http://schemas.openxmlformats.org/officeDocument/2006/relationships" type="rect" r:blip="" hideGeom="1">
+            <dgm:adjLst/>
+          </dgm:shape>
+          <dgm:presOf/>
+        </dgm:layoutNode>
+        <dgm:layoutNode name="dstNode">
+          <dgm:alg type="sp"/>
+          <dgm:shape xmlns:r="http://schemas.openxmlformats.org/officeDocument/2006/relationships" type="rect" r:blip="" hideGeom="1">
+            <dgm:adjLst/>
+          </dgm:shape>
+          <dgm:presOf/>
+        </dgm:layoutNode>
+      </dgm:layoutNode>
+      <dgm:forEach name="wrapper" axis="self" ptType="parTrans">
+        <dgm:forEach name="wrapper2" axis="self" ptType="sibTrans" st="2">
+          <dgm:forEach name="accentRepeat" axis="self">
+            <dgm:layoutNode name="accentRepeatNode" styleLbl="solidFgAcc1">
+              <dgm:alg type="sp"/>
+              <dgm:shape xmlns:r="http://schemas.openxmlformats.org/officeDocument/2006/relationships" type="ellipse" r:blip="">
+                <dgm:adjLst/>
+              </dgm:shape>
+              <dgm:presOf/>
+            </dgm:layoutNode>
+          </dgm:forEach>
+        </dgm:forEach>
+      </dgm:forEach>
+      <dgm:forEach name="Name24" axis="ch" ptType="node" cnt="1">
+        <dgm:layoutNode name="text_1" styleLbl="node1">
+          <dgm:varLst>
+            <dgm:bulletEnabled val="1"/>
+          </dgm:varLst>
+          <dgm:choose name="Name25">
+            <dgm:if name="Name26" func="var" arg="dir" op="equ" val="norm">
+              <dgm:alg type="tx">
+                <dgm:param type="parTxLTRAlign" val="l"/>
+                <dgm:param type="shpTxLTRAlignCh" val="l"/>
+                <dgm:param type="parTxRTLAlign" val="l"/>
+                <dgm:param type="shpTxRTLAlignCh" val="l"/>
+              </dgm:alg>
+            </dgm:if>
+            <dgm:else name="Name27">
+              <dgm:alg type="tx">
+                <dgm:param type="parTxLTRAlign" val="r"/>
+                <dgm:param type="shpTxLTRAlignCh" val="r"/>
+                <dgm:param type="parTxRTLAlign" val="r"/>
+                <dgm:param type="shpTxRTLAlignCh" val="r"/>
+              </dgm:alg>
+            </dgm:else>
+          </dgm:choose>
+          <dgm:shape xmlns:r="http://schemas.openxmlformats.org/officeDocument/2006/relationships" type="rect" r:blip="">
+            <dgm:adjLst/>
+          </dgm:shape>
+          <dgm:presOf axis="desOrSelf" ptType="node"/>
+          <dgm:constrLst>
+            <dgm:constr type="primFontSz" val="65"/>
+            <dgm:constr type="lMarg" refType="primFontSz" fact="0.2"/>
+            <dgm:constr type="rMarg" refType="primFontSz" fact="0.2"/>
+            <dgm:constr type="tMarg" refType="primFontSz" fact="0.2"/>
+            <dgm:constr type="bMarg" refType="primFontSz" fact="0.2"/>
+          </dgm:constrLst>
+          <dgm:ruleLst>
+            <dgm:rule type="primFontSz" val="5" fact="NaN" max="NaN"/>
+          </dgm:ruleLst>
+        </dgm:layoutNode>
+        <dgm:layoutNode name="accent_1">
+          <dgm:alg type="sp"/>
+          <dgm:shape xmlns:r="http://schemas.openxmlformats.org/officeDocument/2006/relationships" r:blip="">
+            <dgm:adjLst/>
+          </dgm:shape>
+          <dgm:presOf/>
+          <dgm:constrLst/>
+          <dgm:forEach name="Name28" ref="accentRepeat"/>
+        </dgm:layoutNode>
+      </dgm:forEach>
+      <dgm:forEach name="Name29" axis="ch" ptType="node" st="2" cnt="1">
+        <dgm:layoutNode name="text_2" styleLbl="node1">
+          <dgm:varLst>
+            <dgm:bulletEnabled val="1"/>
+          </dgm:varLst>
+          <dgm:choose name="Name30">
+            <dgm:if name="Name31" func="var" arg="dir" op="equ" val="norm">
+              <dgm:alg type="tx">
+                <dgm:param type="parTxLTRAlign" val="l"/>
+                <dgm:param type="shpTxLTRAlignCh" val="l"/>
+                <dgm:param type="parTxRTLAlign" val="l"/>
+                <dgm:param type="shpTxRTLAlignCh" val="l"/>
+              </dgm:alg>
+            </dgm:if>
+            <dgm:else name="Name32">
+              <dgm:alg type="tx">
+                <dgm:param type="parTxLTRAlign" val="r"/>
+                <dgm:param type="shpTxLTRAlignCh" val="r"/>
+                <dgm:param type="parTxRTLAlign" val="r"/>
+                <dgm:param type="shpTxRTLAlignCh" val="r"/>
+              </dgm:alg>
+            </dgm:else>
+          </dgm:choose>
+          <dgm:shape xmlns:r="http://schemas.openxmlformats.org/officeDocument/2006/relationships" type="rect" r:blip="">
+            <dgm:adjLst/>
+          </dgm:shape>
+          <dgm:presOf axis="desOrSelf" ptType="node"/>
+          <dgm:constrLst>
+            <dgm:constr type="primFontSz" val="65"/>
+            <dgm:constr type="lMarg" refType="primFontSz" fact="0.2"/>
+            <dgm:constr type="rMarg" refType="primFontSz" fact="0.2"/>
+            <dgm:constr type="tMarg" refType="primFontSz" fact="0.2"/>
+            <dgm:constr type="bMarg" refType="primFontSz" fact="0.2"/>
+          </dgm:constrLst>
+          <dgm:ruleLst>
+            <dgm:rule type="primFontSz" val="5" fact="NaN" max="NaN"/>
+          </dgm:ruleLst>
+        </dgm:layoutNode>
+        <dgm:layoutNode name="accent_2">
+          <dgm:alg type="sp"/>
+          <dgm:shape xmlns:r="http://schemas.openxmlformats.org/officeDocument/2006/relationships" r:blip="">
+            <dgm:adjLst/>
+          </dgm:shape>
+          <dgm:presOf/>
+          <dgm:constrLst/>
+          <dgm:forEach name="Name33" ref="accentRepeat"/>
+        </dgm:layoutNode>
+      </dgm:forEach>
+      <dgm:forEach name="Name34" axis="ch" ptType="node" st="3" cnt="1">
+        <dgm:layoutNode name="text_3" styleLbl="node1">
+          <dgm:varLst>
+            <dgm:bulletEnabled val="1"/>
+          </dgm:varLst>
+          <dgm:choose name="Name35">
+            <dgm:if name="Name36" func="var" arg="dir" op="equ" val="norm">
+              <dgm:alg type="tx">
+                <dgm:param type="parTxLTRAlign" val="l"/>
+                <dgm:param type="shpTxLTRAlignCh" val="l"/>
+                <dgm:param type="parTxRTLAlign" val="l"/>
+                <dgm:param type="shpTxRTLAlignCh" val="l"/>
+              </dgm:alg>
+            </dgm:if>
+            <dgm:else name="Name37">
+              <dgm:alg type="tx">
+                <dgm:param type="parTxLTRAlign" val="r"/>
+                <dgm:param type="shpTxLTRAlignCh" val="r"/>
+                <dgm:param type="parTxRTLAlign" val="r"/>
+                <dgm:param type="shpTxRTLAlignCh" val="r"/>
+              </dgm:alg>
+            </dgm:else>
+          </dgm:choose>
+          <dgm:shape xmlns:r="http://schemas.openxmlformats.org/officeDocument/2006/relationships" type="rect" r:blip="">
+            <dgm:adjLst/>
+          </dgm:shape>
+          <dgm:presOf axis="desOrSelf" ptType="node"/>
+          <dgm:constrLst>
+            <dgm:constr type="primFontSz" val="65"/>
+            <dgm:constr type="lMarg" refType="primFontSz" fact="0.2"/>
+            <dgm:constr type="rMarg" refType="primFontSz" fact="0.2"/>
+            <dgm:constr type="tMarg" refType="primFontSz" fact="0.2"/>
+            <dgm:constr type="bMarg" refType="primFontSz" fact="0.2"/>
+          </dgm:constrLst>
+          <dgm:ruleLst>
+            <dgm:rule type="primFontSz" val="5" fact="NaN" max="NaN"/>
+          </dgm:ruleLst>
+        </dgm:layoutNode>
+        <dgm:layoutNode name="accent_3">
+          <dgm:alg type="sp"/>
+          <dgm:shape xmlns:r="http://schemas.openxmlformats.org/officeDocument/2006/relationships" r:blip="">
+            <dgm:adjLst/>
+          </dgm:shape>
+          <dgm:presOf/>
+          <dgm:constrLst/>
+          <dgm:forEach name="Name38" ref="accentRepeat"/>
+        </dgm:layoutNode>
+      </dgm:forEach>
+      <dgm:forEach name="Name39" axis="ch" ptType="node" st="4" cnt="1">
+        <dgm:layoutNode name="text_4" styleLbl="node1">
+          <dgm:varLst>
+            <dgm:bulletEnabled val="1"/>
+          </dgm:varLst>
+          <dgm:choose name="Name40">
+            <dgm:if name="Name41" func="var" arg="dir" op="equ" val="norm">
+              <dgm:alg type="tx">
+                <dgm:param type="parTxLTRAlign" val="l"/>
+                <dgm:param type="shpTxLTRAlignCh" val="l"/>
+                <dgm:param type="parTxRTLAlign" val="l"/>
+                <dgm:param type="shpTxRTLAlignCh" val="l"/>
+              </dgm:alg>
+            </dgm:if>
+            <dgm:else name="Name42">
+              <dgm:alg type="tx">
+                <dgm:param type="parTxLTRAlign" val="r"/>
+                <dgm:param type="shpTxLTRAlignCh" val="r"/>
+                <dgm:param type="parTxRTLAlign" val="r"/>
+                <dgm:param type="shpTxRTLAlignCh" val="r"/>
+              </dgm:alg>
+            </dgm:else>
+          </dgm:choose>
+          <dgm:shape xmlns:r="http://schemas.openxmlformats.org/officeDocument/2006/relationships" type="rect" r:blip="">
+            <dgm:adjLst/>
+          </dgm:shape>
+          <dgm:presOf axis="desOrSelf" ptType="node"/>
+          <dgm:constrLst>
+            <dgm:constr type="primFontSz" val="65"/>
+            <dgm:constr type="lMarg" refType="primFontSz" fact="0.2"/>
+            <dgm:constr type="rMarg" refType="primFontSz" fact="0.2"/>
+            <dgm:constr type="tMarg" refType="primFontSz" fact="0.2"/>
+            <dgm:constr type="bMarg" refType="primFontSz" fact="0.2"/>
+          </dgm:constrLst>
+          <dgm:ruleLst>
+            <dgm:rule type="primFontSz" val="5" fact="NaN" max="NaN"/>
+          </dgm:ruleLst>
+        </dgm:layoutNode>
+        <dgm:layoutNode name="accent_4">
+          <dgm:alg type="sp"/>
+          <dgm:shape xmlns:r="http://schemas.openxmlformats.org/officeDocument/2006/relationships" r:blip="">
+            <dgm:adjLst/>
+          </dgm:shape>
+          <dgm:presOf/>
+          <dgm:constrLst/>
+          <dgm:forEach name="Name43" ref="accentRepeat"/>
+        </dgm:layoutNode>
+      </dgm:forEach>
+      <dgm:forEach name="Name44" axis="ch" ptType="node" st="5" cnt="1">
+        <dgm:layoutNode name="text_5" styleLbl="node1">
+          <dgm:varLst>
+            <dgm:bulletEnabled val="1"/>
+          </dgm:varLst>
+          <dgm:choose name="Name45">
+            <dgm:if name="Name46" func="var" arg="dir" op="equ" val="norm">
+              <dgm:alg type="tx">
+                <dgm:param type="parTxLTRAlign" val="l"/>
+                <dgm:param type="shpTxLTRAlignCh" val="l"/>
+                <dgm:param type="parTxRTLAlign" val="l"/>
+                <dgm:param type="shpTxRTLAlignCh" val="l"/>
+              </dgm:alg>
+            </dgm:if>
+            <dgm:else name="Name47">
+              <dgm:alg type="tx">
+                <dgm:param type="parTxLTRAlign" val="r"/>
+                <dgm:param type="shpTxLTRAlignCh" val="r"/>
+                <dgm:param type="parTxRTLAlign" val="r"/>
+                <dgm:param type="shpTxRTLAlignCh" val="r"/>
+              </dgm:alg>
+            </dgm:else>
+          </dgm:choose>
+          <dgm:shape xmlns:r="http://schemas.openxmlformats.org/officeDocument/2006/relationships" type="rect" r:blip="">
+            <dgm:adjLst/>
+          </dgm:shape>
+          <dgm:presOf axis="desOrSelf" ptType="node"/>
+          <dgm:constrLst>
+            <dgm:constr type="primFontSz" val="65"/>
+            <dgm:constr type="lMarg" refType="primFontSz" fact="0.2"/>
+            <dgm:constr type="rMarg" refType="primFontSz" fact="0.2"/>
+            <dgm:constr type="tMarg" refType="primFontSz" fact="0.2"/>
+            <dgm:constr type="bMarg" refType="primFontSz" fact="0.2"/>
+          </dgm:constrLst>
+          <dgm:ruleLst>
+            <dgm:rule type="primFontSz" val="5" fact="NaN" max="NaN"/>
+          </dgm:ruleLst>
+        </dgm:layoutNode>
+        <dgm:layoutNode name="accent_5">
+          <dgm:alg type="sp"/>
+          <dgm:shape xmlns:r="http://schemas.openxmlformats.org/officeDocument/2006/relationships" r:blip="">
+            <dgm:adjLst/>
+          </dgm:shape>
+          <dgm:presOf/>
+          <dgm:constrLst/>
+          <dgm:forEach name="Name48" ref="accentRepeat"/>
+        </dgm:layoutNode>
+      </dgm:forEach>
+      <dgm:forEach name="Name49" axis="ch" ptType="node" st="6" cnt="1">
+        <dgm:layoutNode name="text_6" styleLbl="node1">
+          <dgm:varLst>
+            <dgm:bulletEnabled val="1"/>
+          </dgm:varLst>
+          <dgm:choose name="Name50">
+            <dgm:if name="Name51" func="var" arg="dir" op="equ" val="norm">
+              <dgm:alg type="tx">
+                <dgm:param type="parTxLTRAlign" val="l"/>
+                <dgm:param type="shpTxLTRAlignCh" val="l"/>
+                <dgm:param type="parTxRTLAlign" val="l"/>
+                <dgm:param type="shpTxRTLAlignCh" val="l"/>
+              </dgm:alg>
+            </dgm:if>
+            <dgm:else name="Name52">
+              <dgm:alg type="tx">
+                <dgm:param type="parTxLTRAlign" val="r"/>
+                <dgm:param type="shpTxLTRAlignCh" val="r"/>
+                <dgm:param type="parTxRTLAlign" val="r"/>
+                <dgm:param type="shpTxRTLAlignCh" val="r"/>
+              </dgm:alg>
+            </dgm:else>
+          </dgm:choose>
+          <dgm:shape xmlns:r="http://schemas.openxmlformats.org/officeDocument/2006/relationships" type="rect" r:blip="">
+            <dgm:adjLst/>
+          </dgm:shape>
+          <dgm:presOf axis="desOrSelf" ptType="node"/>
+          <dgm:constrLst>
+            <dgm:constr type="primFontSz" val="65"/>
+            <dgm:constr type="lMarg" refType="primFontSz" fact="0.2"/>
+            <dgm:constr type="rMarg" refType="primFontSz" fact="0.2"/>
+            <dgm:constr type="tMarg" refType="primFontSz" fact="0.2"/>
+            <dgm:constr type="bMarg" refType="primFontSz" fact="0.2"/>
+          </dgm:constrLst>
+          <dgm:ruleLst>
+            <dgm:rule type="primFontSz" val="5" fact="NaN" max="NaN"/>
+          </dgm:ruleLst>
+        </dgm:layoutNode>
+        <dgm:layoutNode name="accent_6">
+          <dgm:alg type="sp"/>
+          <dgm:shape xmlns:r="http://schemas.openxmlformats.org/officeDocument/2006/relationships" r:blip="">
+            <dgm:adjLst/>
+          </dgm:shape>
+          <dgm:presOf/>
+          <dgm:constrLst/>
+          <dgm:forEach name="Name53" ref="accentRepeat"/>
+        </dgm:layoutNode>
+      </dgm:forEach>
+      <dgm:forEach name="Name54" axis="ch" ptType="node" st="7" cnt="1">
+        <dgm:layoutNode name="text_7" styleLbl="node1">
+          <dgm:varLst>
+            <dgm:bulletEnabled val="1"/>
+          </dgm:varLst>
+          <dgm:choose name="Name55">
+            <dgm:if name="Name56" func="var" arg="dir" op="equ" val="norm">
+              <dgm:alg type="tx">
+                <dgm:param type="parTxLTRAlign" val="l"/>
+                <dgm:param type="shpTxLTRAlignCh" val="l"/>
+                <dgm:param type="parTxRTLAlign" val="l"/>
+                <dgm:param type="shpTxRTLAlignCh" val="l"/>
+              </dgm:alg>
+            </dgm:if>
+            <dgm:else name="Name57">
+              <dgm:alg type="tx">
+                <dgm:param type="parTxLTRAlign" val="r"/>
+                <dgm:param type="shpTxLTRAlignCh" val="r"/>
+                <dgm:param type="parTxRTLAlign" val="r"/>
+                <dgm:param type="shpTxRTLAlignCh" val="r"/>
+              </dgm:alg>
+            </dgm:else>
+          </dgm:choose>
+          <dgm:shape xmlns:r="http://schemas.openxmlformats.org/officeDocument/2006/relationships" type="rect" r:blip="">
+            <dgm:adjLst/>
+          </dgm:shape>
+          <dgm:presOf axis="desOrSelf" ptType="node"/>
+          <dgm:constrLst>
+            <dgm:constr type="primFontSz" val="65"/>
+            <dgm:constr type="lMarg" refType="primFontSz" fact="0.2"/>
+            <dgm:constr type="rMarg" refType="primFontSz" fact="0.2"/>
+            <dgm:constr type="tMarg" refType="primFontSz" fact="0.2"/>
+            <dgm:constr type="bMarg" refType="primFontSz" fact="0.2"/>
+          </dgm:constrLst>
+          <dgm:ruleLst>
+            <dgm:rule type="primFontSz" val="5" fact="NaN" max="NaN"/>
+          </dgm:ruleLst>
+        </dgm:layoutNode>
+        <dgm:layoutNode name="accent_7">
+          <dgm:alg type="sp"/>
+          <dgm:shape xmlns:r="http://schemas.openxmlformats.org/officeDocument/2006/relationships" r:blip="">
+            <dgm:adjLst/>
+          </dgm:shape>
+          <dgm:presOf/>
+          <dgm:constrLst/>
+          <dgm:forEach name="Name58" ref="accentRepeat"/>
+        </dgm:layoutNode>
+      </dgm:forEach>
+    </dgm:layoutNode>
+  </dgm:layoutNode>
+</dgm:layoutDef>
+</file>
+
+<file path=ppt/diagrams/layout2.xml><?xml version="1.0" encoding="utf-8"?>
+<dgm:layoutDef xmlns:dgm="http://schemas.openxmlformats.org/drawingml/2006/diagram" xmlns:a="http://schemas.openxmlformats.org/drawingml/2006/main" uniqueId="urn:microsoft.com/office/officeart/2005/8/layout/default">
+  <dgm:title val=""/>
+  <dgm:desc val=""/>
+  <dgm:catLst>
+    <dgm:cat type="list" pri="400"/>
+  </dgm:catLst>
+  <dgm:sampData>
+    <dgm:dataModel>
+      <dgm:ptLst>
+        <dgm:pt modelId="0" type="doc"/>
+        <dgm:pt modelId="1">
+          <dgm:prSet phldr="1"/>
+        </dgm:pt>
+        <dgm:pt modelId="2">
+          <dgm:prSet phldr="1"/>
+        </dgm:pt>
+        <dgm:pt modelId="3">
+          <dgm:prSet phldr="1"/>
+        </dgm:pt>
+        <dgm:pt modelId="4">
+          <dgm:prSet phldr="1"/>
+        </dgm:pt>
+        <dgm:pt modelId="5">
+          <dgm:prSet phldr="1"/>
+        </dgm:pt>
+      </dgm:ptLst>
+      <dgm:cxnLst>
+        <dgm:cxn modelId="6" srcId="0" destId="1" srcOrd="0" destOrd="0"/>
+        <dgm:cxn modelId="7" srcId="0" destId="2" srcOrd="1" destOrd="0"/>
+        <dgm:cxn modelId="8" srcId="0" destId="3" srcOrd="2" destOrd="0"/>
+        <dgm:cxn modelId="9" srcId="0" destId="4" srcOrd="3" destOrd="0"/>
+        <dgm:cxn modelId="10" srcId="0" destId="5" srcOrd="4" destOrd="0"/>
+      </dgm:cxnLst>
+      <dgm:bg/>
+      <dgm:whole/>
+    </dgm:dataModel>
+  </dgm:sampData>
+  <dgm:styleData>
+    <dgm:dataModel>
+      <dgm:ptLst>
+        <dgm:pt modelId="0" type="doc"/>
+        <dgm:pt modelId="1"/>
+        <dgm:pt modelId="2"/>
+      </dgm:ptLst>
+      <dgm:cxnLst>
+        <dgm:cxn modelId="3" srcId="0" destId="1" srcOrd="0" destOrd="0"/>
+        <dgm:cxn modelId="4" srcId="0" destId="2" srcOrd="1" destOrd="0"/>
+      </dgm:cxnLst>
+      <dgm:bg/>
+      <dgm:whole/>
+    </dgm:dataModel>
+  </dgm:styleData>
+  <dgm:clrData>
+    <dgm:dataModel>
+      <dgm:ptLst>
+        <dgm:pt modelId="0" type="doc"/>
+        <dgm:pt modelId="1"/>
+        <dgm:pt modelId="2"/>
+        <dgm:pt modelId="3"/>
+        <dgm:pt modelId="4"/>
+        <dgm:pt modelId="5"/>
+        <dgm:pt modelId="6"/>
+      </dgm:ptLst>
+      <dgm:cxnLst>
+        <dgm:cxn modelId="7" srcId="0" destId="1" srcOrd="0" destOrd="0"/>
+        <dgm:cxn modelId="8" srcId="0" destId="2" srcOrd="1" destOrd="0"/>
+        <dgm:cxn modelId="9" srcId="0" destId="3" srcOrd="2" destOrd="0"/>
+        <dgm:cxn modelId="10" srcId="0" destId="4" srcOrd="3" destOrd="0"/>
+        <dgm:cxn modelId="11" srcId="0" destId="5" srcOrd="4" destOrd="0"/>
+        <dgm:cxn modelId="12" srcId="0" destId="6" srcOrd="5" destOrd="0"/>
+      </dgm:cxnLst>
+      <dgm:bg/>
+      <dgm:whole/>
+    </dgm:dataModel>
+  </dgm:clrData>
+  <dgm:layoutNode name="diagram">
+    <dgm:varLst>
+      <dgm:dir/>
+      <dgm:resizeHandles val="exact"/>
+    </dgm:varLst>
+    <dgm:choose name="Name0">
+      <dgm:if name="Name1" func="var" arg="dir" op="equ" val="norm">
+        <dgm:alg type="snake">
+          <dgm:param type="grDir" val="tL"/>
+          <dgm:param type="flowDir" val="row"/>
+          <dgm:param type="contDir" val="sameDir"/>
+          <dgm:param type="off" val="ctr"/>
+        </dgm:alg>
+      </dgm:if>
+      <dgm:else name="Name2">
+        <dgm:alg type="snake">
+          <dgm:param type="grDir" val="tR"/>
+          <dgm:param type="flowDir" val="row"/>
+          <dgm:param type="contDir" val="sameDir"/>
+          <dgm:param type="off" val="ctr"/>
+        </dgm:alg>
+      </dgm:else>
+    </dgm:choose>
+    <dgm:shape xmlns:r="http://schemas.openxmlformats.org/officeDocument/2006/relationships" r:blip="">
+      <dgm:adjLst/>
+    </dgm:shape>
+    <dgm:presOf/>
+    <dgm:constrLst>
+      <dgm:constr type="w" for="ch" forName="node" refType="w"/>
+      <dgm:constr type="h" for="ch" forName="node" refType="w" refFor="ch" refForName="node" fact="0.6"/>
+      <dgm:constr type="w" for="ch" forName="sibTrans" refType="w" refFor="ch" refForName="node" fact="0.1"/>
+      <dgm:constr type="sp" refType="w" refFor="ch" refForName="sibTrans"/>
+      <dgm:constr type="primFontSz" for="ch" forName="node" op="equ" val="65"/>
+    </dgm:constrLst>
+    <dgm:ruleLst/>
+    <dgm:forEach name="Name3" axis="ch" ptType="node">
+      <dgm:layoutNode name="node">
+        <dgm:varLst>
+          <dgm:bulletEnabled val="1"/>
+        </dgm:varLst>
+        <dgm:alg type="tx"/>
+        <dgm:shape xmlns:r="http://schemas.openxmlformats.org/officeDocument/2006/relationships" type="rect" r:blip="">
+          <dgm:adjLst/>
+        </dgm:shape>
+        <dgm:presOf axis="desOrSelf" ptType="node"/>
+        <dgm:constrLst>
+          <dgm:constr type="lMarg" refType="primFontSz" fact="0.3"/>
+          <dgm:constr type="rMarg" refType="primFontSz" fact="0.3"/>
+          <dgm:constr type="tMarg" refType="primFontSz" fact="0.3"/>
+          <dgm:constr type="bMarg" refType="primFontSz" fact="0.3"/>
+        </dgm:constrLst>
+        <dgm:ruleLst>
+          <dgm:rule type="primFontSz" val="5" fact="NaN" max="NaN"/>
+        </dgm:ruleLst>
+      </dgm:layoutNode>
+      <dgm:forEach name="Name4" axis="followSib" ptType="sibTrans" cnt="1">
+        <dgm:layoutNode name="sibTrans">
+          <dgm:alg type="sp"/>
+          <dgm:shape xmlns:r="http://schemas.openxmlformats.org/officeDocument/2006/relationships" r:blip="">
+            <dgm:adjLst/>
+          </dgm:shape>
+          <dgm:presOf/>
+          <dgm:constrLst/>
+          <dgm:ruleLst/>
+        </dgm:layoutNode>
+      </dgm:forEach>
+    </dgm:forEach>
+  </dgm:layoutNode>
+</dgm:layoutDef>
+</file>
+
+<file path=ppt/diagrams/quickStyle1.xml><?xml version="1.0" encoding="utf-8"?>
+<dgm:styleDef xmlns:dgm="http://schemas.openxmlformats.org/drawingml/2006/diagram" xmlns:a="http://schemas.openxmlformats.org/drawingml/2006/main" uniqueId="urn:microsoft.com/office/officeart/2005/8/quickstyle/simple1">
+  <dgm:title val=""/>
+  <dgm:desc val=""/>
+  <dgm:catLst>
+    <dgm:cat type="simple" pri="10100"/>
+  </dgm:catLst>
+  <dgm:scene3d>
+    <a:camera prst="orthographicFront"/>
+    <a:lightRig rig="threePt" dir="t"/>
+  </dgm:scene3d>
+  <dgm:styleLbl name="node0">
+    <dgm:scene3d>
+      <a:camera prst="orthographicFront"/>
+      <a:lightRig rig="threePt" dir="t"/>
+    </dgm:scene3d>
+    <dgm:sp3d/>
+    <dgm:txPr/>
+    <dgm:style>
+      <a:lnRef idx="2">
+        <a:scrgbClr r="0" g="0" b="0"/>
+      </a:lnRef>
+      <a:fillRef idx="1">
+        <a:scrgbClr r="0" g="0" b="0"/>
+      </a:fillRef>
+      <a:effectRef idx="0">
+        <a:scrgbClr r="0" g="0" b="0"/>
+      </a:effectRef>
+      <a:fontRef idx="minor">
+        <a:schemeClr val="lt1"/>
+      </a:fontRef>
+    </dgm:style>
+  </dgm:styleLbl>
+  <dgm:styleLbl name="lnNode1">
+    <dgm:scene3d>
+      <a:camera prst="orthographicFront"/>
+      <a:lightRig rig="threePt" dir="t"/>
+    </dgm:scene3d>
+    <dgm:sp3d/>
+    <dgm:txPr/>
+    <dgm:style>
+      <a:lnRef idx="2">
+        <a:scrgbClr r="0" g="0" b="0"/>
+      </a:lnRef>
+      <a:fillRef idx="1">
+        <a:scrgbClr r="0" g="0" b="0"/>
+      </a:fillRef>
+      <a:effectRef idx="0">
+        <a:scrgbClr r="0" g="0" b="0"/>
+      </a:effectRef>
+      <a:fontRef idx="minor">
+        <a:schemeClr val="lt1"/>
+      </a:fontRef>
+    </dgm:style>
+  </dgm:styleLbl>
+  <dgm:styleLbl name="vennNode1">
+    <dgm:scene3d>
+      <a:camera prst="orthographicFront"/>
+      <a:lightRig rig="threePt" dir="t"/>
+    </dgm:scene3d>
+    <dgm:sp3d/>
+    <dgm:txPr/>
+    <dgm:style>
+      <a:lnRef idx="2">
+        <a:scrgbClr r="0" g="0" b="0"/>
+      </a:lnRef>
+      <a:fillRef idx="1">
+        <a:scrgbClr r="0" g="0" b="0"/>
+      </a:fillRef>
+      <a:effectRef idx="0">
+        <a:scrgbClr r="0" g="0" b="0"/>
+      </a:effectRef>
+      <a:fontRef idx="minor">
+        <a:schemeClr val="tx1"/>
+      </a:fontRef>
+    </dgm:style>
+  </dgm:styleLbl>
+  <dgm:styleLbl name="alignNode1">
+    <dgm:scene3d>
+      <a:camera prst="orthographicFront"/>
+      <a:lightRig rig="threePt" dir="t"/>
+    </dgm:scene3d>
+    <dgm:sp3d/>
+    <dgm:txPr/>
+    <dgm:style>
+      <a:lnRef idx="2">
+        <a:scrgbClr r="0" g="0" b="0"/>
+      </a:lnRef>
+      <a:fillRef idx="1">
+        <a:scrgbClr r="0" g="0" b="0"/>
+      </a:fillRef>
+      <a:effectRef idx="0">
+        <a:scrgbClr r="0" g="0" b="0"/>
+      </a:effectRef>
+      <a:fontRef idx="minor">
+        <a:schemeClr val="lt1"/>
+      </a:fontRef>
+    </dgm:style>
+  </dgm:styleLbl>
+  <dgm:styleLbl name="node1">
+    <dgm:scene3d>
+      <a:camera prst="orthographicFront"/>
+      <a:lightRig rig="threePt" dir="t"/>
+    </dgm:scene3d>
+    <dgm:sp3d/>
+    <dgm:txPr/>
+    <dgm:style>
+      <a:lnRef idx="2">
+        <a:scrgbClr r="0" g="0" b="0"/>
+      </a:lnRef>
+      <a:fillRef idx="1">
+        <a:scrgbClr r="0" g="0" b="0"/>
+      </a:fillRef>
+      <a:effectRef idx="0">
+        <a:scrgbClr r="0" g="0" b="0"/>
+      </a:effectRef>
+      <a:fontRef idx="minor">
+        <a:schemeClr val="lt1"/>
+      </a:fontRef>
+    </dgm:style>
+  </dgm:styleLbl>
+  <dgm:styleLbl name="node2">
+    <dgm:scene3d>
+      <a:camera prst="orthographicFront"/>
+      <a:lightRig rig="threePt" dir="t"/>
+    </dgm:scene3d>
+    <dgm:sp3d/>
+    <dgm:txPr/>
+    <dgm:style>
+      <a:lnRef idx="2">
+        <a:scrgbClr r="0" g="0" b="0"/>
+      </a:lnRef>
+      <a:fillRef idx="1">
+        <a:scrgbClr r="0" g="0" b="0"/>
+      </a:fillRef>
+      <a:effectRef idx="0">
+        <a:scrgbClr r="0" g="0" b="0"/>
+      </a:effectRef>
+      <a:fontRef idx="minor">
+        <a:schemeClr val="lt1"/>
+      </a:fontRef>
+    </dgm:style>
+  </dgm:styleLbl>
+  <dgm:styleLbl name="node3">
+    <dgm:scene3d>
+      <a:camera prst="orthographicFront"/>
+      <a:lightRig rig="threePt" dir="t"/>
+    </dgm:scene3d>
+    <dgm:sp3d/>
+    <dgm:txPr/>
+    <dgm:style>
+      <a:lnRef idx="2">
+        <a:scrgbClr r="0" g="0" b="0"/>
+      </a:lnRef>
+      <a:fillRef idx="1">
+        <a:scrgbClr r="0" g="0" b="0"/>
+      </a:fillRef>
+      <a:effectRef idx="0">
+        <a:scrgbClr r="0" g="0" b="0"/>
+      </a:effectRef>
+      <a:fontRef idx="minor">
+        <a:schemeClr val="lt1"/>
+      </a:fontRef>
+    </dgm:style>
+  </dgm:styleLbl>
+  <dgm:styleLbl name="node4">
+    <dgm:scene3d>
+      <a:camera prst="orthographicFront"/>
+      <a:lightRig rig="threePt" dir="t"/>
+    </dgm:scene3d>
+    <dgm:sp3d/>
+    <dgm:txPr/>
+    <dgm:style>
+      <a:lnRef idx="2">
+        <a:scrgbClr r="0" g="0" b="0"/>
+      </a:lnRef>
+      <a:fillRef idx="1">
+        <a:scrgbClr r="0" g="0" b="0"/>
+      </a:fillRef>
+      <a:effectRef idx="0">
+        <a:scrgbClr r="0" g="0" b="0"/>
+      </a:effectRef>
+      <a:fontRef idx="minor">
+        <a:schemeClr val="lt1"/>
+      </a:fontRef>
+    </dgm:style>
+  </dgm:styleLbl>
+  <dgm:styleLbl name="fgImgPlace1">
+    <dgm:scene3d>
+      <a:camera prst="orthographicFront"/>
+      <a:lightRig rig="threePt" dir="t"/>
+    </dgm:scene3d>
+    <dgm:sp3d/>
+    <dgm:txPr/>
+    <dgm:style>
+      <a:lnRef idx="2">
+        <a:scrgbClr r="0" g="0" b="0"/>
+      </a:lnRef>
+      <a:fillRef idx="1">
+        <a:scrgbClr r="0" g="0" b="0"/>
+      </a:fillRef>
+      <a:effectRef idx="0">
+        <a:scrgbClr r="0" g="0" b="0"/>
+      </a:effectRef>
+      <a:fontRef idx="minor"/>
+    </dgm:style>
+  </dgm:styleLbl>
+  <dgm:styleLbl name="alignImgPlace1">
+    <dgm:scene3d>
+      <a:camera prst="orthographicFront"/>
+      <a:lightRig rig="threePt" dir="t"/>
+    </dgm:scene3d>
+    <dgm:sp3d/>
+    <dgm:txPr/>
+    <dgm:style>
+      <a:lnRef idx="2">
+        <a:scrgbClr r="0" g="0" b="0"/>
+      </a:lnRef>
+      <a:fillRef idx="1">
+        <a:scrgbClr r="0" g="0" b="0"/>
+      </a:fillRef>
+      <a:effectRef idx="0">
+        <a:scrgbClr r="0" g="0" b="0"/>
+      </a:effectRef>
+      <a:fontRef idx="minor"/>
+    </dgm:style>
+  </dgm:styleLbl>
+  <dgm:styleLbl name="bgImgPlace1">
+    <dgm:scene3d>
+      <a:camera prst="orthographicFront"/>
+      <a:lightRig rig="threePt" dir="t"/>
+    </dgm:scene3d>
+    <dgm:sp3d/>
+    <dgm:txPr/>
+    <dgm:style>
+      <a:lnRef idx="2">
+        <a:scrgbClr r="0" g="0" b="0"/>
+      </a:lnRef>
+      <a:fillRef idx="1">
+        <a:scrgbClr r="0" g="0" b="0"/>
+      </a:fillRef>
+      <a:effectRef idx="0">
+        <a:scrgbClr r="0" g="0" b="0"/>
+      </a:effectRef>
+      <a:fontRef idx="minor"/>
+    </dgm:style>
+  </dgm:styleLbl>
+  <dgm:styleLbl name="sibTrans2D1">
+    <dgm:scene3d>
+      <a:camera prst="orthographicFront"/>
+      <a:lightRig rig="threePt" dir="t"/>
+    </dgm:scene3d>
+    <dgm:sp3d/>
+    <dgm:txPr/>
+    <dgm:style>
+      <a:lnRef idx="0">
+        <a:scrgbClr r="0" g="0" b="0"/>
+      </a:lnRef>
+      <a:fillRef idx="1">
+        <a:scrgbClr r="0" g="0" b="0"/>
+      </a:fillRef>
+      <a:effectRef idx="0">
+        <a:scrgbClr r="0" g="0" b="0"/>
+      </a:effectRef>
+      <a:fontRef idx="minor">
+        <a:schemeClr val="lt1"/>
+      </a:fontRef>
+    </dgm:style>
+  </dgm:styleLbl>
+  <dgm:styleLbl name="fgSibTrans2D1">
+    <dgm:scene3d>
+      <a:camera prst="orthographicFront"/>
+      <a:lightRig rig="threePt" dir="t"/>
+    </dgm:scene3d>
+    <dgm:sp3d/>
+    <dgm:txPr/>
+    <dgm:style>
+      <a:lnRef idx="0">
+        <a:scrgbClr r="0" g="0" b="0"/>
+      </a:lnRef>
+      <a:fillRef idx="1">
+        <a:scrgbClr r="0" g="0" b="0"/>
+      </a:fillRef>
+      <a:effectRef idx="0">
+        <a:scrgbClr r="0" g="0" b="0"/>
+      </a:effectRef>
+      <a:fontRef idx="minor">
+        <a:schemeClr val="lt1"/>
+      </a:fontRef>
+    </dgm:style>
+  </dgm:styleLbl>
+  <dgm:styleLbl name="bgSibTrans2D1">
+    <dgm:scene3d>
+      <a:camera prst="orthographicFront"/>
+      <a:lightRig rig="threePt" dir="t"/>
+    </dgm:scene3d>
+    <dgm:sp3d/>
+    <dgm:txPr/>
+    <dgm:style>
+      <a:lnRef idx="0">
+        <a:scrgbClr r="0" g="0" b="0"/>
+      </a:lnRef>
+      <a:fillRef idx="1">
+        <a:scrgbClr r="0" g="0" b="0"/>
+      </a:fillRef>
+      <a:effectRef idx="0">
+        <a:scrgbClr r="0" g="0" b="0"/>
+      </a:effectRef>
+      <a:fontRef idx="minor">
+        <a:schemeClr val="lt1"/>
+      </a:fontRef>
+    </dgm:style>
+  </dgm:styleLbl>
+  <dgm:styleLbl name="sibTrans1D1">
+    <dgm:scene3d>
+      <a:camera prst="orthographicFront"/>
+      <a:lightRig rig="threePt" dir="t"/>
+    </dgm:scene3d>
+    <dgm:sp3d/>
+    <dgm:txPr/>
+    <dgm:style>
+      <a:lnRef idx="1">
+        <a:scrgbClr r="0" g="0" b="0"/>
+      </a:lnRef>
+      <a:fillRef idx="0">
+        <a:scrgbClr r="0" g="0" b="0"/>
+      </a:fillRef>
+      <a:effectRef idx="0">
+        <a:scrgbClr r="0" g="0" b="0"/>
+      </a:effectRef>
+      <a:fontRef idx="minor"/>
+    </dgm:style>
+  </dgm:styleLbl>
+  <dgm:styleLbl name="callout">
+    <dgm:scene3d>
+      <a:camera prst="orthographicFront"/>
+      <a:lightRig rig="threePt" dir="t"/>
+    </dgm:scene3d>
+    <dgm:sp3d/>
+    <dgm:txPr/>
+    <dgm:style>
+      <a:lnRef idx="2">
+        <a:scrgbClr r="0" g="0" b="0"/>
+      </a:lnRef>
+      <a:fillRef idx="1">
+        <a:scrgbClr r="0" g="0" b="0"/>
+      </a:fillRef>
+      <a:effectRef idx="0">
+        <a:scrgbClr r="0" g="0" b="0"/>
+      </a:effectRef>
+      <a:fontRef idx="minor"/>
+    </dgm:style>
+  </dgm:styleLbl>
+  <dgm:styleLbl name="asst0">
+    <dgm:scene3d>
+      <a:camera prst="orthographicFront"/>
+      <a:lightRig rig="threePt" dir="t"/>
+    </dgm:scene3d>
+    <dgm:sp3d/>
+    <dgm:txPr/>
+    <dgm:style>
+      <a:lnRef idx="2">
+        <a:scrgbClr r="0" g="0" b="0"/>
+      </a:lnRef>
+      <a:fillRef idx="1">
+        <a:scrgbClr r="0" g="0" b="0"/>
+      </a:fillRef>
+      <a:effectRef idx="0">
+        <a:scrgbClr r="0" g="0" b="0"/>
+      </a:effectRef>
+      <a:fontRef idx="minor">
+        <a:schemeClr val="lt1"/>
+      </a:fontRef>
+    </dgm:style>
+  </dgm:styleLbl>
+  <dgm:styleLbl name="asst1">
+    <dgm:scene3d>
+      <a:camera prst="orthographicFront"/>
+      <a:lightRig rig="threePt" dir="t"/>
+    </dgm:scene3d>
+    <dgm:sp3d/>
+    <dgm:txPr/>
+    <dgm:style>
+      <a:lnRef idx="2">
+        <a:scrgbClr r="0" g="0" b="0"/>
+      </a:lnRef>
+      <a:fillRef idx="1">
+        <a:scrgbClr r="0" g="0" b="0"/>
+      </a:fillRef>
+      <a:effectRef idx="0">
+        <a:scrgbClr r="0" g="0" b="0"/>
+      </a:effectRef>
+      <a:fontRef idx="minor">
+        <a:schemeClr val="lt1"/>
+      </a:fontRef>
+    </dgm:style>
+  </dgm:styleLbl>
+  <dgm:styleLbl name="asst2">
+    <dgm:scene3d>
+      <a:camera prst="orthographicFront"/>
+      <a:lightRig rig="threePt" dir="t"/>
+    </dgm:scene3d>
+    <dgm:sp3d/>
+    <dgm:txPr/>
+    <dgm:style>
+      <a:lnRef idx="2">
+        <a:scrgbClr r="0" g="0" b="0"/>
+      </a:lnRef>
+      <a:fillRef idx="1">
+        <a:scrgbClr r="0" g="0" b="0"/>
+      </a:fillRef>
+      <a:effectRef idx="0">
+        <a:scrgbClr r="0" g="0" b="0"/>
+      </a:effectRef>
+      <a:fontRef idx="minor">
+        <a:schemeClr val="lt1"/>
+      </a:fontRef>
+    </dgm:style>
+  </dgm:styleLbl>
+  <dgm:styleLbl name="asst3">
+    <dgm:scene3d>
+      <a:camera prst="orthographicFront"/>
+      <a:lightRig rig="threePt" dir="t"/>
+    </dgm:scene3d>
+    <dgm:sp3d/>
+    <dgm:txPr/>
+    <dgm:style>
+      <a:lnRef idx="2">
+        <a:scrgbClr r="0" g="0" b="0"/>
+      </a:lnRef>
+      <a:fillRef idx="1">
+        <a:scrgbClr r="0" g="0" b="0"/>
+      </a:fillRef>
+      <a:effectRef idx="0">
+        <a:scrgbClr r="0" g="0" b="0"/>
+      </a:effectRef>
+      <a:fontRef idx="minor">
+        <a:schemeClr val="lt1"/>
+      </a:fontRef>
+    </dgm:style>
+  </dgm:styleLbl>
+  <dgm:styleLbl name="asst4">
+    <dgm:scene3d>
+      <a:camera prst="orthographicFront"/>
+      <a:lightRig rig="threePt" dir="t"/>
+    </dgm:scene3d>
+    <dgm:sp3d/>
+    <dgm:txPr/>
+    <dgm:style>
+      <a:lnRef idx="2">
+        <a:scrgbClr r="0" g="0" b="0"/>
+      </a:lnRef>
+      <a:fillRef idx="1">
+        <a:scrgbClr r="0" g="0" b="0"/>
+      </a:fillRef>
+      <a:effectRef idx="0">
+        <a:scrgbClr r="0" g="0" b="0"/>
+      </a:effectRef>
+      <a:fontRef idx="minor">
+        <a:schemeClr val="lt1"/>
+      </a:fontRef>
+    </dgm:style>
+  </dgm:styleLbl>
+  <dgm:styleLbl name="parChTrans2D1">
+    <dgm:scene3d>
+      <a:camera prst="orthographicFront"/>
+      <a:lightRig rig="threePt" dir="t"/>
+    </dgm:scene3d>
+    <dgm:sp3d/>
+    <dgm:txPr/>
+    <dgm:style>
+      <a:lnRef idx="2">
+        <a:scrgbClr r="0" g="0" b="0"/>
+      </a:lnRef>
+      <a:fillRef idx="1">
+        <a:scrgbClr r="0" g="0" b="0"/>
+      </a:fillRef>
+      <a:effectRef idx="0">
+        <a:scrgbClr r="0" g="0" b="0"/>
+      </a:effectRef>
+      <a:fontRef idx="minor">
+        <a:schemeClr val="lt1"/>
+      </a:fontRef>
+    </dgm:style>
+  </dgm:styleLbl>
+  <dgm:styleLbl name="parChTrans2D2">
+    <dgm:scene3d>
+      <a:camera prst="orthographicFront"/>
+      <a:lightRig rig="threePt" dir="t"/>
+    </dgm:scene3d>
+    <dgm:sp3d/>
+    <dgm:txPr/>
+    <dgm:style>
+      <a:lnRef idx="2">
+        <a:scrgbClr r="0" g="0" b="0"/>
+      </a:lnRef>
+      <a:fillRef idx="1">
+        <a:scrgbClr r="0" g="0" b="0"/>
+      </a:fillRef>
+      <a:effectRef idx="0">
+        <a:scrgbClr r="0" g="0" b="0"/>
+      </a:effectRef>
+      <a:fontRef idx="minor">
+        <a:schemeClr val="lt1"/>
+      </a:fontRef>
+    </dgm:style>
+  </dgm:styleLbl>
+  <dgm:styleLbl name="parChTrans2D3">
+    <dgm:scene3d>
+      <a:camera prst="orthographicFront"/>
+      <a:lightRig rig="threePt" dir="t"/>
+    </dgm:scene3d>
+    <dgm:sp3d/>
+    <dgm:txPr/>
+    <dgm:style>
+      <a:lnRef idx="2">
+        <a:scrgbClr r="0" g="0" b="0"/>
+      </a:lnRef>
+      <a:fillRef idx="1">
+        <a:scrgbClr r="0" g="0" b="0"/>
+      </a:fillRef>
+      <a:effectRef idx="0">
+        <a:scrgbClr r="0" g="0" b="0"/>
+      </a:effectRef>
+      <a:fontRef idx="minor">
+        <a:schemeClr val="lt1"/>
+      </a:fontRef>
+    </dgm:style>
+  </dgm:styleLbl>
+  <dgm:styleLbl name="parChTrans2D4">
+    <dgm:scene3d>
+      <a:camera prst="orthographicFront"/>
+      <a:lightRig rig="threePt" dir="t"/>
+    </dgm:scene3d>
+    <dgm:sp3d/>
+    <dgm:txPr/>
+    <dgm:style>
+      <a:lnRef idx="2">
+        <a:scrgbClr r="0" g="0" b="0"/>
+      </a:lnRef>
+      <a:fillRef idx="1">
+        <a:scrgbClr r="0" g="0" b="0"/>
+      </a:fillRef>
+      <a:effectRef idx="0">
+        <a:scrgbClr r="0" g="0" b="0"/>
+      </a:effectRef>
+      <a:fontRef idx="minor">
+        <a:schemeClr val="lt1"/>
+      </a:fontRef>
+    </dgm:style>
+  </dgm:styleLbl>
+  <dgm:styleLbl name="parChTrans1D1">
+    <dgm:scene3d>
+      <a:camera prst="orthographicFront"/>
+      <a:lightRig rig="threePt" dir="t"/>
+    </dgm:scene3d>
+    <dgm:sp3d/>
+    <dgm:txPr/>
+    <dgm:style>
+      <a:lnRef idx="2">
+        <a:scrgbClr r="0" g="0" b="0"/>
+      </a:lnRef>
+      <a:fillRef idx="0">
+        <a:scrgbClr r="0" g="0" b="0"/>
+      </a:fillRef>
+      <a:effectRef idx="0">
+        <a:scrgbClr r="0" g="0" b="0"/>
+      </a:effectRef>
+      <a:fontRef idx="minor"/>
+    </dgm:style>
+  </dgm:styleLbl>
+  <dgm:styleLbl name="parChTrans1D2">
+    <dgm:scene3d>
+      <a:camera prst="orthographicFront"/>
+      <a:lightRig rig="threePt" dir="t"/>
+    </dgm:scene3d>
+    <dgm:sp3d/>
+    <dgm:txPr/>
+    <dgm:style>
+      <a:lnRef idx="2">
+        <a:scrgbClr r="0" g="0" b="0"/>
+      </a:lnRef>
+      <a:fillRef idx="0">
+        <a:scrgbClr r="0" g="0" b="0"/>
+      </a:fillRef>
+      <a:effectRef idx="0">
+        <a:scrgbClr r="0" g="0" b="0"/>
+      </a:effectRef>
+      <a:fontRef idx="minor"/>
+    </dgm:style>
+  </dgm:styleLbl>
+  <dgm:styleLbl name="parChTrans1D3">
+    <dgm:scene3d>
+      <a:camera prst="orthographicFront"/>
+      <a:lightRig rig="threePt" dir="t"/>
+    </dgm:scene3d>
+    <dgm:sp3d/>
+    <dgm:txPr/>
+    <dgm:style>
+      <a:lnRef idx="2">
+        <a:scrgbClr r="0" g="0" b="0"/>
+      </a:lnRef>
+      <a:fillRef idx="0">
+        <a:scrgbClr r="0" g="0" b="0"/>
+      </a:fillRef>
+      <a:effectRef idx="0">
+        <a:scrgbClr r="0" g="0" b="0"/>
+      </a:effectRef>
+      <a:fontRef idx="minor"/>
+    </dgm:style>
+  </dgm:styleLbl>
+  <dgm:styleLbl name="parChTrans1D4">
+    <dgm:scene3d>
+      <a:camera prst="orthographicFront"/>
+      <a:lightRig rig="threePt" dir="t"/>
+    </dgm:scene3d>
+    <dgm:sp3d/>
+    <dgm:txPr/>
+    <dgm:style>
+      <a:lnRef idx="2">
+        <a:scrgbClr r="0" g="0" b="0"/>
+      </a:lnRef>
+      <a:fillRef idx="0">
+        <a:scrgbClr r="0" g="0" b="0"/>
+      </a:fillRef>
+      <a:effectRef idx="0">
+        <a:scrgbClr r="0" g="0" b="0"/>
+      </a:effectRef>
+      <a:fontRef idx="minor"/>
+    </dgm:style>
+  </dgm:styleLbl>
+  <dgm:styleLbl name="fgAcc1">
+    <dgm:scene3d>
+      <a:camera prst="orthographicFront"/>
+      <a:lightRig rig="threePt" dir="t"/>
+    </dgm:scene3d>
+    <dgm:sp3d/>
+    <dgm:txPr/>
+    <dgm:style>
+      <a:lnRef idx="2">
+        <a:scrgbClr r="0" g="0" b="0"/>
+      </a:lnRef>
+      <a:fillRef idx="1">
+        <a:scrgbClr r="0" g="0" b="0"/>
+      </a:fillRef>
+      <a:effectRef idx="0">
+        <a:scrgbClr r="0" g="0" b="0"/>
+      </a:effectRef>
+      <a:fontRef idx="minor"/>
+    </dgm:style>
+  </dgm:styleLbl>
+  <dgm:styleLbl name="conFgAcc1">
+    <dgm:scene3d>
+      <a:camera prst="orthographicFront"/>
+      <a:lightRig rig="threePt" dir="t"/>
+    </dgm:scene3d>
+    <dgm:sp3d/>
+    <dgm:txPr/>
+    <dgm:style>
+      <a:lnRef idx="2">
+        <a:scrgbClr r="0" g="0" b="0"/>
+      </a:lnRef>
+      <a:fillRef idx="1">
+        <a:scrgbClr r="0" g="0" b="0"/>
+      </a:fillRef>
+      <a:effectRef idx="0">
+        <a:scrgbClr r="0" g="0" b="0"/>
+      </a:effectRef>
+      <a:fontRef idx="minor"/>
+    </dgm:style>
+  </dgm:styleLbl>
+  <dgm:styleLbl name="alignAcc1">
+    <dgm:scene3d>
+      <a:camera prst="orthographicFront"/>
+      <a:lightRig rig="threePt" dir="t"/>
+    </dgm:scene3d>
+    <dgm:sp3d/>
+    <dgm:txPr/>
+    <dgm:style>
+      <a:lnRef idx="2">
+        <a:scrgbClr r="0" g="0" b="0"/>
+      </a:lnRef>
+      <a:fillRef idx="1">
+        <a:scrgbClr r="0" g="0" b="0"/>
+      </a:fillRef>
+      <a:effectRef idx="0">
+        <a:scrgbClr r="0" g="0" b="0"/>
+      </a:effectRef>
+      <a:fontRef idx="minor"/>
+    </dgm:style>
+  </dgm:styleLbl>
+  <dgm:styleLbl name="trAlignAcc1">
+    <dgm:scene3d>
+      <a:camera prst="orthographicFront"/>
+      <a:lightRig rig="threePt" dir="t"/>
+    </dgm:scene3d>
+    <dgm:sp3d/>
+    <dgm:txPr/>
+    <dgm:style>
+      <a:lnRef idx="1">
+        <a:scrgbClr r="0" g="0" b="0"/>
+      </a:lnRef>
+      <a:fillRef idx="1">
+        <a:scrgbClr r="0" g="0" b="0"/>
+      </a:fillRef>
+      <a:effectRef idx="0">
+        <a:scrgbClr r="0" g="0" b="0"/>
+      </a:effectRef>
+      <a:fontRef idx="minor"/>
+    </dgm:style>
+  </dgm:styleLbl>
+  <dgm:styleLbl name="bgAcc1">
+    <dgm:scene3d>
+      <a:camera prst="orthographicFront"/>
+      <a:lightRig rig="threePt" dir="t"/>
+    </dgm:scene3d>
+    <dgm:sp3d/>
+    <dgm:txPr/>
+    <dgm:style>
+      <a:lnRef idx="2">
+        <a:scrgbClr r="0" g="0" b="0"/>
+      </a:lnRef>
+      <a:fillRef idx="1">
+        <a:scrgbClr r="0" g="0" b="0"/>
+      </a:fillRef>
+      <a:effectRef idx="0">
+        <a:scrgbClr r="0" g="0" b="0"/>
+      </a:effectRef>
+      <a:fontRef idx="minor"/>
+    </dgm:style>
+  </dgm:styleLbl>
+  <dgm:styleLbl name="solidFgAcc1">
+    <dgm:scene3d>
+      <a:camera prst="orthographicFront"/>
+      <a:lightRig rig="threePt" dir="t"/>
+    </dgm:scene3d>
+    <dgm:sp3d/>
+    <dgm:txPr/>
+    <dgm:style>
+      <a:lnRef idx="2">
+        <a:scrgbClr r="0" g="0" b="0"/>
+      </a:lnRef>
+      <a:fillRef idx="1">
+        <a:scrgbClr r="0" g="0" b="0"/>
+      </a:fillRef>
+      <a:effectRef idx="0">
+        <a:scrgbClr r="0" g="0" b="0"/>
+      </a:effectRef>
+      <a:fontRef idx="minor"/>
+    </dgm:style>
+  </dgm:styleLbl>
+  <dgm:styleLbl name="solidAlignAcc1">
+    <dgm:scene3d>
+      <a:camera prst="orthographicFront"/>
+      <a:lightRig rig="threePt" dir="t"/>
+    </dgm:scene3d>
+    <dgm:sp3d/>
+    <dgm:txPr/>
+    <dgm:style>
+      <a:lnRef idx="2">
+        <a:scrgbClr r="0" g="0" b="0"/>
+      </a:lnRef>
+      <a:fillRef idx="1">
+        <a:scrgbClr r="0" g="0" b="0"/>
+      </a:fillRef>
+      <a:effectRef idx="0">
+        <a:scrgbClr r="0" g="0" b="0"/>
+      </a:effectRef>
+      <a:fontRef idx="minor"/>
+    </dgm:style>
+  </dgm:styleLbl>
+  <dgm:styleLbl name="solidBgAcc1">
+    <dgm:scene3d>
+      <a:camera prst="orthographicFront"/>
+      <a:lightRig rig="threePt" dir="t"/>
+    </dgm:scene3d>
+    <dgm:sp3d/>
+    <dgm:txPr/>
+    <dgm:style>
+      <a:lnRef idx="2">
+        <a:scrgbClr r="0" g="0" b="0"/>
+      </a:lnRef>
+      <a:fillRef idx="1">
+        <a:scrgbClr r="0" g="0" b="0"/>
+      </a:fillRef>
+      <a:effectRef idx="0">
+        <a:scrgbClr r="0" g="0" b="0"/>
+      </a:effectRef>
+      <a:fontRef idx="minor"/>
+    </dgm:style>
+  </dgm:styleLbl>
+  <dgm:styleLbl name="fgAccFollowNode1">
+    <dgm:scene3d>
+      <a:camera prst="orthographicFront"/>
+      <a:lightRig rig="threePt" dir="t"/>
+    </dgm:scene3d>
+    <dgm:sp3d/>
+    <dgm:txPr/>
+    <dgm:style>
+      <a:lnRef idx="2">
+        <a:scrgbClr r="0" g="0" b="0"/>
+      </a:lnRef>
+      <a:fillRef idx="1">
+        <a:scrgbClr r="0" g="0" b="0"/>
+      </a:fillRef>
+      <a:effectRef idx="0">
+        <a:scrgbClr r="0" g="0" b="0"/>
+      </a:effectRef>
+      <a:fontRef idx="minor"/>
+    </dgm:style>
+  </dgm:styleLbl>
+  <dgm:styleLbl name="alignAccFollowNode1">
+    <dgm:scene3d>
+      <a:camera prst="orthographicFront"/>
+      <a:lightRig rig="threePt" dir="t"/>
+    </dgm:scene3d>
+    <dgm:sp3d/>
+    <dgm:txPr/>
+    <dgm:style>
+      <a:lnRef idx="2">
+        <a:scrgbClr r="0" g="0" b="0"/>
+      </a:lnRef>
+      <a:fillRef idx="1">
+        <a:scrgbClr r="0" g="0" b="0"/>
+      </a:fillRef>
+      <a:effectRef idx="0">
+        <a:scrgbClr r="0" g="0" b="0"/>
+      </a:effectRef>
+      <a:fontRef idx="minor"/>
+    </dgm:style>
+  </dgm:styleLbl>
+  <dgm:styleLbl name="bgAccFollowNode1">
+    <dgm:scene3d>
+      <a:camera prst="orthographicFront"/>
+      <a:lightRig rig="threePt" dir="t"/>
+    </dgm:scene3d>
+    <dgm:sp3d/>
+    <dgm:txPr/>
+    <dgm:style>
+      <a:lnRef idx="2">
+        <a:scrgbClr r="0" g="0" b="0"/>
+      </a:lnRef>
+      <a:fillRef idx="1">
+        <a:scrgbClr r="0" g="0" b="0"/>
+      </a:fillRef>
+      <a:effectRef idx="0">
+        <a:scrgbClr r="0" g="0" b="0"/>
+      </a:effectRef>
+      <a:fontRef idx="minor"/>
+    </dgm:style>
+  </dgm:styleLbl>
+  <dgm:styleLbl name="fgAcc0">
+    <dgm:scene3d>
+      <a:camera prst="orthographicFront"/>
+      <a:lightRig rig="threePt" dir="t"/>
+    </dgm:scene3d>
+    <dgm:sp3d/>
+    <dgm:txPr/>
+    <dgm:style>
+      <a:lnRef idx="2">
+        <a:scrgbClr r="0" g="0" b="0"/>
+      </a:lnRef>
+      <a:fillRef idx="1">
+        <a:scrgbClr r="0" g="0" b="0"/>
+      </a:fillRef>
+      <a:effectRef idx="0">
+        <a:scrgbClr r="0" g="0" b="0"/>
+      </a:effectRef>
+      <a:fontRef idx="minor"/>
+    </dgm:style>
+  </dgm:styleLbl>
+  <dgm:styleLbl name="fgAcc2">
+    <dgm:scene3d>
+      <a:camera prst="orthographicFront"/>
+      <a:lightRig rig="threePt" dir="t"/>
+    </dgm:scene3d>
+    <dgm:sp3d/>
+    <dgm:txPr/>
+    <dgm:style>
+      <a:lnRef idx="2">
+        <a:scrgbClr r="0" g="0" b="0"/>
+      </a:lnRef>
+      <a:fillRef idx="1">
+        <a:scrgbClr r="0" g="0" b="0"/>
+      </a:fillRef>
+      <a:effectRef idx="0">
+        <a:scrgbClr r="0" g="0" b="0"/>
+      </a:effectRef>
+      <a:fontRef idx="minor"/>
+    </dgm:style>
+  </dgm:styleLbl>
+  <dgm:styleLbl name="fgAcc3">
+    <dgm:scene3d>
+      <a:camera prst="orthographicFront"/>
+      <a:lightRig rig="threePt" dir="t"/>
+    </dgm:scene3d>
+    <dgm:sp3d/>
+    <dgm:txPr/>
+    <dgm:style>
+      <a:lnRef idx="2">
+        <a:scrgbClr r="0" g="0" b="0"/>
+      </a:lnRef>
+      <a:fillRef idx="1">
+        <a:scrgbClr r="0" g="0" b="0"/>
+      </a:fillRef>
+      <a:effectRef idx="0">
+        <a:scrgbClr r="0" g="0" b="0"/>
+      </a:effectRef>
+      <a:fontRef idx="minor"/>
+    </dgm:style>
+  </dgm:styleLbl>
+  <dgm:styleLbl name="fgAcc4">
+    <dgm:scene3d>
+      <a:camera prst="orthographicFront"/>
+      <a:lightRig rig="threePt" dir="t"/>
+    </dgm:scene3d>
+    <dgm:sp3d/>
+    <dgm:txPr/>
+    <dgm:style>
+      <a:lnRef idx="2">
+        <a:scrgbClr r="0" g="0" b="0"/>
+      </a:lnRef>
+      <a:fillRef idx="1">
+        <a:scrgbClr r="0" g="0" b="0"/>
+      </a:fillRef>
+      <a:effectRef idx="0">
+        <a:scrgbClr r="0" g="0" b="0"/>
+      </a:effectRef>
+      <a:fontRef idx="minor"/>
+    </dgm:style>
+  </dgm:styleLbl>
+  <dgm:styleLbl name="bgShp">
+    <dgm:scene3d>
+      <a:camera prst="orthographicFront"/>
+      <a:lightRig rig="threePt" dir="t"/>
+    </dgm:scene3d>
+    <dgm:sp3d/>
+    <dgm:txPr/>
+    <dgm:style>
+      <a:lnRef idx="0">
+        <a:scrgbClr r="0" g="0" b="0"/>
+      </a:lnRef>
+      <a:fillRef idx="1">
+        <a:scrgbClr r="0" g="0" b="0"/>
+      </a:fillRef>
+      <a:effectRef idx="0">
+        <a:scrgbClr r="0" g="0" b="0"/>
+      </a:effectRef>
+      <a:fontRef idx="minor"/>
+    </dgm:style>
+  </dgm:styleLbl>
+  <dgm:styleLbl name="dkBgShp">
+    <dgm:scene3d>
+      <a:camera prst="orthographicFront"/>
+      <a:lightRig rig="threePt" dir="t"/>
+    </dgm:scene3d>
+    <dgm:sp3d/>
+    <dgm:txPr/>
+    <dgm:style>
+      <a:lnRef idx="0">
+        <a:scrgbClr r="0" g="0" b="0"/>
+      </a:lnRef>
+      <a:fillRef idx="1">
+        <a:scrgbClr r="0" g="0" b="0"/>
+      </a:fillRef>
+      <a:effectRef idx="0">
+        <a:scrgbClr r="0" g="0" b="0"/>
+      </a:effectRef>
+      <a:fontRef idx="minor"/>
+    </dgm:style>
+  </dgm:styleLbl>
+  <dgm:styleLbl name="trBgShp">
+    <dgm:scene3d>
+      <a:camera prst="orthographicFront"/>
+      <a:lightRig rig="threePt" dir="t"/>
+    </dgm:scene3d>
+    <dgm:sp3d/>
+    <dgm:txPr/>
+    <dgm:style>
+      <a:lnRef idx="0">
+        <a:scrgbClr r="0" g="0" b="0"/>
+      </a:lnRef>
+      <a:fillRef idx="1">
+        <a:scrgbClr r="0" g="0" b="0"/>
+      </a:fillRef>
+      <a:effectRef idx="0">
+        <a:scrgbClr r="0" g="0" b="0"/>
+      </a:effectRef>
+      <a:fontRef idx="minor"/>
+    </dgm:style>
+  </dgm:styleLbl>
+  <dgm:styleLbl name="fgShp">
+    <dgm:scene3d>
+      <a:camera prst="orthographicFront"/>
+      <a:lightRig rig="threePt" dir="t"/>
+    </dgm:scene3d>
+    <dgm:sp3d/>
+    <dgm:txPr/>
+    <dgm:style>
+      <a:lnRef idx="2">
+        <a:scrgbClr r="0" g="0" b="0"/>
+      </a:lnRef>
+      <a:fillRef idx="1">
+        <a:scrgbClr r="0" g="0" b="0"/>
+      </a:fillRef>
+      <a:effectRef idx="0">
+        <a:scrgbClr r="0" g="0" b="0"/>
+      </a:effectRef>
+      <a:fontRef idx="minor"/>
+    </dgm:style>
+  </dgm:styleLbl>
+  <dgm:styleLbl name="revTx">
+    <dgm:scene3d>
+      <a:camera prst="orthographicFront"/>
+      <a:lightRig rig="threePt" dir="t"/>
+    </dgm:scene3d>
+    <dgm:sp3d/>
+    <dgm:txPr/>
+    <dgm:style>
+      <a:lnRef idx="0">
+        <a:scrgbClr r="0" g="0" b="0"/>
+      </a:lnRef>
+      <a:fillRef idx="0">
+        <a:scrgbClr r="0" g="0" b="0"/>
+      </a:fillRef>
+      <a:effectRef idx="0">
+        <a:scrgbClr r="0" g="0" b="0"/>
+      </a:effectRef>
+      <a:fontRef idx="minor"/>
+    </dgm:style>
+  </dgm:styleLbl>
+</dgm:styleDef>
+</file>
+
+<file path=ppt/diagrams/quickStyle2.xml><?xml version="1.0" encoding="utf-8"?>
+<dgm:styleDef xmlns:dgm="http://schemas.openxmlformats.org/drawingml/2006/diagram" xmlns:a="http://schemas.openxmlformats.org/drawingml/2006/main" uniqueId="urn:microsoft.com/office/officeart/2005/8/quickstyle/simple1">
+  <dgm:title val=""/>
+  <dgm:desc val=""/>
+  <dgm:catLst>
+    <dgm:cat type="simple" pri="10100"/>
+  </dgm:catLst>
+  <dgm:scene3d>
+    <a:camera prst="orthographicFront"/>
+    <a:lightRig rig="threePt" dir="t"/>
+  </dgm:scene3d>
+  <dgm:styleLbl name="node0">
+    <dgm:scene3d>
+      <a:camera prst="orthographicFront"/>
+      <a:lightRig rig="threePt" dir="t"/>
+    </dgm:scene3d>
+    <dgm:sp3d/>
+    <dgm:txPr/>
+    <dgm:style>
+      <a:lnRef idx="2">
+        <a:scrgbClr r="0" g="0" b="0"/>
+      </a:lnRef>
+      <a:fillRef idx="1">
+        <a:scrgbClr r="0" g="0" b="0"/>
+      </a:fillRef>
+      <a:effectRef idx="0">
+        <a:scrgbClr r="0" g="0" b="0"/>
+      </a:effectRef>
+      <a:fontRef idx="minor">
+        <a:schemeClr val="lt1"/>
+      </a:fontRef>
+    </dgm:style>
+  </dgm:styleLbl>
+  <dgm:styleLbl name="lnNode1">
+    <dgm:scene3d>
+      <a:camera prst="orthographicFront"/>
+      <a:lightRig rig="threePt" dir="t"/>
+    </dgm:scene3d>
+    <dgm:sp3d/>
+    <dgm:txPr/>
+    <dgm:style>
+      <a:lnRef idx="2">
+        <a:scrgbClr r="0" g="0" b="0"/>
+      </a:lnRef>
+      <a:fillRef idx="1">
+        <a:scrgbClr r="0" g="0" b="0"/>
+      </a:fillRef>
+      <a:effectRef idx="0">
+        <a:scrgbClr r="0" g="0" b="0"/>
+      </a:effectRef>
+      <a:fontRef idx="minor">
+        <a:schemeClr val="lt1"/>
+      </a:fontRef>
+    </dgm:style>
+  </dgm:styleLbl>
+  <dgm:styleLbl name="vennNode1">
+    <dgm:scene3d>
+      <a:camera prst="orthographicFront"/>
+      <a:lightRig rig="threePt" dir="t"/>
+    </dgm:scene3d>
+    <dgm:sp3d/>
+    <dgm:txPr/>
+    <dgm:style>
+      <a:lnRef idx="2">
+        <a:scrgbClr r="0" g="0" b="0"/>
+      </a:lnRef>
+      <a:fillRef idx="1">
+        <a:scrgbClr r="0" g="0" b="0"/>
+      </a:fillRef>
+      <a:effectRef idx="0">
+        <a:scrgbClr r="0" g="0" b="0"/>
+      </a:effectRef>
+      <a:fontRef idx="minor">
+        <a:schemeClr val="tx1"/>
+      </a:fontRef>
+    </dgm:style>
+  </dgm:styleLbl>
+  <dgm:styleLbl name="alignNode1">
+    <dgm:scene3d>
+      <a:camera prst="orthographicFront"/>
+      <a:lightRig rig="threePt" dir="t"/>
+    </dgm:scene3d>
+    <dgm:sp3d/>
+    <dgm:txPr/>
+    <dgm:style>
+      <a:lnRef idx="2">
+        <a:scrgbClr r="0" g="0" b="0"/>
+      </a:lnRef>
+      <a:fillRef idx="1">
+        <a:scrgbClr r="0" g="0" b="0"/>
+      </a:fillRef>
+      <a:effectRef idx="0">
+        <a:scrgbClr r="0" g="0" b="0"/>
+      </a:effectRef>
+      <a:fontRef idx="minor">
+        <a:schemeClr val="lt1"/>
+      </a:fontRef>
+    </dgm:style>
+  </dgm:styleLbl>
+  <dgm:styleLbl name="node1">
+    <dgm:scene3d>
+      <a:camera prst="orthographicFront"/>
+      <a:lightRig rig="threePt" dir="t"/>
+    </dgm:scene3d>
+    <dgm:sp3d/>
+    <dgm:txPr/>
+    <dgm:style>
+      <a:lnRef idx="2">
+        <a:scrgbClr r="0" g="0" b="0"/>
+      </a:lnRef>
+      <a:fillRef idx="1">
+        <a:scrgbClr r="0" g="0" b="0"/>
+      </a:fillRef>
+      <a:effectRef idx="0">
+        <a:scrgbClr r="0" g="0" b="0"/>
+      </a:effectRef>
+      <a:fontRef idx="minor">
+        <a:schemeClr val="lt1"/>
+      </a:fontRef>
+    </dgm:style>
+  </dgm:styleLbl>
+  <dgm:styleLbl name="node2">
+    <dgm:scene3d>
+      <a:camera prst="orthographicFront"/>
+      <a:lightRig rig="threePt" dir="t"/>
+    </dgm:scene3d>
+    <dgm:sp3d/>
+    <dgm:txPr/>
+    <dgm:style>
+      <a:lnRef idx="2">
+        <a:scrgbClr r="0" g="0" b="0"/>
+      </a:lnRef>
+      <a:fillRef idx="1">
+        <a:scrgbClr r="0" g="0" b="0"/>
+      </a:fillRef>
+      <a:effectRef idx="0">
+        <a:scrgbClr r="0" g="0" b="0"/>
+      </a:effectRef>
+      <a:fontRef idx="minor">
+        <a:schemeClr val="lt1"/>
+      </a:fontRef>
+    </dgm:style>
+  </dgm:styleLbl>
+  <dgm:styleLbl name="node3">
+    <dgm:scene3d>
+      <a:camera prst="orthographicFront"/>
+      <a:lightRig rig="threePt" dir="t"/>
+    </dgm:scene3d>
+    <dgm:sp3d/>
+    <dgm:txPr/>
+    <dgm:style>
+      <a:lnRef idx="2">
+        <a:scrgbClr r="0" g="0" b="0"/>
+      </a:lnRef>
+      <a:fillRef idx="1">
+        <a:scrgbClr r="0" g="0" b="0"/>
+      </a:fillRef>
+      <a:effectRef idx="0">
+        <a:scrgbClr r="0" g="0" b="0"/>
+      </a:effectRef>
+      <a:fontRef idx="minor">
+        <a:schemeClr val="lt1"/>
+      </a:fontRef>
+    </dgm:style>
+  </dgm:styleLbl>
+  <dgm:styleLbl name="node4">
+    <dgm:scene3d>
+      <a:camera prst="orthographicFront"/>
+      <a:lightRig rig="threePt" dir="t"/>
+    </dgm:scene3d>
+    <dgm:sp3d/>
+    <dgm:txPr/>
+    <dgm:style>
+      <a:lnRef idx="2">
+        <a:scrgbClr r="0" g="0" b="0"/>
+      </a:lnRef>
+      <a:fillRef idx="1">
+        <a:scrgbClr r="0" g="0" b="0"/>
+      </a:fillRef>
+      <a:effectRef idx="0">
+        <a:scrgbClr r="0" g="0" b="0"/>
+      </a:effectRef>
+      <a:fontRef idx="minor">
+        <a:schemeClr val="lt1"/>
+      </a:fontRef>
+    </dgm:style>
+  </dgm:styleLbl>
+  <dgm:styleLbl name="fgImgPlace1">
+    <dgm:scene3d>
+      <a:camera prst="orthographicFront"/>
+      <a:lightRig rig="threePt" dir="t"/>
+    </dgm:scene3d>
+    <dgm:sp3d/>
+    <dgm:txPr/>
+    <dgm:style>
+      <a:lnRef idx="2">
+        <a:scrgbClr r="0" g="0" b="0"/>
+      </a:lnRef>
+      <a:fillRef idx="1">
+        <a:scrgbClr r="0" g="0" b="0"/>
+      </a:fillRef>
+      <a:effectRef idx="0">
+        <a:scrgbClr r="0" g="0" b="0"/>
+      </a:effectRef>
+      <a:fontRef idx="minor"/>
+    </dgm:style>
+  </dgm:styleLbl>
+  <dgm:styleLbl name="alignImgPlace1">
+    <dgm:scene3d>
+      <a:camera prst="orthographicFront"/>
+      <a:lightRig rig="threePt" dir="t"/>
+    </dgm:scene3d>
+    <dgm:sp3d/>
+    <dgm:txPr/>
+    <dgm:style>
+      <a:lnRef idx="2">
+        <a:scrgbClr r="0" g="0" b="0"/>
+      </a:lnRef>
+      <a:fillRef idx="1">
+        <a:scrgbClr r="0" g="0" b="0"/>
+      </a:fillRef>
+      <a:effectRef idx="0">
+        <a:scrgbClr r="0" g="0" b="0"/>
+      </a:effectRef>
+      <a:fontRef idx="minor"/>
+    </dgm:style>
+  </dgm:styleLbl>
+  <dgm:styleLbl name="bgImgPlace1">
+    <dgm:scene3d>
+      <a:camera prst="orthographicFront"/>
+      <a:lightRig rig="threePt" dir="t"/>
+    </dgm:scene3d>
+    <dgm:sp3d/>
+    <dgm:txPr/>
+    <dgm:style>
+      <a:lnRef idx="2">
+        <a:scrgbClr r="0" g="0" b="0"/>
+      </a:lnRef>
+      <a:fillRef idx="1">
+        <a:scrgbClr r="0" g="0" b="0"/>
+      </a:fillRef>
+      <a:effectRef idx="0">
+        <a:scrgbClr r="0" g="0" b="0"/>
+      </a:effectRef>
+      <a:fontRef idx="minor"/>
+    </dgm:style>
+  </dgm:styleLbl>
+  <dgm:styleLbl name="sibTrans2D1">
+    <dgm:scene3d>
+      <a:camera prst="orthographicFront"/>
+      <a:lightRig rig="threePt" dir="t"/>
+    </dgm:scene3d>
+    <dgm:sp3d/>
+    <dgm:txPr/>
+    <dgm:style>
+      <a:lnRef idx="0">
+        <a:scrgbClr r="0" g="0" b="0"/>
+      </a:lnRef>
+      <a:fillRef idx="1">
+        <a:scrgbClr r="0" g="0" b="0"/>
+      </a:fillRef>
+      <a:effectRef idx="0">
+        <a:scrgbClr r="0" g="0" b="0"/>
+      </a:effectRef>
+      <a:fontRef idx="minor">
+        <a:schemeClr val="lt1"/>
+      </a:fontRef>
+    </dgm:style>
+  </dgm:styleLbl>
+  <dgm:styleLbl name="fgSibTrans2D1">
+    <dgm:scene3d>
+      <a:camera prst="orthographicFront"/>
+      <a:lightRig rig="threePt" dir="t"/>
+    </dgm:scene3d>
+    <dgm:sp3d/>
+    <dgm:txPr/>
+    <dgm:style>
+      <a:lnRef idx="0">
+        <a:scrgbClr r="0" g="0" b="0"/>
+      </a:lnRef>
+      <a:fillRef idx="1">
+        <a:scrgbClr r="0" g="0" b="0"/>
+      </a:fillRef>
+      <a:effectRef idx="0">
+        <a:scrgbClr r="0" g="0" b="0"/>
+      </a:effectRef>
+      <a:fontRef idx="minor">
+        <a:schemeClr val="lt1"/>
+      </a:fontRef>
+    </dgm:style>
+  </dgm:styleLbl>
+  <dgm:styleLbl name="bgSibTrans2D1">
+    <dgm:scene3d>
+      <a:camera prst="orthographicFront"/>
+      <a:lightRig rig="threePt" dir="t"/>
+    </dgm:scene3d>
+    <dgm:sp3d/>
+    <dgm:txPr/>
+    <dgm:style>
+      <a:lnRef idx="0">
+        <a:scrgbClr r="0" g="0" b="0"/>
+      </a:lnRef>
+      <a:fillRef idx="1">
+        <a:scrgbClr r="0" g="0" b="0"/>
+      </a:fillRef>
+      <a:effectRef idx="0">
+        <a:scrgbClr r="0" g="0" b="0"/>
+      </a:effectRef>
+      <a:fontRef idx="minor">
+        <a:schemeClr val="lt1"/>
+      </a:fontRef>
+    </dgm:style>
+  </dgm:styleLbl>
+  <dgm:styleLbl name="sibTrans1D1">
+    <dgm:scene3d>
+      <a:camera prst="orthographicFront"/>
+      <a:lightRig rig="threePt" dir="t"/>
+    </dgm:scene3d>
+    <dgm:sp3d/>
+    <dgm:txPr/>
+    <dgm:style>
+      <a:lnRef idx="1">
+        <a:scrgbClr r="0" g="0" b="0"/>
+      </a:lnRef>
+      <a:fillRef idx="0">
+        <a:scrgbClr r="0" g="0" b="0"/>
+      </a:fillRef>
+      <a:effectRef idx="0">
+        <a:scrgbClr r="0" g="0" b="0"/>
+      </a:effectRef>
+      <a:fontRef idx="minor"/>
+    </dgm:style>
+  </dgm:styleLbl>
+  <dgm:styleLbl name="callout">
+    <dgm:scene3d>
+      <a:camera prst="orthographicFront"/>
+      <a:lightRig rig="threePt" dir="t"/>
+    </dgm:scene3d>
+    <dgm:sp3d/>
+    <dgm:txPr/>
+    <dgm:style>
+      <a:lnRef idx="2">
+        <a:scrgbClr r="0" g="0" b="0"/>
+      </a:lnRef>
+      <a:fillRef idx="1">
+        <a:scrgbClr r="0" g="0" b="0"/>
+      </a:fillRef>
+      <a:effectRef idx="0">
+        <a:scrgbClr r="0" g="0" b="0"/>
+      </a:effectRef>
+      <a:fontRef idx="minor"/>
+    </dgm:style>
+  </dgm:styleLbl>
+  <dgm:styleLbl name="asst0">
+    <dgm:scene3d>
+      <a:camera prst="orthographicFront"/>
+      <a:lightRig rig="threePt" dir="t"/>
+    </dgm:scene3d>
+    <dgm:sp3d/>
+    <dgm:txPr/>
+    <dgm:style>
+      <a:lnRef idx="2">
+        <a:scrgbClr r="0" g="0" b="0"/>
+      </a:lnRef>
+      <a:fillRef idx="1">
+        <a:scrgbClr r="0" g="0" b="0"/>
+      </a:fillRef>
+      <a:effectRef idx="0">
+        <a:scrgbClr r="0" g="0" b="0"/>
+      </a:effectRef>
+      <a:fontRef idx="minor">
+        <a:schemeClr val="lt1"/>
+      </a:fontRef>
+    </dgm:style>
+  </dgm:styleLbl>
+  <dgm:styleLbl name="asst1">
+    <dgm:scene3d>
+      <a:camera prst="orthographicFront"/>
+      <a:lightRig rig="threePt" dir="t"/>
+    </dgm:scene3d>
+    <dgm:sp3d/>
+    <dgm:txPr/>
+    <dgm:style>
+      <a:lnRef idx="2">
+        <a:scrgbClr r="0" g="0" b="0"/>
+      </a:lnRef>
+      <a:fillRef idx="1">
+        <a:scrgbClr r="0" g="0" b="0"/>
+      </a:fillRef>
+      <a:effectRef idx="0">
+        <a:scrgbClr r="0" g="0" b="0"/>
+      </a:effectRef>
+      <a:fontRef idx="minor">
+        <a:schemeClr val="lt1"/>
+      </a:fontRef>
+    </dgm:style>
+  </dgm:styleLbl>
+  <dgm:styleLbl name="asst2">
+    <dgm:scene3d>
+      <a:camera prst="orthographicFront"/>
+      <a:lightRig rig="threePt" dir="t"/>
+    </dgm:scene3d>
+    <dgm:sp3d/>
+    <dgm:txPr/>
+    <dgm:style>
+      <a:lnRef idx="2">
+        <a:scrgbClr r="0" g="0" b="0"/>
+      </a:lnRef>
+      <a:fillRef idx="1">
+        <a:scrgbClr r="0" g="0" b="0"/>
+      </a:fillRef>
+      <a:effectRef idx="0">
+        <a:scrgbClr r="0" g="0" b="0"/>
+      </a:effectRef>
+      <a:fontRef idx="minor">
+        <a:schemeClr val="lt1"/>
+      </a:fontRef>
+    </dgm:style>
+  </dgm:styleLbl>
+  <dgm:styleLbl name="asst3">
+    <dgm:scene3d>
+      <a:camera prst="orthographicFront"/>
+      <a:lightRig rig="threePt" dir="t"/>
+    </dgm:scene3d>
+    <dgm:sp3d/>
+    <dgm:txPr/>
+    <dgm:style>
+      <a:lnRef idx="2">
+        <a:scrgbClr r="0" g="0" b="0"/>
+      </a:lnRef>
+      <a:fillRef idx="1">
+        <a:scrgbClr r="0" g="0" b="0"/>
+      </a:fillRef>
+      <a:effectRef idx="0">
+        <a:scrgbClr r="0" g="0" b="0"/>
+      </a:effectRef>
+      <a:fontRef idx="minor">
+        <a:schemeClr val="lt1"/>
+      </a:fontRef>
+    </dgm:style>
+  </dgm:styleLbl>
+  <dgm:styleLbl name="asst4">
+    <dgm:scene3d>
+      <a:camera prst="orthographicFront"/>
+      <a:lightRig rig="threePt" dir="t"/>
+    </dgm:scene3d>
+    <dgm:sp3d/>
+    <dgm:txPr/>
+    <dgm:style>
+      <a:lnRef idx="2">
+        <a:scrgbClr r="0" g="0" b="0"/>
+      </a:lnRef>
+      <a:fillRef idx="1">
+        <a:scrgbClr r="0" g="0" b="0"/>
+      </a:fillRef>
+      <a:effectRef idx="0">
+        <a:scrgbClr r="0" g="0" b="0"/>
+      </a:effectRef>
+      <a:fontRef idx="minor">
+        <a:schemeClr val="lt1"/>
+      </a:fontRef>
+    </dgm:style>
+  </dgm:styleLbl>
+  <dgm:styleLbl name="parChTrans2D1">
+    <dgm:scene3d>
+      <a:camera prst="orthographicFront"/>
+      <a:lightRig rig="threePt" dir="t"/>
+    </dgm:scene3d>
+    <dgm:sp3d/>
+    <dgm:txPr/>
+    <dgm:style>
+      <a:lnRef idx="2">
+        <a:scrgbClr r="0" g="0" b="0"/>
+      </a:lnRef>
+      <a:fillRef idx="1">
+        <a:scrgbClr r="0" g="0" b="0"/>
+      </a:fillRef>
+      <a:effectRef idx="0">
+        <a:scrgbClr r="0" g="0" b="0"/>
+      </a:effectRef>
+      <a:fontRef idx="minor">
+        <a:schemeClr val="lt1"/>
+      </a:fontRef>
+    </dgm:style>
+  </dgm:styleLbl>
+  <dgm:styleLbl name="parChTrans2D2">
+    <dgm:scene3d>
+      <a:camera prst="orthographicFront"/>
+      <a:lightRig rig="threePt" dir="t"/>
+    </dgm:scene3d>
+    <dgm:sp3d/>
+    <dgm:txPr/>
+    <dgm:style>
+      <a:lnRef idx="2">
+        <a:scrgbClr r="0" g="0" b="0"/>
+      </a:lnRef>
+      <a:fillRef idx="1">
+        <a:scrgbClr r="0" g="0" b="0"/>
+      </a:fillRef>
+      <a:effectRef idx="0">
+        <a:scrgbClr r="0" g="0" b="0"/>
+      </a:effectRef>
+      <a:fontRef idx="minor">
+        <a:schemeClr val="lt1"/>
+      </a:fontRef>
+    </dgm:style>
+  </dgm:styleLbl>
+  <dgm:styleLbl name="parChTrans2D3">
+    <dgm:scene3d>
+      <a:camera prst="orthographicFront"/>
+      <a:lightRig rig="threePt" dir="t"/>
+    </dgm:scene3d>
+    <dgm:sp3d/>
+    <dgm:txPr/>
+    <dgm:style>
+      <a:lnRef idx="2">
+        <a:scrgbClr r="0" g="0" b="0"/>
+      </a:lnRef>
+      <a:fillRef idx="1">
+        <a:scrgbClr r="0" g="0" b="0"/>
+      </a:fillRef>
+      <a:effectRef idx="0">
+        <a:scrgbClr r="0" g="0" b="0"/>
+      </a:effectRef>
+      <a:fontRef idx="minor">
+        <a:schemeClr val="lt1"/>
+      </a:fontRef>
+    </dgm:style>
+  </dgm:styleLbl>
+  <dgm:styleLbl name="parChTrans2D4">
+    <dgm:scene3d>
+      <a:camera prst="orthographicFront"/>
+      <a:lightRig rig="threePt" dir="t"/>
+    </dgm:scene3d>
+    <dgm:sp3d/>
+    <dgm:txPr/>
+    <dgm:style>
+      <a:lnRef idx="2">
+        <a:scrgbClr r="0" g="0" b="0"/>
+      </a:lnRef>
+      <a:fillRef idx="1">
+        <a:scrgbClr r="0" g="0" b="0"/>
+      </a:fillRef>
+      <a:effectRef idx="0">
+        <a:scrgbClr r="0" g="0" b="0"/>
+      </a:effectRef>
+      <a:fontRef idx="minor">
+        <a:schemeClr val="lt1"/>
+      </a:fontRef>
+    </dgm:style>
+  </dgm:styleLbl>
+  <dgm:styleLbl name="parChTrans1D1">
+    <dgm:scene3d>
+      <a:camera prst="orthographicFront"/>
+      <a:lightRig rig="threePt" dir="t"/>
+    </dgm:scene3d>
+    <dgm:sp3d/>
+    <dgm:txPr/>
+    <dgm:style>
+      <a:lnRef idx="2">
+        <a:scrgbClr r="0" g="0" b="0"/>
+      </a:lnRef>
+      <a:fillRef idx="0">
+        <a:scrgbClr r="0" g="0" b="0"/>
+      </a:fillRef>
+      <a:effectRef idx="0">
+        <a:scrgbClr r="0" g="0" b="0"/>
+      </a:effectRef>
+      <a:fontRef idx="minor"/>
+    </dgm:style>
+  </dgm:styleLbl>
+  <dgm:styleLbl name="parChTrans1D2">
+    <dgm:scene3d>
+      <a:camera prst="orthographicFront"/>
+      <a:lightRig rig="threePt" dir="t"/>
+    </dgm:scene3d>
+    <dgm:sp3d/>
+    <dgm:txPr/>
+    <dgm:style>
+      <a:lnRef idx="2">
+        <a:scrgbClr r="0" g="0" b="0"/>
+      </a:lnRef>
+      <a:fillRef idx="0">
+        <a:scrgbClr r="0" g="0" b="0"/>
+      </a:fillRef>
+      <a:effectRef idx="0">
+        <a:scrgbClr r="0" g="0" b="0"/>
+      </a:effectRef>
+      <a:fontRef idx="minor"/>
+    </dgm:style>
+  </dgm:styleLbl>
+  <dgm:styleLbl name="parChTrans1D3">
+    <dgm:scene3d>
+      <a:camera prst="orthographicFront"/>
+      <a:lightRig rig="threePt" dir="t"/>
+    </dgm:scene3d>
+    <dgm:sp3d/>
+    <dgm:txPr/>
+    <dgm:style>
+      <a:lnRef idx="2">
+        <a:scrgbClr r="0" g="0" b="0"/>
+      </a:lnRef>
+      <a:fillRef idx="0">
+        <a:scrgbClr r="0" g="0" b="0"/>
+      </a:fillRef>
+      <a:effectRef idx="0">
+        <a:scrgbClr r="0" g="0" b="0"/>
+      </a:effectRef>
+      <a:fontRef idx="minor"/>
+    </dgm:style>
+  </dgm:styleLbl>
+  <dgm:styleLbl name="parChTrans1D4">
+    <dgm:scene3d>
+      <a:camera prst="orthographicFront"/>
+      <a:lightRig rig="threePt" dir="t"/>
+    </dgm:scene3d>
+    <dgm:sp3d/>
+    <dgm:txPr/>
+    <dgm:style>
+      <a:lnRef idx="2">
+        <a:scrgbClr r="0" g="0" b="0"/>
+      </a:lnRef>
+      <a:fillRef idx="0">
+        <a:scrgbClr r="0" g="0" b="0"/>
+      </a:fillRef>
+      <a:effectRef idx="0">
+        <a:scrgbClr r="0" g="0" b="0"/>
+      </a:effectRef>
+      <a:fontRef idx="minor"/>
+    </dgm:style>
+  </dgm:styleLbl>
+  <dgm:styleLbl name="fgAcc1">
+    <dgm:scene3d>
+      <a:camera prst="orthographicFront"/>
+      <a:lightRig rig="threePt" dir="t"/>
+    </dgm:scene3d>
+    <dgm:sp3d/>
+    <dgm:txPr/>
+    <dgm:style>
+      <a:lnRef idx="2">
+        <a:scrgbClr r="0" g="0" b="0"/>
+      </a:lnRef>
+      <a:fillRef idx="1">
+        <a:scrgbClr r="0" g="0" b="0"/>
+      </a:fillRef>
+      <a:effectRef idx="0">
+        <a:scrgbClr r="0" g="0" b="0"/>
+      </a:effectRef>
+      <a:fontRef idx="minor"/>
+    </dgm:style>
+  </dgm:styleLbl>
+  <dgm:styleLbl name="conFgAcc1">
+    <dgm:scene3d>
+      <a:camera prst="orthographicFront"/>
+      <a:lightRig rig="threePt" dir="t"/>
+    </dgm:scene3d>
+    <dgm:sp3d/>
+    <dgm:txPr/>
+    <dgm:style>
+      <a:lnRef idx="2">
+        <a:scrgbClr r="0" g="0" b="0"/>
+      </a:lnRef>
+      <a:fillRef idx="1">
+        <a:scrgbClr r="0" g="0" b="0"/>
+      </a:fillRef>
+      <a:effectRef idx="0">
+        <a:scrgbClr r="0" g="0" b="0"/>
+      </a:effectRef>
+      <a:fontRef idx="minor"/>
+    </dgm:style>
+  </dgm:styleLbl>
+  <dgm:styleLbl name="alignAcc1">
+    <dgm:scene3d>
+      <a:camera prst="orthographicFront"/>
+      <a:lightRig rig="threePt" dir="t"/>
+    </dgm:scene3d>
+    <dgm:sp3d/>
+    <dgm:txPr/>
+    <dgm:style>
+      <a:lnRef idx="2">
+        <a:scrgbClr r="0" g="0" b="0"/>
+      </a:lnRef>
+      <a:fillRef idx="1">
+        <a:scrgbClr r="0" g="0" b="0"/>
+      </a:fillRef>
+      <a:effectRef idx="0">
+        <a:scrgbClr r="0" g="0" b="0"/>
+      </a:effectRef>
+      <a:fontRef idx="minor"/>
+    </dgm:style>
+  </dgm:styleLbl>
+  <dgm:styleLbl name="trAlignAcc1">
+    <dgm:scene3d>
+      <a:camera prst="orthographicFront"/>
+      <a:lightRig rig="threePt" dir="t"/>
+    </dgm:scene3d>
+    <dgm:sp3d/>
+    <dgm:txPr/>
+    <dgm:style>
+      <a:lnRef idx="1">
+        <a:scrgbClr r="0" g="0" b="0"/>
+      </a:lnRef>
+      <a:fillRef idx="1">
+        <a:scrgbClr r="0" g="0" b="0"/>
+      </a:fillRef>
+      <a:effectRef idx="0">
+        <a:scrgbClr r="0" g="0" b="0"/>
+      </a:effectRef>
+      <a:fontRef idx="minor"/>
+    </dgm:style>
+  </dgm:styleLbl>
+  <dgm:styleLbl name="bgAcc1">
+    <dgm:scene3d>
+      <a:camera prst="orthographicFront"/>
+      <a:lightRig rig="threePt" dir="t"/>
+    </dgm:scene3d>
+    <dgm:sp3d/>
+    <dgm:txPr/>
+    <dgm:style>
+      <a:lnRef idx="2">
+        <a:scrgbClr r="0" g="0" b="0"/>
+      </a:lnRef>
+      <a:fillRef idx="1">
+        <a:scrgbClr r="0" g="0" b="0"/>
+      </a:fillRef>
+      <a:effectRef idx="0">
+        <a:scrgbClr r="0" g="0" b="0"/>
+      </a:effectRef>
+      <a:fontRef idx="minor"/>
+    </dgm:style>
+  </dgm:styleLbl>
+  <dgm:styleLbl name="solidFgAcc1">
+    <dgm:scene3d>
+      <a:camera prst="orthographicFront"/>
+      <a:lightRig rig="threePt" dir="t"/>
+    </dgm:scene3d>
+    <dgm:sp3d/>
+    <dgm:txPr/>
+    <dgm:style>
+      <a:lnRef idx="2">
+        <a:scrgbClr r="0" g="0" b="0"/>
+      </a:lnRef>
+      <a:fillRef idx="1">
+        <a:scrgbClr r="0" g="0" b="0"/>
+      </a:fillRef>
+      <a:effectRef idx="0">
+        <a:scrgbClr r="0" g="0" b="0"/>
+      </a:effectRef>
+      <a:fontRef idx="minor"/>
+    </dgm:style>
+  </dgm:styleLbl>
+  <dgm:styleLbl name="solidAlignAcc1">
+    <dgm:scene3d>
+      <a:camera prst="orthographicFront"/>
+      <a:lightRig rig="threePt" dir="t"/>
+    </dgm:scene3d>
+    <dgm:sp3d/>
+    <dgm:txPr/>
+    <dgm:style>
+      <a:lnRef idx="2">
+        <a:scrgbClr r="0" g="0" b="0"/>
+      </a:lnRef>
+      <a:fillRef idx="1">
+        <a:scrgbClr r="0" g="0" b="0"/>
+      </a:fillRef>
+      <a:effectRef idx="0">
+        <a:scrgbClr r="0" g="0" b="0"/>
+      </a:effectRef>
+      <a:fontRef idx="minor"/>
+    </dgm:style>
+  </dgm:styleLbl>
+  <dgm:styleLbl name="solidBgAcc1">
+    <dgm:scene3d>
+      <a:camera prst="orthographicFront"/>
+      <a:lightRig rig="threePt" dir="t"/>
+    </dgm:scene3d>
+    <dgm:sp3d/>
+    <dgm:txPr/>
+    <dgm:style>
+      <a:lnRef idx="2">
+        <a:scrgbClr r="0" g="0" b="0"/>
+      </a:lnRef>
+      <a:fillRef idx="1">
+        <a:scrgbClr r="0" g="0" b="0"/>
+      </a:fillRef>
+      <a:effectRef idx="0">
+        <a:scrgbClr r="0" g="0" b="0"/>
+      </a:effectRef>
+      <a:fontRef idx="minor"/>
+    </dgm:style>
+  </dgm:styleLbl>
+  <dgm:styleLbl name="fgAccFollowNode1">
+    <dgm:scene3d>
+      <a:camera prst="orthographicFront"/>
+      <a:lightRig rig="threePt" dir="t"/>
+    </dgm:scene3d>
+    <dgm:sp3d/>
+    <dgm:txPr/>
+    <dgm:style>
+      <a:lnRef idx="2">
+        <a:scrgbClr r="0" g="0" b="0"/>
+      </a:lnRef>
+      <a:fillRef idx="1">
+        <a:scrgbClr r="0" g="0" b="0"/>
+      </a:fillRef>
+      <a:effectRef idx="0">
+        <a:scrgbClr r="0" g="0" b="0"/>
+      </a:effectRef>
+      <a:fontRef idx="minor"/>
+    </dgm:style>
+  </dgm:styleLbl>
+  <dgm:styleLbl name="alignAccFollowNode1">
+    <dgm:scene3d>
+      <a:camera prst="orthographicFront"/>
+      <a:lightRig rig="threePt" dir="t"/>
+    </dgm:scene3d>
+    <dgm:sp3d/>
+    <dgm:txPr/>
+    <dgm:style>
+      <a:lnRef idx="2">
+        <a:scrgbClr r="0" g="0" b="0"/>
+      </a:lnRef>
+      <a:fillRef idx="1">
+        <a:scrgbClr r="0" g="0" b="0"/>
+      </a:fillRef>
+      <a:effectRef idx="0">
+        <a:scrgbClr r="0" g="0" b="0"/>
+      </a:effectRef>
+      <a:fontRef idx="minor"/>
+    </dgm:style>
+  </dgm:styleLbl>
+  <dgm:styleLbl name="bgAccFollowNode1">
+    <dgm:scene3d>
+      <a:camera prst="orthographicFront"/>
+      <a:lightRig rig="threePt" dir="t"/>
+    </dgm:scene3d>
+    <dgm:sp3d/>
+    <dgm:txPr/>
+    <dgm:style>
+      <a:lnRef idx="2">
+        <a:scrgbClr r="0" g="0" b="0"/>
+      </a:lnRef>
+      <a:fillRef idx="1">
+        <a:scrgbClr r="0" g="0" b="0"/>
+      </a:fillRef>
+      <a:effectRef idx="0">
+        <a:scrgbClr r="0" g="0" b="0"/>
+      </a:effectRef>
+      <a:fontRef idx="minor"/>
+    </dgm:style>
+  </dgm:styleLbl>
+  <dgm:styleLbl name="fgAcc0">
+    <dgm:scene3d>
+      <a:camera prst="orthographicFront"/>
+      <a:lightRig rig="threePt" dir="t"/>
+    </dgm:scene3d>
+    <dgm:sp3d/>
+    <dgm:txPr/>
+    <dgm:style>
+      <a:lnRef idx="2">
+        <a:scrgbClr r="0" g="0" b="0"/>
+      </a:lnRef>
+      <a:fillRef idx="1">
+        <a:scrgbClr r="0" g="0" b="0"/>
+      </a:fillRef>
+      <a:effectRef idx="0">
+        <a:scrgbClr r="0" g="0" b="0"/>
+      </a:effectRef>
+      <a:fontRef idx="minor"/>
+    </dgm:style>
+  </dgm:styleLbl>
+  <dgm:styleLbl name="fgAcc2">
+    <dgm:scene3d>
+      <a:camera prst="orthographicFront"/>
+      <a:lightRig rig="threePt" dir="t"/>
+    </dgm:scene3d>
+    <dgm:sp3d/>
+    <dgm:txPr/>
+    <dgm:style>
+      <a:lnRef idx="2">
+        <a:scrgbClr r="0" g="0" b="0"/>
+      </a:lnRef>
+      <a:fillRef idx="1">
+        <a:scrgbClr r="0" g="0" b="0"/>
+      </a:fillRef>
+      <a:effectRef idx="0">
+        <a:scrgbClr r="0" g="0" b="0"/>
+      </a:effectRef>
+      <a:fontRef idx="minor"/>
+    </dgm:style>
+  </dgm:styleLbl>
+  <dgm:styleLbl name="fgAcc3">
+    <dgm:scene3d>
+      <a:camera prst="orthographicFront"/>
+      <a:lightRig rig="threePt" dir="t"/>
+    </dgm:scene3d>
+    <dgm:sp3d/>
+    <dgm:txPr/>
+    <dgm:style>
+      <a:lnRef idx="2">
+        <a:scrgbClr r="0" g="0" b="0"/>
+      </a:lnRef>
+      <a:fillRef idx="1">
+        <a:scrgbClr r="0" g="0" b="0"/>
+      </a:fillRef>
+      <a:effectRef idx="0">
+        <a:scrgbClr r="0" g="0" b="0"/>
+      </a:effectRef>
+      <a:fontRef idx="minor"/>
+    </dgm:style>
+  </dgm:styleLbl>
+  <dgm:styleLbl name="fgAcc4">
+    <dgm:scene3d>
+      <a:camera prst="orthographicFront"/>
+      <a:lightRig rig="threePt" dir="t"/>
+    </dgm:scene3d>
+    <dgm:sp3d/>
+    <dgm:txPr/>
+    <dgm:style>
+      <a:lnRef idx="2">
+        <a:scrgbClr r="0" g="0" b="0"/>
+      </a:lnRef>
+      <a:fillRef idx="1">
+        <a:scrgbClr r="0" g="0" b="0"/>
+      </a:fillRef>
+      <a:effectRef idx="0">
+        <a:scrgbClr r="0" g="0" b="0"/>
+      </a:effectRef>
+      <a:fontRef idx="minor"/>
+    </dgm:style>
+  </dgm:styleLbl>
+  <dgm:styleLbl name="bgShp">
+    <dgm:scene3d>
+      <a:camera prst="orthographicFront"/>
+      <a:lightRig rig="threePt" dir="t"/>
+    </dgm:scene3d>
+    <dgm:sp3d/>
+    <dgm:txPr/>
+    <dgm:style>
+      <a:lnRef idx="0">
+        <a:scrgbClr r="0" g="0" b="0"/>
+      </a:lnRef>
+      <a:fillRef idx="1">
+        <a:scrgbClr r="0" g="0" b="0"/>
+      </a:fillRef>
+      <a:effectRef idx="0">
+        <a:scrgbClr r="0" g="0" b="0"/>
+      </a:effectRef>
+      <a:fontRef idx="minor"/>
+    </dgm:style>
+  </dgm:styleLbl>
+  <dgm:styleLbl name="dkBgShp">
+    <dgm:scene3d>
+      <a:camera prst="orthographicFront"/>
+      <a:lightRig rig="threePt" dir="t"/>
+    </dgm:scene3d>
+    <dgm:sp3d/>
+    <dgm:txPr/>
+    <dgm:style>
+      <a:lnRef idx="0">
+        <a:scrgbClr r="0" g="0" b="0"/>
+      </a:lnRef>
+      <a:fillRef idx="1">
+        <a:scrgbClr r="0" g="0" b="0"/>
+      </a:fillRef>
+      <a:effectRef idx="0">
+        <a:scrgbClr r="0" g="0" b="0"/>
+      </a:effectRef>
+      <a:fontRef idx="minor"/>
+    </dgm:style>
+  </dgm:styleLbl>
+  <dgm:styleLbl name="trBgShp">
+    <dgm:scene3d>
+      <a:camera prst="orthographicFront"/>
+      <a:lightRig rig="threePt" dir="t"/>
+    </dgm:scene3d>
+    <dgm:sp3d/>
+    <dgm:txPr/>
+    <dgm:style>
+      <a:lnRef idx="0">
+        <a:scrgbClr r="0" g="0" b="0"/>
+      </a:lnRef>
+      <a:fillRef idx="1">
+        <a:scrgbClr r="0" g="0" b="0"/>
+      </a:fillRef>
+      <a:effectRef idx="0">
+        <a:scrgbClr r="0" g="0" b="0"/>
+      </a:effectRef>
+      <a:fontRef idx="minor"/>
+    </dgm:style>
+  </dgm:styleLbl>
+  <dgm:styleLbl name="fgShp">
+    <dgm:scene3d>
+      <a:camera prst="orthographicFront"/>
+      <a:lightRig rig="threePt" dir="t"/>
+    </dgm:scene3d>
+    <dgm:sp3d/>
+    <dgm:txPr/>
+    <dgm:style>
+      <a:lnRef idx="2">
+        <a:scrgbClr r="0" g="0" b="0"/>
+      </a:lnRef>
+      <a:fillRef idx="1">
+        <a:scrgbClr r="0" g="0" b="0"/>
+      </a:fillRef>
+      <a:effectRef idx="0">
+        <a:scrgbClr r="0" g="0" b="0"/>
+      </a:effectRef>
+      <a:fontRef idx="minor"/>
+    </dgm:style>
+  </dgm:styleLbl>
+  <dgm:styleLbl name="revTx">
+    <dgm:scene3d>
+      <a:camera prst="orthographicFront"/>
+      <a:lightRig rig="threePt" dir="t"/>
+    </dgm:scene3d>
+    <dgm:sp3d/>
+    <dgm:txPr/>
+    <dgm:style>
+      <a:lnRef idx="0">
+        <a:scrgbClr r="0" g="0" b="0"/>
+      </a:lnRef>
+      <a:fillRef idx="0">
+        <a:scrgbClr r="0" g="0" b="0"/>
+      </a:fillRef>
+      <a:effectRef idx="0">
+        <a:scrgbClr r="0" g="0" b="0"/>
+      </a:effectRef>
+      <a:fontRef idx="minor"/>
+    </dgm:style>
+  </dgm:styleLbl>
+</dgm:styleDef>
 </file>
 
 <file path=ppt/slideLayouts/slideLayout1.xml><?xml version="1.0" encoding="utf-8"?>
@@ -164,7 +7124,7 @@
           <a:noFill/>
           <a:extLst>
             <a:ext uri="{909E8E84-426E-40dd-AFC4-6F175D3DCCD1}">
-              <a14:hiddenFill xmlns:a14="http://schemas.microsoft.com/office/drawing/2010/main" xmlns="">
+              <a14:hiddenFill xmlns="" xmlns:a14="http://schemas.microsoft.com/office/drawing/2010/main">
                 <a:solidFill>
                   <a:srgbClr val="FFFFFF"/>
                 </a:solidFill>
@@ -224,7 +7184,7 @@
             </a:ln>
             <a:extLst>
               <a:ext uri="{91240B29-F687-4f45-9708-019B960494DF}">
-                <a14:hiddenLine xmlns:a14="http://schemas.microsoft.com/office/drawing/2010/main" xmlns="" w="9525">
+                <a14:hiddenLine xmlns="" xmlns:a14="http://schemas.microsoft.com/office/drawing/2010/main" w="9525">
                   <a:solidFill>
                     <a:srgbClr val="000000"/>
                   </a:solidFill>
@@ -314,7 +7274,7 @@
             </a:ln>
             <a:extLst>
               <a:ext uri="{91240B29-F687-4f45-9708-019B960494DF}">
-                <a14:hiddenLine xmlns:a14="http://schemas.microsoft.com/office/drawing/2010/main" xmlns="" w="9525">
+                <a14:hiddenLine xmlns="" xmlns:a14="http://schemas.microsoft.com/office/drawing/2010/main" w="9525">
                   <a:solidFill>
                     <a:srgbClr val="000000"/>
                   </a:solidFill>
@@ -404,7 +7364,7 @@
             </a:ln>
             <a:extLst>
               <a:ext uri="{91240B29-F687-4f45-9708-019B960494DF}">
-                <a14:hiddenLine xmlns:a14="http://schemas.microsoft.com/office/drawing/2010/main" xmlns="" w="9525">
+                <a14:hiddenLine xmlns="" xmlns:a14="http://schemas.microsoft.com/office/drawing/2010/main" w="9525">
                   <a:solidFill>
                     <a:srgbClr val="000000"/>
                   </a:solidFill>
@@ -438,7 +7398,7 @@
             </a:ln>
             <a:extLst>
               <a:ext uri="{91240B29-F687-4f45-9708-019B960494DF}">
-                <a14:hiddenLine xmlns:a14="http://schemas.microsoft.com/office/drawing/2010/main" xmlns="" w="9525">
+                <a14:hiddenLine xmlns="" xmlns:a14="http://schemas.microsoft.com/office/drawing/2010/main" w="9525">
                   <a:solidFill>
                     <a:srgbClr val="000000"/>
                   </a:solidFill>
@@ -528,7 +7488,7 @@
             </a:ln>
             <a:extLst>
               <a:ext uri="{91240B29-F687-4f45-9708-019B960494DF}">
-                <a14:hiddenLine xmlns:a14="http://schemas.microsoft.com/office/drawing/2010/main" xmlns="" w="9525">
+                <a14:hiddenLine xmlns="" xmlns:a14="http://schemas.microsoft.com/office/drawing/2010/main" w="9525">
                   <a:solidFill>
                     <a:srgbClr val="000000"/>
                   </a:solidFill>
@@ -590,7 +7550,7 @@
             </a:ln>
             <a:extLst>
               <a:ext uri="{91240B29-F687-4f45-9708-019B960494DF}">
-                <a14:hiddenLine xmlns:a14="http://schemas.microsoft.com/office/drawing/2010/main" xmlns="" w="9525">
+                <a14:hiddenLine xmlns="" xmlns:a14="http://schemas.microsoft.com/office/drawing/2010/main" w="9525">
                   <a:solidFill>
                     <a:srgbClr val="000000"/>
                   </a:solidFill>
@@ -652,7 +7612,7 @@
             </a:ln>
             <a:extLst>
               <a:ext uri="{91240B29-F687-4f45-9708-019B960494DF}">
-                <a14:hiddenLine xmlns:a14="http://schemas.microsoft.com/office/drawing/2010/main" xmlns="" w="9525">
+                <a14:hiddenLine xmlns="" xmlns:a14="http://schemas.microsoft.com/office/drawing/2010/main" w="9525">
                   <a:solidFill>
                     <a:srgbClr val="000000"/>
                   </a:solidFill>
@@ -742,7 +7702,7 @@
             </a:ln>
             <a:extLst>
               <a:ext uri="{91240B29-F687-4f45-9708-019B960494DF}">
-                <a14:hiddenLine xmlns:a14="http://schemas.microsoft.com/office/drawing/2010/main" xmlns="" w="9525">
+                <a14:hiddenLine xmlns="" xmlns:a14="http://schemas.microsoft.com/office/drawing/2010/main" w="9525">
                   <a:solidFill>
                     <a:srgbClr val="000000"/>
                   </a:solidFill>
@@ -804,7 +7764,7 @@
             </a:ln>
             <a:extLst>
               <a:ext uri="{91240B29-F687-4f45-9708-019B960494DF}">
-                <a14:hiddenLine xmlns:a14="http://schemas.microsoft.com/office/drawing/2010/main" xmlns="" w="9525">
+                <a14:hiddenLine xmlns="" xmlns:a14="http://schemas.microsoft.com/office/drawing/2010/main" w="9525">
                   <a:solidFill>
                     <a:srgbClr val="000000"/>
                   </a:solidFill>
@@ -866,7 +7826,7 @@
             </a:ln>
             <a:extLst>
               <a:ext uri="{91240B29-F687-4f45-9708-019B960494DF}">
-                <a14:hiddenLine xmlns:a14="http://schemas.microsoft.com/office/drawing/2010/main" xmlns="" w="9525">
+                <a14:hiddenLine xmlns="" xmlns:a14="http://schemas.microsoft.com/office/drawing/2010/main" w="9525">
                   <a:solidFill>
                     <a:srgbClr val="000000"/>
                   </a:solidFill>
@@ -956,7 +7916,7 @@
             </a:ln>
             <a:extLst>
               <a:ext uri="{91240B29-F687-4f45-9708-019B960494DF}">
-                <a14:hiddenLine xmlns:a14="http://schemas.microsoft.com/office/drawing/2010/main" xmlns="" w="9525">
+                <a14:hiddenLine xmlns="" xmlns:a14="http://schemas.microsoft.com/office/drawing/2010/main" w="9525">
                   <a:solidFill>
                     <a:srgbClr val="000000"/>
                   </a:solidFill>
@@ -1046,7 +8006,7 @@
             </a:ln>
             <a:extLst>
               <a:ext uri="{91240B29-F687-4f45-9708-019B960494DF}">
-                <a14:hiddenLine xmlns:a14="http://schemas.microsoft.com/office/drawing/2010/main" xmlns="" w="9525">
+                <a14:hiddenLine xmlns="" xmlns:a14="http://schemas.microsoft.com/office/drawing/2010/main" w="9525">
                   <a:solidFill>
                     <a:srgbClr val="000000"/>
                   </a:solidFill>
@@ -1108,7 +8068,7 @@
             </a:ln>
             <a:extLst>
               <a:ext uri="{91240B29-F687-4f45-9708-019B960494DF}">
-                <a14:hiddenLine xmlns:a14="http://schemas.microsoft.com/office/drawing/2010/main" xmlns="" w="9525">
+                <a14:hiddenLine xmlns="" xmlns:a14="http://schemas.microsoft.com/office/drawing/2010/main" w="9525">
                   <a:solidFill>
                     <a:srgbClr val="000000"/>
                   </a:solidFill>
@@ -1218,7 +8178,7 @@
             </a:ln>
             <a:extLst>
               <a:ext uri="{91240B29-F687-4f45-9708-019B960494DF}">
-                <a14:hiddenLine xmlns:a14="http://schemas.microsoft.com/office/drawing/2010/main" xmlns="" w="9525">
+                <a14:hiddenLine xmlns="" xmlns:a14="http://schemas.microsoft.com/office/drawing/2010/main" w="9525">
                   <a:solidFill>
                     <a:srgbClr val="000000"/>
                   </a:solidFill>
@@ -1280,7 +8240,7 @@
             </a:ln>
             <a:extLst>
               <a:ext uri="{91240B29-F687-4f45-9708-019B960494DF}">
-                <a14:hiddenLine xmlns:a14="http://schemas.microsoft.com/office/drawing/2010/main" xmlns="" w="9525">
+                <a14:hiddenLine xmlns="" xmlns:a14="http://schemas.microsoft.com/office/drawing/2010/main" w="9525">
                   <a:solidFill>
                     <a:srgbClr val="000000"/>
                   </a:solidFill>
@@ -1370,7 +8330,7 @@
             </a:ln>
             <a:extLst>
               <a:ext uri="{91240B29-F687-4f45-9708-019B960494DF}">
-                <a14:hiddenLine xmlns:a14="http://schemas.microsoft.com/office/drawing/2010/main" xmlns="" w="9525">
+                <a14:hiddenLine xmlns="" xmlns:a14="http://schemas.microsoft.com/office/drawing/2010/main" w="9525">
                   <a:solidFill>
                     <a:srgbClr val="000000"/>
                   </a:solidFill>
@@ -1460,7 +8420,7 @@
             </a:ln>
             <a:extLst>
               <a:ext uri="{91240B29-F687-4f45-9708-019B960494DF}">
-                <a14:hiddenLine xmlns:a14="http://schemas.microsoft.com/office/drawing/2010/main" xmlns="" w="9525">
+                <a14:hiddenLine xmlns="" xmlns:a14="http://schemas.microsoft.com/office/drawing/2010/main" w="9525">
                   <a:solidFill>
                     <a:srgbClr val="000000"/>
                   </a:solidFill>
@@ -1522,7 +8482,7 @@
             </a:ln>
             <a:extLst>
               <a:ext uri="{91240B29-F687-4f45-9708-019B960494DF}">
-                <a14:hiddenLine xmlns:a14="http://schemas.microsoft.com/office/drawing/2010/main" xmlns="" w="9525">
+                <a14:hiddenLine xmlns="" xmlns:a14="http://schemas.microsoft.com/office/drawing/2010/main" w="9525">
                   <a:solidFill>
                     <a:srgbClr val="000000"/>
                   </a:solidFill>
@@ -1612,7 +8572,7 @@
             </a:ln>
             <a:extLst>
               <a:ext uri="{91240B29-F687-4f45-9708-019B960494DF}">
-                <a14:hiddenLine xmlns:a14="http://schemas.microsoft.com/office/drawing/2010/main" xmlns="" w="9525">
+                <a14:hiddenLine xmlns="" xmlns:a14="http://schemas.microsoft.com/office/drawing/2010/main" w="9525">
                   <a:solidFill>
                     <a:srgbClr val="000000"/>
                   </a:solidFill>
@@ -1702,7 +8662,7 @@
             </a:ln>
             <a:extLst>
               <a:ext uri="{91240B29-F687-4f45-9708-019B960494DF}">
-                <a14:hiddenLine xmlns:a14="http://schemas.microsoft.com/office/drawing/2010/main" xmlns="" w="9525">
+                <a14:hiddenLine xmlns="" xmlns:a14="http://schemas.microsoft.com/office/drawing/2010/main" w="9525">
                   <a:solidFill>
                     <a:srgbClr val="000000"/>
                   </a:solidFill>
@@ -1758,7 +8718,7 @@
             </a:ln>
             <a:extLst>
               <a:ext uri="{91240B29-F687-4f45-9708-019B960494DF}">
-                <a14:hiddenLine xmlns:a14="http://schemas.microsoft.com/office/drawing/2010/main" xmlns="" w="9525">
+                <a14:hiddenLine xmlns="" xmlns:a14="http://schemas.microsoft.com/office/drawing/2010/main" w="9525">
                   <a:solidFill>
                     <a:srgbClr val="000000"/>
                   </a:solidFill>
@@ -1848,7 +8808,7 @@
             </a:ln>
             <a:extLst>
               <a:ext uri="{91240B29-F687-4f45-9708-019B960494DF}">
-                <a14:hiddenLine xmlns:a14="http://schemas.microsoft.com/office/drawing/2010/main" xmlns="" w="9525">
+                <a14:hiddenLine xmlns="" xmlns:a14="http://schemas.microsoft.com/office/drawing/2010/main" w="9525">
                   <a:solidFill>
                     <a:srgbClr val="000000"/>
                   </a:solidFill>
@@ -1904,7 +8864,7 @@
             </a:ln>
             <a:extLst>
               <a:ext uri="{91240B29-F687-4f45-9708-019B960494DF}">
-                <a14:hiddenLine xmlns:a14="http://schemas.microsoft.com/office/drawing/2010/main" xmlns="" w="9525">
+                <a14:hiddenLine xmlns="" xmlns:a14="http://schemas.microsoft.com/office/drawing/2010/main" w="9525">
                   <a:solidFill>
                     <a:srgbClr val="000000"/>
                   </a:solidFill>
@@ -1994,7 +8954,7 @@
             </a:ln>
             <a:extLst>
               <a:ext uri="{91240B29-F687-4f45-9708-019B960494DF}">
-                <a14:hiddenLine xmlns:a14="http://schemas.microsoft.com/office/drawing/2010/main" xmlns="" w="9525">
+                <a14:hiddenLine xmlns="" xmlns:a14="http://schemas.microsoft.com/office/drawing/2010/main" w="9525">
                   <a:solidFill>
                     <a:srgbClr val="000000"/>
                   </a:solidFill>
@@ -2062,7 +9022,7 @@
             </a:ln>
             <a:extLst>
               <a:ext uri="{91240B29-F687-4f45-9708-019B960494DF}">
-                <a14:hiddenLine xmlns:a14="http://schemas.microsoft.com/office/drawing/2010/main" xmlns="" w="9525">
+                <a14:hiddenLine xmlns="" xmlns:a14="http://schemas.microsoft.com/office/drawing/2010/main" w="9525">
                   <a:solidFill>
                     <a:srgbClr val="000000"/>
                   </a:solidFill>
@@ -2152,7 +9112,7 @@
             </a:ln>
             <a:extLst>
               <a:ext uri="{91240B29-F687-4f45-9708-019B960494DF}">
-                <a14:hiddenLine xmlns:a14="http://schemas.microsoft.com/office/drawing/2010/main" xmlns="" w="9525">
+                <a14:hiddenLine xmlns="" xmlns:a14="http://schemas.microsoft.com/office/drawing/2010/main" w="9525">
                   <a:solidFill>
                     <a:srgbClr val="000000"/>
                   </a:solidFill>
@@ -2220,7 +9180,7 @@
             </a:ln>
             <a:extLst>
               <a:ext uri="{91240B29-F687-4f45-9708-019B960494DF}">
-                <a14:hiddenLine xmlns:a14="http://schemas.microsoft.com/office/drawing/2010/main" xmlns="" w="9525">
+                <a14:hiddenLine xmlns="" xmlns:a14="http://schemas.microsoft.com/office/drawing/2010/main" w="9525">
                   <a:solidFill>
                     <a:srgbClr val="000000"/>
                   </a:solidFill>
@@ -2310,7 +9270,7 @@
             </a:ln>
             <a:extLst>
               <a:ext uri="{91240B29-F687-4f45-9708-019B960494DF}">
-                <a14:hiddenLine xmlns:a14="http://schemas.microsoft.com/office/drawing/2010/main" xmlns="" w="9525">
+                <a14:hiddenLine xmlns="" xmlns:a14="http://schemas.microsoft.com/office/drawing/2010/main" w="9525">
                   <a:solidFill>
                     <a:srgbClr val="000000"/>
                   </a:solidFill>
@@ -2344,7 +9304,7 @@
             </a:ln>
             <a:extLst>
               <a:ext uri="{91240B29-F687-4f45-9708-019B960494DF}">
-                <a14:hiddenLine xmlns:a14="http://schemas.microsoft.com/office/drawing/2010/main" xmlns="" w="9525">
+                <a14:hiddenLine xmlns="" xmlns:a14="http://schemas.microsoft.com/office/drawing/2010/main" w="9525">
                   <a:solidFill>
                     <a:srgbClr val="000000"/>
                   </a:solidFill>
@@ -2434,7 +9394,7 @@
             </a:ln>
             <a:extLst>
               <a:ext uri="{91240B29-F687-4f45-9708-019B960494DF}">
-                <a14:hiddenLine xmlns:a14="http://schemas.microsoft.com/office/drawing/2010/main" xmlns="" w="9525">
+                <a14:hiddenLine xmlns="" xmlns:a14="http://schemas.microsoft.com/office/drawing/2010/main" w="9525">
                   <a:solidFill>
                     <a:srgbClr val="000000"/>
                   </a:solidFill>
@@ -2496,7 +9456,7 @@
             </a:ln>
             <a:extLst>
               <a:ext uri="{91240B29-F687-4f45-9708-019B960494DF}">
-                <a14:hiddenLine xmlns:a14="http://schemas.microsoft.com/office/drawing/2010/main" xmlns="" w="9525">
+                <a14:hiddenLine xmlns="" xmlns:a14="http://schemas.microsoft.com/office/drawing/2010/main" w="9525">
                   <a:solidFill>
                     <a:srgbClr val="000000"/>
                   </a:solidFill>
@@ -2558,7 +9518,7 @@
             </a:ln>
             <a:extLst>
               <a:ext uri="{91240B29-F687-4f45-9708-019B960494DF}">
-                <a14:hiddenLine xmlns:a14="http://schemas.microsoft.com/office/drawing/2010/main" xmlns="" w="9525">
+                <a14:hiddenLine xmlns="" xmlns:a14="http://schemas.microsoft.com/office/drawing/2010/main" w="9525">
                   <a:solidFill>
                     <a:srgbClr val="000000"/>
                   </a:solidFill>
@@ -2648,7 +9608,7 @@
             </a:ln>
             <a:extLst>
               <a:ext uri="{91240B29-F687-4f45-9708-019B960494DF}">
-                <a14:hiddenLine xmlns:a14="http://schemas.microsoft.com/office/drawing/2010/main" xmlns="" w="9525">
+                <a14:hiddenLine xmlns="" xmlns:a14="http://schemas.microsoft.com/office/drawing/2010/main" w="9525">
                   <a:solidFill>
                     <a:srgbClr val="000000"/>
                   </a:solidFill>
@@ -2716,7 +9676,7 @@
             </a:ln>
             <a:extLst>
               <a:ext uri="{91240B29-F687-4f45-9708-019B960494DF}">
-                <a14:hiddenLine xmlns:a14="http://schemas.microsoft.com/office/drawing/2010/main" xmlns="" w="9525">
+                <a14:hiddenLine xmlns="" xmlns:a14="http://schemas.microsoft.com/office/drawing/2010/main" w="9525">
                   <a:solidFill>
                     <a:srgbClr val="000000"/>
                   </a:solidFill>
@@ -2778,7 +9738,7 @@
             </a:ln>
             <a:extLst>
               <a:ext uri="{91240B29-F687-4f45-9708-019B960494DF}">
-                <a14:hiddenLine xmlns:a14="http://schemas.microsoft.com/office/drawing/2010/main" xmlns="" w="9525">
+                <a14:hiddenLine xmlns="" xmlns:a14="http://schemas.microsoft.com/office/drawing/2010/main" w="9525">
                   <a:solidFill>
                     <a:srgbClr val="000000"/>
                   </a:solidFill>
@@ -2868,7 +9828,7 @@
             </a:ln>
             <a:extLst>
               <a:ext uri="{91240B29-F687-4f45-9708-019B960494DF}">
-                <a14:hiddenLine xmlns:a14="http://schemas.microsoft.com/office/drawing/2010/main" xmlns="" w="9525">
+                <a14:hiddenLine xmlns="" xmlns:a14="http://schemas.microsoft.com/office/drawing/2010/main" w="9525">
                   <a:solidFill>
                     <a:srgbClr val="000000"/>
                   </a:solidFill>
@@ -2930,7 +9890,7 @@
             </a:ln>
             <a:extLst>
               <a:ext uri="{91240B29-F687-4f45-9708-019B960494DF}">
-                <a14:hiddenLine xmlns:a14="http://schemas.microsoft.com/office/drawing/2010/main" xmlns="" w="9525">
+                <a14:hiddenLine xmlns="" xmlns:a14="http://schemas.microsoft.com/office/drawing/2010/main" w="9525">
                   <a:solidFill>
                     <a:srgbClr val="000000"/>
                   </a:solidFill>
@@ -3020,7 +9980,7 @@
             </a:ln>
             <a:extLst>
               <a:ext uri="{91240B29-F687-4f45-9708-019B960494DF}">
-                <a14:hiddenLine xmlns:a14="http://schemas.microsoft.com/office/drawing/2010/main" xmlns="" w="9525">
+                <a14:hiddenLine xmlns="" xmlns:a14="http://schemas.microsoft.com/office/drawing/2010/main" w="9525">
                   <a:solidFill>
                     <a:srgbClr val="000000"/>
                   </a:solidFill>
@@ -3082,7 +10042,7 @@
             </a:ln>
             <a:extLst>
               <a:ext uri="{91240B29-F687-4f45-9708-019B960494DF}">
-                <a14:hiddenLine xmlns:a14="http://schemas.microsoft.com/office/drawing/2010/main" xmlns="" w="9525">
+                <a14:hiddenLine xmlns="" xmlns:a14="http://schemas.microsoft.com/office/drawing/2010/main" w="9525">
                   <a:solidFill>
                     <a:srgbClr val="000000"/>
                   </a:solidFill>
@@ -3172,7 +10132,7 @@
             </a:ln>
             <a:extLst>
               <a:ext uri="{91240B29-F687-4f45-9708-019B960494DF}">
-                <a14:hiddenLine xmlns:a14="http://schemas.microsoft.com/office/drawing/2010/main" xmlns="" w="9525">
+                <a14:hiddenLine xmlns="" xmlns:a14="http://schemas.microsoft.com/office/drawing/2010/main" w="9525">
                   <a:solidFill>
                     <a:srgbClr val="000000"/>
                   </a:solidFill>
@@ -3206,7 +10166,7 @@
             </a:ln>
             <a:extLst>
               <a:ext uri="{91240B29-F687-4f45-9708-019B960494DF}">
-                <a14:hiddenLine xmlns:a14="http://schemas.microsoft.com/office/drawing/2010/main" xmlns="" w="9525">
+                <a14:hiddenLine xmlns="" xmlns:a14="http://schemas.microsoft.com/office/drawing/2010/main" w="9525">
                   <a:solidFill>
                     <a:srgbClr val="000000"/>
                   </a:solidFill>
@@ -3271,7 +10231,7 @@
             </a:ln>
             <a:extLst>
               <a:ext uri="{91240B29-F687-4f45-9708-019B960494DF}">
-                <a14:hiddenLine xmlns:a14="http://schemas.microsoft.com/office/drawing/2010/main" xmlns="" w="9525">
+                <a14:hiddenLine xmlns="" xmlns:a14="http://schemas.microsoft.com/office/drawing/2010/main" w="9525">
                   <a:solidFill>
                     <a:srgbClr val="000000"/>
                   </a:solidFill>
@@ -3361,7 +10321,7 @@
             </a:ln>
             <a:extLst>
               <a:ext uri="{91240B29-F687-4f45-9708-019B960494DF}">
-                <a14:hiddenLine xmlns:a14="http://schemas.microsoft.com/office/drawing/2010/main" xmlns="" w="9525">
+                <a14:hiddenLine xmlns="" xmlns:a14="http://schemas.microsoft.com/office/drawing/2010/main" w="9525">
                   <a:solidFill>
                     <a:srgbClr val="000000"/>
                   </a:solidFill>
@@ -3423,7 +10383,7 @@
             </a:ln>
             <a:extLst>
               <a:ext uri="{91240B29-F687-4f45-9708-019B960494DF}">
-                <a14:hiddenLine xmlns:a14="http://schemas.microsoft.com/office/drawing/2010/main" xmlns="" w="9525">
+                <a14:hiddenLine xmlns="" xmlns:a14="http://schemas.microsoft.com/office/drawing/2010/main" w="9525">
                   <a:solidFill>
                     <a:srgbClr val="000000"/>
                   </a:solidFill>
@@ -3513,7 +10473,7 @@
             </a:ln>
             <a:extLst>
               <a:ext uri="{91240B29-F687-4f45-9708-019B960494DF}">
-                <a14:hiddenLine xmlns:a14="http://schemas.microsoft.com/office/drawing/2010/main" xmlns="" w="9525">
+                <a14:hiddenLine xmlns="" xmlns:a14="http://schemas.microsoft.com/office/drawing/2010/main" w="9525">
                   <a:solidFill>
                     <a:srgbClr val="000000"/>
                   </a:solidFill>
@@ -3603,7 +10563,7 @@
             </a:ln>
             <a:extLst>
               <a:ext uri="{91240B29-F687-4f45-9708-019B960494DF}">
-                <a14:hiddenLine xmlns:a14="http://schemas.microsoft.com/office/drawing/2010/main" xmlns="" w="9525">
+                <a14:hiddenLine xmlns="" xmlns:a14="http://schemas.microsoft.com/office/drawing/2010/main" w="9525">
                   <a:solidFill>
                     <a:srgbClr val="000000"/>
                   </a:solidFill>
@@ -3668,7 +10628,7 @@
             </a:ln>
             <a:extLst>
               <a:ext uri="{91240B29-F687-4f45-9708-019B960494DF}">
-                <a14:hiddenLine xmlns:a14="http://schemas.microsoft.com/office/drawing/2010/main" xmlns="" w="9525">
+                <a14:hiddenLine xmlns="" xmlns:a14="http://schemas.microsoft.com/office/drawing/2010/main" w="9525">
                   <a:solidFill>
                     <a:srgbClr val="000000"/>
                   </a:solidFill>
@@ -3730,7 +10690,7 @@
             </a:ln>
             <a:extLst>
               <a:ext uri="{91240B29-F687-4f45-9708-019B960494DF}">
-                <a14:hiddenLine xmlns:a14="http://schemas.microsoft.com/office/drawing/2010/main" xmlns="" w="9525">
+                <a14:hiddenLine xmlns="" xmlns:a14="http://schemas.microsoft.com/office/drawing/2010/main" w="9525">
                   <a:solidFill>
                     <a:srgbClr val="000000"/>
                   </a:solidFill>
@@ -3820,7 +10780,7 @@
             </a:ln>
             <a:extLst>
               <a:ext uri="{91240B29-F687-4f45-9708-019B960494DF}">
-                <a14:hiddenLine xmlns:a14="http://schemas.microsoft.com/office/drawing/2010/main" xmlns="" w="9525">
+                <a14:hiddenLine xmlns="" xmlns:a14="http://schemas.microsoft.com/office/drawing/2010/main" w="9525">
                   <a:solidFill>
                     <a:srgbClr val="000000"/>
                   </a:solidFill>
@@ -3910,7 +10870,7 @@
             </a:ln>
             <a:extLst>
               <a:ext uri="{91240B29-F687-4f45-9708-019B960494DF}">
-                <a14:hiddenLine xmlns:a14="http://schemas.microsoft.com/office/drawing/2010/main" xmlns="" w="9525">
+                <a14:hiddenLine xmlns="" xmlns:a14="http://schemas.microsoft.com/office/drawing/2010/main" w="9525">
                   <a:solidFill>
                     <a:srgbClr val="000000"/>
                   </a:solidFill>
@@ -3972,7 +10932,7 @@
             </a:ln>
             <a:extLst>
               <a:ext uri="{91240B29-F687-4f45-9708-019B960494DF}">
-                <a14:hiddenLine xmlns:a14="http://schemas.microsoft.com/office/drawing/2010/main" xmlns="" w="9525">
+                <a14:hiddenLine xmlns="" xmlns:a14="http://schemas.microsoft.com/office/drawing/2010/main" w="9525">
                   <a:solidFill>
                     <a:srgbClr val="000000"/>
                   </a:solidFill>
@@ -4092,7 +11052,7 @@
             </a:ln>
             <a:extLst>
               <a:ext uri="{91240B29-F687-4f45-9708-019B960494DF}">
-                <a14:hiddenLine xmlns:a14="http://schemas.microsoft.com/office/drawing/2010/main" xmlns="" w="9525">
+                <a14:hiddenLine xmlns="" xmlns:a14="http://schemas.microsoft.com/office/drawing/2010/main" w="9525">
                   <a:solidFill>
                     <a:srgbClr val="000000"/>
                   </a:solidFill>
@@ -4160,7 +11120,7 @@
             </a:ln>
             <a:extLst>
               <a:ext uri="{91240B29-F687-4f45-9708-019B960494DF}">
-                <a14:hiddenLine xmlns:a14="http://schemas.microsoft.com/office/drawing/2010/main" xmlns="" w="9525">
+                <a14:hiddenLine xmlns="" xmlns:a14="http://schemas.microsoft.com/office/drawing/2010/main" w="9525">
                   <a:solidFill>
                     <a:srgbClr val="000000"/>
                   </a:solidFill>
@@ -4250,7 +11210,7 @@
             </a:ln>
             <a:extLst>
               <a:ext uri="{91240B29-F687-4f45-9708-019B960494DF}">
-                <a14:hiddenLine xmlns:a14="http://schemas.microsoft.com/office/drawing/2010/main" xmlns="" w="9525">
+                <a14:hiddenLine xmlns="" xmlns:a14="http://schemas.microsoft.com/office/drawing/2010/main" w="9525">
                   <a:solidFill>
                     <a:srgbClr val="000000"/>
                   </a:solidFill>
@@ -8972,7 +15932,7 @@
           <a:noFill/>
           <a:extLst>
             <a:ext uri="{909E8E84-426E-40dd-AFC4-6F175D3DCCD1}">
-              <a14:hiddenFill xmlns:a14="http://schemas.microsoft.com/office/drawing/2010/main" xmlns="">
+              <a14:hiddenFill xmlns="" xmlns:a14="http://schemas.microsoft.com/office/drawing/2010/main">
                 <a:solidFill>
                   <a:srgbClr val="FFFFFF"/>
                 </a:solidFill>
@@ -9046,7 +16006,7 @@
               </a:ln>
               <a:extLst>
                 <a:ext uri="{91240B29-F687-4f45-9708-019B960494DF}">
-                  <a14:hiddenLine xmlns:a14="http://schemas.microsoft.com/office/drawing/2010/main" xmlns="" w="9525">
+                  <a14:hiddenLine xmlns="" xmlns:a14="http://schemas.microsoft.com/office/drawing/2010/main" w="9525">
                     <a:solidFill>
                       <a:srgbClr val="000000"/>
                     </a:solidFill>
@@ -9136,7 +16096,7 @@
               </a:ln>
               <a:extLst>
                 <a:ext uri="{91240B29-F687-4f45-9708-019B960494DF}">
-                  <a14:hiddenLine xmlns:a14="http://schemas.microsoft.com/office/drawing/2010/main" xmlns="" w="9525">
+                  <a14:hiddenLine xmlns="" xmlns:a14="http://schemas.microsoft.com/office/drawing/2010/main" w="9525">
                     <a:solidFill>
                       <a:srgbClr val="000000"/>
                     </a:solidFill>
@@ -9226,7 +16186,7 @@
               </a:ln>
               <a:extLst>
                 <a:ext uri="{91240B29-F687-4f45-9708-019B960494DF}">
-                  <a14:hiddenLine xmlns:a14="http://schemas.microsoft.com/office/drawing/2010/main" xmlns="" w="9525">
+                  <a14:hiddenLine xmlns="" xmlns:a14="http://schemas.microsoft.com/office/drawing/2010/main" w="9525">
                     <a:solidFill>
                       <a:srgbClr val="000000"/>
                     </a:solidFill>
@@ -9288,7 +16248,7 @@
               </a:ln>
               <a:extLst>
                 <a:ext uri="{91240B29-F687-4f45-9708-019B960494DF}">
-                  <a14:hiddenLine xmlns:a14="http://schemas.microsoft.com/office/drawing/2010/main" xmlns="" w="9525">
+                  <a14:hiddenLine xmlns="" xmlns:a14="http://schemas.microsoft.com/office/drawing/2010/main" w="9525">
                     <a:solidFill>
                       <a:srgbClr val="000000"/>
                     </a:solidFill>
@@ -9378,7 +16338,7 @@
               </a:ln>
               <a:extLst>
                 <a:ext uri="{91240B29-F687-4f45-9708-019B960494DF}">
-                  <a14:hiddenLine xmlns:a14="http://schemas.microsoft.com/office/drawing/2010/main" xmlns="" w="9525">
+                  <a14:hiddenLine xmlns="" xmlns:a14="http://schemas.microsoft.com/office/drawing/2010/main" w="9525">
                     <a:solidFill>
                       <a:srgbClr val="000000"/>
                     </a:solidFill>
@@ -9440,7 +16400,7 @@
               </a:ln>
               <a:extLst>
                 <a:ext uri="{91240B29-F687-4f45-9708-019B960494DF}">
-                  <a14:hiddenLine xmlns:a14="http://schemas.microsoft.com/office/drawing/2010/main" xmlns="" w="9525">
+                  <a14:hiddenLine xmlns="" xmlns:a14="http://schemas.microsoft.com/office/drawing/2010/main" w="9525">
                     <a:solidFill>
                       <a:srgbClr val="000000"/>
                     </a:solidFill>
@@ -9502,7 +16462,7 @@
               </a:ln>
               <a:extLst>
                 <a:ext uri="{91240B29-F687-4f45-9708-019B960494DF}">
-                  <a14:hiddenLine xmlns:a14="http://schemas.microsoft.com/office/drawing/2010/main" xmlns="" w="9525">
+                  <a14:hiddenLine xmlns="" xmlns:a14="http://schemas.microsoft.com/office/drawing/2010/main" w="9525">
                     <a:solidFill>
                       <a:srgbClr val="000000"/>
                     </a:solidFill>
@@ -9592,7 +16552,7 @@
               </a:ln>
               <a:extLst>
                 <a:ext uri="{91240B29-F687-4f45-9708-019B960494DF}">
-                  <a14:hiddenLine xmlns:a14="http://schemas.microsoft.com/office/drawing/2010/main" xmlns="" w="9525">
+                  <a14:hiddenLine xmlns="" xmlns:a14="http://schemas.microsoft.com/office/drawing/2010/main" w="9525">
                     <a:solidFill>
                       <a:srgbClr val="000000"/>
                     </a:solidFill>
@@ -9682,7 +16642,7 @@
               </a:ln>
               <a:extLst>
                 <a:ext uri="{91240B29-F687-4f45-9708-019B960494DF}">
-                  <a14:hiddenLine xmlns:a14="http://schemas.microsoft.com/office/drawing/2010/main" xmlns="" w="9525">
+                  <a14:hiddenLine xmlns="" xmlns:a14="http://schemas.microsoft.com/office/drawing/2010/main" w="9525">
                     <a:solidFill>
                       <a:srgbClr val="000000"/>
                     </a:solidFill>
@@ -9744,7 +16704,7 @@
               </a:ln>
               <a:extLst>
                 <a:ext uri="{91240B29-F687-4f45-9708-019B960494DF}">
-                  <a14:hiddenLine xmlns:a14="http://schemas.microsoft.com/office/drawing/2010/main" xmlns="" w="9525">
+                  <a14:hiddenLine xmlns="" xmlns:a14="http://schemas.microsoft.com/office/drawing/2010/main" w="9525">
                     <a:solidFill>
                       <a:srgbClr val="000000"/>
                     </a:solidFill>
@@ -9854,7 +16814,7 @@
               </a:ln>
               <a:extLst>
                 <a:ext uri="{91240B29-F687-4f45-9708-019B960494DF}">
-                  <a14:hiddenLine xmlns:a14="http://schemas.microsoft.com/office/drawing/2010/main" xmlns="" w="9525">
+                  <a14:hiddenLine xmlns="" xmlns:a14="http://schemas.microsoft.com/office/drawing/2010/main" w="9525">
                     <a:solidFill>
                       <a:srgbClr val="000000"/>
                     </a:solidFill>
@@ -9938,7 +16898,7 @@
               </a:ln>
               <a:extLst>
                 <a:ext uri="{91240B29-F687-4f45-9708-019B960494DF}">
-                  <a14:hiddenLine xmlns:a14="http://schemas.microsoft.com/office/drawing/2010/main" xmlns="" w="9525">
+                  <a14:hiddenLine xmlns="" xmlns:a14="http://schemas.microsoft.com/office/drawing/2010/main" w="9525">
                     <a:solidFill>
                       <a:srgbClr val="000000"/>
                     </a:solidFill>
@@ -10000,7 +16960,7 @@
               </a:ln>
               <a:extLst>
                 <a:ext uri="{91240B29-F687-4f45-9708-019B960494DF}">
-                  <a14:hiddenLine xmlns:a14="http://schemas.microsoft.com/office/drawing/2010/main" xmlns="" w="9525">
+                  <a14:hiddenLine xmlns="" xmlns:a14="http://schemas.microsoft.com/office/drawing/2010/main" w="9525">
                     <a:solidFill>
                       <a:srgbClr val="000000"/>
                     </a:solidFill>
@@ -10062,7 +17022,7 @@
               </a:ln>
               <a:extLst>
                 <a:ext uri="{91240B29-F687-4f45-9708-019B960494DF}">
-                  <a14:hiddenLine xmlns:a14="http://schemas.microsoft.com/office/drawing/2010/main" xmlns="" w="9525">
+                  <a14:hiddenLine xmlns="" xmlns:a14="http://schemas.microsoft.com/office/drawing/2010/main" w="9525">
                     <a:solidFill>
                       <a:srgbClr val="000000"/>
                     </a:solidFill>
@@ -10152,7 +17112,7 @@
               </a:ln>
               <a:extLst>
                 <a:ext uri="{91240B29-F687-4f45-9708-019B960494DF}">
-                  <a14:hiddenLine xmlns:a14="http://schemas.microsoft.com/office/drawing/2010/main" xmlns="" w="9525">
+                  <a14:hiddenLine xmlns="" xmlns:a14="http://schemas.microsoft.com/office/drawing/2010/main" w="9525">
                     <a:solidFill>
                       <a:srgbClr val="000000"/>
                     </a:solidFill>
@@ -10186,7 +17146,7 @@
               </a:ln>
               <a:extLst>
                 <a:ext uri="{91240B29-F687-4f45-9708-019B960494DF}">
-                  <a14:hiddenLine xmlns:a14="http://schemas.microsoft.com/office/drawing/2010/main" xmlns="" w="9525">
+                  <a14:hiddenLine xmlns="" xmlns:a14="http://schemas.microsoft.com/office/drawing/2010/main" w="9525">
                     <a:solidFill>
                       <a:srgbClr val="000000"/>
                     </a:solidFill>
@@ -10251,7 +17211,7 @@
               </a:ln>
               <a:extLst>
                 <a:ext uri="{91240B29-F687-4f45-9708-019B960494DF}">
-                  <a14:hiddenLine xmlns:a14="http://schemas.microsoft.com/office/drawing/2010/main" xmlns="" w="9525">
+                  <a14:hiddenLine xmlns="" xmlns:a14="http://schemas.microsoft.com/office/drawing/2010/main" w="9525">
                     <a:solidFill>
                       <a:srgbClr val="000000"/>
                     </a:solidFill>
@@ -10341,7 +17301,7 @@
               </a:ln>
               <a:extLst>
                 <a:ext uri="{91240B29-F687-4f45-9708-019B960494DF}">
-                  <a14:hiddenLine xmlns:a14="http://schemas.microsoft.com/office/drawing/2010/main" xmlns="" w="9525">
+                  <a14:hiddenLine xmlns="" xmlns:a14="http://schemas.microsoft.com/office/drawing/2010/main" w="9525">
                     <a:solidFill>
                       <a:srgbClr val="000000"/>
                     </a:solidFill>
@@ -10403,7 +17363,7 @@
               </a:ln>
               <a:extLst>
                 <a:ext uri="{91240B29-F687-4f45-9708-019B960494DF}">
-                  <a14:hiddenLine xmlns:a14="http://schemas.microsoft.com/office/drawing/2010/main" xmlns="" w="9525">
+                  <a14:hiddenLine xmlns="" xmlns:a14="http://schemas.microsoft.com/office/drawing/2010/main" w="9525">
                     <a:solidFill>
                       <a:srgbClr val="000000"/>
                     </a:solidFill>
@@ -10493,7 +17453,7 @@
               </a:ln>
               <a:extLst>
                 <a:ext uri="{91240B29-F687-4f45-9708-019B960494DF}">
-                  <a14:hiddenLine xmlns:a14="http://schemas.microsoft.com/office/drawing/2010/main" xmlns="" w="9525">
+                  <a14:hiddenLine xmlns="" xmlns:a14="http://schemas.microsoft.com/office/drawing/2010/main" w="9525">
                     <a:solidFill>
                       <a:srgbClr val="000000"/>
                     </a:solidFill>
@@ -10558,7 +17518,7 @@
               </a:ln>
               <a:extLst>
                 <a:ext uri="{91240B29-F687-4f45-9708-019B960494DF}">
-                  <a14:hiddenLine xmlns:a14="http://schemas.microsoft.com/office/drawing/2010/main" xmlns="" w="9525">
+                  <a14:hiddenLine xmlns="" xmlns:a14="http://schemas.microsoft.com/office/drawing/2010/main" w="9525">
                     <a:solidFill>
                       <a:srgbClr val="000000"/>
                     </a:solidFill>
@@ -10620,7 +17580,7 @@
               </a:ln>
               <a:extLst>
                 <a:ext uri="{91240B29-F687-4f45-9708-019B960494DF}">
-                  <a14:hiddenLine xmlns:a14="http://schemas.microsoft.com/office/drawing/2010/main" xmlns="" w="9525">
+                  <a14:hiddenLine xmlns="" xmlns:a14="http://schemas.microsoft.com/office/drawing/2010/main" w="9525">
                     <a:solidFill>
                       <a:srgbClr val="000000"/>
                     </a:solidFill>
@@ -10710,7 +17670,7 @@
               </a:ln>
               <a:extLst>
                 <a:ext uri="{91240B29-F687-4f45-9708-019B960494DF}">
-                  <a14:hiddenLine xmlns:a14="http://schemas.microsoft.com/office/drawing/2010/main" xmlns="" w="9525">
+                  <a14:hiddenLine xmlns="" xmlns:a14="http://schemas.microsoft.com/office/drawing/2010/main" w="9525">
                     <a:solidFill>
                       <a:srgbClr val="000000"/>
                     </a:solidFill>
@@ -10800,7 +17760,7 @@
               </a:ln>
               <a:extLst>
                 <a:ext uri="{91240B29-F687-4f45-9708-019B960494DF}">
-                  <a14:hiddenLine xmlns:a14="http://schemas.microsoft.com/office/drawing/2010/main" xmlns="" w="9525">
+                  <a14:hiddenLine xmlns="" xmlns:a14="http://schemas.microsoft.com/office/drawing/2010/main" w="9525">
                     <a:solidFill>
                       <a:srgbClr val="000000"/>
                     </a:solidFill>
@@ -10865,7 +17825,7 @@
               </a:ln>
               <a:extLst>
                 <a:ext uri="{91240B29-F687-4f45-9708-019B960494DF}">
-                  <a14:hiddenLine xmlns:a14="http://schemas.microsoft.com/office/drawing/2010/main" xmlns="" w="9525">
+                  <a14:hiddenLine xmlns="" xmlns:a14="http://schemas.microsoft.com/office/drawing/2010/main" w="9525">
                     <a:solidFill>
                       <a:srgbClr val="000000"/>
                     </a:solidFill>
@@ -10985,7 +17945,7 @@
               </a:ln>
               <a:extLst>
                 <a:ext uri="{91240B29-F687-4f45-9708-019B960494DF}">
-                  <a14:hiddenLine xmlns:a14="http://schemas.microsoft.com/office/drawing/2010/main" xmlns="" w="9525">
+                  <a14:hiddenLine xmlns="" xmlns:a14="http://schemas.microsoft.com/office/drawing/2010/main" w="9525">
                     <a:solidFill>
                       <a:srgbClr val="000000"/>
                     </a:solidFill>
@@ -11083,7 +18043,7 @@
               </a:ln>
               <a:extLst>
                 <a:ext uri="{91240B29-F687-4f45-9708-019B960494DF}">
-                  <a14:hiddenLine xmlns:a14="http://schemas.microsoft.com/office/drawing/2010/main" xmlns="" w="9525">
+                  <a14:hiddenLine xmlns="" xmlns:a14="http://schemas.microsoft.com/office/drawing/2010/main" w="9525">
                     <a:solidFill>
                       <a:srgbClr val="000000"/>
                     </a:solidFill>
@@ -11198,7 +18158,7 @@
               </a:ln>
               <a:extLst>
                 <a:ext uri="{91240B29-F687-4f45-9708-019B960494DF}">
-                  <a14:hiddenLine xmlns:a14="http://schemas.microsoft.com/office/drawing/2010/main" xmlns="" w="9525">
+                  <a14:hiddenLine xmlns="" xmlns:a14="http://schemas.microsoft.com/office/drawing/2010/main" w="9525">
                     <a:solidFill>
                       <a:srgbClr val="000000"/>
                     </a:solidFill>
@@ -11288,7 +18248,7 @@
               </a:ln>
               <a:extLst>
                 <a:ext uri="{91240B29-F687-4f45-9708-019B960494DF}">
-                  <a14:hiddenLine xmlns:a14="http://schemas.microsoft.com/office/drawing/2010/main" xmlns="" w="9525">
+                  <a14:hiddenLine xmlns="" xmlns:a14="http://schemas.microsoft.com/office/drawing/2010/main" w="9525">
                     <a:solidFill>
                       <a:srgbClr val="000000"/>
                     </a:solidFill>
@@ -11353,7 +18313,7 @@
               </a:ln>
               <a:extLst>
                 <a:ext uri="{91240B29-F687-4f45-9708-019B960494DF}">
-                  <a14:hiddenLine xmlns:a14="http://schemas.microsoft.com/office/drawing/2010/main" xmlns="" w="9525">
+                  <a14:hiddenLine xmlns="" xmlns:a14="http://schemas.microsoft.com/office/drawing/2010/main" w="9525">
                     <a:solidFill>
                       <a:srgbClr val="000000"/>
                     </a:solidFill>
@@ -11443,7 +18403,7 @@
               </a:ln>
               <a:extLst>
                 <a:ext uri="{91240B29-F687-4f45-9708-019B960494DF}">
-                  <a14:hiddenLine xmlns:a14="http://schemas.microsoft.com/office/drawing/2010/main" xmlns="" w="9525">
+                  <a14:hiddenLine xmlns="" xmlns:a14="http://schemas.microsoft.com/office/drawing/2010/main" w="9525">
                     <a:solidFill>
                       <a:srgbClr val="000000"/>
                     </a:solidFill>
@@ -11511,7 +18471,7 @@
               </a:ln>
               <a:extLst>
                 <a:ext uri="{91240B29-F687-4f45-9708-019B960494DF}">
-                  <a14:hiddenLine xmlns:a14="http://schemas.microsoft.com/office/drawing/2010/main" xmlns="" w="9525">
+                  <a14:hiddenLine xmlns="" xmlns:a14="http://schemas.microsoft.com/office/drawing/2010/main" w="9525">
                     <a:solidFill>
                       <a:srgbClr val="000000"/>
                     </a:solidFill>
@@ -11601,7 +18561,7 @@
               </a:ln>
               <a:extLst>
                 <a:ext uri="{91240B29-F687-4f45-9708-019B960494DF}">
-                  <a14:hiddenLine xmlns:a14="http://schemas.microsoft.com/office/drawing/2010/main" xmlns="" w="9525">
+                  <a14:hiddenLine xmlns="" xmlns:a14="http://schemas.microsoft.com/office/drawing/2010/main" w="9525">
                     <a:solidFill>
                       <a:srgbClr val="000000"/>
                     </a:solidFill>
@@ -11669,7 +18629,7 @@
               </a:ln>
               <a:extLst>
                 <a:ext uri="{91240B29-F687-4f45-9708-019B960494DF}">
-                  <a14:hiddenLine xmlns:a14="http://schemas.microsoft.com/office/drawing/2010/main" xmlns="" w="9525">
+                  <a14:hiddenLine xmlns="" xmlns:a14="http://schemas.microsoft.com/office/drawing/2010/main" w="9525">
                     <a:solidFill>
                       <a:srgbClr val="000000"/>
                     </a:solidFill>
@@ -11759,7 +18719,7 @@
               </a:ln>
               <a:extLst>
                 <a:ext uri="{91240B29-F687-4f45-9708-019B960494DF}">
-                  <a14:hiddenLine xmlns:a14="http://schemas.microsoft.com/office/drawing/2010/main" xmlns="" w="9525">
+                  <a14:hiddenLine xmlns="" xmlns:a14="http://schemas.microsoft.com/office/drawing/2010/main" w="9525">
                     <a:solidFill>
                       <a:srgbClr val="000000"/>
                     </a:solidFill>
@@ -11793,7 +18753,7 @@
               </a:ln>
               <a:extLst>
                 <a:ext uri="{91240B29-F687-4f45-9708-019B960494DF}">
-                  <a14:hiddenLine xmlns:a14="http://schemas.microsoft.com/office/drawing/2010/main" xmlns="" w="9525">
+                  <a14:hiddenLine xmlns="" xmlns:a14="http://schemas.microsoft.com/office/drawing/2010/main" w="9525">
                     <a:solidFill>
                       <a:srgbClr val="000000"/>
                     </a:solidFill>
@@ -12405,6 +19365,254 @@
 </p:sld>
 </file>
 
+<file path=ppt/slides/slide10.xml><?xml version="1.0" encoding="utf-8"?>
+<p:sld xmlns:a="http://schemas.openxmlformats.org/drawingml/2006/main" xmlns:r="http://schemas.openxmlformats.org/officeDocument/2006/relationships" xmlns:p="http://schemas.openxmlformats.org/presentationml/2006/main">
+  <p:cSld>
+    <p:spTree>
+      <p:nvGrpSpPr>
+        <p:cNvPr id="1" name=""/>
+        <p:cNvGrpSpPr/>
+        <p:nvPr/>
+      </p:nvGrpSpPr>
+      <p:grpSpPr>
+        <a:xfrm>
+          <a:off x="0" y="0"/>
+          <a:ext cx="0" cy="0"/>
+          <a:chOff x="0" y="0"/>
+          <a:chExt cx="0" cy="0"/>
+        </a:xfrm>
+      </p:grpSpPr>
+      <p:sp>
+        <p:nvSpPr>
+          <p:cNvPr id="2" name="Titre 1"/>
+          <p:cNvSpPr>
+            <a:spLocks noGrp="1"/>
+          </p:cNvSpPr>
+          <p:nvPr>
+            <p:ph type="title"/>
+          </p:nvPr>
+        </p:nvSpPr>
+        <p:spPr/>
+        <p:txBody>
+          <a:bodyPr/>
+          <a:lstStyle/>
+          <a:p>
+            <a:r>
+              <a:rPr lang="fr-FR" dirty="0" err="1" smtClean="0"/>
+              <a:t>Screenshots</a:t>
+            </a:r>
+            <a:endParaRPr lang="fr-FR" dirty="0"/>
+          </a:p>
+        </p:txBody>
+      </p:sp>
+      <p:pic>
+        <p:nvPicPr>
+          <p:cNvPr id="4" name="Espace réservé du contenu 3"/>
+          <p:cNvPicPr>
+            <a:picLocks noGrp="1" noChangeAspect="1"/>
+          </p:cNvPicPr>
+          <p:nvPr>
+            <p:ph idx="1"/>
+          </p:nvPr>
+        </p:nvPicPr>
+        <p:blipFill>
+          <a:blip r:embed="rId2">
+            <a:extLst>
+              <a:ext uri="{28A0092B-C50C-407E-A947-70E740481C1C}">
+                <a14:useLocalDpi xmlns:a14="http://schemas.microsoft.com/office/drawing/2010/main" val="0"/>
+              </a:ext>
+            </a:extLst>
+          </a:blip>
+          <a:stretch>
+            <a:fillRect/>
+          </a:stretch>
+        </p:blipFill>
+        <p:spPr>
+          <a:xfrm>
+            <a:off x="8459249" y="1874300"/>
+            <a:ext cx="3419715" cy="3541712"/>
+          </a:xfrm>
+        </p:spPr>
+      </p:pic>
+      <p:pic>
+        <p:nvPicPr>
+          <p:cNvPr id="5" name="Image 4"/>
+          <p:cNvPicPr>
+            <a:picLocks noChangeAspect="1"/>
+          </p:cNvPicPr>
+          <p:nvPr/>
+        </p:nvPicPr>
+        <p:blipFill>
+          <a:blip r:embed="rId3">
+            <a:extLst>
+              <a:ext uri="{28A0092B-C50C-407E-A947-70E740481C1C}">
+                <a14:useLocalDpi xmlns:a14="http://schemas.microsoft.com/office/drawing/2010/main" val="0"/>
+              </a:ext>
+            </a:extLst>
+          </a:blip>
+          <a:stretch>
+            <a:fillRect/>
+          </a:stretch>
+        </p:blipFill>
+        <p:spPr>
+          <a:xfrm>
+            <a:off x="309860" y="1874300"/>
+            <a:ext cx="7708232" cy="3916900"/>
+          </a:xfrm>
+          <a:prstGeom prst="rect">
+            <a:avLst/>
+          </a:prstGeom>
+        </p:spPr>
+      </p:pic>
+    </p:spTree>
+    <p:extLst>
+      <p:ext uri="{BB962C8B-B14F-4D97-AF65-F5344CB8AC3E}">
+        <p14:creationId xmlns:p14="http://schemas.microsoft.com/office/powerpoint/2010/main" val="1187740335"/>
+      </p:ext>
+    </p:extLst>
+  </p:cSld>
+  <p:clrMapOvr>
+    <a:masterClrMapping/>
+  </p:clrMapOvr>
+</p:sld>
+</file>
+
+<file path=ppt/slides/slide11.xml><?xml version="1.0" encoding="utf-8"?>
+<p:sld xmlns:a="http://schemas.openxmlformats.org/drawingml/2006/main" xmlns:r="http://schemas.openxmlformats.org/officeDocument/2006/relationships" xmlns:p="http://schemas.openxmlformats.org/presentationml/2006/main">
+  <p:cSld>
+    <p:spTree>
+      <p:nvGrpSpPr>
+        <p:cNvPr id="1" name=""/>
+        <p:cNvGrpSpPr/>
+        <p:nvPr/>
+      </p:nvGrpSpPr>
+      <p:grpSpPr>
+        <a:xfrm>
+          <a:off x="0" y="0"/>
+          <a:ext cx="0" cy="0"/>
+          <a:chOff x="0" y="0"/>
+          <a:chExt cx="0" cy="0"/>
+        </a:xfrm>
+      </p:grpSpPr>
+      <p:sp>
+        <p:nvSpPr>
+          <p:cNvPr id="2" name="Titre 1"/>
+          <p:cNvSpPr>
+            <a:spLocks noGrp="1"/>
+          </p:cNvSpPr>
+          <p:nvPr>
+            <p:ph type="title"/>
+          </p:nvPr>
+        </p:nvSpPr>
+        <p:spPr/>
+        <p:txBody>
+          <a:bodyPr/>
+          <a:lstStyle/>
+          <a:p>
+            <a:endParaRPr lang="fr-FR" dirty="0"/>
+          </a:p>
+        </p:txBody>
+      </p:sp>
+      <p:sp>
+        <p:nvSpPr>
+          <p:cNvPr id="3" name="Espace réservé du contenu 2"/>
+          <p:cNvSpPr>
+            <a:spLocks noGrp="1"/>
+          </p:cNvSpPr>
+          <p:nvPr>
+            <p:ph idx="1"/>
+          </p:nvPr>
+        </p:nvSpPr>
+        <p:spPr/>
+        <p:txBody>
+          <a:bodyPr/>
+          <a:lstStyle/>
+          <a:p>
+            <a:endParaRPr lang="fr-FR"/>
+          </a:p>
+        </p:txBody>
+      </p:sp>
+    </p:spTree>
+    <p:extLst>
+      <p:ext uri="{BB962C8B-B14F-4D97-AF65-F5344CB8AC3E}">
+        <p14:creationId xmlns:p14="http://schemas.microsoft.com/office/powerpoint/2010/main" val="3073564625"/>
+      </p:ext>
+    </p:extLst>
+  </p:cSld>
+  <p:clrMapOvr>
+    <a:masterClrMapping/>
+  </p:clrMapOvr>
+</p:sld>
+</file>
+
+<file path=ppt/slides/slide12.xml><?xml version="1.0" encoding="utf-8"?>
+<p:sld xmlns:a="http://schemas.openxmlformats.org/drawingml/2006/main" xmlns:r="http://schemas.openxmlformats.org/officeDocument/2006/relationships" xmlns:p="http://schemas.openxmlformats.org/presentationml/2006/main">
+  <p:cSld>
+    <p:spTree>
+      <p:nvGrpSpPr>
+        <p:cNvPr id="1" name=""/>
+        <p:cNvGrpSpPr/>
+        <p:nvPr/>
+      </p:nvGrpSpPr>
+      <p:grpSpPr>
+        <a:xfrm>
+          <a:off x="0" y="0"/>
+          <a:ext cx="0" cy="0"/>
+          <a:chOff x="0" y="0"/>
+          <a:chExt cx="0" cy="0"/>
+        </a:xfrm>
+      </p:grpSpPr>
+      <p:sp>
+        <p:nvSpPr>
+          <p:cNvPr id="2" name="Titre 1"/>
+          <p:cNvSpPr>
+            <a:spLocks noGrp="1"/>
+          </p:cNvSpPr>
+          <p:nvPr>
+            <p:ph type="title"/>
+          </p:nvPr>
+        </p:nvSpPr>
+        <p:spPr/>
+        <p:txBody>
+          <a:bodyPr/>
+          <a:lstStyle/>
+          <a:p>
+            <a:endParaRPr lang="fr-FR"/>
+          </a:p>
+        </p:txBody>
+      </p:sp>
+      <p:sp>
+        <p:nvSpPr>
+          <p:cNvPr id="3" name="Espace réservé du contenu 2"/>
+          <p:cNvSpPr>
+            <a:spLocks noGrp="1"/>
+          </p:cNvSpPr>
+          <p:nvPr>
+            <p:ph idx="1"/>
+          </p:nvPr>
+        </p:nvSpPr>
+        <p:spPr/>
+        <p:txBody>
+          <a:bodyPr/>
+          <a:lstStyle/>
+          <a:p>
+            <a:endParaRPr lang="fr-FR"/>
+          </a:p>
+        </p:txBody>
+      </p:sp>
+    </p:spTree>
+    <p:extLst>
+      <p:ext uri="{BB962C8B-B14F-4D97-AF65-F5344CB8AC3E}">
+        <p14:creationId xmlns:p14="http://schemas.microsoft.com/office/powerpoint/2010/main" val="3663691689"/>
+      </p:ext>
+    </p:extLst>
+  </p:cSld>
+  <p:clrMapOvr>
+    <a:masterClrMapping/>
+  </p:clrMapOvr>
+</p:sld>
+</file>
+
 <file path=ppt/slides/slide2.xml><?xml version="1.0" encoding="utf-8"?>
 <p:sld xmlns:a="http://schemas.openxmlformats.org/drawingml/2006/main" xmlns:r="http://schemas.openxmlformats.org/officeDocument/2006/relationships" xmlns:p="http://schemas.openxmlformats.org/presentationml/2006/main">
   <p:cSld>
@@ -12945,44 +20153,183 @@
             </a:r>
             <a:r>
               <a:rPr lang="fr-FR" dirty="0" smtClean="0"/>
-              <a:t> Design</a:t>
+              <a:t> Design - Phases</a:t>
             </a:r>
             <a:endParaRPr lang="fr-FR" dirty="0"/>
           </a:p>
         </p:txBody>
       </p:sp>
-      <p:pic>
-        <p:nvPicPr>
-          <p:cNvPr id="4" name="Espace réservé du contenu 3"/>
-          <p:cNvPicPr>
-            <a:picLocks noGrp="1"/>
-          </p:cNvPicPr>
+      <p:sp>
+        <p:nvSpPr>
+          <p:cNvPr id="7" name="Espace réservé du contenu 6"/>
+          <p:cNvSpPr>
+            <a:spLocks noGrp="1"/>
+          </p:cNvSpPr>
           <p:nvPr>
             <p:ph idx="1"/>
           </p:nvPr>
-        </p:nvPicPr>
-        <p:blipFill>
-          <a:blip r:embed="rId2">
-            <a:extLst>
-              <a:ext uri="{28A0092B-C50C-407E-A947-70E740481C1C}">
-                <a14:useLocalDpi xmlns:a14="http://schemas.microsoft.com/office/drawing/2010/main" val="0"/>
-              </a:ext>
-            </a:extLst>
-          </a:blip>
-          <a:stretch>
-            <a:fillRect/>
-          </a:stretch>
-        </p:blipFill>
+        </p:nvSpPr>
+        <p:spPr/>
+        <p:txBody>
+          <a:bodyPr/>
+          <a:lstStyle/>
+          <a:p>
+            <a:endParaRPr lang="fr-FR" dirty="0"/>
+          </a:p>
+        </p:txBody>
+      </p:sp>
+      <p:sp>
+        <p:nvSpPr>
+          <p:cNvPr id="8" name="Rectangle avec coins rognés en diagonale 7"/>
+          <p:cNvSpPr/>
+          <p:nvPr/>
+        </p:nvSpPr>
         <p:spPr>
           <a:xfrm>
-            <a:off x="1678777" y="2097088"/>
-            <a:ext cx="8013123" cy="3541712"/>
+            <a:off x="1141412" y="2763837"/>
+            <a:ext cx="2708693" cy="1656765"/>
           </a:xfrm>
-          <a:prstGeom prst="rect">
+          <a:prstGeom prst="snip2DiagRect">
             <a:avLst/>
           </a:prstGeom>
         </p:spPr>
-      </p:pic>
+        <p:style>
+          <a:lnRef idx="2">
+            <a:schemeClr val="accent1">
+              <a:shade val="50000"/>
+            </a:schemeClr>
+          </a:lnRef>
+          <a:fillRef idx="1">
+            <a:schemeClr val="accent1"/>
+          </a:fillRef>
+          <a:effectRef idx="0">
+            <a:schemeClr val="accent1"/>
+          </a:effectRef>
+          <a:fontRef idx="minor">
+            <a:schemeClr val="lt1"/>
+          </a:fontRef>
+        </p:style>
+        <p:txBody>
+          <a:bodyPr rtlCol="0" anchor="ctr"/>
+          <a:lstStyle/>
+          <a:p>
+            <a:pPr algn="ctr"/>
+            <a:r>
+              <a:rPr lang="fr-FR" dirty="0" smtClean="0"/>
+              <a:t>Running</a:t>
+            </a:r>
+            <a:endParaRPr lang="fr-FR" dirty="0"/>
+          </a:p>
+        </p:txBody>
+      </p:sp>
+      <p:sp>
+        <p:nvSpPr>
+          <p:cNvPr id="9" name="Rectangle avec coins rognés en diagonale 8"/>
+          <p:cNvSpPr/>
+          <p:nvPr/>
+        </p:nvSpPr>
+        <p:spPr>
+          <a:xfrm>
+            <a:off x="4740065" y="2763835"/>
+            <a:ext cx="2708693" cy="1656765"/>
+          </a:xfrm>
+          <a:prstGeom prst="snip2DiagRect">
+            <a:avLst/>
+          </a:prstGeom>
+          <a:solidFill>
+            <a:schemeClr val="accent2">
+              <a:lumMod val="75000"/>
+            </a:schemeClr>
+          </a:solidFill>
+          <a:ln>
+            <a:solidFill>
+              <a:schemeClr val="accent2">
+                <a:lumMod val="75000"/>
+              </a:schemeClr>
+            </a:solidFill>
+          </a:ln>
+        </p:spPr>
+        <p:style>
+          <a:lnRef idx="2">
+            <a:schemeClr val="accent1">
+              <a:shade val="50000"/>
+            </a:schemeClr>
+          </a:lnRef>
+          <a:fillRef idx="1">
+            <a:schemeClr val="accent1"/>
+          </a:fillRef>
+          <a:effectRef idx="0">
+            <a:schemeClr val="accent1"/>
+          </a:effectRef>
+          <a:fontRef idx="minor">
+            <a:schemeClr val="lt1"/>
+          </a:fontRef>
+        </p:style>
+        <p:txBody>
+          <a:bodyPr rtlCol="0" anchor="ctr"/>
+          <a:lstStyle/>
+          <a:p>
+            <a:pPr algn="ctr"/>
+            <a:r>
+              <a:rPr lang="fr-FR" dirty="0" smtClean="0"/>
+              <a:t>Hard Running</a:t>
+            </a:r>
+            <a:endParaRPr lang="fr-FR" dirty="0"/>
+          </a:p>
+        </p:txBody>
+      </p:sp>
+      <p:sp>
+        <p:nvSpPr>
+          <p:cNvPr id="10" name="Rectangle avec coins rognés en diagonale 9"/>
+          <p:cNvSpPr/>
+          <p:nvPr/>
+        </p:nvSpPr>
+        <p:spPr>
+          <a:xfrm>
+            <a:off x="8338718" y="2763834"/>
+            <a:ext cx="2708693" cy="1656765"/>
+          </a:xfrm>
+          <a:prstGeom prst="snip2DiagRect">
+            <a:avLst/>
+          </a:prstGeom>
+          <a:solidFill>
+            <a:srgbClr val="FF0000"/>
+          </a:solidFill>
+          <a:ln>
+            <a:solidFill>
+              <a:srgbClr val="FF0000"/>
+            </a:solidFill>
+          </a:ln>
+        </p:spPr>
+        <p:style>
+          <a:lnRef idx="2">
+            <a:schemeClr val="accent1">
+              <a:shade val="50000"/>
+            </a:schemeClr>
+          </a:lnRef>
+          <a:fillRef idx="1">
+            <a:schemeClr val="accent1"/>
+          </a:fillRef>
+          <a:effectRef idx="0">
+            <a:schemeClr val="accent1"/>
+          </a:effectRef>
+          <a:fontRef idx="minor">
+            <a:schemeClr val="lt1"/>
+          </a:fontRef>
+        </p:style>
+        <p:txBody>
+          <a:bodyPr rtlCol="0" anchor="ctr"/>
+          <a:lstStyle/>
+          <a:p>
+            <a:pPr algn="ctr"/>
+            <a:r>
+              <a:rPr lang="fr-FR" dirty="0" err="1" smtClean="0"/>
+              <a:t>Arena</a:t>
+            </a:r>
+            <a:endParaRPr lang="fr-FR" dirty="0"/>
+          </a:p>
+        </p:txBody>
+      </p:sp>
     </p:spTree>
     <p:extLst>
       <p:ext uri="{BB962C8B-B14F-4D97-AF65-F5344CB8AC3E}">
@@ -13030,7 +20377,11 @@
           <a:p>
             <a:r>
               <a:rPr lang="fr-FR" dirty="0" err="1" smtClean="0"/>
-              <a:t>Screenshots</a:t>
+              <a:t>Level</a:t>
+            </a:r>
+            <a:r>
+              <a:rPr lang="fr-FR" dirty="0" smtClean="0"/>
+              <a:t> Design – Exemple</a:t>
             </a:r>
             <a:endParaRPr lang="fr-FR" dirty="0"/>
           </a:p>
@@ -13040,7 +20391,7 @@
         <p:nvPicPr>
           <p:cNvPr id="4" name="Espace réservé du contenu 3"/>
           <p:cNvPicPr>
-            <a:picLocks noGrp="1" noChangeAspect="1"/>
+            <a:picLocks noGrp="1"/>
           </p:cNvPicPr>
           <p:nvPr>
             <p:ph idx="1"/>
@@ -13060,35 +20411,8 @@
         </p:blipFill>
         <p:spPr>
           <a:xfrm>
-            <a:off x="8459249" y="1874300"/>
-            <a:ext cx="3419715" cy="3541712"/>
-          </a:xfrm>
-        </p:spPr>
-      </p:pic>
-      <p:pic>
-        <p:nvPicPr>
-          <p:cNvPr id="5" name="Image 4"/>
-          <p:cNvPicPr>
-            <a:picLocks noChangeAspect="1"/>
-          </p:cNvPicPr>
-          <p:nvPr/>
-        </p:nvPicPr>
-        <p:blipFill>
-          <a:blip r:embed="rId3">
-            <a:extLst>
-              <a:ext uri="{28A0092B-C50C-407E-A947-70E740481C1C}">
-                <a14:useLocalDpi xmlns:a14="http://schemas.microsoft.com/office/drawing/2010/main" val="0"/>
-              </a:ext>
-            </a:extLst>
-          </a:blip>
-          <a:stretch>
-            <a:fillRect/>
-          </a:stretch>
-        </p:blipFill>
-        <p:spPr>
-          <a:xfrm>
-            <a:off x="309860" y="1874300"/>
-            <a:ext cx="7708232" cy="3916900"/>
+            <a:off x="1678777" y="2097088"/>
+            <a:ext cx="8013123" cy="3541712"/>
           </a:xfrm>
           <a:prstGeom prst="rect">
             <a:avLst/>
@@ -13098,7 +20422,7 @@
     </p:spTree>
     <p:extLst>
       <p:ext uri="{BB962C8B-B14F-4D97-AF65-F5344CB8AC3E}">
-        <p14:creationId xmlns:p14="http://schemas.microsoft.com/office/powerpoint/2010/main" val="1187740335"/>
+        <p14:creationId xmlns:p14="http://schemas.microsoft.com/office/powerpoint/2010/main" val="2211978006"/>
       </p:ext>
     </p:extLst>
   </p:cSld>
@@ -13140,33 +20464,69 @@
           <a:bodyPr/>
           <a:lstStyle/>
           <a:p>
-            <a:endParaRPr lang="fr-FR"/>
+            <a:r>
+              <a:rPr lang="fr-FR" dirty="0" smtClean="0"/>
+              <a:t>Workflow</a:t>
+            </a:r>
+            <a:endParaRPr lang="fr-FR" dirty="0"/>
           </a:p>
         </p:txBody>
       </p:sp>
-      <p:sp>
-        <p:nvSpPr>
-          <p:cNvPr id="3" name="Espace réservé du contenu 2"/>
-          <p:cNvSpPr>
-            <a:spLocks noGrp="1"/>
-          </p:cNvSpPr>
+      <p:pic>
+        <p:nvPicPr>
+          <p:cNvPr id="4" name="Espace réservé du contenu 3"/>
+          <p:cNvPicPr>
+            <a:picLocks noGrp="1" noChangeAspect="1"/>
+          </p:cNvPicPr>
           <p:nvPr>
             <p:ph idx="1"/>
           </p:nvPr>
-        </p:nvSpPr>
-        <p:spPr/>
-        <p:txBody>
-          <a:bodyPr/>
-          <a:lstStyle/>
-          <a:p>
-            <a:endParaRPr lang="fr-FR"/>
-          </a:p>
-        </p:txBody>
-      </p:sp>
+        </p:nvPicPr>
+        <p:blipFill>
+          <a:blip r:embed="rId2">
+            <a:extLst>
+              <a:ext uri="{28A0092B-C50C-407E-A947-70E740481C1C}">
+                <a14:useLocalDpi xmlns:a14="http://schemas.microsoft.com/office/drawing/2010/main" val="0"/>
+              </a:ext>
+            </a:extLst>
+          </a:blip>
+          <a:stretch>
+            <a:fillRect/>
+          </a:stretch>
+        </p:blipFill>
+        <p:spPr>
+          <a:xfrm>
+            <a:off x="479250" y="1763713"/>
+            <a:ext cx="3790243" cy="2132012"/>
+          </a:xfrm>
+        </p:spPr>
+      </p:pic>
+      <p:graphicFrame>
+        <p:nvGraphicFramePr>
+          <p:cNvPr id="5" name="Diagramme 4"/>
+          <p:cNvGraphicFramePr/>
+          <p:nvPr>
+            <p:extLst>
+              <p:ext uri="{D42A27DB-BD31-4B8C-83A1-F6EECF244321}">
+                <p14:modId xmlns:p14="http://schemas.microsoft.com/office/powerpoint/2010/main" val="318884303"/>
+              </p:ext>
+            </p:extLst>
+          </p:nvPr>
+        </p:nvGraphicFramePr>
+        <p:xfrm>
+          <a:off x="4638675" y="1357803"/>
+          <a:ext cx="6934200" cy="3429000"/>
+        </p:xfrm>
+        <a:graphic>
+          <a:graphicData uri="http://schemas.openxmlformats.org/drawingml/2006/diagram">
+            <dgm:relIds xmlns:dgm="http://schemas.openxmlformats.org/drawingml/2006/diagram" xmlns:r="http://schemas.openxmlformats.org/officeDocument/2006/relationships" r:dm="rId3" r:lo="rId4" r:qs="rId5" r:cs="rId6"/>
+          </a:graphicData>
+        </a:graphic>
+      </p:graphicFrame>
     </p:spTree>
     <p:extLst>
       <p:ext uri="{BB962C8B-B14F-4D97-AF65-F5344CB8AC3E}">
-        <p14:creationId xmlns:p14="http://schemas.microsoft.com/office/powerpoint/2010/main" val="3073564625"/>
+        <p14:creationId xmlns:p14="http://schemas.microsoft.com/office/powerpoint/2010/main" val="610230110"/>
       </p:ext>
     </p:extLst>
   </p:cSld>
@@ -13208,7 +20568,11 @@
           <a:bodyPr/>
           <a:lstStyle/>
           <a:p>
-            <a:endParaRPr lang="fr-FR"/>
+            <a:r>
+              <a:rPr lang="fr-FR" dirty="0" smtClean="0"/>
+              <a:t>Développement – Difficultés et solutions</a:t>
+            </a:r>
+            <a:endParaRPr lang="fr-FR" dirty="0"/>
           </a:p>
         </p:txBody>
       </p:sp>
@@ -13227,14 +20591,228 @@
           <a:bodyPr/>
           <a:lstStyle/>
           <a:p>
+            <a:endParaRPr lang="fr-FR" dirty="0"/>
+          </a:p>
+        </p:txBody>
+      </p:sp>
+      <p:sp>
+        <p:nvSpPr>
+          <p:cNvPr id="4" name="Explosion 1 3"/>
+          <p:cNvSpPr/>
+          <p:nvPr/>
+        </p:nvSpPr>
+        <p:spPr>
+          <a:xfrm>
+            <a:off x="1000125" y="1890713"/>
+            <a:ext cx="3390900" cy="4276724"/>
+          </a:xfrm>
+          <a:prstGeom prst="irregularSeal1">
+            <a:avLst/>
+          </a:prstGeom>
+          <a:solidFill>
+            <a:srgbClr val="FF0000"/>
+          </a:solidFill>
+          <a:ln>
+            <a:solidFill>
+              <a:srgbClr val="FF0000"/>
+            </a:solidFill>
+          </a:ln>
+        </p:spPr>
+        <p:style>
+          <a:lnRef idx="2">
+            <a:schemeClr val="accent1">
+              <a:shade val="50000"/>
+            </a:schemeClr>
+          </a:lnRef>
+          <a:fillRef idx="1">
+            <a:schemeClr val="accent1"/>
+          </a:fillRef>
+          <a:effectRef idx="0">
+            <a:schemeClr val="accent1"/>
+          </a:effectRef>
+          <a:fontRef idx="minor">
+            <a:schemeClr val="lt1"/>
+          </a:fontRef>
+        </p:style>
+        <p:txBody>
+          <a:bodyPr rtlCol="0" anchor="ctr"/>
+          <a:lstStyle/>
+          <a:p>
+            <a:pPr algn="ctr"/>
+            <a:r>
+              <a:rPr lang="fr-FR" dirty="0" smtClean="0"/>
+              <a:t>Script difficilement adaptable ou extensible</a:t>
+            </a:r>
+            <a:endParaRPr lang="fr-FR" dirty="0"/>
+          </a:p>
+        </p:txBody>
+      </p:sp>
+      <p:sp>
+        <p:nvSpPr>
+          <p:cNvPr id="5" name="Flèche droite 4"/>
+          <p:cNvSpPr/>
+          <p:nvPr/>
+        </p:nvSpPr>
+        <p:spPr>
+          <a:xfrm>
+            <a:off x="4924425" y="3257550"/>
+            <a:ext cx="2800350" cy="1543050"/>
+          </a:xfrm>
+          <a:prstGeom prst="rightArrow">
+            <a:avLst/>
+          </a:prstGeom>
+        </p:spPr>
+        <p:style>
+          <a:lnRef idx="2">
+            <a:schemeClr val="accent1">
+              <a:shade val="50000"/>
+            </a:schemeClr>
+          </a:lnRef>
+          <a:fillRef idx="1">
+            <a:schemeClr val="accent1"/>
+          </a:fillRef>
+          <a:effectRef idx="0">
+            <a:schemeClr val="accent1"/>
+          </a:effectRef>
+          <a:fontRef idx="minor">
+            <a:schemeClr val="lt1"/>
+          </a:fontRef>
+        </p:style>
+        <p:txBody>
+          <a:bodyPr rtlCol="0" anchor="ctr"/>
+          <a:lstStyle/>
+          <a:p>
+            <a:pPr algn="ctr"/>
             <a:endParaRPr lang="fr-FR"/>
+          </a:p>
+        </p:txBody>
+      </p:sp>
+      <p:sp>
+        <p:nvSpPr>
+          <p:cNvPr id="6" name="Croix 5"/>
+          <p:cNvSpPr/>
+          <p:nvPr/>
+        </p:nvSpPr>
+        <p:spPr>
+          <a:xfrm>
+            <a:off x="8039101" y="2924175"/>
+            <a:ext cx="2752725" cy="2209800"/>
+          </a:xfrm>
+          <a:prstGeom prst="plus">
+            <a:avLst/>
+          </a:prstGeom>
+        </p:spPr>
+        <p:style>
+          <a:lnRef idx="2">
+            <a:schemeClr val="accent1">
+              <a:shade val="50000"/>
+            </a:schemeClr>
+          </a:lnRef>
+          <a:fillRef idx="1">
+            <a:schemeClr val="accent1"/>
+          </a:fillRef>
+          <a:effectRef idx="0">
+            <a:schemeClr val="accent1"/>
+          </a:effectRef>
+          <a:fontRef idx="minor">
+            <a:schemeClr val="lt1"/>
+          </a:fontRef>
+        </p:style>
+        <p:txBody>
+          <a:bodyPr rtlCol="0" anchor="ctr"/>
+          <a:lstStyle/>
+          <a:p>
+            <a:pPr algn="ctr"/>
+            <a:r>
+              <a:rPr lang="fr-FR" dirty="0" smtClean="0"/>
+              <a:t>Réécriture partielle ou complète</a:t>
+            </a:r>
+            <a:endParaRPr lang="fr-FR" dirty="0"/>
           </a:p>
         </p:txBody>
       </p:sp>
     </p:spTree>
     <p:extLst>
       <p:ext uri="{BB962C8B-B14F-4D97-AF65-F5344CB8AC3E}">
-        <p14:creationId xmlns:p14="http://schemas.microsoft.com/office/powerpoint/2010/main" val="3663691689"/>
+        <p14:creationId xmlns:p14="http://schemas.microsoft.com/office/powerpoint/2010/main" val="2884293537"/>
+      </p:ext>
+    </p:extLst>
+  </p:cSld>
+  <p:clrMapOvr>
+    <a:masterClrMapping/>
+  </p:clrMapOvr>
+</p:sld>
+</file>
+
+<file path=ppt/slides/slide9.xml><?xml version="1.0" encoding="utf-8"?>
+<p:sld xmlns:a="http://schemas.openxmlformats.org/drawingml/2006/main" xmlns:r="http://schemas.openxmlformats.org/officeDocument/2006/relationships" xmlns:p="http://schemas.openxmlformats.org/presentationml/2006/main">
+  <p:cSld>
+    <p:spTree>
+      <p:nvGrpSpPr>
+        <p:cNvPr id="1" name=""/>
+        <p:cNvGrpSpPr/>
+        <p:nvPr/>
+      </p:nvGrpSpPr>
+      <p:grpSpPr>
+        <a:xfrm>
+          <a:off x="0" y="0"/>
+          <a:ext cx="0" cy="0"/>
+          <a:chOff x="0" y="0"/>
+          <a:chExt cx="0" cy="0"/>
+        </a:xfrm>
+      </p:grpSpPr>
+      <p:sp>
+        <p:nvSpPr>
+          <p:cNvPr id="2" name="Titre 1"/>
+          <p:cNvSpPr>
+            <a:spLocks noGrp="1"/>
+          </p:cNvSpPr>
+          <p:nvPr>
+            <p:ph type="title"/>
+          </p:nvPr>
+        </p:nvSpPr>
+        <p:spPr/>
+        <p:txBody>
+          <a:bodyPr/>
+          <a:lstStyle/>
+          <a:p>
+            <a:r>
+              <a:rPr lang="fr-FR" dirty="0" smtClean="0"/>
+              <a:t>Améliorations possibles</a:t>
+            </a:r>
+            <a:endParaRPr lang="fr-FR" dirty="0"/>
+          </a:p>
+        </p:txBody>
+      </p:sp>
+      <p:graphicFrame>
+        <p:nvGraphicFramePr>
+          <p:cNvPr id="4" name="Espace réservé du contenu 3"/>
+          <p:cNvGraphicFramePr>
+            <a:graphicFrameLocks noGrp="1"/>
+          </p:cNvGraphicFramePr>
+          <p:nvPr>
+            <p:ph idx="1"/>
+            <p:extLst>
+              <p:ext uri="{D42A27DB-BD31-4B8C-83A1-F6EECF244321}">
+                <p14:modId xmlns:p14="http://schemas.microsoft.com/office/powerpoint/2010/main" val="3051289489"/>
+              </p:ext>
+            </p:extLst>
+          </p:nvPr>
+        </p:nvGraphicFramePr>
+        <p:xfrm>
+          <a:off x="559837" y="1623527"/>
+          <a:ext cx="10487574" cy="4898571"/>
+        </p:xfrm>
+        <a:graphic>
+          <a:graphicData uri="http://schemas.openxmlformats.org/drawingml/2006/diagram">
+            <dgm:relIds xmlns:dgm="http://schemas.openxmlformats.org/drawingml/2006/diagram" xmlns:r="http://schemas.openxmlformats.org/officeDocument/2006/relationships" r:dm="rId2" r:lo="rId3" r:qs="rId4" r:cs="rId5"/>
+          </a:graphicData>
+        </a:graphic>
+      </p:graphicFrame>
+    </p:spTree>
+    <p:extLst>
+      <p:ext uri="{BB962C8B-B14F-4D97-AF65-F5344CB8AC3E}">
+        <p14:creationId xmlns:p14="http://schemas.microsoft.com/office/powerpoint/2010/main" val="156906607"/>
       </p:ext>
     </p:extLst>
   </p:cSld>

--- a/Docs/Rushup.pptx
+++ b/Docs/Rushup.pptx
@@ -15,8 +15,7 @@
     <p:sldId id="267" r:id="rId9"/>
     <p:sldId id="268" r:id="rId10"/>
     <p:sldId id="262" r:id="rId11"/>
-    <p:sldId id="260" r:id="rId12"/>
-    <p:sldId id="261" r:id="rId13"/>
+    <p:sldId id="261" r:id="rId12"/>
   </p:sldIdLst>
   <p:sldSz cx="12192000" cy="6858000"/>
   <p:notesSz cx="6858000" cy="9144000"/>
@@ -1911,7 +1910,13 @@
     </dgm:pt>
     <dgm:pt modelId="{C693805A-7184-4E30-BE4B-4EF11638EEEF}">
       <dgm:prSet phldrT="[Texte]"/>
-      <dgm:spPr/>
+      <dgm:spPr>
+        <a:solidFill>
+          <a:schemeClr val="accent4">
+            <a:lumMod val="75000"/>
+          </a:schemeClr>
+        </a:solidFill>
+      </dgm:spPr>
       <dgm:t>
         <a:bodyPr/>
         <a:lstStyle/>
@@ -1948,7 +1953,13 @@
     </dgm:pt>
     <dgm:pt modelId="{3421A122-9284-4756-80E7-C2F4EEB3C994}">
       <dgm:prSet phldrT="[Texte]"/>
-      <dgm:spPr/>
+      <dgm:spPr>
+        <a:solidFill>
+          <a:schemeClr val="accent4">
+            <a:lumMod val="75000"/>
+          </a:schemeClr>
+        </a:solidFill>
+      </dgm:spPr>
       <dgm:t>
         <a:bodyPr/>
         <a:lstStyle/>
@@ -1985,7 +1996,13 @@
     </dgm:pt>
     <dgm:pt modelId="{59FB6444-2263-4A64-8427-A6BB8B0EBEBC}">
       <dgm:prSet phldrT="[Texte]"/>
-      <dgm:spPr/>
+      <dgm:spPr>
+        <a:solidFill>
+          <a:schemeClr val="accent4">
+            <a:lumMod val="75000"/>
+          </a:schemeClr>
+        </a:solidFill>
+      </dgm:spPr>
       <dgm:t>
         <a:bodyPr/>
         <a:lstStyle/>
@@ -2022,7 +2039,13 @@
     </dgm:pt>
     <dgm:pt modelId="{7AF7A540-419C-4A9F-8D2A-083F012AF965}">
       <dgm:prSet/>
-      <dgm:spPr/>
+      <dgm:spPr>
+        <a:solidFill>
+          <a:schemeClr val="accent4">
+            <a:lumMod val="75000"/>
+          </a:schemeClr>
+        </a:solidFill>
+      </dgm:spPr>
       <dgm:t>
         <a:bodyPr/>
         <a:lstStyle/>
@@ -2059,7 +2082,13 @@
     </dgm:pt>
     <dgm:pt modelId="{EF52BCC4-F9DC-4ECC-BDCC-AEB51555BECB}">
       <dgm:prSet/>
-      <dgm:spPr/>
+      <dgm:spPr>
+        <a:solidFill>
+          <a:schemeClr val="accent4">
+            <a:lumMod val="75000"/>
+          </a:schemeClr>
+        </a:solidFill>
+      </dgm:spPr>
       <dgm:t>
         <a:bodyPr/>
         <a:lstStyle/>
@@ -2096,7 +2125,13 @@
     </dgm:pt>
     <dgm:pt modelId="{68768EEC-8423-4011-99D9-4D6F3EDC3809}">
       <dgm:prSet/>
-      <dgm:spPr/>
+      <dgm:spPr>
+        <a:solidFill>
+          <a:schemeClr val="accent2">
+            <a:lumMod val="75000"/>
+          </a:schemeClr>
+        </a:solidFill>
+      </dgm:spPr>
       <dgm:t>
         <a:bodyPr/>
         <a:lstStyle/>
@@ -2170,7 +2205,13 @@
     </dgm:pt>
     <dgm:pt modelId="{4D3CB479-614D-48CB-ADA6-6FF5362F0D67}">
       <dgm:prSet/>
-      <dgm:spPr/>
+      <dgm:spPr>
+        <a:solidFill>
+          <a:schemeClr val="accent2">
+            <a:lumMod val="75000"/>
+          </a:schemeClr>
+        </a:solidFill>
+      </dgm:spPr>
       <dgm:t>
         <a:bodyPr/>
         <a:lstStyle/>
@@ -2211,7 +2252,13 @@
     </dgm:pt>
     <dgm:pt modelId="{573614D4-8D5D-4224-8843-2A282A3CE896}">
       <dgm:prSet/>
-      <dgm:spPr/>
+      <dgm:spPr>
+        <a:solidFill>
+          <a:schemeClr val="accent4">
+            <a:lumMod val="75000"/>
+          </a:schemeClr>
+        </a:solidFill>
+      </dgm:spPr>
       <dgm:t>
         <a:bodyPr/>
         <a:lstStyle/>
@@ -2894,11 +2941,8 @@
           <a:avLst/>
         </a:prstGeom>
         <a:solidFill>
-          <a:schemeClr val="accent1">
-            <a:hueOff val="0"/>
-            <a:satOff val="0"/>
-            <a:lumOff val="0"/>
-            <a:alphaOff val="0"/>
+          <a:schemeClr val="accent4">
+            <a:lumMod val="75000"/>
           </a:schemeClr>
         </a:solidFill>
         <a:ln w="15875" cap="flat" cmpd="sng" algn="ctr">
@@ -2971,11 +3015,8 @@
           <a:avLst/>
         </a:prstGeom>
         <a:solidFill>
-          <a:schemeClr val="accent1">
-            <a:hueOff val="0"/>
-            <a:satOff val="0"/>
-            <a:lumOff val="0"/>
-            <a:alphaOff val="0"/>
+          <a:schemeClr val="accent4">
+            <a:lumMod val="75000"/>
           </a:schemeClr>
         </a:solidFill>
         <a:ln w="15875" cap="flat" cmpd="sng" algn="ctr">
@@ -3048,11 +3089,8 @@
           <a:avLst/>
         </a:prstGeom>
         <a:solidFill>
-          <a:schemeClr val="accent1">
-            <a:hueOff val="0"/>
-            <a:satOff val="0"/>
-            <a:lumOff val="0"/>
-            <a:alphaOff val="0"/>
+          <a:schemeClr val="accent4">
+            <a:lumMod val="75000"/>
           </a:schemeClr>
         </a:solidFill>
         <a:ln w="15875" cap="flat" cmpd="sng" algn="ctr">
@@ -3125,11 +3163,8 @@
           <a:avLst/>
         </a:prstGeom>
         <a:solidFill>
-          <a:schemeClr val="accent1">
-            <a:hueOff val="0"/>
-            <a:satOff val="0"/>
-            <a:lumOff val="0"/>
-            <a:alphaOff val="0"/>
+          <a:schemeClr val="accent4">
+            <a:lumMod val="75000"/>
           </a:schemeClr>
         </a:solidFill>
         <a:ln w="15875" cap="flat" cmpd="sng" algn="ctr">
@@ -3202,11 +3237,8 @@
           <a:avLst/>
         </a:prstGeom>
         <a:solidFill>
-          <a:schemeClr val="accent1">
-            <a:hueOff val="0"/>
-            <a:satOff val="0"/>
-            <a:lumOff val="0"/>
-            <a:alphaOff val="0"/>
+          <a:schemeClr val="accent4">
+            <a:lumMod val="75000"/>
           </a:schemeClr>
         </a:solidFill>
         <a:ln w="15875" cap="flat" cmpd="sng" algn="ctr">
@@ -3279,11 +3311,8 @@
           <a:avLst/>
         </a:prstGeom>
         <a:solidFill>
-          <a:schemeClr val="accent1">
-            <a:hueOff val="0"/>
-            <a:satOff val="0"/>
-            <a:lumOff val="0"/>
-            <a:alphaOff val="0"/>
+          <a:schemeClr val="accent4">
+            <a:lumMod val="75000"/>
           </a:schemeClr>
         </a:solidFill>
         <a:ln w="15875" cap="flat" cmpd="sng" algn="ctr">
@@ -3356,11 +3385,8 @@
           <a:avLst/>
         </a:prstGeom>
         <a:solidFill>
-          <a:schemeClr val="accent1">
-            <a:hueOff val="0"/>
-            <a:satOff val="0"/>
-            <a:lumOff val="0"/>
-            <a:alphaOff val="0"/>
+          <a:schemeClr val="accent2">
+            <a:lumMod val="75000"/>
           </a:schemeClr>
         </a:solidFill>
         <a:ln w="15875" cap="flat" cmpd="sng" algn="ctr">
@@ -3510,11 +3536,8 @@
           <a:avLst/>
         </a:prstGeom>
         <a:solidFill>
-          <a:schemeClr val="accent1">
-            <a:hueOff val="0"/>
-            <a:satOff val="0"/>
-            <a:lumOff val="0"/>
-            <a:alphaOff val="0"/>
+          <a:schemeClr val="accent2">
+            <a:lumMod val="75000"/>
           </a:schemeClr>
         </a:solidFill>
         <a:ln w="15875" cap="flat" cmpd="sng" algn="ctr">
@@ -19474,6 +19497,142 @@
   <p:clrMapOvr>
     <a:masterClrMapping/>
   </p:clrMapOvr>
+  <p:timing>
+    <p:tnLst>
+      <p:par>
+        <p:cTn id="1" dur="indefinite" restart="never" nodeType="tmRoot">
+          <p:childTnLst>
+            <p:seq concurrent="1" nextAc="seek">
+              <p:cTn id="2" dur="indefinite" nodeType="mainSeq">
+                <p:childTnLst>
+                  <p:par>
+                    <p:cTn id="3" fill="hold">
+                      <p:stCondLst>
+                        <p:cond delay="indefinite"/>
+                      </p:stCondLst>
+                      <p:childTnLst>
+                        <p:par>
+                          <p:cTn id="4" fill="hold">
+                            <p:stCondLst>
+                              <p:cond delay="0"/>
+                            </p:stCondLst>
+                            <p:childTnLst>
+                              <p:par>
+                                <p:cTn id="5" presetID="10" presetClass="entr" presetSubtype="0" fill="hold" nodeType="clickEffect">
+                                  <p:stCondLst>
+                                    <p:cond delay="0"/>
+                                  </p:stCondLst>
+                                  <p:childTnLst>
+                                    <p:set>
+                                      <p:cBhvr>
+                                        <p:cTn id="6" dur="1" fill="hold">
+                                          <p:stCondLst>
+                                            <p:cond delay="0"/>
+                                          </p:stCondLst>
+                                        </p:cTn>
+                                        <p:tgtEl>
+                                          <p:spTgt spid="5"/>
+                                        </p:tgtEl>
+                                        <p:attrNameLst>
+                                          <p:attrName>style.visibility</p:attrName>
+                                        </p:attrNameLst>
+                                      </p:cBhvr>
+                                      <p:to>
+                                        <p:strVal val="visible"/>
+                                      </p:to>
+                                    </p:set>
+                                    <p:animEffect transition="in" filter="fade">
+                                      <p:cBhvr>
+                                        <p:cTn id="7" dur="500"/>
+                                        <p:tgtEl>
+                                          <p:spTgt spid="5"/>
+                                        </p:tgtEl>
+                                      </p:cBhvr>
+                                    </p:animEffect>
+                                  </p:childTnLst>
+                                </p:cTn>
+                              </p:par>
+                            </p:childTnLst>
+                          </p:cTn>
+                        </p:par>
+                      </p:childTnLst>
+                    </p:cTn>
+                  </p:par>
+                  <p:par>
+                    <p:cTn id="8" fill="hold">
+                      <p:stCondLst>
+                        <p:cond delay="indefinite"/>
+                      </p:stCondLst>
+                      <p:childTnLst>
+                        <p:par>
+                          <p:cTn id="9" fill="hold">
+                            <p:stCondLst>
+                              <p:cond delay="0"/>
+                            </p:stCondLst>
+                            <p:childTnLst>
+                              <p:par>
+                                <p:cTn id="10" presetID="10" presetClass="entr" presetSubtype="0" fill="hold" nodeType="clickEffect">
+                                  <p:stCondLst>
+                                    <p:cond delay="0"/>
+                                  </p:stCondLst>
+                                  <p:childTnLst>
+                                    <p:set>
+                                      <p:cBhvr>
+                                        <p:cTn id="11" dur="1" fill="hold">
+                                          <p:stCondLst>
+                                            <p:cond delay="0"/>
+                                          </p:stCondLst>
+                                        </p:cTn>
+                                        <p:tgtEl>
+                                          <p:spTgt spid="4"/>
+                                        </p:tgtEl>
+                                        <p:attrNameLst>
+                                          <p:attrName>style.visibility</p:attrName>
+                                        </p:attrNameLst>
+                                      </p:cBhvr>
+                                      <p:to>
+                                        <p:strVal val="visible"/>
+                                      </p:to>
+                                    </p:set>
+                                    <p:animEffect transition="in" filter="fade">
+                                      <p:cBhvr>
+                                        <p:cTn id="12" dur="500"/>
+                                        <p:tgtEl>
+                                          <p:spTgt spid="4"/>
+                                        </p:tgtEl>
+                                      </p:cBhvr>
+                                    </p:animEffect>
+                                  </p:childTnLst>
+                                </p:cTn>
+                              </p:par>
+                            </p:childTnLst>
+                          </p:cTn>
+                        </p:par>
+                      </p:childTnLst>
+                    </p:cTn>
+                  </p:par>
+                </p:childTnLst>
+              </p:cTn>
+              <p:prevCondLst>
+                <p:cond evt="onPrev" delay="0">
+                  <p:tgtEl>
+                    <p:sldTgt/>
+                  </p:tgtEl>
+                </p:cond>
+              </p:prevCondLst>
+              <p:nextCondLst>
+                <p:cond evt="onNext" delay="0">
+                  <p:tgtEl>
+                    <p:sldTgt/>
+                  </p:tgtEl>
+                </p:cond>
+              </p:nextCondLst>
+            </p:seq>
+          </p:childTnLst>
+        </p:cTn>
+      </p:par>
+    </p:tnLst>
+  </p:timing>
 </p:sld>
 </file>
 
@@ -19496,12 +19655,12 @@
       </p:grpSpPr>
       <p:sp>
         <p:nvSpPr>
-          <p:cNvPr id="2" name="Titre 1"/>
+          <p:cNvPr id="4" name="Titre 3"/>
           <p:cNvSpPr>
             <a:spLocks noGrp="1"/>
           </p:cNvSpPr>
           <p:nvPr>
-            <p:ph type="title"/>
+            <p:ph type="ctrTitle"/>
           </p:nvPr>
         </p:nvSpPr>
         <p:spPr/>
@@ -19509,86 +19668,23 @@
           <a:bodyPr/>
           <a:lstStyle/>
           <a:p>
+            <a:pPr algn="ctr"/>
+            <a:r>
+              <a:rPr lang="fr-FR" dirty="0" smtClean="0"/>
+              <a:t>Merci – Questions?</a:t>
+            </a:r>
             <a:endParaRPr lang="fr-FR" dirty="0"/>
           </a:p>
         </p:txBody>
       </p:sp>
       <p:sp>
         <p:nvSpPr>
-          <p:cNvPr id="3" name="Espace réservé du contenu 2"/>
+          <p:cNvPr id="5" name="Sous-titre 4"/>
           <p:cNvSpPr>
             <a:spLocks noGrp="1"/>
           </p:cNvSpPr>
           <p:nvPr>
-            <p:ph idx="1"/>
-          </p:nvPr>
-        </p:nvSpPr>
-        <p:spPr/>
-        <p:txBody>
-          <a:bodyPr/>
-          <a:lstStyle/>
-          <a:p>
-            <a:endParaRPr lang="fr-FR"/>
-          </a:p>
-        </p:txBody>
-      </p:sp>
-    </p:spTree>
-    <p:extLst>
-      <p:ext uri="{BB962C8B-B14F-4D97-AF65-F5344CB8AC3E}">
-        <p14:creationId xmlns:p14="http://schemas.microsoft.com/office/powerpoint/2010/main" val="3073564625"/>
-      </p:ext>
-    </p:extLst>
-  </p:cSld>
-  <p:clrMapOvr>
-    <a:masterClrMapping/>
-  </p:clrMapOvr>
-</p:sld>
-</file>
-
-<file path=ppt/slides/slide12.xml><?xml version="1.0" encoding="utf-8"?>
-<p:sld xmlns:a="http://schemas.openxmlformats.org/drawingml/2006/main" xmlns:r="http://schemas.openxmlformats.org/officeDocument/2006/relationships" xmlns:p="http://schemas.openxmlformats.org/presentationml/2006/main">
-  <p:cSld>
-    <p:spTree>
-      <p:nvGrpSpPr>
-        <p:cNvPr id="1" name=""/>
-        <p:cNvGrpSpPr/>
-        <p:nvPr/>
-      </p:nvGrpSpPr>
-      <p:grpSpPr>
-        <a:xfrm>
-          <a:off x="0" y="0"/>
-          <a:ext cx="0" cy="0"/>
-          <a:chOff x="0" y="0"/>
-          <a:chExt cx="0" cy="0"/>
-        </a:xfrm>
-      </p:grpSpPr>
-      <p:sp>
-        <p:nvSpPr>
-          <p:cNvPr id="2" name="Titre 1"/>
-          <p:cNvSpPr>
-            <a:spLocks noGrp="1"/>
-          </p:cNvSpPr>
-          <p:nvPr>
-            <p:ph type="title"/>
-          </p:nvPr>
-        </p:nvSpPr>
-        <p:spPr/>
-        <p:txBody>
-          <a:bodyPr/>
-          <a:lstStyle/>
-          <a:p>
-            <a:endParaRPr lang="fr-FR"/>
-          </a:p>
-        </p:txBody>
-      </p:sp>
-      <p:sp>
-        <p:nvSpPr>
-          <p:cNvPr id="3" name="Espace réservé du contenu 2"/>
-          <p:cNvSpPr>
-            <a:spLocks noGrp="1"/>
-          </p:cNvSpPr>
-          <p:nvPr>
-            <p:ph idx="1"/>
+            <p:ph type="subTitle" idx="1"/>
           </p:nvPr>
         </p:nvSpPr>
         <p:spPr/>
@@ -19610,6 +19706,13 @@
   <p:clrMapOvr>
     <a:masterClrMapping/>
   </p:clrMapOvr>
+  <p:timing>
+    <p:tnLst>
+      <p:par>
+        <p:cTn id="1" dur="indefinite" restart="never" nodeType="tmRoot"/>
+      </p:par>
+    </p:tnLst>
+  </p:timing>
 </p:sld>
 </file>
 
@@ -19756,6 +19859,309 @@
   <p:clrMapOvr>
     <a:masterClrMapping/>
   </p:clrMapOvr>
+  <p:timing>
+    <p:tnLst>
+      <p:par>
+        <p:cTn id="1" dur="indefinite" restart="never" nodeType="tmRoot">
+          <p:childTnLst>
+            <p:seq concurrent="1" nextAc="seek">
+              <p:cTn id="2" dur="indefinite" nodeType="mainSeq">
+                <p:childTnLst>
+                  <p:par>
+                    <p:cTn id="3" fill="hold">
+                      <p:stCondLst>
+                        <p:cond delay="indefinite"/>
+                      </p:stCondLst>
+                      <p:childTnLst>
+                        <p:par>
+                          <p:cTn id="4" fill="hold">
+                            <p:stCondLst>
+                              <p:cond delay="0"/>
+                            </p:stCondLst>
+                            <p:childTnLst>
+                              <p:par>
+                                <p:cTn id="5" presetID="2" presetClass="entr" presetSubtype="8" fill="hold" nodeType="clickEffect">
+                                  <p:stCondLst>
+                                    <p:cond delay="0"/>
+                                  </p:stCondLst>
+                                  <p:childTnLst>
+                                    <p:set>
+                                      <p:cBhvr>
+                                        <p:cTn id="6" dur="1" fill="hold">
+                                          <p:stCondLst>
+                                            <p:cond delay="0"/>
+                                          </p:stCondLst>
+                                        </p:cTn>
+                                        <p:tgtEl>
+                                          <p:spTgt spid="8"/>
+                                        </p:tgtEl>
+                                        <p:attrNameLst>
+                                          <p:attrName>style.visibility</p:attrName>
+                                        </p:attrNameLst>
+                                      </p:cBhvr>
+                                      <p:to>
+                                        <p:strVal val="visible"/>
+                                      </p:to>
+                                    </p:set>
+                                    <p:anim calcmode="lin" valueType="num">
+                                      <p:cBhvr additive="base">
+                                        <p:cTn id="7" dur="500" fill="hold"/>
+                                        <p:tgtEl>
+                                          <p:spTgt spid="8"/>
+                                        </p:tgtEl>
+                                        <p:attrNameLst>
+                                          <p:attrName>ppt_x</p:attrName>
+                                        </p:attrNameLst>
+                                      </p:cBhvr>
+                                      <p:tavLst>
+                                        <p:tav tm="0">
+                                          <p:val>
+                                            <p:strVal val="0-#ppt_w/2"/>
+                                          </p:val>
+                                        </p:tav>
+                                        <p:tav tm="100000">
+                                          <p:val>
+                                            <p:strVal val="#ppt_x"/>
+                                          </p:val>
+                                        </p:tav>
+                                      </p:tavLst>
+                                    </p:anim>
+                                    <p:anim calcmode="lin" valueType="num">
+                                      <p:cBhvr additive="base">
+                                        <p:cTn id="8" dur="500" fill="hold"/>
+                                        <p:tgtEl>
+                                          <p:spTgt spid="8"/>
+                                        </p:tgtEl>
+                                        <p:attrNameLst>
+                                          <p:attrName>ppt_y</p:attrName>
+                                        </p:attrNameLst>
+                                      </p:cBhvr>
+                                      <p:tavLst>
+                                        <p:tav tm="0">
+                                          <p:val>
+                                            <p:strVal val="#ppt_y"/>
+                                          </p:val>
+                                        </p:tav>
+                                        <p:tav tm="100000">
+                                          <p:val>
+                                            <p:strVal val="#ppt_y"/>
+                                          </p:val>
+                                        </p:tav>
+                                      </p:tavLst>
+                                    </p:anim>
+                                  </p:childTnLst>
+                                </p:cTn>
+                              </p:par>
+                            </p:childTnLst>
+                          </p:cTn>
+                        </p:par>
+                      </p:childTnLst>
+                    </p:cTn>
+                  </p:par>
+                  <p:par>
+                    <p:cTn id="9" fill="hold">
+                      <p:stCondLst>
+                        <p:cond delay="indefinite"/>
+                      </p:stCondLst>
+                      <p:childTnLst>
+                        <p:par>
+                          <p:cTn id="10" fill="hold">
+                            <p:stCondLst>
+                              <p:cond delay="0"/>
+                            </p:stCondLst>
+                            <p:childTnLst>
+                              <p:par>
+                                <p:cTn id="11" presetID="2" presetClass="entr" presetSubtype="8" fill="hold" nodeType="clickEffect">
+                                  <p:stCondLst>
+                                    <p:cond delay="0"/>
+                                  </p:stCondLst>
+                                  <p:childTnLst>
+                                    <p:set>
+                                      <p:cBhvr>
+                                        <p:cTn id="12" dur="1" fill="hold">
+                                          <p:stCondLst>
+                                            <p:cond delay="0"/>
+                                          </p:stCondLst>
+                                        </p:cTn>
+                                        <p:tgtEl>
+                                          <p:spTgt spid="9"/>
+                                        </p:tgtEl>
+                                        <p:attrNameLst>
+                                          <p:attrName>style.visibility</p:attrName>
+                                        </p:attrNameLst>
+                                      </p:cBhvr>
+                                      <p:to>
+                                        <p:strVal val="visible"/>
+                                      </p:to>
+                                    </p:set>
+                                    <p:anim calcmode="lin" valueType="num">
+                                      <p:cBhvr additive="base">
+                                        <p:cTn id="13" dur="500" fill="hold"/>
+                                        <p:tgtEl>
+                                          <p:spTgt spid="9"/>
+                                        </p:tgtEl>
+                                        <p:attrNameLst>
+                                          <p:attrName>ppt_x</p:attrName>
+                                        </p:attrNameLst>
+                                      </p:cBhvr>
+                                      <p:tavLst>
+                                        <p:tav tm="0">
+                                          <p:val>
+                                            <p:strVal val="0-#ppt_w/2"/>
+                                          </p:val>
+                                        </p:tav>
+                                        <p:tav tm="100000">
+                                          <p:val>
+                                            <p:strVal val="#ppt_x"/>
+                                          </p:val>
+                                        </p:tav>
+                                      </p:tavLst>
+                                    </p:anim>
+                                    <p:anim calcmode="lin" valueType="num">
+                                      <p:cBhvr additive="base">
+                                        <p:cTn id="14" dur="500" fill="hold"/>
+                                        <p:tgtEl>
+                                          <p:spTgt spid="9"/>
+                                        </p:tgtEl>
+                                        <p:attrNameLst>
+                                          <p:attrName>ppt_y</p:attrName>
+                                        </p:attrNameLst>
+                                      </p:cBhvr>
+                                      <p:tavLst>
+                                        <p:tav tm="0">
+                                          <p:val>
+                                            <p:strVal val="#ppt_y"/>
+                                          </p:val>
+                                        </p:tav>
+                                        <p:tav tm="100000">
+                                          <p:val>
+                                            <p:strVal val="#ppt_y"/>
+                                          </p:val>
+                                        </p:tav>
+                                      </p:tavLst>
+                                    </p:anim>
+                                  </p:childTnLst>
+                                </p:cTn>
+                              </p:par>
+                            </p:childTnLst>
+                          </p:cTn>
+                        </p:par>
+                      </p:childTnLst>
+                    </p:cTn>
+                  </p:par>
+                  <p:par>
+                    <p:cTn id="15" fill="hold">
+                      <p:stCondLst>
+                        <p:cond delay="indefinite"/>
+                      </p:stCondLst>
+                      <p:childTnLst>
+                        <p:par>
+                          <p:cTn id="16" fill="hold">
+                            <p:stCondLst>
+                              <p:cond delay="0"/>
+                            </p:stCondLst>
+                            <p:childTnLst>
+                              <p:par>
+                                <p:cTn id="17" presetID="2" presetClass="entr" presetSubtype="8" fill="hold" nodeType="clickEffect">
+                                  <p:stCondLst>
+                                    <p:cond delay="0"/>
+                                  </p:stCondLst>
+                                  <p:childTnLst>
+                                    <p:set>
+                                      <p:cBhvr>
+                                        <p:cTn id="18" dur="1" fill="hold">
+                                          <p:stCondLst>
+                                            <p:cond delay="0"/>
+                                          </p:stCondLst>
+                                        </p:cTn>
+                                        <p:tgtEl>
+                                          <p:spTgt spid="12"/>
+                                        </p:tgtEl>
+                                        <p:attrNameLst>
+                                          <p:attrName>style.visibility</p:attrName>
+                                        </p:attrNameLst>
+                                      </p:cBhvr>
+                                      <p:to>
+                                        <p:strVal val="visible"/>
+                                      </p:to>
+                                    </p:set>
+                                    <p:anim calcmode="lin" valueType="num">
+                                      <p:cBhvr additive="base">
+                                        <p:cTn id="19" dur="500" fill="hold"/>
+                                        <p:tgtEl>
+                                          <p:spTgt spid="12"/>
+                                        </p:tgtEl>
+                                        <p:attrNameLst>
+                                          <p:attrName>ppt_x</p:attrName>
+                                        </p:attrNameLst>
+                                      </p:cBhvr>
+                                      <p:tavLst>
+                                        <p:tav tm="0">
+                                          <p:val>
+                                            <p:strVal val="0-#ppt_w/2"/>
+                                          </p:val>
+                                        </p:tav>
+                                        <p:tav tm="100000">
+                                          <p:val>
+                                            <p:strVal val="#ppt_x"/>
+                                          </p:val>
+                                        </p:tav>
+                                      </p:tavLst>
+                                    </p:anim>
+                                    <p:anim calcmode="lin" valueType="num">
+                                      <p:cBhvr additive="base">
+                                        <p:cTn id="20" dur="500" fill="hold"/>
+                                        <p:tgtEl>
+                                          <p:spTgt spid="12"/>
+                                        </p:tgtEl>
+                                        <p:attrNameLst>
+                                          <p:attrName>ppt_y</p:attrName>
+                                        </p:attrNameLst>
+                                      </p:cBhvr>
+                                      <p:tavLst>
+                                        <p:tav tm="0">
+                                          <p:val>
+                                            <p:strVal val="#ppt_y"/>
+                                          </p:val>
+                                        </p:tav>
+                                        <p:tav tm="100000">
+                                          <p:val>
+                                            <p:strVal val="#ppt_y"/>
+                                          </p:val>
+                                        </p:tav>
+                                      </p:tavLst>
+                                    </p:anim>
+                                  </p:childTnLst>
+                                </p:cTn>
+                              </p:par>
+                            </p:childTnLst>
+                          </p:cTn>
+                        </p:par>
+                      </p:childTnLst>
+                    </p:cTn>
+                  </p:par>
+                </p:childTnLst>
+              </p:cTn>
+              <p:prevCondLst>
+                <p:cond evt="onPrev" delay="0">
+                  <p:tgtEl>
+                    <p:sldTgt/>
+                  </p:tgtEl>
+                </p:cond>
+              </p:prevCondLst>
+              <p:nextCondLst>
+                <p:cond evt="onNext" delay="0">
+                  <p:tgtEl>
+                    <p:sldTgt/>
+                  </p:tgtEl>
+                </p:cond>
+              </p:nextCondLst>
+            </p:seq>
+          </p:childTnLst>
+        </p:cTn>
+      </p:par>
+    </p:tnLst>
+  </p:timing>
 </p:sld>
 </file>
 
@@ -19992,6 +20398,630 @@
   <p:clrMapOvr>
     <a:masterClrMapping/>
   </p:clrMapOvr>
+  <p:timing>
+    <p:tnLst>
+      <p:par>
+        <p:cTn id="1" dur="indefinite" restart="never" nodeType="tmRoot">
+          <p:childTnLst>
+            <p:seq concurrent="1" nextAc="seek">
+              <p:cTn id="2" dur="indefinite" nodeType="mainSeq">
+                <p:childTnLst>
+                  <p:par>
+                    <p:cTn id="3" fill="hold">
+                      <p:stCondLst>
+                        <p:cond delay="indefinite"/>
+                      </p:stCondLst>
+                      <p:childTnLst>
+                        <p:par>
+                          <p:cTn id="4" fill="hold">
+                            <p:stCondLst>
+                              <p:cond delay="0"/>
+                            </p:stCondLst>
+                            <p:childTnLst>
+                              <p:par>
+                                <p:cTn id="5" presetID="42" presetClass="entr" presetSubtype="0" fill="hold" nodeType="clickEffect">
+                                  <p:stCondLst>
+                                    <p:cond delay="0"/>
+                                  </p:stCondLst>
+                                  <p:childTnLst>
+                                    <p:set>
+                                      <p:cBhvr>
+                                        <p:cTn id="6" dur="1" fill="hold">
+                                          <p:stCondLst>
+                                            <p:cond delay="0"/>
+                                          </p:stCondLst>
+                                        </p:cTn>
+                                        <p:tgtEl>
+                                          <p:spTgt spid="4"/>
+                                        </p:tgtEl>
+                                        <p:attrNameLst>
+                                          <p:attrName>style.visibility</p:attrName>
+                                        </p:attrNameLst>
+                                      </p:cBhvr>
+                                      <p:to>
+                                        <p:strVal val="visible"/>
+                                      </p:to>
+                                    </p:set>
+                                    <p:animEffect transition="in" filter="fade">
+                                      <p:cBhvr>
+                                        <p:cTn id="7" dur="1000"/>
+                                        <p:tgtEl>
+                                          <p:spTgt spid="4"/>
+                                        </p:tgtEl>
+                                      </p:cBhvr>
+                                    </p:animEffect>
+                                    <p:anim calcmode="lin" valueType="num">
+                                      <p:cBhvr>
+                                        <p:cTn id="8" dur="1000" fill="hold"/>
+                                        <p:tgtEl>
+                                          <p:spTgt spid="4"/>
+                                        </p:tgtEl>
+                                        <p:attrNameLst>
+                                          <p:attrName>ppt_x</p:attrName>
+                                        </p:attrNameLst>
+                                      </p:cBhvr>
+                                      <p:tavLst>
+                                        <p:tav tm="0">
+                                          <p:val>
+                                            <p:strVal val="#ppt_x"/>
+                                          </p:val>
+                                        </p:tav>
+                                        <p:tav tm="100000">
+                                          <p:val>
+                                            <p:strVal val="#ppt_x"/>
+                                          </p:val>
+                                        </p:tav>
+                                      </p:tavLst>
+                                    </p:anim>
+                                    <p:anim calcmode="lin" valueType="num">
+                                      <p:cBhvr>
+                                        <p:cTn id="9" dur="1000" fill="hold"/>
+                                        <p:tgtEl>
+                                          <p:spTgt spid="4"/>
+                                        </p:tgtEl>
+                                        <p:attrNameLst>
+                                          <p:attrName>ppt_y</p:attrName>
+                                        </p:attrNameLst>
+                                      </p:cBhvr>
+                                      <p:tavLst>
+                                        <p:tav tm="0">
+                                          <p:val>
+                                            <p:strVal val="#ppt_y+.1"/>
+                                          </p:val>
+                                        </p:tav>
+                                        <p:tav tm="100000">
+                                          <p:val>
+                                            <p:strVal val="#ppt_y"/>
+                                          </p:val>
+                                        </p:tav>
+                                      </p:tavLst>
+                                    </p:anim>
+                                  </p:childTnLst>
+                                </p:cTn>
+                              </p:par>
+                            </p:childTnLst>
+                          </p:cTn>
+                        </p:par>
+                      </p:childTnLst>
+                    </p:cTn>
+                  </p:par>
+                  <p:par>
+                    <p:cTn id="10" fill="hold">
+                      <p:stCondLst>
+                        <p:cond delay="indefinite"/>
+                      </p:stCondLst>
+                      <p:childTnLst>
+                        <p:par>
+                          <p:cTn id="11" fill="hold">
+                            <p:stCondLst>
+                              <p:cond delay="0"/>
+                            </p:stCondLst>
+                            <p:childTnLst>
+                              <p:par>
+                                <p:cTn id="12" presetID="47" presetClass="entr" presetSubtype="0" fill="hold" nodeType="clickEffect">
+                                  <p:stCondLst>
+                                    <p:cond delay="0"/>
+                                  </p:stCondLst>
+                                  <p:childTnLst>
+                                    <p:set>
+                                      <p:cBhvr>
+                                        <p:cTn id="13" dur="1" fill="hold">
+                                          <p:stCondLst>
+                                            <p:cond delay="0"/>
+                                          </p:stCondLst>
+                                        </p:cTn>
+                                        <p:tgtEl>
+                                          <p:spTgt spid="5"/>
+                                        </p:tgtEl>
+                                        <p:attrNameLst>
+                                          <p:attrName>style.visibility</p:attrName>
+                                        </p:attrNameLst>
+                                      </p:cBhvr>
+                                      <p:to>
+                                        <p:strVal val="visible"/>
+                                      </p:to>
+                                    </p:set>
+                                    <p:animEffect transition="in" filter="fade">
+                                      <p:cBhvr>
+                                        <p:cTn id="14" dur="1000"/>
+                                        <p:tgtEl>
+                                          <p:spTgt spid="5"/>
+                                        </p:tgtEl>
+                                      </p:cBhvr>
+                                    </p:animEffect>
+                                    <p:anim calcmode="lin" valueType="num">
+                                      <p:cBhvr>
+                                        <p:cTn id="15" dur="1000" fill="hold"/>
+                                        <p:tgtEl>
+                                          <p:spTgt spid="5"/>
+                                        </p:tgtEl>
+                                        <p:attrNameLst>
+                                          <p:attrName>ppt_x</p:attrName>
+                                        </p:attrNameLst>
+                                      </p:cBhvr>
+                                      <p:tavLst>
+                                        <p:tav tm="0">
+                                          <p:val>
+                                            <p:strVal val="#ppt_x"/>
+                                          </p:val>
+                                        </p:tav>
+                                        <p:tav tm="100000">
+                                          <p:val>
+                                            <p:strVal val="#ppt_x"/>
+                                          </p:val>
+                                        </p:tav>
+                                      </p:tavLst>
+                                    </p:anim>
+                                    <p:anim calcmode="lin" valueType="num">
+                                      <p:cBhvr>
+                                        <p:cTn id="16" dur="1000" fill="hold"/>
+                                        <p:tgtEl>
+                                          <p:spTgt spid="5"/>
+                                        </p:tgtEl>
+                                        <p:attrNameLst>
+                                          <p:attrName>ppt_y</p:attrName>
+                                        </p:attrNameLst>
+                                      </p:cBhvr>
+                                      <p:tavLst>
+                                        <p:tav tm="0">
+                                          <p:val>
+                                            <p:strVal val="#ppt_y-.1"/>
+                                          </p:val>
+                                        </p:tav>
+                                        <p:tav tm="100000">
+                                          <p:val>
+                                            <p:strVal val="#ppt_y"/>
+                                          </p:val>
+                                        </p:tav>
+                                      </p:tavLst>
+                                    </p:anim>
+                                  </p:childTnLst>
+                                </p:cTn>
+                              </p:par>
+                            </p:childTnLst>
+                          </p:cTn>
+                        </p:par>
+                      </p:childTnLst>
+                    </p:cTn>
+                  </p:par>
+                  <p:par>
+                    <p:cTn id="17" fill="hold">
+                      <p:stCondLst>
+                        <p:cond delay="indefinite"/>
+                      </p:stCondLst>
+                      <p:childTnLst>
+                        <p:par>
+                          <p:cTn id="18" fill="hold">
+                            <p:stCondLst>
+                              <p:cond delay="0"/>
+                            </p:stCondLst>
+                            <p:childTnLst>
+                              <p:par>
+                                <p:cTn id="19" presetID="42" presetClass="entr" presetSubtype="0" fill="hold" nodeType="clickEffect">
+                                  <p:stCondLst>
+                                    <p:cond delay="0"/>
+                                  </p:stCondLst>
+                                  <p:childTnLst>
+                                    <p:set>
+                                      <p:cBhvr>
+                                        <p:cTn id="20" dur="1" fill="hold">
+                                          <p:stCondLst>
+                                            <p:cond delay="0"/>
+                                          </p:stCondLst>
+                                        </p:cTn>
+                                        <p:tgtEl>
+                                          <p:spTgt spid="6"/>
+                                        </p:tgtEl>
+                                        <p:attrNameLst>
+                                          <p:attrName>style.visibility</p:attrName>
+                                        </p:attrNameLst>
+                                      </p:cBhvr>
+                                      <p:to>
+                                        <p:strVal val="visible"/>
+                                      </p:to>
+                                    </p:set>
+                                    <p:animEffect transition="in" filter="fade">
+                                      <p:cBhvr>
+                                        <p:cTn id="21" dur="1000"/>
+                                        <p:tgtEl>
+                                          <p:spTgt spid="6"/>
+                                        </p:tgtEl>
+                                      </p:cBhvr>
+                                    </p:animEffect>
+                                    <p:anim calcmode="lin" valueType="num">
+                                      <p:cBhvr>
+                                        <p:cTn id="22" dur="1000" fill="hold"/>
+                                        <p:tgtEl>
+                                          <p:spTgt spid="6"/>
+                                        </p:tgtEl>
+                                        <p:attrNameLst>
+                                          <p:attrName>ppt_x</p:attrName>
+                                        </p:attrNameLst>
+                                      </p:cBhvr>
+                                      <p:tavLst>
+                                        <p:tav tm="0">
+                                          <p:val>
+                                            <p:strVal val="#ppt_x"/>
+                                          </p:val>
+                                        </p:tav>
+                                        <p:tav tm="100000">
+                                          <p:val>
+                                            <p:strVal val="#ppt_x"/>
+                                          </p:val>
+                                        </p:tav>
+                                      </p:tavLst>
+                                    </p:anim>
+                                    <p:anim calcmode="lin" valueType="num">
+                                      <p:cBhvr>
+                                        <p:cTn id="23" dur="1000" fill="hold"/>
+                                        <p:tgtEl>
+                                          <p:spTgt spid="6"/>
+                                        </p:tgtEl>
+                                        <p:attrNameLst>
+                                          <p:attrName>ppt_y</p:attrName>
+                                        </p:attrNameLst>
+                                      </p:cBhvr>
+                                      <p:tavLst>
+                                        <p:tav tm="0">
+                                          <p:val>
+                                            <p:strVal val="#ppt_y+.1"/>
+                                          </p:val>
+                                        </p:tav>
+                                        <p:tav tm="100000">
+                                          <p:val>
+                                            <p:strVal val="#ppt_y"/>
+                                          </p:val>
+                                        </p:tav>
+                                      </p:tavLst>
+                                    </p:anim>
+                                  </p:childTnLst>
+                                </p:cTn>
+                              </p:par>
+                            </p:childTnLst>
+                          </p:cTn>
+                        </p:par>
+                      </p:childTnLst>
+                    </p:cTn>
+                  </p:par>
+                  <p:par>
+                    <p:cTn id="24" fill="hold">
+                      <p:stCondLst>
+                        <p:cond delay="indefinite"/>
+                      </p:stCondLst>
+                      <p:childTnLst>
+                        <p:par>
+                          <p:cTn id="25" fill="hold">
+                            <p:stCondLst>
+                              <p:cond delay="0"/>
+                            </p:stCondLst>
+                            <p:childTnLst>
+                              <p:par>
+                                <p:cTn id="26" presetID="47" presetClass="entr" presetSubtype="0" fill="hold" nodeType="clickEffect">
+                                  <p:stCondLst>
+                                    <p:cond delay="0"/>
+                                  </p:stCondLst>
+                                  <p:childTnLst>
+                                    <p:set>
+                                      <p:cBhvr>
+                                        <p:cTn id="27" dur="1" fill="hold">
+                                          <p:stCondLst>
+                                            <p:cond delay="0"/>
+                                          </p:stCondLst>
+                                        </p:cTn>
+                                        <p:tgtEl>
+                                          <p:spTgt spid="7"/>
+                                        </p:tgtEl>
+                                        <p:attrNameLst>
+                                          <p:attrName>style.visibility</p:attrName>
+                                        </p:attrNameLst>
+                                      </p:cBhvr>
+                                      <p:to>
+                                        <p:strVal val="visible"/>
+                                      </p:to>
+                                    </p:set>
+                                    <p:animEffect transition="in" filter="fade">
+                                      <p:cBhvr>
+                                        <p:cTn id="28" dur="1000"/>
+                                        <p:tgtEl>
+                                          <p:spTgt spid="7"/>
+                                        </p:tgtEl>
+                                      </p:cBhvr>
+                                    </p:animEffect>
+                                    <p:anim calcmode="lin" valueType="num">
+                                      <p:cBhvr>
+                                        <p:cTn id="29" dur="1000" fill="hold"/>
+                                        <p:tgtEl>
+                                          <p:spTgt spid="7"/>
+                                        </p:tgtEl>
+                                        <p:attrNameLst>
+                                          <p:attrName>ppt_x</p:attrName>
+                                        </p:attrNameLst>
+                                      </p:cBhvr>
+                                      <p:tavLst>
+                                        <p:tav tm="0">
+                                          <p:val>
+                                            <p:strVal val="#ppt_x"/>
+                                          </p:val>
+                                        </p:tav>
+                                        <p:tav tm="100000">
+                                          <p:val>
+                                            <p:strVal val="#ppt_x"/>
+                                          </p:val>
+                                        </p:tav>
+                                      </p:tavLst>
+                                    </p:anim>
+                                    <p:anim calcmode="lin" valueType="num">
+                                      <p:cBhvr>
+                                        <p:cTn id="30" dur="1000" fill="hold"/>
+                                        <p:tgtEl>
+                                          <p:spTgt spid="7"/>
+                                        </p:tgtEl>
+                                        <p:attrNameLst>
+                                          <p:attrName>ppt_y</p:attrName>
+                                        </p:attrNameLst>
+                                      </p:cBhvr>
+                                      <p:tavLst>
+                                        <p:tav tm="0">
+                                          <p:val>
+                                            <p:strVal val="#ppt_y-.1"/>
+                                          </p:val>
+                                        </p:tav>
+                                        <p:tav tm="100000">
+                                          <p:val>
+                                            <p:strVal val="#ppt_y"/>
+                                          </p:val>
+                                        </p:tav>
+                                      </p:tavLst>
+                                    </p:anim>
+                                  </p:childTnLst>
+                                </p:cTn>
+                              </p:par>
+                            </p:childTnLst>
+                          </p:cTn>
+                        </p:par>
+                      </p:childTnLst>
+                    </p:cTn>
+                  </p:par>
+                  <p:par>
+                    <p:cTn id="31" fill="hold">
+                      <p:stCondLst>
+                        <p:cond delay="indefinite"/>
+                      </p:stCondLst>
+                      <p:childTnLst>
+                        <p:par>
+                          <p:cTn id="32" fill="hold">
+                            <p:stCondLst>
+                              <p:cond delay="0"/>
+                            </p:stCondLst>
+                            <p:childTnLst>
+                              <p:par>
+                                <p:cTn id="33" presetID="42" presetClass="entr" presetSubtype="0" fill="hold" nodeType="clickEffect">
+                                  <p:stCondLst>
+                                    <p:cond delay="0"/>
+                                  </p:stCondLst>
+                                  <p:childTnLst>
+                                    <p:set>
+                                      <p:cBhvr>
+                                        <p:cTn id="34" dur="1" fill="hold">
+                                          <p:stCondLst>
+                                            <p:cond delay="0"/>
+                                          </p:stCondLst>
+                                        </p:cTn>
+                                        <p:tgtEl>
+                                          <p:spTgt spid="8"/>
+                                        </p:tgtEl>
+                                        <p:attrNameLst>
+                                          <p:attrName>style.visibility</p:attrName>
+                                        </p:attrNameLst>
+                                      </p:cBhvr>
+                                      <p:to>
+                                        <p:strVal val="visible"/>
+                                      </p:to>
+                                    </p:set>
+                                    <p:animEffect transition="in" filter="fade">
+                                      <p:cBhvr>
+                                        <p:cTn id="35" dur="1000"/>
+                                        <p:tgtEl>
+                                          <p:spTgt spid="8"/>
+                                        </p:tgtEl>
+                                      </p:cBhvr>
+                                    </p:animEffect>
+                                    <p:anim calcmode="lin" valueType="num">
+                                      <p:cBhvr>
+                                        <p:cTn id="36" dur="1000" fill="hold"/>
+                                        <p:tgtEl>
+                                          <p:spTgt spid="8"/>
+                                        </p:tgtEl>
+                                        <p:attrNameLst>
+                                          <p:attrName>ppt_x</p:attrName>
+                                        </p:attrNameLst>
+                                      </p:cBhvr>
+                                      <p:tavLst>
+                                        <p:tav tm="0">
+                                          <p:val>
+                                            <p:strVal val="#ppt_x"/>
+                                          </p:val>
+                                        </p:tav>
+                                        <p:tav tm="100000">
+                                          <p:val>
+                                            <p:strVal val="#ppt_x"/>
+                                          </p:val>
+                                        </p:tav>
+                                      </p:tavLst>
+                                    </p:anim>
+                                    <p:anim calcmode="lin" valueType="num">
+                                      <p:cBhvr>
+                                        <p:cTn id="37" dur="1000" fill="hold"/>
+                                        <p:tgtEl>
+                                          <p:spTgt spid="8"/>
+                                        </p:tgtEl>
+                                        <p:attrNameLst>
+                                          <p:attrName>ppt_y</p:attrName>
+                                        </p:attrNameLst>
+                                      </p:cBhvr>
+                                      <p:tavLst>
+                                        <p:tav tm="0">
+                                          <p:val>
+                                            <p:strVal val="#ppt_y+.1"/>
+                                          </p:val>
+                                        </p:tav>
+                                        <p:tav tm="100000">
+                                          <p:val>
+                                            <p:strVal val="#ppt_y"/>
+                                          </p:val>
+                                        </p:tav>
+                                      </p:tavLst>
+                                    </p:anim>
+                                  </p:childTnLst>
+                                </p:cTn>
+                              </p:par>
+                            </p:childTnLst>
+                          </p:cTn>
+                        </p:par>
+                      </p:childTnLst>
+                    </p:cTn>
+                  </p:par>
+                  <p:par>
+                    <p:cTn id="38" fill="hold">
+                      <p:stCondLst>
+                        <p:cond delay="indefinite"/>
+                      </p:stCondLst>
+                      <p:childTnLst>
+                        <p:par>
+                          <p:cTn id="39" fill="hold">
+                            <p:stCondLst>
+                              <p:cond delay="0"/>
+                            </p:stCondLst>
+                            <p:childTnLst>
+                              <p:par>
+                                <p:cTn id="40" presetID="47" presetClass="entr" presetSubtype="0" fill="hold" nodeType="clickEffect">
+                                  <p:stCondLst>
+                                    <p:cond delay="0"/>
+                                  </p:stCondLst>
+                                  <p:childTnLst>
+                                    <p:set>
+                                      <p:cBhvr>
+                                        <p:cTn id="41" dur="1" fill="hold">
+                                          <p:stCondLst>
+                                            <p:cond delay="0"/>
+                                          </p:stCondLst>
+                                        </p:cTn>
+                                        <p:tgtEl>
+                                          <p:spTgt spid="9"/>
+                                        </p:tgtEl>
+                                        <p:attrNameLst>
+                                          <p:attrName>style.visibility</p:attrName>
+                                        </p:attrNameLst>
+                                      </p:cBhvr>
+                                      <p:to>
+                                        <p:strVal val="visible"/>
+                                      </p:to>
+                                    </p:set>
+                                    <p:animEffect transition="in" filter="fade">
+                                      <p:cBhvr>
+                                        <p:cTn id="42" dur="1000"/>
+                                        <p:tgtEl>
+                                          <p:spTgt spid="9"/>
+                                        </p:tgtEl>
+                                      </p:cBhvr>
+                                    </p:animEffect>
+                                    <p:anim calcmode="lin" valueType="num">
+                                      <p:cBhvr>
+                                        <p:cTn id="43" dur="1000" fill="hold"/>
+                                        <p:tgtEl>
+                                          <p:spTgt spid="9"/>
+                                        </p:tgtEl>
+                                        <p:attrNameLst>
+                                          <p:attrName>ppt_x</p:attrName>
+                                        </p:attrNameLst>
+                                      </p:cBhvr>
+                                      <p:tavLst>
+                                        <p:tav tm="0">
+                                          <p:val>
+                                            <p:strVal val="#ppt_x"/>
+                                          </p:val>
+                                        </p:tav>
+                                        <p:tav tm="100000">
+                                          <p:val>
+                                            <p:strVal val="#ppt_x"/>
+                                          </p:val>
+                                        </p:tav>
+                                      </p:tavLst>
+                                    </p:anim>
+                                    <p:anim calcmode="lin" valueType="num">
+                                      <p:cBhvr>
+                                        <p:cTn id="44" dur="1000" fill="hold"/>
+                                        <p:tgtEl>
+                                          <p:spTgt spid="9"/>
+                                        </p:tgtEl>
+                                        <p:attrNameLst>
+                                          <p:attrName>ppt_y</p:attrName>
+                                        </p:attrNameLst>
+                                      </p:cBhvr>
+                                      <p:tavLst>
+                                        <p:tav tm="0">
+                                          <p:val>
+                                            <p:strVal val="#ppt_y-.1"/>
+                                          </p:val>
+                                        </p:tav>
+                                        <p:tav tm="100000">
+                                          <p:val>
+                                            <p:strVal val="#ppt_y"/>
+                                          </p:val>
+                                        </p:tav>
+                                      </p:tavLst>
+                                    </p:anim>
+                                  </p:childTnLst>
+                                </p:cTn>
+                              </p:par>
+                            </p:childTnLst>
+                          </p:cTn>
+                        </p:par>
+                      </p:childTnLst>
+                    </p:cTn>
+                  </p:par>
+                </p:childTnLst>
+              </p:cTn>
+              <p:prevCondLst>
+                <p:cond evt="onPrev" delay="0">
+                  <p:tgtEl>
+                    <p:sldTgt/>
+                  </p:tgtEl>
+                </p:cond>
+              </p:prevCondLst>
+              <p:nextCondLst>
+                <p:cond evt="onNext" delay="0">
+                  <p:tgtEl>
+                    <p:sldTgt/>
+                  </p:tgtEl>
+                </p:cond>
+              </p:nextCondLst>
+            </p:seq>
+          </p:childTnLst>
+        </p:cTn>
+      </p:par>
+    </p:tnLst>
+  </p:timing>
 </p:sld>
 </file>
 
@@ -20112,6 +21142,218 @@
   <p:clrMapOvr>
     <a:masterClrMapping/>
   </p:clrMapOvr>
+  <p:timing>
+    <p:tnLst>
+      <p:par>
+        <p:cTn id="1" dur="indefinite" restart="never" nodeType="tmRoot">
+          <p:childTnLst>
+            <p:seq concurrent="1" nextAc="seek">
+              <p:cTn id="2" dur="indefinite" nodeType="mainSeq">
+                <p:childTnLst>
+                  <p:par>
+                    <p:cTn id="3" fill="hold">
+                      <p:stCondLst>
+                        <p:cond delay="indefinite"/>
+                      </p:stCondLst>
+                      <p:childTnLst>
+                        <p:par>
+                          <p:cTn id="4" fill="hold">
+                            <p:stCondLst>
+                              <p:cond delay="0"/>
+                            </p:stCondLst>
+                            <p:childTnLst>
+                              <p:par>
+                                <p:cTn id="5" presetID="2" presetClass="entr" presetSubtype="4" fill="hold" nodeType="clickEffect">
+                                  <p:stCondLst>
+                                    <p:cond delay="0"/>
+                                  </p:stCondLst>
+                                  <p:childTnLst>
+                                    <p:set>
+                                      <p:cBhvr>
+                                        <p:cTn id="6" dur="1" fill="hold">
+                                          <p:stCondLst>
+                                            <p:cond delay="0"/>
+                                          </p:stCondLst>
+                                        </p:cTn>
+                                        <p:tgtEl>
+                                          <p:spTgt spid="10"/>
+                                        </p:tgtEl>
+                                        <p:attrNameLst>
+                                          <p:attrName>style.visibility</p:attrName>
+                                        </p:attrNameLst>
+                                      </p:cBhvr>
+                                      <p:to>
+                                        <p:strVal val="visible"/>
+                                      </p:to>
+                                    </p:set>
+                                    <p:anim calcmode="lin" valueType="num">
+                                      <p:cBhvr additive="base">
+                                        <p:cTn id="7" dur="500" fill="hold"/>
+                                        <p:tgtEl>
+                                          <p:spTgt spid="10"/>
+                                        </p:tgtEl>
+                                        <p:attrNameLst>
+                                          <p:attrName>ppt_x</p:attrName>
+                                        </p:attrNameLst>
+                                      </p:cBhvr>
+                                      <p:tavLst>
+                                        <p:tav tm="0">
+                                          <p:val>
+                                            <p:strVal val="#ppt_x"/>
+                                          </p:val>
+                                        </p:tav>
+                                        <p:tav tm="100000">
+                                          <p:val>
+                                            <p:strVal val="#ppt_x"/>
+                                          </p:val>
+                                        </p:tav>
+                                      </p:tavLst>
+                                    </p:anim>
+                                    <p:anim calcmode="lin" valueType="num">
+                                      <p:cBhvr additive="base">
+                                        <p:cTn id="8" dur="500" fill="hold"/>
+                                        <p:tgtEl>
+                                          <p:spTgt spid="10"/>
+                                        </p:tgtEl>
+                                        <p:attrNameLst>
+                                          <p:attrName>ppt_y</p:attrName>
+                                        </p:attrNameLst>
+                                      </p:cBhvr>
+                                      <p:tavLst>
+                                        <p:tav tm="0">
+                                          <p:val>
+                                            <p:strVal val="1+#ppt_h/2"/>
+                                          </p:val>
+                                        </p:tav>
+                                        <p:tav tm="100000">
+                                          <p:val>
+                                            <p:strVal val="#ppt_y"/>
+                                          </p:val>
+                                        </p:tav>
+                                      </p:tavLst>
+                                    </p:anim>
+                                  </p:childTnLst>
+                                </p:cTn>
+                              </p:par>
+                            </p:childTnLst>
+                          </p:cTn>
+                        </p:par>
+                      </p:childTnLst>
+                    </p:cTn>
+                  </p:par>
+                  <p:par>
+                    <p:cTn id="9" fill="hold">
+                      <p:stCondLst>
+                        <p:cond delay="indefinite"/>
+                      </p:stCondLst>
+                      <p:childTnLst>
+                        <p:par>
+                          <p:cTn id="10" fill="hold">
+                            <p:stCondLst>
+                              <p:cond delay="0"/>
+                            </p:stCondLst>
+                            <p:childTnLst>
+                              <p:par>
+                                <p:cTn id="11" presetID="2" presetClass="entr" presetSubtype="2" fill="hold" nodeType="clickEffect">
+                                  <p:stCondLst>
+                                    <p:cond delay="0"/>
+                                  </p:stCondLst>
+                                  <p:childTnLst>
+                                    <p:set>
+                                      <p:cBhvr>
+                                        <p:cTn id="12" dur="1" fill="hold">
+                                          <p:stCondLst>
+                                            <p:cond delay="0"/>
+                                          </p:stCondLst>
+                                        </p:cTn>
+                                        <p:tgtEl>
+                                          <p:spTgt spid="11"/>
+                                        </p:tgtEl>
+                                        <p:attrNameLst>
+                                          <p:attrName>style.visibility</p:attrName>
+                                        </p:attrNameLst>
+                                      </p:cBhvr>
+                                      <p:to>
+                                        <p:strVal val="visible"/>
+                                      </p:to>
+                                    </p:set>
+                                    <p:anim calcmode="lin" valueType="num">
+                                      <p:cBhvr additive="base">
+                                        <p:cTn id="13" dur="500" fill="hold"/>
+                                        <p:tgtEl>
+                                          <p:spTgt spid="11"/>
+                                        </p:tgtEl>
+                                        <p:attrNameLst>
+                                          <p:attrName>ppt_x</p:attrName>
+                                        </p:attrNameLst>
+                                      </p:cBhvr>
+                                      <p:tavLst>
+                                        <p:tav tm="0">
+                                          <p:val>
+                                            <p:strVal val="1+#ppt_w/2"/>
+                                          </p:val>
+                                        </p:tav>
+                                        <p:tav tm="100000">
+                                          <p:val>
+                                            <p:strVal val="#ppt_x"/>
+                                          </p:val>
+                                        </p:tav>
+                                      </p:tavLst>
+                                    </p:anim>
+                                    <p:anim calcmode="lin" valueType="num">
+                                      <p:cBhvr additive="base">
+                                        <p:cTn id="14" dur="500" fill="hold"/>
+                                        <p:tgtEl>
+                                          <p:spTgt spid="11"/>
+                                        </p:tgtEl>
+                                        <p:attrNameLst>
+                                          <p:attrName>ppt_y</p:attrName>
+                                        </p:attrNameLst>
+                                      </p:cBhvr>
+                                      <p:tavLst>
+                                        <p:tav tm="0">
+                                          <p:val>
+                                            <p:strVal val="#ppt_y"/>
+                                          </p:val>
+                                        </p:tav>
+                                        <p:tav tm="100000">
+                                          <p:val>
+                                            <p:strVal val="#ppt_y"/>
+                                          </p:val>
+                                        </p:tav>
+                                      </p:tavLst>
+                                    </p:anim>
+                                  </p:childTnLst>
+                                </p:cTn>
+                              </p:par>
+                            </p:childTnLst>
+                          </p:cTn>
+                        </p:par>
+                      </p:childTnLst>
+                    </p:cTn>
+                  </p:par>
+                </p:childTnLst>
+              </p:cTn>
+              <p:prevCondLst>
+                <p:cond evt="onPrev" delay="0">
+                  <p:tgtEl>
+                    <p:sldTgt/>
+                  </p:tgtEl>
+                </p:cond>
+              </p:prevCondLst>
+              <p:nextCondLst>
+                <p:cond evt="onNext" delay="0">
+                  <p:tgtEl>
+                    <p:sldTgt/>
+                  </p:tgtEl>
+                </p:cond>
+              </p:nextCondLst>
+            </p:seq>
+          </p:childTnLst>
+        </p:cTn>
+      </p:par>
+    </p:tnLst>
+  </p:timing>
 </p:sld>
 </file>
 
@@ -20340,6 +21582,314 @@
   <p:clrMapOvr>
     <a:masterClrMapping/>
   </p:clrMapOvr>
+  <p:timing>
+    <p:tnLst>
+      <p:par>
+        <p:cTn id="1" dur="indefinite" restart="never" nodeType="tmRoot">
+          <p:childTnLst>
+            <p:seq concurrent="1" nextAc="seek">
+              <p:cTn id="2" dur="indefinite" nodeType="mainSeq">
+                <p:childTnLst>
+                  <p:par>
+                    <p:cTn id="3" fill="hold">
+                      <p:stCondLst>
+                        <p:cond delay="indefinite"/>
+                      </p:stCondLst>
+                      <p:childTnLst>
+                        <p:par>
+                          <p:cTn id="4" fill="hold">
+                            <p:stCondLst>
+                              <p:cond delay="0"/>
+                            </p:stCondLst>
+                            <p:childTnLst>
+                              <p:par>
+                                <p:cTn id="5" presetID="2" presetClass="entr" presetSubtype="8" fill="hold" grpId="0" nodeType="clickEffect">
+                                  <p:stCondLst>
+                                    <p:cond delay="0"/>
+                                  </p:stCondLst>
+                                  <p:childTnLst>
+                                    <p:set>
+                                      <p:cBhvr>
+                                        <p:cTn id="6" dur="1" fill="hold">
+                                          <p:stCondLst>
+                                            <p:cond delay="0"/>
+                                          </p:stCondLst>
+                                        </p:cTn>
+                                        <p:tgtEl>
+                                          <p:spTgt spid="8"/>
+                                        </p:tgtEl>
+                                        <p:attrNameLst>
+                                          <p:attrName>style.visibility</p:attrName>
+                                        </p:attrNameLst>
+                                      </p:cBhvr>
+                                      <p:to>
+                                        <p:strVal val="visible"/>
+                                      </p:to>
+                                    </p:set>
+                                    <p:anim calcmode="lin" valueType="num">
+                                      <p:cBhvr additive="base">
+                                        <p:cTn id="7" dur="500" fill="hold"/>
+                                        <p:tgtEl>
+                                          <p:spTgt spid="8"/>
+                                        </p:tgtEl>
+                                        <p:attrNameLst>
+                                          <p:attrName>ppt_x</p:attrName>
+                                        </p:attrNameLst>
+                                      </p:cBhvr>
+                                      <p:tavLst>
+                                        <p:tav tm="0">
+                                          <p:val>
+                                            <p:strVal val="0-#ppt_w/2"/>
+                                          </p:val>
+                                        </p:tav>
+                                        <p:tav tm="100000">
+                                          <p:val>
+                                            <p:strVal val="#ppt_x"/>
+                                          </p:val>
+                                        </p:tav>
+                                      </p:tavLst>
+                                    </p:anim>
+                                    <p:anim calcmode="lin" valueType="num">
+                                      <p:cBhvr additive="base">
+                                        <p:cTn id="8" dur="500" fill="hold"/>
+                                        <p:tgtEl>
+                                          <p:spTgt spid="8"/>
+                                        </p:tgtEl>
+                                        <p:attrNameLst>
+                                          <p:attrName>ppt_y</p:attrName>
+                                        </p:attrNameLst>
+                                      </p:cBhvr>
+                                      <p:tavLst>
+                                        <p:tav tm="0">
+                                          <p:val>
+                                            <p:strVal val="#ppt_y"/>
+                                          </p:val>
+                                        </p:tav>
+                                        <p:tav tm="100000">
+                                          <p:val>
+                                            <p:strVal val="#ppt_y"/>
+                                          </p:val>
+                                        </p:tav>
+                                      </p:tavLst>
+                                    </p:anim>
+                                  </p:childTnLst>
+                                </p:cTn>
+                              </p:par>
+                            </p:childTnLst>
+                          </p:cTn>
+                        </p:par>
+                      </p:childTnLst>
+                    </p:cTn>
+                  </p:par>
+                  <p:par>
+                    <p:cTn id="9" fill="hold">
+                      <p:stCondLst>
+                        <p:cond delay="indefinite"/>
+                      </p:stCondLst>
+                      <p:childTnLst>
+                        <p:par>
+                          <p:cTn id="10" fill="hold">
+                            <p:stCondLst>
+                              <p:cond delay="0"/>
+                            </p:stCondLst>
+                            <p:childTnLst>
+                              <p:par>
+                                <p:cTn id="11" presetID="2" presetClass="entr" presetSubtype="8" fill="hold" grpId="0" nodeType="clickEffect">
+                                  <p:stCondLst>
+                                    <p:cond delay="0"/>
+                                  </p:stCondLst>
+                                  <p:childTnLst>
+                                    <p:set>
+                                      <p:cBhvr>
+                                        <p:cTn id="12" dur="1" fill="hold">
+                                          <p:stCondLst>
+                                            <p:cond delay="0"/>
+                                          </p:stCondLst>
+                                        </p:cTn>
+                                        <p:tgtEl>
+                                          <p:spTgt spid="9"/>
+                                        </p:tgtEl>
+                                        <p:attrNameLst>
+                                          <p:attrName>style.visibility</p:attrName>
+                                        </p:attrNameLst>
+                                      </p:cBhvr>
+                                      <p:to>
+                                        <p:strVal val="visible"/>
+                                      </p:to>
+                                    </p:set>
+                                    <p:anim calcmode="lin" valueType="num">
+                                      <p:cBhvr additive="base">
+                                        <p:cTn id="13" dur="500" fill="hold"/>
+                                        <p:tgtEl>
+                                          <p:spTgt spid="9"/>
+                                        </p:tgtEl>
+                                        <p:attrNameLst>
+                                          <p:attrName>ppt_x</p:attrName>
+                                        </p:attrNameLst>
+                                      </p:cBhvr>
+                                      <p:tavLst>
+                                        <p:tav tm="0">
+                                          <p:val>
+                                            <p:strVal val="0-#ppt_w/2"/>
+                                          </p:val>
+                                        </p:tav>
+                                        <p:tav tm="100000">
+                                          <p:val>
+                                            <p:strVal val="#ppt_x"/>
+                                          </p:val>
+                                        </p:tav>
+                                      </p:tavLst>
+                                    </p:anim>
+                                    <p:anim calcmode="lin" valueType="num">
+                                      <p:cBhvr additive="base">
+                                        <p:cTn id="14" dur="500" fill="hold"/>
+                                        <p:tgtEl>
+                                          <p:spTgt spid="9"/>
+                                        </p:tgtEl>
+                                        <p:attrNameLst>
+                                          <p:attrName>ppt_y</p:attrName>
+                                        </p:attrNameLst>
+                                      </p:cBhvr>
+                                      <p:tavLst>
+                                        <p:tav tm="0">
+                                          <p:val>
+                                            <p:strVal val="#ppt_y"/>
+                                          </p:val>
+                                        </p:tav>
+                                        <p:tav tm="100000">
+                                          <p:val>
+                                            <p:strVal val="#ppt_y"/>
+                                          </p:val>
+                                        </p:tav>
+                                      </p:tavLst>
+                                    </p:anim>
+                                  </p:childTnLst>
+                                </p:cTn>
+                              </p:par>
+                            </p:childTnLst>
+                          </p:cTn>
+                        </p:par>
+                      </p:childTnLst>
+                    </p:cTn>
+                  </p:par>
+                  <p:par>
+                    <p:cTn id="15" fill="hold">
+                      <p:stCondLst>
+                        <p:cond delay="indefinite"/>
+                      </p:stCondLst>
+                      <p:childTnLst>
+                        <p:par>
+                          <p:cTn id="16" fill="hold">
+                            <p:stCondLst>
+                              <p:cond delay="0"/>
+                            </p:stCondLst>
+                            <p:childTnLst>
+                              <p:par>
+                                <p:cTn id="17" presetID="2" presetClass="entr" presetSubtype="8" fill="hold" grpId="0" nodeType="clickEffect">
+                                  <p:stCondLst>
+                                    <p:cond delay="0"/>
+                                  </p:stCondLst>
+                                  <p:childTnLst>
+                                    <p:set>
+                                      <p:cBhvr>
+                                        <p:cTn id="18" dur="1" fill="hold">
+                                          <p:stCondLst>
+                                            <p:cond delay="0"/>
+                                          </p:stCondLst>
+                                        </p:cTn>
+                                        <p:tgtEl>
+                                          <p:spTgt spid="10"/>
+                                        </p:tgtEl>
+                                        <p:attrNameLst>
+                                          <p:attrName>style.visibility</p:attrName>
+                                        </p:attrNameLst>
+                                      </p:cBhvr>
+                                      <p:to>
+                                        <p:strVal val="visible"/>
+                                      </p:to>
+                                    </p:set>
+                                    <p:anim calcmode="lin" valueType="num">
+                                      <p:cBhvr additive="base">
+                                        <p:cTn id="19" dur="500" fill="hold"/>
+                                        <p:tgtEl>
+                                          <p:spTgt spid="10"/>
+                                        </p:tgtEl>
+                                        <p:attrNameLst>
+                                          <p:attrName>ppt_x</p:attrName>
+                                        </p:attrNameLst>
+                                      </p:cBhvr>
+                                      <p:tavLst>
+                                        <p:tav tm="0">
+                                          <p:val>
+                                            <p:strVal val="0-#ppt_w/2"/>
+                                          </p:val>
+                                        </p:tav>
+                                        <p:tav tm="100000">
+                                          <p:val>
+                                            <p:strVal val="#ppt_x"/>
+                                          </p:val>
+                                        </p:tav>
+                                      </p:tavLst>
+                                    </p:anim>
+                                    <p:anim calcmode="lin" valueType="num">
+                                      <p:cBhvr additive="base">
+                                        <p:cTn id="20" dur="500" fill="hold"/>
+                                        <p:tgtEl>
+                                          <p:spTgt spid="10"/>
+                                        </p:tgtEl>
+                                        <p:attrNameLst>
+                                          <p:attrName>ppt_y</p:attrName>
+                                        </p:attrNameLst>
+                                      </p:cBhvr>
+                                      <p:tavLst>
+                                        <p:tav tm="0">
+                                          <p:val>
+                                            <p:strVal val="#ppt_y"/>
+                                          </p:val>
+                                        </p:tav>
+                                        <p:tav tm="100000">
+                                          <p:val>
+                                            <p:strVal val="#ppt_y"/>
+                                          </p:val>
+                                        </p:tav>
+                                      </p:tavLst>
+                                    </p:anim>
+                                  </p:childTnLst>
+                                </p:cTn>
+                              </p:par>
+                            </p:childTnLst>
+                          </p:cTn>
+                        </p:par>
+                      </p:childTnLst>
+                    </p:cTn>
+                  </p:par>
+                </p:childTnLst>
+              </p:cTn>
+              <p:prevCondLst>
+                <p:cond evt="onPrev" delay="0">
+                  <p:tgtEl>
+                    <p:sldTgt/>
+                  </p:tgtEl>
+                </p:cond>
+              </p:prevCondLst>
+              <p:nextCondLst>
+                <p:cond evt="onNext" delay="0">
+                  <p:tgtEl>
+                    <p:sldTgt/>
+                  </p:tgtEl>
+                </p:cond>
+              </p:nextCondLst>
+            </p:seq>
+          </p:childTnLst>
+        </p:cTn>
+      </p:par>
+    </p:tnLst>
+    <p:bldLst>
+      <p:bldP spid="8" grpId="0" animBg="1"/>
+      <p:bldP spid="9" grpId="0" animBg="1"/>
+      <p:bldP spid="10" grpId="0" animBg="1"/>
+    </p:bldLst>
+  </p:timing>
 </p:sld>
 </file>
 
@@ -20429,6 +21979,13 @@
   <p:clrMapOvr>
     <a:masterClrMapping/>
   </p:clrMapOvr>
+  <p:timing>
+    <p:tnLst>
+      <p:par>
+        <p:cTn id="1" dur="indefinite" restart="never" nodeType="tmRoot"/>
+      </p:par>
+    </p:tnLst>
+  </p:timing>
 </p:sld>
 </file>
 
@@ -20533,6 +22090,791 @@
   <p:clrMapOvr>
     <a:masterClrMapping/>
   </p:clrMapOvr>
+  <p:timing>
+    <p:tnLst>
+      <p:par>
+        <p:cTn id="1" dur="indefinite" restart="never" nodeType="tmRoot">
+          <p:childTnLst>
+            <p:seq concurrent="1" nextAc="seek">
+              <p:cTn id="2" dur="indefinite" nodeType="mainSeq">
+                <p:childTnLst>
+                  <p:par>
+                    <p:cTn id="3" fill="hold">
+                      <p:stCondLst>
+                        <p:cond delay="indefinite"/>
+                      </p:stCondLst>
+                      <p:childTnLst>
+                        <p:par>
+                          <p:cTn id="4" fill="hold">
+                            <p:stCondLst>
+                              <p:cond delay="0"/>
+                            </p:stCondLst>
+                            <p:childTnLst>
+                              <p:par>
+                                <p:cTn id="5" presetID="42" presetClass="entr" presetSubtype="0" fill="hold" nodeType="clickEffect">
+                                  <p:stCondLst>
+                                    <p:cond delay="0"/>
+                                  </p:stCondLst>
+                                  <p:childTnLst>
+                                    <p:set>
+                                      <p:cBhvr>
+                                        <p:cTn id="6" dur="1" fill="hold">
+                                          <p:stCondLst>
+                                            <p:cond delay="0"/>
+                                          </p:stCondLst>
+                                        </p:cTn>
+                                        <p:tgtEl>
+                                          <p:spTgt spid="4"/>
+                                        </p:tgtEl>
+                                        <p:attrNameLst>
+                                          <p:attrName>style.visibility</p:attrName>
+                                        </p:attrNameLst>
+                                      </p:cBhvr>
+                                      <p:to>
+                                        <p:strVal val="visible"/>
+                                      </p:to>
+                                    </p:set>
+                                    <p:animEffect transition="in" filter="fade">
+                                      <p:cBhvr>
+                                        <p:cTn id="7" dur="1000"/>
+                                        <p:tgtEl>
+                                          <p:spTgt spid="4"/>
+                                        </p:tgtEl>
+                                      </p:cBhvr>
+                                    </p:animEffect>
+                                    <p:anim calcmode="lin" valueType="num">
+                                      <p:cBhvr>
+                                        <p:cTn id="8" dur="1000" fill="hold"/>
+                                        <p:tgtEl>
+                                          <p:spTgt spid="4"/>
+                                        </p:tgtEl>
+                                        <p:attrNameLst>
+                                          <p:attrName>ppt_x</p:attrName>
+                                        </p:attrNameLst>
+                                      </p:cBhvr>
+                                      <p:tavLst>
+                                        <p:tav tm="0">
+                                          <p:val>
+                                            <p:strVal val="#ppt_x"/>
+                                          </p:val>
+                                        </p:tav>
+                                        <p:tav tm="100000">
+                                          <p:val>
+                                            <p:strVal val="#ppt_x"/>
+                                          </p:val>
+                                        </p:tav>
+                                      </p:tavLst>
+                                    </p:anim>
+                                    <p:anim calcmode="lin" valueType="num">
+                                      <p:cBhvr>
+                                        <p:cTn id="9" dur="1000" fill="hold"/>
+                                        <p:tgtEl>
+                                          <p:spTgt spid="4"/>
+                                        </p:tgtEl>
+                                        <p:attrNameLst>
+                                          <p:attrName>ppt_y</p:attrName>
+                                        </p:attrNameLst>
+                                      </p:cBhvr>
+                                      <p:tavLst>
+                                        <p:tav tm="0">
+                                          <p:val>
+                                            <p:strVal val="#ppt_y+.1"/>
+                                          </p:val>
+                                        </p:tav>
+                                        <p:tav tm="100000">
+                                          <p:val>
+                                            <p:strVal val="#ppt_y"/>
+                                          </p:val>
+                                        </p:tav>
+                                      </p:tavLst>
+                                    </p:anim>
+                                  </p:childTnLst>
+                                </p:cTn>
+                              </p:par>
+                            </p:childTnLst>
+                          </p:cTn>
+                        </p:par>
+                      </p:childTnLst>
+                    </p:cTn>
+                  </p:par>
+                  <p:par>
+                    <p:cTn id="10" fill="hold">
+                      <p:stCondLst>
+                        <p:cond delay="indefinite"/>
+                      </p:stCondLst>
+                      <p:childTnLst>
+                        <p:par>
+                          <p:cTn id="11" fill="hold">
+                            <p:stCondLst>
+                              <p:cond delay="0"/>
+                            </p:stCondLst>
+                            <p:childTnLst>
+                              <p:par>
+                                <p:cTn id="12" presetID="2" presetClass="entr" presetSubtype="4" fill="hold" grpId="0" nodeType="clickEffect">
+                                  <p:stCondLst>
+                                    <p:cond delay="0"/>
+                                  </p:stCondLst>
+                                  <p:childTnLst>
+                                    <p:set>
+                                      <p:cBhvr>
+                                        <p:cTn id="13" dur="1" fill="hold">
+                                          <p:stCondLst>
+                                            <p:cond delay="0"/>
+                                          </p:stCondLst>
+                                        </p:cTn>
+                                        <p:tgtEl>
+                                          <p:spTgt spid="5">
+                                            <p:graphicEl>
+                                              <a:dgm id="{38D7097B-E3BF-4E75-B3F8-30441BC76571}"/>
+                                            </p:graphicEl>
+                                          </p:spTgt>
+                                        </p:tgtEl>
+                                        <p:attrNameLst>
+                                          <p:attrName>style.visibility</p:attrName>
+                                        </p:attrNameLst>
+                                      </p:cBhvr>
+                                      <p:to>
+                                        <p:strVal val="visible"/>
+                                      </p:to>
+                                    </p:set>
+                                    <p:anim calcmode="lin" valueType="num">
+                                      <p:cBhvr additive="base">
+                                        <p:cTn id="14" dur="500" fill="hold"/>
+                                        <p:tgtEl>
+                                          <p:spTgt spid="5">
+                                            <p:graphicEl>
+                                              <a:dgm id="{38D7097B-E3BF-4E75-B3F8-30441BC76571}"/>
+                                            </p:graphicEl>
+                                          </p:spTgt>
+                                        </p:tgtEl>
+                                        <p:attrNameLst>
+                                          <p:attrName>ppt_x</p:attrName>
+                                        </p:attrNameLst>
+                                      </p:cBhvr>
+                                      <p:tavLst>
+                                        <p:tav tm="0">
+                                          <p:val>
+                                            <p:strVal val="#ppt_x"/>
+                                          </p:val>
+                                        </p:tav>
+                                        <p:tav tm="100000">
+                                          <p:val>
+                                            <p:strVal val="#ppt_x"/>
+                                          </p:val>
+                                        </p:tav>
+                                      </p:tavLst>
+                                    </p:anim>
+                                    <p:anim calcmode="lin" valueType="num">
+                                      <p:cBhvr additive="base">
+                                        <p:cTn id="15" dur="500" fill="hold"/>
+                                        <p:tgtEl>
+                                          <p:spTgt spid="5">
+                                            <p:graphicEl>
+                                              <a:dgm id="{38D7097B-E3BF-4E75-B3F8-30441BC76571}"/>
+                                            </p:graphicEl>
+                                          </p:spTgt>
+                                        </p:tgtEl>
+                                        <p:attrNameLst>
+                                          <p:attrName>ppt_y</p:attrName>
+                                        </p:attrNameLst>
+                                      </p:cBhvr>
+                                      <p:tavLst>
+                                        <p:tav tm="0">
+                                          <p:val>
+                                            <p:strVal val="1+#ppt_h/2"/>
+                                          </p:val>
+                                        </p:tav>
+                                        <p:tav tm="100000">
+                                          <p:val>
+                                            <p:strVal val="#ppt_y"/>
+                                          </p:val>
+                                        </p:tav>
+                                      </p:tavLst>
+                                    </p:anim>
+                                  </p:childTnLst>
+                                </p:cTn>
+                              </p:par>
+                              <p:par>
+                                <p:cTn id="16" presetID="2" presetClass="entr" presetSubtype="4" fill="hold" grpId="0" nodeType="withEffect">
+                                  <p:stCondLst>
+                                    <p:cond delay="0"/>
+                                  </p:stCondLst>
+                                  <p:childTnLst>
+                                    <p:set>
+                                      <p:cBhvr>
+                                        <p:cTn id="17" dur="1" fill="hold">
+                                          <p:stCondLst>
+                                            <p:cond delay="0"/>
+                                          </p:stCondLst>
+                                        </p:cTn>
+                                        <p:tgtEl>
+                                          <p:spTgt spid="5">
+                                            <p:graphicEl>
+                                              <a:dgm id="{BEC47173-B43D-440A-B071-F5E713476F86}"/>
+                                            </p:graphicEl>
+                                          </p:spTgt>
+                                        </p:tgtEl>
+                                        <p:attrNameLst>
+                                          <p:attrName>style.visibility</p:attrName>
+                                        </p:attrNameLst>
+                                      </p:cBhvr>
+                                      <p:to>
+                                        <p:strVal val="visible"/>
+                                      </p:to>
+                                    </p:set>
+                                    <p:anim calcmode="lin" valueType="num">
+                                      <p:cBhvr additive="base">
+                                        <p:cTn id="18" dur="500" fill="hold"/>
+                                        <p:tgtEl>
+                                          <p:spTgt spid="5">
+                                            <p:graphicEl>
+                                              <a:dgm id="{BEC47173-B43D-440A-B071-F5E713476F86}"/>
+                                            </p:graphicEl>
+                                          </p:spTgt>
+                                        </p:tgtEl>
+                                        <p:attrNameLst>
+                                          <p:attrName>ppt_x</p:attrName>
+                                        </p:attrNameLst>
+                                      </p:cBhvr>
+                                      <p:tavLst>
+                                        <p:tav tm="0">
+                                          <p:val>
+                                            <p:strVal val="#ppt_x"/>
+                                          </p:val>
+                                        </p:tav>
+                                        <p:tav tm="100000">
+                                          <p:val>
+                                            <p:strVal val="#ppt_x"/>
+                                          </p:val>
+                                        </p:tav>
+                                      </p:tavLst>
+                                    </p:anim>
+                                    <p:anim calcmode="lin" valueType="num">
+                                      <p:cBhvr additive="base">
+                                        <p:cTn id="19" dur="500" fill="hold"/>
+                                        <p:tgtEl>
+                                          <p:spTgt spid="5">
+                                            <p:graphicEl>
+                                              <a:dgm id="{BEC47173-B43D-440A-B071-F5E713476F86}"/>
+                                            </p:graphicEl>
+                                          </p:spTgt>
+                                        </p:tgtEl>
+                                        <p:attrNameLst>
+                                          <p:attrName>ppt_y</p:attrName>
+                                        </p:attrNameLst>
+                                      </p:cBhvr>
+                                      <p:tavLst>
+                                        <p:tav tm="0">
+                                          <p:val>
+                                            <p:strVal val="1+#ppt_h/2"/>
+                                          </p:val>
+                                        </p:tav>
+                                        <p:tav tm="100000">
+                                          <p:val>
+                                            <p:strVal val="#ppt_y"/>
+                                          </p:val>
+                                        </p:tav>
+                                      </p:tavLst>
+                                    </p:anim>
+                                  </p:childTnLst>
+                                </p:cTn>
+                              </p:par>
+                              <p:par>
+                                <p:cTn id="20" presetID="2" presetClass="entr" presetSubtype="4" fill="hold" grpId="0" nodeType="withEffect">
+                                  <p:stCondLst>
+                                    <p:cond delay="0"/>
+                                  </p:stCondLst>
+                                  <p:childTnLst>
+                                    <p:set>
+                                      <p:cBhvr>
+                                        <p:cTn id="21" dur="1" fill="hold">
+                                          <p:stCondLst>
+                                            <p:cond delay="0"/>
+                                          </p:stCondLst>
+                                        </p:cTn>
+                                        <p:tgtEl>
+                                          <p:spTgt spid="5">
+                                            <p:graphicEl>
+                                              <a:dgm id="{58BCEC67-4411-4ED3-916F-4805CF94175C}"/>
+                                            </p:graphicEl>
+                                          </p:spTgt>
+                                        </p:tgtEl>
+                                        <p:attrNameLst>
+                                          <p:attrName>style.visibility</p:attrName>
+                                        </p:attrNameLst>
+                                      </p:cBhvr>
+                                      <p:to>
+                                        <p:strVal val="visible"/>
+                                      </p:to>
+                                    </p:set>
+                                    <p:anim calcmode="lin" valueType="num">
+                                      <p:cBhvr additive="base">
+                                        <p:cTn id="22" dur="500" fill="hold"/>
+                                        <p:tgtEl>
+                                          <p:spTgt spid="5">
+                                            <p:graphicEl>
+                                              <a:dgm id="{58BCEC67-4411-4ED3-916F-4805CF94175C}"/>
+                                            </p:graphicEl>
+                                          </p:spTgt>
+                                        </p:tgtEl>
+                                        <p:attrNameLst>
+                                          <p:attrName>ppt_x</p:attrName>
+                                        </p:attrNameLst>
+                                      </p:cBhvr>
+                                      <p:tavLst>
+                                        <p:tav tm="0">
+                                          <p:val>
+                                            <p:strVal val="#ppt_x"/>
+                                          </p:val>
+                                        </p:tav>
+                                        <p:tav tm="100000">
+                                          <p:val>
+                                            <p:strVal val="#ppt_x"/>
+                                          </p:val>
+                                        </p:tav>
+                                      </p:tavLst>
+                                    </p:anim>
+                                    <p:anim calcmode="lin" valueType="num">
+                                      <p:cBhvr additive="base">
+                                        <p:cTn id="23" dur="500" fill="hold"/>
+                                        <p:tgtEl>
+                                          <p:spTgt spid="5">
+                                            <p:graphicEl>
+                                              <a:dgm id="{58BCEC67-4411-4ED3-916F-4805CF94175C}"/>
+                                            </p:graphicEl>
+                                          </p:spTgt>
+                                        </p:tgtEl>
+                                        <p:attrNameLst>
+                                          <p:attrName>ppt_y</p:attrName>
+                                        </p:attrNameLst>
+                                      </p:cBhvr>
+                                      <p:tavLst>
+                                        <p:tav tm="0">
+                                          <p:val>
+                                            <p:strVal val="1+#ppt_h/2"/>
+                                          </p:val>
+                                        </p:tav>
+                                        <p:tav tm="100000">
+                                          <p:val>
+                                            <p:strVal val="#ppt_y"/>
+                                          </p:val>
+                                        </p:tav>
+                                      </p:tavLst>
+                                    </p:anim>
+                                  </p:childTnLst>
+                                </p:cTn>
+                              </p:par>
+                            </p:childTnLst>
+                          </p:cTn>
+                        </p:par>
+                      </p:childTnLst>
+                    </p:cTn>
+                  </p:par>
+                  <p:par>
+                    <p:cTn id="24" fill="hold">
+                      <p:stCondLst>
+                        <p:cond delay="indefinite"/>
+                      </p:stCondLst>
+                      <p:childTnLst>
+                        <p:par>
+                          <p:cTn id="25" fill="hold">
+                            <p:stCondLst>
+                              <p:cond delay="0"/>
+                            </p:stCondLst>
+                            <p:childTnLst>
+                              <p:par>
+                                <p:cTn id="26" presetID="2" presetClass="entr" presetSubtype="4" fill="hold" grpId="0" nodeType="clickEffect">
+                                  <p:stCondLst>
+                                    <p:cond delay="0"/>
+                                  </p:stCondLst>
+                                  <p:childTnLst>
+                                    <p:set>
+                                      <p:cBhvr>
+                                        <p:cTn id="27" dur="1" fill="hold">
+                                          <p:stCondLst>
+                                            <p:cond delay="0"/>
+                                          </p:stCondLst>
+                                        </p:cTn>
+                                        <p:tgtEl>
+                                          <p:spTgt spid="5">
+                                            <p:graphicEl>
+                                              <a:dgm id="{0A47A22E-595E-4C1F-B7C6-0EF1B4F19368}"/>
+                                            </p:graphicEl>
+                                          </p:spTgt>
+                                        </p:tgtEl>
+                                        <p:attrNameLst>
+                                          <p:attrName>style.visibility</p:attrName>
+                                        </p:attrNameLst>
+                                      </p:cBhvr>
+                                      <p:to>
+                                        <p:strVal val="visible"/>
+                                      </p:to>
+                                    </p:set>
+                                    <p:anim calcmode="lin" valueType="num">
+                                      <p:cBhvr additive="base">
+                                        <p:cTn id="28" dur="500" fill="hold"/>
+                                        <p:tgtEl>
+                                          <p:spTgt spid="5">
+                                            <p:graphicEl>
+                                              <a:dgm id="{0A47A22E-595E-4C1F-B7C6-0EF1B4F19368}"/>
+                                            </p:graphicEl>
+                                          </p:spTgt>
+                                        </p:tgtEl>
+                                        <p:attrNameLst>
+                                          <p:attrName>ppt_x</p:attrName>
+                                        </p:attrNameLst>
+                                      </p:cBhvr>
+                                      <p:tavLst>
+                                        <p:tav tm="0">
+                                          <p:val>
+                                            <p:strVal val="#ppt_x"/>
+                                          </p:val>
+                                        </p:tav>
+                                        <p:tav tm="100000">
+                                          <p:val>
+                                            <p:strVal val="#ppt_x"/>
+                                          </p:val>
+                                        </p:tav>
+                                      </p:tavLst>
+                                    </p:anim>
+                                    <p:anim calcmode="lin" valueType="num">
+                                      <p:cBhvr additive="base">
+                                        <p:cTn id="29" dur="500" fill="hold"/>
+                                        <p:tgtEl>
+                                          <p:spTgt spid="5">
+                                            <p:graphicEl>
+                                              <a:dgm id="{0A47A22E-595E-4C1F-B7C6-0EF1B4F19368}"/>
+                                            </p:graphicEl>
+                                          </p:spTgt>
+                                        </p:tgtEl>
+                                        <p:attrNameLst>
+                                          <p:attrName>ppt_y</p:attrName>
+                                        </p:attrNameLst>
+                                      </p:cBhvr>
+                                      <p:tavLst>
+                                        <p:tav tm="0">
+                                          <p:val>
+                                            <p:strVal val="1+#ppt_h/2"/>
+                                          </p:val>
+                                        </p:tav>
+                                        <p:tav tm="100000">
+                                          <p:val>
+                                            <p:strVal val="#ppt_y"/>
+                                          </p:val>
+                                        </p:tav>
+                                      </p:tavLst>
+                                    </p:anim>
+                                  </p:childTnLst>
+                                </p:cTn>
+                              </p:par>
+                              <p:par>
+                                <p:cTn id="30" presetID="2" presetClass="entr" presetSubtype="4" fill="hold" grpId="0" nodeType="withEffect">
+                                  <p:stCondLst>
+                                    <p:cond delay="0"/>
+                                  </p:stCondLst>
+                                  <p:childTnLst>
+                                    <p:set>
+                                      <p:cBhvr>
+                                        <p:cTn id="31" dur="1" fill="hold">
+                                          <p:stCondLst>
+                                            <p:cond delay="0"/>
+                                          </p:stCondLst>
+                                        </p:cTn>
+                                        <p:tgtEl>
+                                          <p:spTgt spid="5">
+                                            <p:graphicEl>
+                                              <a:dgm id="{AC72BA76-548A-4DBB-8925-4225F3E0BFD8}"/>
+                                            </p:graphicEl>
+                                          </p:spTgt>
+                                        </p:tgtEl>
+                                        <p:attrNameLst>
+                                          <p:attrName>style.visibility</p:attrName>
+                                        </p:attrNameLst>
+                                      </p:cBhvr>
+                                      <p:to>
+                                        <p:strVal val="visible"/>
+                                      </p:to>
+                                    </p:set>
+                                    <p:anim calcmode="lin" valueType="num">
+                                      <p:cBhvr additive="base">
+                                        <p:cTn id="32" dur="500" fill="hold"/>
+                                        <p:tgtEl>
+                                          <p:spTgt spid="5">
+                                            <p:graphicEl>
+                                              <a:dgm id="{AC72BA76-548A-4DBB-8925-4225F3E0BFD8}"/>
+                                            </p:graphicEl>
+                                          </p:spTgt>
+                                        </p:tgtEl>
+                                        <p:attrNameLst>
+                                          <p:attrName>ppt_x</p:attrName>
+                                        </p:attrNameLst>
+                                      </p:cBhvr>
+                                      <p:tavLst>
+                                        <p:tav tm="0">
+                                          <p:val>
+                                            <p:strVal val="#ppt_x"/>
+                                          </p:val>
+                                        </p:tav>
+                                        <p:tav tm="100000">
+                                          <p:val>
+                                            <p:strVal val="#ppt_x"/>
+                                          </p:val>
+                                        </p:tav>
+                                      </p:tavLst>
+                                    </p:anim>
+                                    <p:anim calcmode="lin" valueType="num">
+                                      <p:cBhvr additive="base">
+                                        <p:cTn id="33" dur="500" fill="hold"/>
+                                        <p:tgtEl>
+                                          <p:spTgt spid="5">
+                                            <p:graphicEl>
+                                              <a:dgm id="{AC72BA76-548A-4DBB-8925-4225F3E0BFD8}"/>
+                                            </p:graphicEl>
+                                          </p:spTgt>
+                                        </p:tgtEl>
+                                        <p:attrNameLst>
+                                          <p:attrName>ppt_y</p:attrName>
+                                        </p:attrNameLst>
+                                      </p:cBhvr>
+                                      <p:tavLst>
+                                        <p:tav tm="0">
+                                          <p:val>
+                                            <p:strVal val="1+#ppt_h/2"/>
+                                          </p:val>
+                                        </p:tav>
+                                        <p:tav tm="100000">
+                                          <p:val>
+                                            <p:strVal val="#ppt_y"/>
+                                          </p:val>
+                                        </p:tav>
+                                      </p:tavLst>
+                                    </p:anim>
+                                  </p:childTnLst>
+                                </p:cTn>
+                              </p:par>
+                            </p:childTnLst>
+                          </p:cTn>
+                        </p:par>
+                      </p:childTnLst>
+                    </p:cTn>
+                  </p:par>
+                  <p:par>
+                    <p:cTn id="34" fill="hold">
+                      <p:stCondLst>
+                        <p:cond delay="indefinite"/>
+                      </p:stCondLst>
+                      <p:childTnLst>
+                        <p:par>
+                          <p:cTn id="35" fill="hold">
+                            <p:stCondLst>
+                              <p:cond delay="0"/>
+                            </p:stCondLst>
+                            <p:childTnLst>
+                              <p:par>
+                                <p:cTn id="36" presetID="2" presetClass="entr" presetSubtype="4" fill="hold" grpId="0" nodeType="clickEffect">
+                                  <p:stCondLst>
+                                    <p:cond delay="0"/>
+                                  </p:stCondLst>
+                                  <p:childTnLst>
+                                    <p:set>
+                                      <p:cBhvr>
+                                        <p:cTn id="37" dur="1" fill="hold">
+                                          <p:stCondLst>
+                                            <p:cond delay="0"/>
+                                          </p:stCondLst>
+                                        </p:cTn>
+                                        <p:tgtEl>
+                                          <p:spTgt spid="5">
+                                            <p:graphicEl>
+                                              <a:dgm id="{A7036FD2-AF1B-4FDC-94DA-3E29AEDA80E6}"/>
+                                            </p:graphicEl>
+                                          </p:spTgt>
+                                        </p:tgtEl>
+                                        <p:attrNameLst>
+                                          <p:attrName>style.visibility</p:attrName>
+                                        </p:attrNameLst>
+                                      </p:cBhvr>
+                                      <p:to>
+                                        <p:strVal val="visible"/>
+                                      </p:to>
+                                    </p:set>
+                                    <p:anim calcmode="lin" valueType="num">
+                                      <p:cBhvr additive="base">
+                                        <p:cTn id="38" dur="500" fill="hold"/>
+                                        <p:tgtEl>
+                                          <p:spTgt spid="5">
+                                            <p:graphicEl>
+                                              <a:dgm id="{A7036FD2-AF1B-4FDC-94DA-3E29AEDA80E6}"/>
+                                            </p:graphicEl>
+                                          </p:spTgt>
+                                        </p:tgtEl>
+                                        <p:attrNameLst>
+                                          <p:attrName>ppt_x</p:attrName>
+                                        </p:attrNameLst>
+                                      </p:cBhvr>
+                                      <p:tavLst>
+                                        <p:tav tm="0">
+                                          <p:val>
+                                            <p:strVal val="#ppt_x"/>
+                                          </p:val>
+                                        </p:tav>
+                                        <p:tav tm="100000">
+                                          <p:val>
+                                            <p:strVal val="#ppt_x"/>
+                                          </p:val>
+                                        </p:tav>
+                                      </p:tavLst>
+                                    </p:anim>
+                                    <p:anim calcmode="lin" valueType="num">
+                                      <p:cBhvr additive="base">
+                                        <p:cTn id="39" dur="500" fill="hold"/>
+                                        <p:tgtEl>
+                                          <p:spTgt spid="5">
+                                            <p:graphicEl>
+                                              <a:dgm id="{A7036FD2-AF1B-4FDC-94DA-3E29AEDA80E6}"/>
+                                            </p:graphicEl>
+                                          </p:spTgt>
+                                        </p:tgtEl>
+                                        <p:attrNameLst>
+                                          <p:attrName>ppt_y</p:attrName>
+                                        </p:attrNameLst>
+                                      </p:cBhvr>
+                                      <p:tavLst>
+                                        <p:tav tm="0">
+                                          <p:val>
+                                            <p:strVal val="1+#ppt_h/2"/>
+                                          </p:val>
+                                        </p:tav>
+                                        <p:tav tm="100000">
+                                          <p:val>
+                                            <p:strVal val="#ppt_y"/>
+                                          </p:val>
+                                        </p:tav>
+                                      </p:tavLst>
+                                    </p:anim>
+                                  </p:childTnLst>
+                                </p:cTn>
+                              </p:par>
+                              <p:par>
+                                <p:cTn id="40" presetID="2" presetClass="entr" presetSubtype="4" fill="hold" grpId="0" nodeType="withEffect">
+                                  <p:stCondLst>
+                                    <p:cond delay="0"/>
+                                  </p:stCondLst>
+                                  <p:childTnLst>
+                                    <p:set>
+                                      <p:cBhvr>
+                                        <p:cTn id="41" dur="1" fill="hold">
+                                          <p:stCondLst>
+                                            <p:cond delay="0"/>
+                                          </p:stCondLst>
+                                        </p:cTn>
+                                        <p:tgtEl>
+                                          <p:spTgt spid="5">
+                                            <p:graphicEl>
+                                              <a:dgm id="{A18F5808-8715-4B58-8E6F-C9CA03098757}"/>
+                                            </p:graphicEl>
+                                          </p:spTgt>
+                                        </p:tgtEl>
+                                        <p:attrNameLst>
+                                          <p:attrName>style.visibility</p:attrName>
+                                        </p:attrNameLst>
+                                      </p:cBhvr>
+                                      <p:to>
+                                        <p:strVal val="visible"/>
+                                      </p:to>
+                                    </p:set>
+                                    <p:anim calcmode="lin" valueType="num">
+                                      <p:cBhvr additive="base">
+                                        <p:cTn id="42" dur="500" fill="hold"/>
+                                        <p:tgtEl>
+                                          <p:spTgt spid="5">
+                                            <p:graphicEl>
+                                              <a:dgm id="{A18F5808-8715-4B58-8E6F-C9CA03098757}"/>
+                                            </p:graphicEl>
+                                          </p:spTgt>
+                                        </p:tgtEl>
+                                        <p:attrNameLst>
+                                          <p:attrName>ppt_x</p:attrName>
+                                        </p:attrNameLst>
+                                      </p:cBhvr>
+                                      <p:tavLst>
+                                        <p:tav tm="0">
+                                          <p:val>
+                                            <p:strVal val="#ppt_x"/>
+                                          </p:val>
+                                        </p:tav>
+                                        <p:tav tm="100000">
+                                          <p:val>
+                                            <p:strVal val="#ppt_x"/>
+                                          </p:val>
+                                        </p:tav>
+                                      </p:tavLst>
+                                    </p:anim>
+                                    <p:anim calcmode="lin" valueType="num">
+                                      <p:cBhvr additive="base">
+                                        <p:cTn id="43" dur="500" fill="hold"/>
+                                        <p:tgtEl>
+                                          <p:spTgt spid="5">
+                                            <p:graphicEl>
+                                              <a:dgm id="{A18F5808-8715-4B58-8E6F-C9CA03098757}"/>
+                                            </p:graphicEl>
+                                          </p:spTgt>
+                                        </p:tgtEl>
+                                        <p:attrNameLst>
+                                          <p:attrName>ppt_y</p:attrName>
+                                        </p:attrNameLst>
+                                      </p:cBhvr>
+                                      <p:tavLst>
+                                        <p:tav tm="0">
+                                          <p:val>
+                                            <p:strVal val="1+#ppt_h/2"/>
+                                          </p:val>
+                                        </p:tav>
+                                        <p:tav tm="100000">
+                                          <p:val>
+                                            <p:strVal val="#ppt_y"/>
+                                          </p:val>
+                                        </p:tav>
+                                      </p:tavLst>
+                                    </p:anim>
+                                  </p:childTnLst>
+                                </p:cTn>
+                              </p:par>
+                            </p:childTnLst>
+                          </p:cTn>
+                        </p:par>
+                      </p:childTnLst>
+                    </p:cTn>
+                  </p:par>
+                </p:childTnLst>
+              </p:cTn>
+              <p:prevCondLst>
+                <p:cond evt="onPrev" delay="0">
+                  <p:tgtEl>
+                    <p:sldTgt/>
+                  </p:tgtEl>
+                </p:cond>
+              </p:prevCondLst>
+              <p:nextCondLst>
+                <p:cond evt="onNext" delay="0">
+                  <p:tgtEl>
+                    <p:sldTgt/>
+                  </p:tgtEl>
+                </p:cond>
+              </p:nextCondLst>
+            </p:seq>
+          </p:childTnLst>
+        </p:cTn>
+      </p:par>
+    </p:tnLst>
+    <p:bldLst>
+      <p:bldGraphic spid="5" grpId="0">
+        <p:bldSub>
+          <a:bldDgm bld="one"/>
+        </p:bldSub>
+      </p:bldGraphic>
+    </p:bldLst>
+  </p:timing>
 </p:sld>
 </file>
 
@@ -20741,6 +23083,276 @@
   <p:clrMapOvr>
     <a:masterClrMapping/>
   </p:clrMapOvr>
+  <p:timing>
+    <p:tnLst>
+      <p:par>
+        <p:cTn id="1" dur="indefinite" restart="never" nodeType="tmRoot">
+          <p:childTnLst>
+            <p:seq concurrent="1" nextAc="seek">
+              <p:cTn id="2" dur="indefinite" nodeType="mainSeq">
+                <p:childTnLst>
+                  <p:par>
+                    <p:cTn id="3" fill="hold">
+                      <p:stCondLst>
+                        <p:cond delay="indefinite"/>
+                      </p:stCondLst>
+                      <p:childTnLst>
+                        <p:par>
+                          <p:cTn id="4" fill="hold">
+                            <p:stCondLst>
+                              <p:cond delay="0"/>
+                            </p:stCondLst>
+                            <p:childTnLst>
+                              <p:par>
+                                <p:cTn id="5" presetID="2" presetClass="entr" presetSubtype="8" fill="hold" grpId="0" nodeType="clickEffect">
+                                  <p:stCondLst>
+                                    <p:cond delay="0"/>
+                                  </p:stCondLst>
+                                  <p:childTnLst>
+                                    <p:set>
+                                      <p:cBhvr>
+                                        <p:cTn id="6" dur="1" fill="hold">
+                                          <p:stCondLst>
+                                            <p:cond delay="0"/>
+                                          </p:stCondLst>
+                                        </p:cTn>
+                                        <p:tgtEl>
+                                          <p:spTgt spid="4"/>
+                                        </p:tgtEl>
+                                        <p:attrNameLst>
+                                          <p:attrName>style.visibility</p:attrName>
+                                        </p:attrNameLst>
+                                      </p:cBhvr>
+                                      <p:to>
+                                        <p:strVal val="visible"/>
+                                      </p:to>
+                                    </p:set>
+                                    <p:anim calcmode="lin" valueType="num">
+                                      <p:cBhvr additive="base">
+                                        <p:cTn id="7" dur="500" fill="hold"/>
+                                        <p:tgtEl>
+                                          <p:spTgt spid="4"/>
+                                        </p:tgtEl>
+                                        <p:attrNameLst>
+                                          <p:attrName>ppt_x</p:attrName>
+                                        </p:attrNameLst>
+                                      </p:cBhvr>
+                                      <p:tavLst>
+                                        <p:tav tm="0">
+                                          <p:val>
+                                            <p:strVal val="0-#ppt_w/2"/>
+                                          </p:val>
+                                        </p:tav>
+                                        <p:tav tm="100000">
+                                          <p:val>
+                                            <p:strVal val="#ppt_x"/>
+                                          </p:val>
+                                        </p:tav>
+                                      </p:tavLst>
+                                    </p:anim>
+                                    <p:anim calcmode="lin" valueType="num">
+                                      <p:cBhvr additive="base">
+                                        <p:cTn id="8" dur="500" fill="hold"/>
+                                        <p:tgtEl>
+                                          <p:spTgt spid="4"/>
+                                        </p:tgtEl>
+                                        <p:attrNameLst>
+                                          <p:attrName>ppt_y</p:attrName>
+                                        </p:attrNameLst>
+                                      </p:cBhvr>
+                                      <p:tavLst>
+                                        <p:tav tm="0">
+                                          <p:val>
+                                            <p:strVal val="#ppt_y"/>
+                                          </p:val>
+                                        </p:tav>
+                                        <p:tav tm="100000">
+                                          <p:val>
+                                            <p:strVal val="#ppt_y"/>
+                                          </p:val>
+                                        </p:tav>
+                                      </p:tavLst>
+                                    </p:anim>
+                                  </p:childTnLst>
+                                </p:cTn>
+                              </p:par>
+                            </p:childTnLst>
+                          </p:cTn>
+                        </p:par>
+                      </p:childTnLst>
+                    </p:cTn>
+                  </p:par>
+                  <p:par>
+                    <p:cTn id="9" fill="hold">
+                      <p:stCondLst>
+                        <p:cond delay="indefinite"/>
+                      </p:stCondLst>
+                      <p:childTnLst>
+                        <p:par>
+                          <p:cTn id="10" fill="hold">
+                            <p:stCondLst>
+                              <p:cond delay="0"/>
+                            </p:stCondLst>
+                            <p:childTnLst>
+                              <p:par>
+                                <p:cTn id="11" presetID="10" presetClass="entr" presetSubtype="0" fill="hold" grpId="0" nodeType="clickEffect">
+                                  <p:stCondLst>
+                                    <p:cond delay="0"/>
+                                  </p:stCondLst>
+                                  <p:childTnLst>
+                                    <p:set>
+                                      <p:cBhvr>
+                                        <p:cTn id="12" dur="1" fill="hold">
+                                          <p:stCondLst>
+                                            <p:cond delay="0"/>
+                                          </p:stCondLst>
+                                        </p:cTn>
+                                        <p:tgtEl>
+                                          <p:spTgt spid="5"/>
+                                        </p:tgtEl>
+                                        <p:attrNameLst>
+                                          <p:attrName>style.visibility</p:attrName>
+                                        </p:attrNameLst>
+                                      </p:cBhvr>
+                                      <p:to>
+                                        <p:strVal val="visible"/>
+                                      </p:to>
+                                    </p:set>
+                                    <p:animEffect transition="in" filter="fade">
+                                      <p:cBhvr>
+                                        <p:cTn id="13" dur="500"/>
+                                        <p:tgtEl>
+                                          <p:spTgt spid="5"/>
+                                        </p:tgtEl>
+                                      </p:cBhvr>
+                                    </p:animEffect>
+                                  </p:childTnLst>
+                                </p:cTn>
+                              </p:par>
+                            </p:childTnLst>
+                          </p:cTn>
+                        </p:par>
+                      </p:childTnLst>
+                    </p:cTn>
+                  </p:par>
+                  <p:par>
+                    <p:cTn id="14" fill="hold">
+                      <p:stCondLst>
+                        <p:cond delay="indefinite"/>
+                      </p:stCondLst>
+                      <p:childTnLst>
+                        <p:par>
+                          <p:cTn id="15" fill="hold">
+                            <p:stCondLst>
+                              <p:cond delay="0"/>
+                            </p:stCondLst>
+                            <p:childTnLst>
+                              <p:par>
+                                <p:cTn id="16" presetID="2" presetClass="entr" presetSubtype="2" fill="hold" grpId="0" nodeType="clickEffect">
+                                  <p:stCondLst>
+                                    <p:cond delay="0"/>
+                                  </p:stCondLst>
+                                  <p:childTnLst>
+                                    <p:set>
+                                      <p:cBhvr>
+                                        <p:cTn id="17" dur="1" fill="hold">
+                                          <p:stCondLst>
+                                            <p:cond delay="0"/>
+                                          </p:stCondLst>
+                                        </p:cTn>
+                                        <p:tgtEl>
+                                          <p:spTgt spid="6"/>
+                                        </p:tgtEl>
+                                        <p:attrNameLst>
+                                          <p:attrName>style.visibility</p:attrName>
+                                        </p:attrNameLst>
+                                      </p:cBhvr>
+                                      <p:to>
+                                        <p:strVal val="visible"/>
+                                      </p:to>
+                                    </p:set>
+                                    <p:anim calcmode="lin" valueType="num">
+                                      <p:cBhvr additive="base">
+                                        <p:cTn id="18" dur="500" fill="hold"/>
+                                        <p:tgtEl>
+                                          <p:spTgt spid="6"/>
+                                        </p:tgtEl>
+                                        <p:attrNameLst>
+                                          <p:attrName>ppt_x</p:attrName>
+                                        </p:attrNameLst>
+                                      </p:cBhvr>
+                                      <p:tavLst>
+                                        <p:tav tm="0">
+                                          <p:val>
+                                            <p:strVal val="1+#ppt_w/2"/>
+                                          </p:val>
+                                        </p:tav>
+                                        <p:tav tm="100000">
+                                          <p:val>
+                                            <p:strVal val="#ppt_x"/>
+                                          </p:val>
+                                        </p:tav>
+                                      </p:tavLst>
+                                    </p:anim>
+                                    <p:anim calcmode="lin" valueType="num">
+                                      <p:cBhvr additive="base">
+                                        <p:cTn id="19" dur="500" fill="hold"/>
+                                        <p:tgtEl>
+                                          <p:spTgt spid="6"/>
+                                        </p:tgtEl>
+                                        <p:attrNameLst>
+                                          <p:attrName>ppt_y</p:attrName>
+                                        </p:attrNameLst>
+                                      </p:cBhvr>
+                                      <p:tavLst>
+                                        <p:tav tm="0">
+                                          <p:val>
+                                            <p:strVal val="#ppt_y"/>
+                                          </p:val>
+                                        </p:tav>
+                                        <p:tav tm="100000">
+                                          <p:val>
+                                            <p:strVal val="#ppt_y"/>
+                                          </p:val>
+                                        </p:tav>
+                                      </p:tavLst>
+                                    </p:anim>
+                                  </p:childTnLst>
+                                </p:cTn>
+                              </p:par>
+                            </p:childTnLst>
+                          </p:cTn>
+                        </p:par>
+                      </p:childTnLst>
+                    </p:cTn>
+                  </p:par>
+                </p:childTnLst>
+              </p:cTn>
+              <p:prevCondLst>
+                <p:cond evt="onPrev" delay="0">
+                  <p:tgtEl>
+                    <p:sldTgt/>
+                  </p:tgtEl>
+                </p:cond>
+              </p:prevCondLst>
+              <p:nextCondLst>
+                <p:cond evt="onNext" delay="0">
+                  <p:tgtEl>
+                    <p:sldTgt/>
+                  </p:tgtEl>
+                </p:cond>
+              </p:nextCondLst>
+            </p:seq>
+          </p:childTnLst>
+        </p:cTn>
+      </p:par>
+    </p:tnLst>
+    <p:bldLst>
+      <p:bldP spid="4" grpId="0" animBg="1"/>
+      <p:bldP spid="5" grpId="0" animBg="1"/>
+      <p:bldP spid="6" grpId="0" animBg="1"/>
+    </p:bldLst>
+  </p:timing>
 </p:sld>
 </file>
 
@@ -20794,7 +23406,7 @@
             <p:ph idx="1"/>
             <p:extLst>
               <p:ext uri="{D42A27DB-BD31-4B8C-83A1-F6EECF244321}">
-                <p14:modId xmlns:p14="http://schemas.microsoft.com/office/powerpoint/2010/main" val="3051289489"/>
+                <p14:modId xmlns:p14="http://schemas.microsoft.com/office/powerpoint/2010/main" val="93345647"/>
               </p:ext>
             </p:extLst>
           </p:nvPr>
@@ -20819,6 +23431,1078 @@
   <p:clrMapOvr>
     <a:masterClrMapping/>
   </p:clrMapOvr>
+  <p:timing>
+    <p:tnLst>
+      <p:par>
+        <p:cTn id="1" dur="indefinite" restart="never" nodeType="tmRoot">
+          <p:childTnLst>
+            <p:seq concurrent="1" nextAc="seek">
+              <p:cTn id="2" dur="indefinite" nodeType="mainSeq">
+                <p:childTnLst>
+                  <p:par>
+                    <p:cTn id="3" fill="hold">
+                      <p:stCondLst>
+                        <p:cond delay="indefinite"/>
+                      </p:stCondLst>
+                      <p:childTnLst>
+                        <p:par>
+                          <p:cTn id="4" fill="hold">
+                            <p:stCondLst>
+                              <p:cond delay="0"/>
+                            </p:stCondLst>
+                            <p:childTnLst>
+                              <p:par>
+                                <p:cTn id="5" presetID="42" presetClass="entr" presetSubtype="0" fill="hold" grpId="0" nodeType="clickEffect">
+                                  <p:stCondLst>
+                                    <p:cond delay="0"/>
+                                  </p:stCondLst>
+                                  <p:childTnLst>
+                                    <p:set>
+                                      <p:cBhvr>
+                                        <p:cTn id="6" dur="1" fill="hold">
+                                          <p:stCondLst>
+                                            <p:cond delay="0"/>
+                                          </p:stCondLst>
+                                        </p:cTn>
+                                        <p:tgtEl>
+                                          <p:spTgt spid="4">
+                                            <p:graphicEl>
+                                              <a:dgm id="{EF1D8AAE-B5F3-4B4A-8D38-6AE551DA8698}"/>
+                                            </p:graphicEl>
+                                          </p:spTgt>
+                                        </p:tgtEl>
+                                        <p:attrNameLst>
+                                          <p:attrName>style.visibility</p:attrName>
+                                        </p:attrNameLst>
+                                      </p:cBhvr>
+                                      <p:to>
+                                        <p:strVal val="visible"/>
+                                      </p:to>
+                                    </p:set>
+                                    <p:animEffect transition="in" filter="fade">
+                                      <p:cBhvr>
+                                        <p:cTn id="7" dur="1000"/>
+                                        <p:tgtEl>
+                                          <p:spTgt spid="4">
+                                            <p:graphicEl>
+                                              <a:dgm id="{EF1D8AAE-B5F3-4B4A-8D38-6AE551DA8698}"/>
+                                            </p:graphicEl>
+                                          </p:spTgt>
+                                        </p:tgtEl>
+                                      </p:cBhvr>
+                                    </p:animEffect>
+                                    <p:anim calcmode="lin" valueType="num">
+                                      <p:cBhvr>
+                                        <p:cTn id="8" dur="1000" fill="hold"/>
+                                        <p:tgtEl>
+                                          <p:spTgt spid="4">
+                                            <p:graphicEl>
+                                              <a:dgm id="{EF1D8AAE-B5F3-4B4A-8D38-6AE551DA8698}"/>
+                                            </p:graphicEl>
+                                          </p:spTgt>
+                                        </p:tgtEl>
+                                        <p:attrNameLst>
+                                          <p:attrName>ppt_x</p:attrName>
+                                        </p:attrNameLst>
+                                      </p:cBhvr>
+                                      <p:tavLst>
+                                        <p:tav tm="0">
+                                          <p:val>
+                                            <p:strVal val="#ppt_x"/>
+                                          </p:val>
+                                        </p:tav>
+                                        <p:tav tm="100000">
+                                          <p:val>
+                                            <p:strVal val="#ppt_x"/>
+                                          </p:val>
+                                        </p:tav>
+                                      </p:tavLst>
+                                    </p:anim>
+                                    <p:anim calcmode="lin" valueType="num">
+                                      <p:cBhvr>
+                                        <p:cTn id="9" dur="1000" fill="hold"/>
+                                        <p:tgtEl>
+                                          <p:spTgt spid="4">
+                                            <p:graphicEl>
+                                              <a:dgm id="{EF1D8AAE-B5F3-4B4A-8D38-6AE551DA8698}"/>
+                                            </p:graphicEl>
+                                          </p:spTgt>
+                                        </p:tgtEl>
+                                        <p:attrNameLst>
+                                          <p:attrName>ppt_y</p:attrName>
+                                        </p:attrNameLst>
+                                      </p:cBhvr>
+                                      <p:tavLst>
+                                        <p:tav tm="0">
+                                          <p:val>
+                                            <p:strVal val="#ppt_y+.1"/>
+                                          </p:val>
+                                        </p:tav>
+                                        <p:tav tm="100000">
+                                          <p:val>
+                                            <p:strVal val="#ppt_y"/>
+                                          </p:val>
+                                        </p:tav>
+                                      </p:tavLst>
+                                    </p:anim>
+                                  </p:childTnLst>
+                                </p:cTn>
+                              </p:par>
+                            </p:childTnLst>
+                          </p:cTn>
+                        </p:par>
+                      </p:childTnLst>
+                    </p:cTn>
+                  </p:par>
+                  <p:par>
+                    <p:cTn id="10" fill="hold">
+                      <p:stCondLst>
+                        <p:cond delay="indefinite"/>
+                      </p:stCondLst>
+                      <p:childTnLst>
+                        <p:par>
+                          <p:cTn id="11" fill="hold">
+                            <p:stCondLst>
+                              <p:cond delay="0"/>
+                            </p:stCondLst>
+                            <p:childTnLst>
+                              <p:par>
+                                <p:cTn id="12" presetID="42" presetClass="entr" presetSubtype="0" fill="hold" grpId="0" nodeType="clickEffect">
+                                  <p:stCondLst>
+                                    <p:cond delay="0"/>
+                                  </p:stCondLst>
+                                  <p:childTnLst>
+                                    <p:set>
+                                      <p:cBhvr>
+                                        <p:cTn id="13" dur="1" fill="hold">
+                                          <p:stCondLst>
+                                            <p:cond delay="0"/>
+                                          </p:stCondLst>
+                                        </p:cTn>
+                                        <p:tgtEl>
+                                          <p:spTgt spid="4">
+                                            <p:graphicEl>
+                                              <a:dgm id="{8C89487D-98DE-4128-9BC2-9C0899D30B13}"/>
+                                            </p:graphicEl>
+                                          </p:spTgt>
+                                        </p:tgtEl>
+                                        <p:attrNameLst>
+                                          <p:attrName>style.visibility</p:attrName>
+                                        </p:attrNameLst>
+                                      </p:cBhvr>
+                                      <p:to>
+                                        <p:strVal val="visible"/>
+                                      </p:to>
+                                    </p:set>
+                                    <p:animEffect transition="in" filter="fade">
+                                      <p:cBhvr>
+                                        <p:cTn id="14" dur="1000"/>
+                                        <p:tgtEl>
+                                          <p:spTgt spid="4">
+                                            <p:graphicEl>
+                                              <a:dgm id="{8C89487D-98DE-4128-9BC2-9C0899D30B13}"/>
+                                            </p:graphicEl>
+                                          </p:spTgt>
+                                        </p:tgtEl>
+                                      </p:cBhvr>
+                                    </p:animEffect>
+                                    <p:anim calcmode="lin" valueType="num">
+                                      <p:cBhvr>
+                                        <p:cTn id="15" dur="1000" fill="hold"/>
+                                        <p:tgtEl>
+                                          <p:spTgt spid="4">
+                                            <p:graphicEl>
+                                              <a:dgm id="{8C89487D-98DE-4128-9BC2-9C0899D30B13}"/>
+                                            </p:graphicEl>
+                                          </p:spTgt>
+                                        </p:tgtEl>
+                                        <p:attrNameLst>
+                                          <p:attrName>ppt_x</p:attrName>
+                                        </p:attrNameLst>
+                                      </p:cBhvr>
+                                      <p:tavLst>
+                                        <p:tav tm="0">
+                                          <p:val>
+                                            <p:strVal val="#ppt_x"/>
+                                          </p:val>
+                                        </p:tav>
+                                        <p:tav tm="100000">
+                                          <p:val>
+                                            <p:strVal val="#ppt_x"/>
+                                          </p:val>
+                                        </p:tav>
+                                      </p:tavLst>
+                                    </p:anim>
+                                    <p:anim calcmode="lin" valueType="num">
+                                      <p:cBhvr>
+                                        <p:cTn id="16" dur="1000" fill="hold"/>
+                                        <p:tgtEl>
+                                          <p:spTgt spid="4">
+                                            <p:graphicEl>
+                                              <a:dgm id="{8C89487D-98DE-4128-9BC2-9C0899D30B13}"/>
+                                            </p:graphicEl>
+                                          </p:spTgt>
+                                        </p:tgtEl>
+                                        <p:attrNameLst>
+                                          <p:attrName>ppt_y</p:attrName>
+                                        </p:attrNameLst>
+                                      </p:cBhvr>
+                                      <p:tavLst>
+                                        <p:tav tm="0">
+                                          <p:val>
+                                            <p:strVal val="#ppt_y+.1"/>
+                                          </p:val>
+                                        </p:tav>
+                                        <p:tav tm="100000">
+                                          <p:val>
+                                            <p:strVal val="#ppt_y"/>
+                                          </p:val>
+                                        </p:tav>
+                                      </p:tavLst>
+                                    </p:anim>
+                                  </p:childTnLst>
+                                </p:cTn>
+                              </p:par>
+                            </p:childTnLst>
+                          </p:cTn>
+                        </p:par>
+                      </p:childTnLst>
+                    </p:cTn>
+                  </p:par>
+                  <p:par>
+                    <p:cTn id="17" fill="hold">
+                      <p:stCondLst>
+                        <p:cond delay="indefinite"/>
+                      </p:stCondLst>
+                      <p:childTnLst>
+                        <p:par>
+                          <p:cTn id="18" fill="hold">
+                            <p:stCondLst>
+                              <p:cond delay="0"/>
+                            </p:stCondLst>
+                            <p:childTnLst>
+                              <p:par>
+                                <p:cTn id="19" presetID="42" presetClass="entr" presetSubtype="0" fill="hold" grpId="0" nodeType="clickEffect">
+                                  <p:stCondLst>
+                                    <p:cond delay="0"/>
+                                  </p:stCondLst>
+                                  <p:childTnLst>
+                                    <p:set>
+                                      <p:cBhvr>
+                                        <p:cTn id="20" dur="1" fill="hold">
+                                          <p:stCondLst>
+                                            <p:cond delay="0"/>
+                                          </p:stCondLst>
+                                        </p:cTn>
+                                        <p:tgtEl>
+                                          <p:spTgt spid="4">
+                                            <p:graphicEl>
+                                              <a:dgm id="{698152BB-18B9-4B73-AFA7-AE2352CC66E9}"/>
+                                            </p:graphicEl>
+                                          </p:spTgt>
+                                        </p:tgtEl>
+                                        <p:attrNameLst>
+                                          <p:attrName>style.visibility</p:attrName>
+                                        </p:attrNameLst>
+                                      </p:cBhvr>
+                                      <p:to>
+                                        <p:strVal val="visible"/>
+                                      </p:to>
+                                    </p:set>
+                                    <p:animEffect transition="in" filter="fade">
+                                      <p:cBhvr>
+                                        <p:cTn id="21" dur="1000"/>
+                                        <p:tgtEl>
+                                          <p:spTgt spid="4">
+                                            <p:graphicEl>
+                                              <a:dgm id="{698152BB-18B9-4B73-AFA7-AE2352CC66E9}"/>
+                                            </p:graphicEl>
+                                          </p:spTgt>
+                                        </p:tgtEl>
+                                      </p:cBhvr>
+                                    </p:animEffect>
+                                    <p:anim calcmode="lin" valueType="num">
+                                      <p:cBhvr>
+                                        <p:cTn id="22" dur="1000" fill="hold"/>
+                                        <p:tgtEl>
+                                          <p:spTgt spid="4">
+                                            <p:graphicEl>
+                                              <a:dgm id="{698152BB-18B9-4B73-AFA7-AE2352CC66E9}"/>
+                                            </p:graphicEl>
+                                          </p:spTgt>
+                                        </p:tgtEl>
+                                        <p:attrNameLst>
+                                          <p:attrName>ppt_x</p:attrName>
+                                        </p:attrNameLst>
+                                      </p:cBhvr>
+                                      <p:tavLst>
+                                        <p:tav tm="0">
+                                          <p:val>
+                                            <p:strVal val="#ppt_x"/>
+                                          </p:val>
+                                        </p:tav>
+                                        <p:tav tm="100000">
+                                          <p:val>
+                                            <p:strVal val="#ppt_x"/>
+                                          </p:val>
+                                        </p:tav>
+                                      </p:tavLst>
+                                    </p:anim>
+                                    <p:anim calcmode="lin" valueType="num">
+                                      <p:cBhvr>
+                                        <p:cTn id="23" dur="1000" fill="hold"/>
+                                        <p:tgtEl>
+                                          <p:spTgt spid="4">
+                                            <p:graphicEl>
+                                              <a:dgm id="{698152BB-18B9-4B73-AFA7-AE2352CC66E9}"/>
+                                            </p:graphicEl>
+                                          </p:spTgt>
+                                        </p:tgtEl>
+                                        <p:attrNameLst>
+                                          <p:attrName>ppt_y</p:attrName>
+                                        </p:attrNameLst>
+                                      </p:cBhvr>
+                                      <p:tavLst>
+                                        <p:tav tm="0">
+                                          <p:val>
+                                            <p:strVal val="#ppt_y+.1"/>
+                                          </p:val>
+                                        </p:tav>
+                                        <p:tav tm="100000">
+                                          <p:val>
+                                            <p:strVal val="#ppt_y"/>
+                                          </p:val>
+                                        </p:tav>
+                                      </p:tavLst>
+                                    </p:anim>
+                                  </p:childTnLst>
+                                </p:cTn>
+                              </p:par>
+                            </p:childTnLst>
+                          </p:cTn>
+                        </p:par>
+                      </p:childTnLst>
+                    </p:cTn>
+                  </p:par>
+                  <p:par>
+                    <p:cTn id="24" fill="hold">
+                      <p:stCondLst>
+                        <p:cond delay="indefinite"/>
+                      </p:stCondLst>
+                      <p:childTnLst>
+                        <p:par>
+                          <p:cTn id="25" fill="hold">
+                            <p:stCondLst>
+                              <p:cond delay="0"/>
+                            </p:stCondLst>
+                            <p:childTnLst>
+                              <p:par>
+                                <p:cTn id="26" presetID="42" presetClass="entr" presetSubtype="0" fill="hold" grpId="0" nodeType="clickEffect">
+                                  <p:stCondLst>
+                                    <p:cond delay="0"/>
+                                  </p:stCondLst>
+                                  <p:childTnLst>
+                                    <p:set>
+                                      <p:cBhvr>
+                                        <p:cTn id="27" dur="1" fill="hold">
+                                          <p:stCondLst>
+                                            <p:cond delay="0"/>
+                                          </p:stCondLst>
+                                        </p:cTn>
+                                        <p:tgtEl>
+                                          <p:spTgt spid="4">
+                                            <p:graphicEl>
+                                              <a:dgm id="{C6B2301E-6D07-4379-8020-4F7B58A4C07A}"/>
+                                            </p:graphicEl>
+                                          </p:spTgt>
+                                        </p:tgtEl>
+                                        <p:attrNameLst>
+                                          <p:attrName>style.visibility</p:attrName>
+                                        </p:attrNameLst>
+                                      </p:cBhvr>
+                                      <p:to>
+                                        <p:strVal val="visible"/>
+                                      </p:to>
+                                    </p:set>
+                                    <p:animEffect transition="in" filter="fade">
+                                      <p:cBhvr>
+                                        <p:cTn id="28" dur="1000"/>
+                                        <p:tgtEl>
+                                          <p:spTgt spid="4">
+                                            <p:graphicEl>
+                                              <a:dgm id="{C6B2301E-6D07-4379-8020-4F7B58A4C07A}"/>
+                                            </p:graphicEl>
+                                          </p:spTgt>
+                                        </p:tgtEl>
+                                      </p:cBhvr>
+                                    </p:animEffect>
+                                    <p:anim calcmode="lin" valueType="num">
+                                      <p:cBhvr>
+                                        <p:cTn id="29" dur="1000" fill="hold"/>
+                                        <p:tgtEl>
+                                          <p:spTgt spid="4">
+                                            <p:graphicEl>
+                                              <a:dgm id="{C6B2301E-6D07-4379-8020-4F7B58A4C07A}"/>
+                                            </p:graphicEl>
+                                          </p:spTgt>
+                                        </p:tgtEl>
+                                        <p:attrNameLst>
+                                          <p:attrName>ppt_x</p:attrName>
+                                        </p:attrNameLst>
+                                      </p:cBhvr>
+                                      <p:tavLst>
+                                        <p:tav tm="0">
+                                          <p:val>
+                                            <p:strVal val="#ppt_x"/>
+                                          </p:val>
+                                        </p:tav>
+                                        <p:tav tm="100000">
+                                          <p:val>
+                                            <p:strVal val="#ppt_x"/>
+                                          </p:val>
+                                        </p:tav>
+                                      </p:tavLst>
+                                    </p:anim>
+                                    <p:anim calcmode="lin" valueType="num">
+                                      <p:cBhvr>
+                                        <p:cTn id="30" dur="1000" fill="hold"/>
+                                        <p:tgtEl>
+                                          <p:spTgt spid="4">
+                                            <p:graphicEl>
+                                              <a:dgm id="{C6B2301E-6D07-4379-8020-4F7B58A4C07A}"/>
+                                            </p:graphicEl>
+                                          </p:spTgt>
+                                        </p:tgtEl>
+                                        <p:attrNameLst>
+                                          <p:attrName>ppt_y</p:attrName>
+                                        </p:attrNameLst>
+                                      </p:cBhvr>
+                                      <p:tavLst>
+                                        <p:tav tm="0">
+                                          <p:val>
+                                            <p:strVal val="#ppt_y+.1"/>
+                                          </p:val>
+                                        </p:tav>
+                                        <p:tav tm="100000">
+                                          <p:val>
+                                            <p:strVal val="#ppt_y"/>
+                                          </p:val>
+                                        </p:tav>
+                                      </p:tavLst>
+                                    </p:anim>
+                                  </p:childTnLst>
+                                </p:cTn>
+                              </p:par>
+                            </p:childTnLst>
+                          </p:cTn>
+                        </p:par>
+                      </p:childTnLst>
+                    </p:cTn>
+                  </p:par>
+                  <p:par>
+                    <p:cTn id="31" fill="hold">
+                      <p:stCondLst>
+                        <p:cond delay="indefinite"/>
+                      </p:stCondLst>
+                      <p:childTnLst>
+                        <p:par>
+                          <p:cTn id="32" fill="hold">
+                            <p:stCondLst>
+                              <p:cond delay="0"/>
+                            </p:stCondLst>
+                            <p:childTnLst>
+                              <p:par>
+                                <p:cTn id="33" presetID="42" presetClass="entr" presetSubtype="0" fill="hold" grpId="0" nodeType="clickEffect">
+                                  <p:stCondLst>
+                                    <p:cond delay="0"/>
+                                  </p:stCondLst>
+                                  <p:childTnLst>
+                                    <p:set>
+                                      <p:cBhvr>
+                                        <p:cTn id="34" dur="1" fill="hold">
+                                          <p:stCondLst>
+                                            <p:cond delay="0"/>
+                                          </p:stCondLst>
+                                        </p:cTn>
+                                        <p:tgtEl>
+                                          <p:spTgt spid="4">
+                                            <p:graphicEl>
+                                              <a:dgm id="{A5675E25-9C65-4DDD-BBFE-44983E5E3EC7}"/>
+                                            </p:graphicEl>
+                                          </p:spTgt>
+                                        </p:tgtEl>
+                                        <p:attrNameLst>
+                                          <p:attrName>style.visibility</p:attrName>
+                                        </p:attrNameLst>
+                                      </p:cBhvr>
+                                      <p:to>
+                                        <p:strVal val="visible"/>
+                                      </p:to>
+                                    </p:set>
+                                    <p:animEffect transition="in" filter="fade">
+                                      <p:cBhvr>
+                                        <p:cTn id="35" dur="1000"/>
+                                        <p:tgtEl>
+                                          <p:spTgt spid="4">
+                                            <p:graphicEl>
+                                              <a:dgm id="{A5675E25-9C65-4DDD-BBFE-44983E5E3EC7}"/>
+                                            </p:graphicEl>
+                                          </p:spTgt>
+                                        </p:tgtEl>
+                                      </p:cBhvr>
+                                    </p:animEffect>
+                                    <p:anim calcmode="lin" valueType="num">
+                                      <p:cBhvr>
+                                        <p:cTn id="36" dur="1000" fill="hold"/>
+                                        <p:tgtEl>
+                                          <p:spTgt spid="4">
+                                            <p:graphicEl>
+                                              <a:dgm id="{A5675E25-9C65-4DDD-BBFE-44983E5E3EC7}"/>
+                                            </p:graphicEl>
+                                          </p:spTgt>
+                                        </p:tgtEl>
+                                        <p:attrNameLst>
+                                          <p:attrName>ppt_x</p:attrName>
+                                        </p:attrNameLst>
+                                      </p:cBhvr>
+                                      <p:tavLst>
+                                        <p:tav tm="0">
+                                          <p:val>
+                                            <p:strVal val="#ppt_x"/>
+                                          </p:val>
+                                        </p:tav>
+                                        <p:tav tm="100000">
+                                          <p:val>
+                                            <p:strVal val="#ppt_x"/>
+                                          </p:val>
+                                        </p:tav>
+                                      </p:tavLst>
+                                    </p:anim>
+                                    <p:anim calcmode="lin" valueType="num">
+                                      <p:cBhvr>
+                                        <p:cTn id="37" dur="1000" fill="hold"/>
+                                        <p:tgtEl>
+                                          <p:spTgt spid="4">
+                                            <p:graphicEl>
+                                              <a:dgm id="{A5675E25-9C65-4DDD-BBFE-44983E5E3EC7}"/>
+                                            </p:graphicEl>
+                                          </p:spTgt>
+                                        </p:tgtEl>
+                                        <p:attrNameLst>
+                                          <p:attrName>ppt_y</p:attrName>
+                                        </p:attrNameLst>
+                                      </p:cBhvr>
+                                      <p:tavLst>
+                                        <p:tav tm="0">
+                                          <p:val>
+                                            <p:strVal val="#ppt_y+.1"/>
+                                          </p:val>
+                                        </p:tav>
+                                        <p:tav tm="100000">
+                                          <p:val>
+                                            <p:strVal val="#ppt_y"/>
+                                          </p:val>
+                                        </p:tav>
+                                      </p:tavLst>
+                                    </p:anim>
+                                  </p:childTnLst>
+                                </p:cTn>
+                              </p:par>
+                            </p:childTnLst>
+                          </p:cTn>
+                        </p:par>
+                      </p:childTnLst>
+                    </p:cTn>
+                  </p:par>
+                  <p:par>
+                    <p:cTn id="38" fill="hold">
+                      <p:stCondLst>
+                        <p:cond delay="indefinite"/>
+                      </p:stCondLst>
+                      <p:childTnLst>
+                        <p:par>
+                          <p:cTn id="39" fill="hold">
+                            <p:stCondLst>
+                              <p:cond delay="0"/>
+                            </p:stCondLst>
+                            <p:childTnLst>
+                              <p:par>
+                                <p:cTn id="40" presetID="42" presetClass="entr" presetSubtype="0" fill="hold" grpId="0" nodeType="clickEffect">
+                                  <p:stCondLst>
+                                    <p:cond delay="0"/>
+                                  </p:stCondLst>
+                                  <p:childTnLst>
+                                    <p:set>
+                                      <p:cBhvr>
+                                        <p:cTn id="41" dur="1" fill="hold">
+                                          <p:stCondLst>
+                                            <p:cond delay="0"/>
+                                          </p:stCondLst>
+                                        </p:cTn>
+                                        <p:tgtEl>
+                                          <p:spTgt spid="4">
+                                            <p:graphicEl>
+                                              <a:dgm id="{51804ECA-ACC2-4095-B790-EEAE36591A45}"/>
+                                            </p:graphicEl>
+                                          </p:spTgt>
+                                        </p:tgtEl>
+                                        <p:attrNameLst>
+                                          <p:attrName>style.visibility</p:attrName>
+                                        </p:attrNameLst>
+                                      </p:cBhvr>
+                                      <p:to>
+                                        <p:strVal val="visible"/>
+                                      </p:to>
+                                    </p:set>
+                                    <p:animEffect transition="in" filter="fade">
+                                      <p:cBhvr>
+                                        <p:cTn id="42" dur="1000"/>
+                                        <p:tgtEl>
+                                          <p:spTgt spid="4">
+                                            <p:graphicEl>
+                                              <a:dgm id="{51804ECA-ACC2-4095-B790-EEAE36591A45}"/>
+                                            </p:graphicEl>
+                                          </p:spTgt>
+                                        </p:tgtEl>
+                                      </p:cBhvr>
+                                    </p:animEffect>
+                                    <p:anim calcmode="lin" valueType="num">
+                                      <p:cBhvr>
+                                        <p:cTn id="43" dur="1000" fill="hold"/>
+                                        <p:tgtEl>
+                                          <p:spTgt spid="4">
+                                            <p:graphicEl>
+                                              <a:dgm id="{51804ECA-ACC2-4095-B790-EEAE36591A45}"/>
+                                            </p:graphicEl>
+                                          </p:spTgt>
+                                        </p:tgtEl>
+                                        <p:attrNameLst>
+                                          <p:attrName>ppt_x</p:attrName>
+                                        </p:attrNameLst>
+                                      </p:cBhvr>
+                                      <p:tavLst>
+                                        <p:tav tm="0">
+                                          <p:val>
+                                            <p:strVal val="#ppt_x"/>
+                                          </p:val>
+                                        </p:tav>
+                                        <p:tav tm="100000">
+                                          <p:val>
+                                            <p:strVal val="#ppt_x"/>
+                                          </p:val>
+                                        </p:tav>
+                                      </p:tavLst>
+                                    </p:anim>
+                                    <p:anim calcmode="lin" valueType="num">
+                                      <p:cBhvr>
+                                        <p:cTn id="44" dur="1000" fill="hold"/>
+                                        <p:tgtEl>
+                                          <p:spTgt spid="4">
+                                            <p:graphicEl>
+                                              <a:dgm id="{51804ECA-ACC2-4095-B790-EEAE36591A45}"/>
+                                            </p:graphicEl>
+                                          </p:spTgt>
+                                        </p:tgtEl>
+                                        <p:attrNameLst>
+                                          <p:attrName>ppt_y</p:attrName>
+                                        </p:attrNameLst>
+                                      </p:cBhvr>
+                                      <p:tavLst>
+                                        <p:tav tm="0">
+                                          <p:val>
+                                            <p:strVal val="#ppt_y+.1"/>
+                                          </p:val>
+                                        </p:tav>
+                                        <p:tav tm="100000">
+                                          <p:val>
+                                            <p:strVal val="#ppt_y"/>
+                                          </p:val>
+                                        </p:tav>
+                                      </p:tavLst>
+                                    </p:anim>
+                                  </p:childTnLst>
+                                </p:cTn>
+                              </p:par>
+                            </p:childTnLst>
+                          </p:cTn>
+                        </p:par>
+                      </p:childTnLst>
+                    </p:cTn>
+                  </p:par>
+                  <p:par>
+                    <p:cTn id="45" fill="hold">
+                      <p:stCondLst>
+                        <p:cond delay="indefinite"/>
+                      </p:stCondLst>
+                      <p:childTnLst>
+                        <p:par>
+                          <p:cTn id="46" fill="hold">
+                            <p:stCondLst>
+                              <p:cond delay="0"/>
+                            </p:stCondLst>
+                            <p:childTnLst>
+                              <p:par>
+                                <p:cTn id="47" presetID="42" presetClass="entr" presetSubtype="0" fill="hold" grpId="0" nodeType="clickEffect">
+                                  <p:stCondLst>
+                                    <p:cond delay="0"/>
+                                  </p:stCondLst>
+                                  <p:childTnLst>
+                                    <p:set>
+                                      <p:cBhvr>
+                                        <p:cTn id="48" dur="1" fill="hold">
+                                          <p:stCondLst>
+                                            <p:cond delay="0"/>
+                                          </p:stCondLst>
+                                        </p:cTn>
+                                        <p:tgtEl>
+                                          <p:spTgt spid="4">
+                                            <p:graphicEl>
+                                              <a:dgm id="{CE620F5E-049F-46C8-97AA-AF803BD145E5}"/>
+                                            </p:graphicEl>
+                                          </p:spTgt>
+                                        </p:tgtEl>
+                                        <p:attrNameLst>
+                                          <p:attrName>style.visibility</p:attrName>
+                                        </p:attrNameLst>
+                                      </p:cBhvr>
+                                      <p:to>
+                                        <p:strVal val="visible"/>
+                                      </p:to>
+                                    </p:set>
+                                    <p:animEffect transition="in" filter="fade">
+                                      <p:cBhvr>
+                                        <p:cTn id="49" dur="1000"/>
+                                        <p:tgtEl>
+                                          <p:spTgt spid="4">
+                                            <p:graphicEl>
+                                              <a:dgm id="{CE620F5E-049F-46C8-97AA-AF803BD145E5}"/>
+                                            </p:graphicEl>
+                                          </p:spTgt>
+                                        </p:tgtEl>
+                                      </p:cBhvr>
+                                    </p:animEffect>
+                                    <p:anim calcmode="lin" valueType="num">
+                                      <p:cBhvr>
+                                        <p:cTn id="50" dur="1000" fill="hold"/>
+                                        <p:tgtEl>
+                                          <p:spTgt spid="4">
+                                            <p:graphicEl>
+                                              <a:dgm id="{CE620F5E-049F-46C8-97AA-AF803BD145E5}"/>
+                                            </p:graphicEl>
+                                          </p:spTgt>
+                                        </p:tgtEl>
+                                        <p:attrNameLst>
+                                          <p:attrName>ppt_x</p:attrName>
+                                        </p:attrNameLst>
+                                      </p:cBhvr>
+                                      <p:tavLst>
+                                        <p:tav tm="0">
+                                          <p:val>
+                                            <p:strVal val="#ppt_x"/>
+                                          </p:val>
+                                        </p:tav>
+                                        <p:tav tm="100000">
+                                          <p:val>
+                                            <p:strVal val="#ppt_x"/>
+                                          </p:val>
+                                        </p:tav>
+                                      </p:tavLst>
+                                    </p:anim>
+                                    <p:anim calcmode="lin" valueType="num">
+                                      <p:cBhvr>
+                                        <p:cTn id="51" dur="1000" fill="hold"/>
+                                        <p:tgtEl>
+                                          <p:spTgt spid="4">
+                                            <p:graphicEl>
+                                              <a:dgm id="{CE620F5E-049F-46C8-97AA-AF803BD145E5}"/>
+                                            </p:graphicEl>
+                                          </p:spTgt>
+                                        </p:tgtEl>
+                                        <p:attrNameLst>
+                                          <p:attrName>ppt_y</p:attrName>
+                                        </p:attrNameLst>
+                                      </p:cBhvr>
+                                      <p:tavLst>
+                                        <p:tav tm="0">
+                                          <p:val>
+                                            <p:strVal val="#ppt_y+.1"/>
+                                          </p:val>
+                                        </p:tav>
+                                        <p:tav tm="100000">
+                                          <p:val>
+                                            <p:strVal val="#ppt_y"/>
+                                          </p:val>
+                                        </p:tav>
+                                      </p:tavLst>
+                                    </p:anim>
+                                  </p:childTnLst>
+                                </p:cTn>
+                              </p:par>
+                            </p:childTnLst>
+                          </p:cTn>
+                        </p:par>
+                      </p:childTnLst>
+                    </p:cTn>
+                  </p:par>
+                  <p:par>
+                    <p:cTn id="52" fill="hold">
+                      <p:stCondLst>
+                        <p:cond delay="indefinite"/>
+                      </p:stCondLst>
+                      <p:childTnLst>
+                        <p:par>
+                          <p:cTn id="53" fill="hold">
+                            <p:stCondLst>
+                              <p:cond delay="0"/>
+                            </p:stCondLst>
+                            <p:childTnLst>
+                              <p:par>
+                                <p:cTn id="54" presetID="42" presetClass="entr" presetSubtype="0" fill="hold" grpId="0" nodeType="clickEffect">
+                                  <p:stCondLst>
+                                    <p:cond delay="0"/>
+                                  </p:stCondLst>
+                                  <p:childTnLst>
+                                    <p:set>
+                                      <p:cBhvr>
+                                        <p:cTn id="55" dur="1" fill="hold">
+                                          <p:stCondLst>
+                                            <p:cond delay="0"/>
+                                          </p:stCondLst>
+                                        </p:cTn>
+                                        <p:tgtEl>
+                                          <p:spTgt spid="4">
+                                            <p:graphicEl>
+                                              <a:dgm id="{8612C22A-6962-45E2-8C79-7510BE0D4DFB}"/>
+                                            </p:graphicEl>
+                                          </p:spTgt>
+                                        </p:tgtEl>
+                                        <p:attrNameLst>
+                                          <p:attrName>style.visibility</p:attrName>
+                                        </p:attrNameLst>
+                                      </p:cBhvr>
+                                      <p:to>
+                                        <p:strVal val="visible"/>
+                                      </p:to>
+                                    </p:set>
+                                    <p:animEffect transition="in" filter="fade">
+                                      <p:cBhvr>
+                                        <p:cTn id="56" dur="1000"/>
+                                        <p:tgtEl>
+                                          <p:spTgt spid="4">
+                                            <p:graphicEl>
+                                              <a:dgm id="{8612C22A-6962-45E2-8C79-7510BE0D4DFB}"/>
+                                            </p:graphicEl>
+                                          </p:spTgt>
+                                        </p:tgtEl>
+                                      </p:cBhvr>
+                                    </p:animEffect>
+                                    <p:anim calcmode="lin" valueType="num">
+                                      <p:cBhvr>
+                                        <p:cTn id="57" dur="1000" fill="hold"/>
+                                        <p:tgtEl>
+                                          <p:spTgt spid="4">
+                                            <p:graphicEl>
+                                              <a:dgm id="{8612C22A-6962-45E2-8C79-7510BE0D4DFB}"/>
+                                            </p:graphicEl>
+                                          </p:spTgt>
+                                        </p:tgtEl>
+                                        <p:attrNameLst>
+                                          <p:attrName>ppt_x</p:attrName>
+                                        </p:attrNameLst>
+                                      </p:cBhvr>
+                                      <p:tavLst>
+                                        <p:tav tm="0">
+                                          <p:val>
+                                            <p:strVal val="#ppt_x"/>
+                                          </p:val>
+                                        </p:tav>
+                                        <p:tav tm="100000">
+                                          <p:val>
+                                            <p:strVal val="#ppt_x"/>
+                                          </p:val>
+                                        </p:tav>
+                                      </p:tavLst>
+                                    </p:anim>
+                                    <p:anim calcmode="lin" valueType="num">
+                                      <p:cBhvr>
+                                        <p:cTn id="58" dur="1000" fill="hold"/>
+                                        <p:tgtEl>
+                                          <p:spTgt spid="4">
+                                            <p:graphicEl>
+                                              <a:dgm id="{8612C22A-6962-45E2-8C79-7510BE0D4DFB}"/>
+                                            </p:graphicEl>
+                                          </p:spTgt>
+                                        </p:tgtEl>
+                                        <p:attrNameLst>
+                                          <p:attrName>ppt_y</p:attrName>
+                                        </p:attrNameLst>
+                                      </p:cBhvr>
+                                      <p:tavLst>
+                                        <p:tav tm="0">
+                                          <p:val>
+                                            <p:strVal val="#ppt_y+.1"/>
+                                          </p:val>
+                                        </p:tav>
+                                        <p:tav tm="100000">
+                                          <p:val>
+                                            <p:strVal val="#ppt_y"/>
+                                          </p:val>
+                                        </p:tav>
+                                      </p:tavLst>
+                                    </p:anim>
+                                  </p:childTnLst>
+                                </p:cTn>
+                              </p:par>
+                            </p:childTnLst>
+                          </p:cTn>
+                        </p:par>
+                      </p:childTnLst>
+                    </p:cTn>
+                  </p:par>
+                  <p:par>
+                    <p:cTn id="59" fill="hold">
+                      <p:stCondLst>
+                        <p:cond delay="indefinite"/>
+                      </p:stCondLst>
+                      <p:childTnLst>
+                        <p:par>
+                          <p:cTn id="60" fill="hold">
+                            <p:stCondLst>
+                              <p:cond delay="0"/>
+                            </p:stCondLst>
+                            <p:childTnLst>
+                              <p:par>
+                                <p:cTn id="61" presetID="42" presetClass="entr" presetSubtype="0" fill="hold" grpId="0" nodeType="clickEffect">
+                                  <p:stCondLst>
+                                    <p:cond delay="0"/>
+                                  </p:stCondLst>
+                                  <p:childTnLst>
+                                    <p:set>
+                                      <p:cBhvr>
+                                        <p:cTn id="62" dur="1" fill="hold">
+                                          <p:stCondLst>
+                                            <p:cond delay="0"/>
+                                          </p:stCondLst>
+                                        </p:cTn>
+                                        <p:tgtEl>
+                                          <p:spTgt spid="4">
+                                            <p:graphicEl>
+                                              <a:dgm id="{17207947-1894-4E7B-BA79-B97A867C4E95}"/>
+                                            </p:graphicEl>
+                                          </p:spTgt>
+                                        </p:tgtEl>
+                                        <p:attrNameLst>
+                                          <p:attrName>style.visibility</p:attrName>
+                                        </p:attrNameLst>
+                                      </p:cBhvr>
+                                      <p:to>
+                                        <p:strVal val="visible"/>
+                                      </p:to>
+                                    </p:set>
+                                    <p:animEffect transition="in" filter="fade">
+                                      <p:cBhvr>
+                                        <p:cTn id="63" dur="1000"/>
+                                        <p:tgtEl>
+                                          <p:spTgt spid="4">
+                                            <p:graphicEl>
+                                              <a:dgm id="{17207947-1894-4E7B-BA79-B97A867C4E95}"/>
+                                            </p:graphicEl>
+                                          </p:spTgt>
+                                        </p:tgtEl>
+                                      </p:cBhvr>
+                                    </p:animEffect>
+                                    <p:anim calcmode="lin" valueType="num">
+                                      <p:cBhvr>
+                                        <p:cTn id="64" dur="1000" fill="hold"/>
+                                        <p:tgtEl>
+                                          <p:spTgt spid="4">
+                                            <p:graphicEl>
+                                              <a:dgm id="{17207947-1894-4E7B-BA79-B97A867C4E95}"/>
+                                            </p:graphicEl>
+                                          </p:spTgt>
+                                        </p:tgtEl>
+                                        <p:attrNameLst>
+                                          <p:attrName>ppt_x</p:attrName>
+                                        </p:attrNameLst>
+                                      </p:cBhvr>
+                                      <p:tavLst>
+                                        <p:tav tm="0">
+                                          <p:val>
+                                            <p:strVal val="#ppt_x"/>
+                                          </p:val>
+                                        </p:tav>
+                                        <p:tav tm="100000">
+                                          <p:val>
+                                            <p:strVal val="#ppt_x"/>
+                                          </p:val>
+                                        </p:tav>
+                                      </p:tavLst>
+                                    </p:anim>
+                                    <p:anim calcmode="lin" valueType="num">
+                                      <p:cBhvr>
+                                        <p:cTn id="65" dur="1000" fill="hold"/>
+                                        <p:tgtEl>
+                                          <p:spTgt spid="4">
+                                            <p:graphicEl>
+                                              <a:dgm id="{17207947-1894-4E7B-BA79-B97A867C4E95}"/>
+                                            </p:graphicEl>
+                                          </p:spTgt>
+                                        </p:tgtEl>
+                                        <p:attrNameLst>
+                                          <p:attrName>ppt_y</p:attrName>
+                                        </p:attrNameLst>
+                                      </p:cBhvr>
+                                      <p:tavLst>
+                                        <p:tav tm="0">
+                                          <p:val>
+                                            <p:strVal val="#ppt_y+.1"/>
+                                          </p:val>
+                                        </p:tav>
+                                        <p:tav tm="100000">
+                                          <p:val>
+                                            <p:strVal val="#ppt_y"/>
+                                          </p:val>
+                                        </p:tav>
+                                      </p:tavLst>
+                                    </p:anim>
+                                  </p:childTnLst>
+                                </p:cTn>
+                              </p:par>
+                            </p:childTnLst>
+                          </p:cTn>
+                        </p:par>
+                      </p:childTnLst>
+                    </p:cTn>
+                  </p:par>
+                </p:childTnLst>
+              </p:cTn>
+              <p:prevCondLst>
+                <p:cond evt="onPrev" delay="0">
+                  <p:tgtEl>
+                    <p:sldTgt/>
+                  </p:tgtEl>
+                </p:cond>
+              </p:prevCondLst>
+              <p:nextCondLst>
+                <p:cond evt="onNext" delay="0">
+                  <p:tgtEl>
+                    <p:sldTgt/>
+                  </p:tgtEl>
+                </p:cond>
+              </p:nextCondLst>
+            </p:seq>
+          </p:childTnLst>
+        </p:cTn>
+      </p:par>
+    </p:tnLst>
+    <p:bldLst>
+      <p:bldGraphic spid="4" grpId="0">
+        <p:bldSub>
+          <a:bldDgm bld="one"/>
+        </p:bldSub>
+      </p:bldGraphic>
+    </p:bldLst>
+  </p:timing>
 </p:sld>
 </file>
 

--- a/Docs/Rushup.pptx
+++ b/Docs/Rushup.pptx
@@ -19348,10 +19348,6 @@
           <a:bodyPr/>
           <a:lstStyle/>
           <a:p>
-            <a:r>
-              <a:rPr lang="fr-FR" dirty="0" err="1" smtClean="0"/>
-              <a:t>Rushup</a:t>
-            </a:r>
             <a:endParaRPr lang="fr-FR" dirty="0"/>
           </a:p>
         </p:txBody>
@@ -19375,6 +19371,36 @@
           </a:p>
         </p:txBody>
       </p:sp>
+      <p:pic>
+        <p:nvPicPr>
+          <p:cNvPr id="4" name="Image 3"/>
+          <p:cNvPicPr>
+            <a:picLocks noChangeAspect="1"/>
+          </p:cNvPicPr>
+          <p:nvPr/>
+        </p:nvPicPr>
+        <p:blipFill>
+          <a:blip r:embed="rId2">
+            <a:extLst>
+              <a:ext uri="{28A0092B-C50C-407E-A947-70E740481C1C}">
+                <a14:useLocalDpi xmlns:a14="http://schemas.microsoft.com/office/drawing/2010/main" val="0"/>
+              </a:ext>
+            </a:extLst>
+          </a:blip>
+          <a:stretch>
+            <a:fillRect/>
+          </a:stretch>
+        </p:blipFill>
+        <p:spPr>
+          <a:xfrm>
+            <a:off x="1680115" y="1775014"/>
+            <a:ext cx="9184192" cy="2654905"/>
+          </a:xfrm>
+          <a:prstGeom prst="rect">
+            <a:avLst/>
+          </a:prstGeom>
+        </p:spPr>
+      </p:pic>
     </p:spTree>
     <p:extLst>
       <p:ext uri="{BB962C8B-B14F-4D97-AF65-F5344CB8AC3E}">
@@ -19385,6 +19411,13 @@
   <p:clrMapOvr>
     <a:masterClrMapping/>
   </p:clrMapOvr>
+  <p:timing>
+    <p:tnLst>
+      <p:par>
+        <p:cTn id="1" dur="indefinite" restart="never" nodeType="tmRoot"/>
+      </p:par>
+    </p:tnLst>
+  </p:timing>
 </p:sld>
 </file>
 
